--- a/presentation.pptx
+++ b/presentation.pptx
@@ -13,16 +13,16 @@
     <p:sldId id="258" r:id="rId4"/>
     <p:sldId id="259" r:id="rId5"/>
     <p:sldId id="279" r:id="rId6"/>
-    <p:sldId id="281" r:id="rId7"/>
-    <p:sldId id="283" r:id="rId8"/>
+    <p:sldId id="283" r:id="rId7"/>
+    <p:sldId id="281" r:id="rId8"/>
     <p:sldId id="278" r:id="rId9"/>
     <p:sldId id="288" r:id="rId10"/>
     <p:sldId id="286" r:id="rId11"/>
     <p:sldId id="287" r:id="rId12"/>
-    <p:sldId id="280" r:id="rId13"/>
-    <p:sldId id="285" r:id="rId14"/>
-    <p:sldId id="260" r:id="rId15"/>
-    <p:sldId id="261" r:id="rId16"/>
+    <p:sldId id="261" r:id="rId13"/>
+    <p:sldId id="280" r:id="rId14"/>
+    <p:sldId id="285" r:id="rId15"/>
+    <p:sldId id="260" r:id="rId16"/>
     <p:sldId id="276" r:id="rId17"/>
     <p:sldId id="277" r:id="rId18"/>
     <p:sldId id="282" r:id="rId19"/>
@@ -136,7 +136,7 @@
 <file path=ppt/revisionInfo.xml><?xml version="1.0" encoding="utf-8"?>
 <p1510:revInfo xmlns:a="http://schemas.openxmlformats.org/drawingml/2006/main" xmlns:r="http://schemas.openxmlformats.org/officeDocument/2006/relationships" xmlns:p1510="http://schemas.microsoft.com/office/powerpoint/2015/10/main">
   <p1510:revLst>
-    <p1510:client id="{B4F66AF7-A10F-4D64-B2E7-DA3083221450}" v="81" dt="2021-07-19T09:13:26.648"/>
+    <p1510:client id="{B4F66AF7-A10F-4D64-B2E7-DA3083221450}" v="169" dt="2021-07-21T08:57:11.041"/>
   </p1510:revLst>
 </p1510:revInfo>
 </file>
@@ -146,7 +146,7 @@
   <pc:docChgLst>
     <pc:chgData name="Tamjid Ahsan" userId="15c1a18861ae33e8" providerId="LiveId" clId="{B4F66AF7-A10F-4D64-B2E7-DA3083221450}"/>
     <pc:docChg chg="undo custSel addSld delSld modSld sldOrd">
-      <pc:chgData name="Tamjid Ahsan" userId="15c1a18861ae33e8" providerId="LiveId" clId="{B4F66AF7-A10F-4D64-B2E7-DA3083221450}" dt="2021-07-19T09:28:45.171" v="2399"/>
+      <pc:chgData name="Tamjid Ahsan" userId="15c1a18861ae33e8" providerId="LiveId" clId="{B4F66AF7-A10F-4D64-B2E7-DA3083221450}" dt="2021-07-21T08:57:51.440" v="2710" actId="20577"/>
       <pc:docMkLst>
         <pc:docMk/>
       </pc:docMkLst>
@@ -461,7 +461,7 @@
         </pc:cxnChg>
       </pc:sldChg>
       <pc:sldChg chg="addSp delSp modSp new mod setBg setClrOvrMap modNotesTx">
-        <pc:chgData name="Tamjid Ahsan" userId="15c1a18861ae33e8" providerId="LiveId" clId="{B4F66AF7-A10F-4D64-B2E7-DA3083221450}" dt="2021-07-19T09:17:22.348" v="2352" actId="14429"/>
+        <pc:chgData name="Tamjid Ahsan" userId="15c1a18861ae33e8" providerId="LiveId" clId="{B4F66AF7-A10F-4D64-B2E7-DA3083221450}" dt="2021-07-21T03:51:34.913" v="2404" actId="20577"/>
         <pc:sldMkLst>
           <pc:docMk/>
           <pc:sldMk cId="1785489686" sldId="258"/>
@@ -515,7 +515,7 @@
           </ac:spMkLst>
         </pc:spChg>
         <pc:spChg chg="mod topLvl">
-          <ac:chgData name="Tamjid Ahsan" userId="15c1a18861ae33e8" providerId="LiveId" clId="{B4F66AF7-A10F-4D64-B2E7-DA3083221450}" dt="2021-07-19T09:16:48.242" v="2336"/>
+          <ac:chgData name="Tamjid Ahsan" userId="15c1a18861ae33e8" providerId="LiveId" clId="{B4F66AF7-A10F-4D64-B2E7-DA3083221450}" dt="2021-07-21T03:51:34.913" v="2404" actId="20577"/>
           <ac:spMkLst>
             <pc:docMk/>
             <pc:sldMk cId="1785489686" sldId="258"/>
@@ -786,14 +786,14 @@
           </ac:graphicFrameMkLst>
         </pc:graphicFrameChg>
       </pc:sldChg>
-      <pc:sldChg chg="addSp delSp modSp add mod setBg">
-        <pc:chgData name="Tamjid Ahsan" userId="15c1a18861ae33e8" providerId="LiveId" clId="{B4F66AF7-A10F-4D64-B2E7-DA3083221450}" dt="2021-07-19T03:09:25.227" v="2254" actId="14100"/>
+      <pc:sldChg chg="addSp delSp modSp add mod setBg modNotesTx">
+        <pc:chgData name="Tamjid Ahsan" userId="15c1a18861ae33e8" providerId="LiveId" clId="{B4F66AF7-A10F-4D64-B2E7-DA3083221450}" dt="2021-07-21T08:50:47.209" v="2602" actId="113"/>
         <pc:sldMkLst>
           <pc:docMk/>
           <pc:sldMk cId="2638182324" sldId="260"/>
         </pc:sldMkLst>
         <pc:spChg chg="mod">
-          <ac:chgData name="Tamjid Ahsan" userId="15c1a18861ae33e8" providerId="LiveId" clId="{B4F66AF7-A10F-4D64-B2E7-DA3083221450}" dt="2021-07-19T03:08:58.072" v="2251" actId="26606"/>
+          <ac:chgData name="Tamjid Ahsan" userId="15c1a18861ae33e8" providerId="LiveId" clId="{B4F66AF7-A10F-4D64-B2E7-DA3083221450}" dt="2021-07-21T08:49:17.074" v="2585" actId="1076"/>
           <ac:spMkLst>
             <pc:docMk/>
             <pc:sldMk cId="2638182324" sldId="260"/>
@@ -801,7 +801,7 @@
           </ac:spMkLst>
         </pc:spChg>
         <pc:spChg chg="mod">
-          <ac:chgData name="Tamjid Ahsan" userId="15c1a18861ae33e8" providerId="LiveId" clId="{B4F66AF7-A10F-4D64-B2E7-DA3083221450}" dt="2021-07-19T03:08:58.072" v="2251" actId="26606"/>
+          <ac:chgData name="Tamjid Ahsan" userId="15c1a18861ae33e8" providerId="LiveId" clId="{B4F66AF7-A10F-4D64-B2E7-DA3083221450}" dt="2021-07-21T08:50:47.209" v="2602" actId="113"/>
           <ac:spMkLst>
             <pc:docMk/>
             <pc:sldMk cId="2638182324" sldId="260"/>
@@ -841,7 +841,7 @@
           </ac:spMkLst>
         </pc:spChg>
         <pc:spChg chg="add mod">
-          <ac:chgData name="Tamjid Ahsan" userId="15c1a18861ae33e8" providerId="LiveId" clId="{B4F66AF7-A10F-4D64-B2E7-DA3083221450}" dt="2021-07-19T03:09:25.227" v="2254" actId="14100"/>
+          <ac:chgData name="Tamjid Ahsan" userId="15c1a18861ae33e8" providerId="LiveId" clId="{B4F66AF7-A10F-4D64-B2E7-DA3083221450}" dt="2021-07-21T08:49:44.271" v="2592"/>
           <ac:spMkLst>
             <pc:docMk/>
             <pc:sldMk cId="2638182324" sldId="260"/>
@@ -864,29 +864,69 @@
             <ac:picMk id="14" creationId="{97166503-5555-43A3-AB3E-5181D633D6C5}"/>
           </ac:picMkLst>
         </pc:picChg>
-        <pc:picChg chg="add">
-          <ac:chgData name="Tamjid Ahsan" userId="15c1a18861ae33e8" providerId="LiveId" clId="{B4F66AF7-A10F-4D64-B2E7-DA3083221450}" dt="2021-07-19T03:08:58.072" v="2251" actId="26606"/>
+        <pc:picChg chg="add mod">
+          <ac:chgData name="Tamjid Ahsan" userId="15c1a18861ae33e8" providerId="LiveId" clId="{B4F66AF7-A10F-4D64-B2E7-DA3083221450}" dt="2021-07-21T08:50:05.918" v="2596"/>
           <ac:picMkLst>
             <pc:docMk/>
             <pc:sldMk cId="2638182324" sldId="260"/>
             <ac:picMk id="17" creationId="{489FB7F6-6827-464A-BEE3-83AD868ED171}"/>
           </ac:picMkLst>
         </pc:picChg>
+        <pc:cxnChg chg="add mod">
+          <ac:chgData name="Tamjid Ahsan" userId="15c1a18861ae33e8" providerId="LiveId" clId="{B4F66AF7-A10F-4D64-B2E7-DA3083221450}" dt="2021-07-21T08:49:20.488" v="2586" actId="1076"/>
+          <ac:cxnSpMkLst>
+            <pc:docMk/>
+            <pc:sldMk cId="2638182324" sldId="260"/>
+            <ac:cxnSpMk id="7" creationId="{3ED394F0-AC5F-4CDD-966F-7E91A315265A}"/>
+          </ac:cxnSpMkLst>
+        </pc:cxnChg>
       </pc:sldChg>
-      <pc:sldChg chg="modSp new mod">
-        <pc:chgData name="Tamjid Ahsan" userId="15c1a18861ae33e8" providerId="LiveId" clId="{B4F66AF7-A10F-4D64-B2E7-DA3083221450}" dt="2021-07-19T01:00:11.234" v="104" actId="20577"/>
+      <pc:sldChg chg="addSp delSp modSp new mod ord setBg">
+        <pc:chgData name="Tamjid Ahsan" userId="15c1a18861ae33e8" providerId="LiveId" clId="{B4F66AF7-A10F-4D64-B2E7-DA3083221450}" dt="2021-07-21T08:57:51.440" v="2710" actId="20577"/>
         <pc:sldMkLst>
           <pc:docMk/>
           <pc:sldMk cId="2610522644" sldId="261"/>
         </pc:sldMkLst>
         <pc:spChg chg="mod">
-          <ac:chgData name="Tamjid Ahsan" userId="15c1a18861ae33e8" providerId="LiveId" clId="{B4F66AF7-A10F-4D64-B2E7-DA3083221450}" dt="2021-07-19T01:00:11.234" v="104" actId="20577"/>
+          <ac:chgData name="Tamjid Ahsan" userId="15c1a18861ae33e8" providerId="LiveId" clId="{B4F66AF7-A10F-4D64-B2E7-DA3083221450}" dt="2021-07-21T08:55:06.257" v="2673" actId="26606"/>
           <ac:spMkLst>
             <pc:docMk/>
             <pc:sldMk cId="2610522644" sldId="261"/>
             <ac:spMk id="2" creationId="{24CA2AB5-0B80-4D64-9138-9335AE0094ED}"/>
           </ac:spMkLst>
         </pc:spChg>
+        <pc:spChg chg="del">
+          <ac:chgData name="Tamjid Ahsan" userId="15c1a18861ae33e8" providerId="LiveId" clId="{B4F66AF7-A10F-4D64-B2E7-DA3083221450}" dt="2021-07-21T08:51:47.016" v="2629" actId="3680"/>
+          <ac:spMkLst>
+            <pc:docMk/>
+            <pc:sldMk cId="2610522644" sldId="261"/>
+            <ac:spMk id="3" creationId="{15566D00-65CE-46A4-83ED-49C4A566FEBA}"/>
+          </ac:spMkLst>
+        </pc:spChg>
+        <pc:spChg chg="add">
+          <ac:chgData name="Tamjid Ahsan" userId="15c1a18861ae33e8" providerId="LiveId" clId="{B4F66AF7-A10F-4D64-B2E7-DA3083221450}" dt="2021-07-21T08:55:06.257" v="2673" actId="26606"/>
+          <ac:spMkLst>
+            <pc:docMk/>
+            <pc:sldMk cId="2610522644" sldId="261"/>
+            <ac:spMk id="9" creationId="{42285737-90EE-47DC-AC80-8AE156B11969}"/>
+          </ac:spMkLst>
+        </pc:spChg>
+        <pc:grpChg chg="add">
+          <ac:chgData name="Tamjid Ahsan" userId="15c1a18861ae33e8" providerId="LiveId" clId="{B4F66AF7-A10F-4D64-B2E7-DA3083221450}" dt="2021-07-21T08:55:06.257" v="2673" actId="26606"/>
+          <ac:grpSpMkLst>
+            <pc:docMk/>
+            <pc:sldMk cId="2610522644" sldId="261"/>
+            <ac:grpSpMk id="11" creationId="{B57BDC17-F1B3-455F-BBF1-680AA1F25C06}"/>
+          </ac:grpSpMkLst>
+        </pc:grpChg>
+        <pc:graphicFrameChg chg="add mod ord modGraphic">
+          <ac:chgData name="Tamjid Ahsan" userId="15c1a18861ae33e8" providerId="LiveId" clId="{B4F66AF7-A10F-4D64-B2E7-DA3083221450}" dt="2021-07-21T08:57:51.440" v="2710" actId="20577"/>
+          <ac:graphicFrameMkLst>
+            <pc:docMk/>
+            <pc:sldMk cId="2610522644" sldId="261"/>
+            <ac:graphicFrameMk id="4" creationId="{91DB84C5-D42B-40E2-A191-0C4BFE4BEB8A}"/>
+          </ac:graphicFrameMkLst>
+        </pc:graphicFrameChg>
       </pc:sldChg>
       <pc:sldChg chg="delSp add del delDesignElem">
         <pc:chgData name="Tamjid Ahsan" userId="15c1a18861ae33e8" providerId="LiveId" clId="{B4F66AF7-A10F-4D64-B2E7-DA3083221450}" dt="2021-07-19T01:00:31.821" v="109" actId="2696"/>
@@ -1134,7 +1174,7 @@
         </pc:spChg>
       </pc:sldChg>
       <pc:sldChg chg="addSp delSp modSp new mod ord setBg">
-        <pc:chgData name="Tamjid Ahsan" userId="15c1a18861ae33e8" providerId="LiveId" clId="{B4F66AF7-A10F-4D64-B2E7-DA3083221450}" dt="2021-07-19T02:40:23.136" v="1851" actId="732"/>
+        <pc:chgData name="Tamjid Ahsan" userId="15c1a18861ae33e8" providerId="LiveId" clId="{B4F66AF7-A10F-4D64-B2E7-DA3083221450}" dt="2021-07-21T08:28:56.487" v="2420"/>
         <pc:sldMkLst>
           <pc:docMk/>
           <pc:sldMk cId="1108634628" sldId="278"/>
@@ -1171,16 +1211,48 @@
             <ac:spMk id="14" creationId="{2B566528-1B12-4246-9431-5C2D7D081168}"/>
           </ac:spMkLst>
         </pc:spChg>
-        <pc:grpChg chg="add">
-          <ac:chgData name="Tamjid Ahsan" userId="15c1a18861ae33e8" providerId="LiveId" clId="{B4F66AF7-A10F-4D64-B2E7-DA3083221450}" dt="2021-07-19T02:12:42.745" v="1726" actId="26606"/>
+        <pc:spChg chg="mod">
+          <ac:chgData name="Tamjid Ahsan" userId="15c1a18861ae33e8" providerId="LiveId" clId="{B4F66AF7-A10F-4D64-B2E7-DA3083221450}" dt="2021-07-21T08:26:47.453" v="2412"/>
+          <ac:spMkLst>
+            <pc:docMk/>
+            <pc:sldMk cId="1108634628" sldId="278"/>
+            <ac:spMk id="17" creationId="{D3F51FEB-38FB-4F6C-9F7B-2F2AFAB65463}"/>
+          </ac:spMkLst>
+        </pc:spChg>
+        <pc:spChg chg="mod">
+          <ac:chgData name="Tamjid Ahsan" userId="15c1a18861ae33e8" providerId="LiveId" clId="{B4F66AF7-A10F-4D64-B2E7-DA3083221450}" dt="2021-07-21T08:26:47.453" v="2412"/>
+          <ac:spMkLst>
+            <pc:docMk/>
+            <pc:sldMk cId="1108634628" sldId="278"/>
+            <ac:spMk id="18" creationId="{1E547BA6-BAE0-43BB-A7CA-60F69CE252F0}"/>
+          </ac:spMkLst>
+        </pc:spChg>
+        <pc:spChg chg="mod">
+          <ac:chgData name="Tamjid Ahsan" userId="15c1a18861ae33e8" providerId="LiveId" clId="{B4F66AF7-A10F-4D64-B2E7-DA3083221450}" dt="2021-07-21T08:28:56.487" v="2420"/>
+          <ac:spMkLst>
+            <pc:docMk/>
+            <pc:sldMk cId="1108634628" sldId="278"/>
+            <ac:spMk id="21" creationId="{CC1A72C6-3DE4-4EC3-9AD5-9E0D40D8CE8A}"/>
+          </ac:spMkLst>
+        </pc:spChg>
+        <pc:spChg chg="mod">
+          <ac:chgData name="Tamjid Ahsan" userId="15c1a18861ae33e8" providerId="LiveId" clId="{B4F66AF7-A10F-4D64-B2E7-DA3083221450}" dt="2021-07-21T08:28:56.487" v="2420"/>
+          <ac:spMkLst>
+            <pc:docMk/>
+            <pc:sldMk cId="1108634628" sldId="278"/>
+            <ac:spMk id="22" creationId="{0B0DA1F1-C391-4EDF-9FE0-23E86E137765}"/>
+          </ac:spMkLst>
+        </pc:spChg>
+        <pc:grpChg chg="add mod">
+          <ac:chgData name="Tamjid Ahsan" userId="15c1a18861ae33e8" providerId="LiveId" clId="{B4F66AF7-A10F-4D64-B2E7-DA3083221450}" dt="2021-07-21T08:26:47.453" v="2412"/>
           <ac:grpSpMkLst>
             <pc:docMk/>
             <pc:sldMk cId="1108634628" sldId="278"/>
             <ac:grpSpMk id="16" creationId="{828A5161-06F1-46CF-8AD7-844680A59E13}"/>
           </ac:grpSpMkLst>
         </pc:grpChg>
-        <pc:grpChg chg="add">
-          <ac:chgData name="Tamjid Ahsan" userId="15c1a18861ae33e8" providerId="LiveId" clId="{B4F66AF7-A10F-4D64-B2E7-DA3083221450}" dt="2021-07-19T02:12:42.745" v="1726" actId="26606"/>
+        <pc:grpChg chg="add mod">
+          <ac:chgData name="Tamjid Ahsan" userId="15c1a18861ae33e8" providerId="LiveId" clId="{B4F66AF7-A10F-4D64-B2E7-DA3083221450}" dt="2021-07-21T08:28:56.487" v="2420"/>
           <ac:grpSpMkLst>
             <pc:docMk/>
             <pc:sldMk cId="1108634628" sldId="278"/>
@@ -1188,7 +1260,7 @@
           </ac:grpSpMkLst>
         </pc:grpChg>
         <pc:picChg chg="add mod ord modCrop">
-          <ac:chgData name="Tamjid Ahsan" userId="15c1a18861ae33e8" providerId="LiveId" clId="{B4F66AF7-A10F-4D64-B2E7-DA3083221450}" dt="2021-07-19T02:40:23.136" v="1851" actId="732"/>
+          <ac:chgData name="Tamjid Ahsan" userId="15c1a18861ae33e8" providerId="LiveId" clId="{B4F66AF7-A10F-4D64-B2E7-DA3083221450}" dt="2021-07-21T08:26:34.700" v="2411" actId="13244"/>
           <ac:picMkLst>
             <pc:docMk/>
             <pc:sldMk cId="1108634628" sldId="278"/>
@@ -1395,7 +1467,7 @@
         </pc:picChg>
       </pc:sldChg>
       <pc:sldChg chg="addSp delSp modSp new add del mod setBg">
-        <pc:chgData name="Tamjid Ahsan" userId="15c1a18861ae33e8" providerId="LiveId" clId="{B4F66AF7-A10F-4D64-B2E7-DA3083221450}" dt="2021-07-19T09:19:48.490" v="2368"/>
+        <pc:chgData name="Tamjid Ahsan" userId="15c1a18861ae33e8" providerId="LiveId" clId="{B4F66AF7-A10F-4D64-B2E7-DA3083221450}" dt="2021-07-21T08:29:38.682" v="2425"/>
         <pc:sldMkLst>
           <pc:docMk/>
           <pc:sldMk cId="972326610" sldId="281"/>
@@ -1505,7 +1577,7 @@
           </ac:picMkLst>
         </pc:picChg>
         <pc:cxnChg chg="add mod">
-          <ac:chgData name="Tamjid Ahsan" userId="15c1a18861ae33e8" providerId="LiveId" clId="{B4F66AF7-A10F-4D64-B2E7-DA3083221450}" dt="2021-07-19T09:19:39.346" v="2363"/>
+          <ac:chgData name="Tamjid Ahsan" userId="15c1a18861ae33e8" providerId="LiveId" clId="{B4F66AF7-A10F-4D64-B2E7-DA3083221450}" dt="2021-07-21T08:29:38.682" v="2425"/>
           <ac:cxnSpMkLst>
             <pc:docMk/>
             <pc:sldMk cId="972326610" sldId="281"/>
@@ -1575,14 +1647,14 @@
           </ac:picMkLst>
         </pc:picChg>
       </pc:sldChg>
-      <pc:sldChg chg="addSp delSp modSp new mod ord">
-        <pc:chgData name="Tamjid Ahsan" userId="15c1a18861ae33e8" providerId="LiveId" clId="{B4F66AF7-A10F-4D64-B2E7-DA3083221450}" dt="2021-07-19T03:00:42.008" v="1995" actId="1076"/>
+      <pc:sldChg chg="addSp delSp modSp new mod ord setBg">
+        <pc:chgData name="Tamjid Ahsan" userId="15c1a18861ae33e8" providerId="LiveId" clId="{B4F66AF7-A10F-4D64-B2E7-DA3083221450}" dt="2021-07-21T08:30:01.676" v="2430" actId="1076"/>
         <pc:sldMkLst>
           <pc:docMk/>
           <pc:sldMk cId="3266602803" sldId="283"/>
         </pc:sldMkLst>
         <pc:spChg chg="mod">
-          <ac:chgData name="Tamjid Ahsan" userId="15c1a18861ae33e8" providerId="LiveId" clId="{B4F66AF7-A10F-4D64-B2E7-DA3083221450}" dt="2021-07-19T02:03:07.947" v="1604" actId="20577"/>
+          <ac:chgData name="Tamjid Ahsan" userId="15c1a18861ae33e8" providerId="LiveId" clId="{B4F66AF7-A10F-4D64-B2E7-DA3083221450}" dt="2021-07-21T08:28:16.368" v="2419"/>
           <ac:spMkLst>
             <pc:docMk/>
             <pc:sldMk cId="3266602803" sldId="283"/>
@@ -1598,23 +1670,71 @@
           </ac:spMkLst>
         </pc:spChg>
         <pc:spChg chg="mod">
-          <ac:chgData name="Tamjid Ahsan" userId="15c1a18861ae33e8" providerId="LiveId" clId="{B4F66AF7-A10F-4D64-B2E7-DA3083221450}" dt="2021-07-19T03:00:34.470" v="1993" actId="9"/>
+          <ac:chgData name="Tamjid Ahsan" userId="15c1a18861ae33e8" providerId="LiveId" clId="{B4F66AF7-A10F-4D64-B2E7-DA3083221450}" dt="2021-07-21T08:30:01.676" v="2430" actId="1076"/>
           <ac:spMkLst>
             <pc:docMk/>
             <pc:sldMk cId="3266602803" sldId="283"/>
             <ac:spMk id="4" creationId="{468BA153-F31F-4330-9BA8-E8191507CF5F}"/>
           </ac:spMkLst>
         </pc:spChg>
-        <pc:spChg chg="add mod">
-          <ac:chgData name="Tamjid Ahsan" userId="15c1a18861ae33e8" providerId="LiveId" clId="{B4F66AF7-A10F-4D64-B2E7-DA3083221450}" dt="2021-07-19T03:00:42.008" v="1995" actId="1076"/>
+        <pc:spChg chg="add mod ord">
+          <ac:chgData name="Tamjid Ahsan" userId="15c1a18861ae33e8" providerId="LiveId" clId="{B4F66AF7-A10F-4D64-B2E7-DA3083221450}" dt="2021-07-21T08:29:57.772" v="2429" actId="1076"/>
           <ac:spMkLst>
             <pc:docMk/>
             <pc:sldMk cId="3266602803" sldId="283"/>
             <ac:spMk id="8" creationId="{64155431-FCBE-41A3-AA17-04E5C505AB4D}"/>
           </ac:spMkLst>
         </pc:spChg>
+        <pc:spChg chg="mod">
+          <ac:chgData name="Tamjid Ahsan" userId="15c1a18861ae33e8" providerId="LiveId" clId="{B4F66AF7-A10F-4D64-B2E7-DA3083221450}" dt="2021-07-21T08:29:06.762" v="2421"/>
+          <ac:spMkLst>
+            <pc:docMk/>
+            <pc:sldMk cId="3266602803" sldId="283"/>
+            <ac:spMk id="10" creationId="{D75089DB-893E-401E-9930-27C19BA9D40D}"/>
+          </ac:spMkLst>
+        </pc:spChg>
+        <pc:spChg chg="mod">
+          <ac:chgData name="Tamjid Ahsan" userId="15c1a18861ae33e8" providerId="LiveId" clId="{B4F66AF7-A10F-4D64-B2E7-DA3083221450}" dt="2021-07-21T08:29:06.762" v="2421"/>
+          <ac:spMkLst>
+            <pc:docMk/>
+            <pc:sldMk cId="3266602803" sldId="283"/>
+            <ac:spMk id="11" creationId="{D6487E6A-4609-42FA-87AE-01C7442BB53D}"/>
+          </ac:spMkLst>
+        </pc:spChg>
+        <pc:spChg chg="mod">
+          <ac:chgData name="Tamjid Ahsan" userId="15c1a18861ae33e8" providerId="LiveId" clId="{B4F66AF7-A10F-4D64-B2E7-DA3083221450}" dt="2021-07-21T08:29:17.552" v="2422"/>
+          <ac:spMkLst>
+            <pc:docMk/>
+            <pc:sldMk cId="3266602803" sldId="283"/>
+            <ac:spMk id="13" creationId="{74BE1315-585E-4C10-80A5-5BAD5E863FFB}"/>
+          </ac:spMkLst>
+        </pc:spChg>
+        <pc:spChg chg="mod">
+          <ac:chgData name="Tamjid Ahsan" userId="15c1a18861ae33e8" providerId="LiveId" clId="{B4F66AF7-A10F-4D64-B2E7-DA3083221450}" dt="2021-07-21T08:29:17.552" v="2422"/>
+          <ac:spMkLst>
+            <pc:docMk/>
+            <pc:sldMk cId="3266602803" sldId="283"/>
+            <ac:spMk id="14" creationId="{D5B10495-7439-4916-A474-110D0BA6F60E}"/>
+          </ac:spMkLst>
+        </pc:spChg>
+        <pc:grpChg chg="add mod">
+          <ac:chgData name="Tamjid Ahsan" userId="15c1a18861ae33e8" providerId="LiveId" clId="{B4F66AF7-A10F-4D64-B2E7-DA3083221450}" dt="2021-07-21T08:29:06.762" v="2421"/>
+          <ac:grpSpMkLst>
+            <pc:docMk/>
+            <pc:sldMk cId="3266602803" sldId="283"/>
+            <ac:grpSpMk id="9" creationId="{86340EE1-FE8F-407D-9B20-C9F7BE892C1F}"/>
+          </ac:grpSpMkLst>
+        </pc:grpChg>
+        <pc:grpChg chg="add mod">
+          <ac:chgData name="Tamjid Ahsan" userId="15c1a18861ae33e8" providerId="LiveId" clId="{B4F66AF7-A10F-4D64-B2E7-DA3083221450}" dt="2021-07-21T08:29:17.552" v="2422"/>
+          <ac:grpSpMkLst>
+            <pc:docMk/>
+            <pc:sldMk cId="3266602803" sldId="283"/>
+            <ac:grpSpMk id="12" creationId="{9ACF07B3-C945-4CE8-8919-FCFD68856EC2}"/>
+          </ac:grpSpMkLst>
+        </pc:grpChg>
         <pc:picChg chg="add mod ord">
-          <ac:chgData name="Tamjid Ahsan" userId="15c1a18861ae33e8" providerId="LiveId" clId="{B4F66AF7-A10F-4D64-B2E7-DA3083221450}" dt="2021-07-19T02:40:54.241" v="1856" actId="1076"/>
+          <ac:chgData name="Tamjid Ahsan" userId="15c1a18861ae33e8" providerId="LiveId" clId="{B4F66AF7-A10F-4D64-B2E7-DA3083221450}" dt="2021-07-21T08:29:29.027" v="2424" actId="166"/>
           <ac:picMkLst>
             <pc:docMk/>
             <pc:sldMk cId="3266602803" sldId="283"/>
@@ -1622,13 +1742,21 @@
           </ac:picMkLst>
         </pc:picChg>
         <pc:picChg chg="add mod">
-          <ac:chgData name="Tamjid Ahsan" userId="15c1a18861ae33e8" providerId="LiveId" clId="{B4F66AF7-A10F-4D64-B2E7-DA3083221450}" dt="2021-07-19T03:00:37.851" v="1994" actId="1076"/>
+          <ac:chgData name="Tamjid Ahsan" userId="15c1a18861ae33e8" providerId="LiveId" clId="{B4F66AF7-A10F-4D64-B2E7-DA3083221450}" dt="2021-07-21T08:27:20.073" v="2416" actId="1076"/>
           <ac:picMkLst>
             <pc:docMk/>
             <pc:sldMk cId="3266602803" sldId="283"/>
             <ac:picMk id="7" creationId="{23B747CC-B92B-47F8-80D7-3E717555678F}"/>
           </ac:picMkLst>
         </pc:picChg>
+        <pc:cxnChg chg="add mod">
+          <ac:chgData name="Tamjid Ahsan" userId="15c1a18861ae33e8" providerId="LiveId" clId="{B4F66AF7-A10F-4D64-B2E7-DA3083221450}" dt="2021-07-21T08:29:52.760" v="2428" actId="14100"/>
+          <ac:cxnSpMkLst>
+            <pc:docMk/>
+            <pc:sldMk cId="3266602803" sldId="283"/>
+            <ac:cxnSpMk id="15" creationId="{816C71E8-5C50-439F-9CEB-32EFFEFADB7E}"/>
+          </ac:cxnSpMkLst>
+        </pc:cxnChg>
       </pc:sldChg>
       <pc:sldChg chg="addSp delSp modSp new mod ord setBg">
         <pc:chgData name="Tamjid Ahsan" userId="15c1a18861ae33e8" providerId="LiveId" clId="{B4F66AF7-A10F-4D64-B2E7-DA3083221450}" dt="2021-07-19T09:22:13.403" v="2371" actId="1076"/>
@@ -1694,7 +1822,7 @@
         </pc:picChg>
       </pc:sldChg>
       <pc:sldChg chg="addSp delSp modSp new mod">
-        <pc:chgData name="Tamjid Ahsan" userId="15c1a18861ae33e8" providerId="LiveId" clId="{B4F66AF7-A10F-4D64-B2E7-DA3083221450}" dt="2021-07-19T03:09:52.772" v="2273" actId="20577"/>
+        <pc:chgData name="Tamjid Ahsan" userId="15c1a18861ae33e8" providerId="LiveId" clId="{B4F66AF7-A10F-4D64-B2E7-DA3083221450}" dt="2021-07-21T08:44:14.261" v="2516" actId="20577"/>
         <pc:sldMkLst>
           <pc:docMk/>
           <pc:sldMk cId="2110126101" sldId="285"/>
@@ -1715,22 +1843,142 @@
             <ac:spMk id="3" creationId="{D752E75B-523C-46F9-960D-F4FD9956C360}"/>
           </ac:spMkLst>
         </pc:spChg>
-        <pc:spChg chg="mod">
-          <ac:chgData name="Tamjid Ahsan" userId="15c1a18861ae33e8" providerId="LiveId" clId="{B4F66AF7-A10F-4D64-B2E7-DA3083221450}" dt="2021-07-19T03:09:52.772" v="2273" actId="20577"/>
+        <pc:spChg chg="del mod">
+          <ac:chgData name="Tamjid Ahsan" userId="15c1a18861ae33e8" providerId="LiveId" clId="{B4F66AF7-A10F-4D64-B2E7-DA3083221450}" dt="2021-07-21T08:31:29.101" v="2445"/>
           <ac:spMkLst>
             <pc:docMk/>
             <pc:sldMk cId="2110126101" sldId="285"/>
             <ac:spMk id="4" creationId="{7AB1BDF9-34E4-47B2-AD22-223E3A066EC0}"/>
           </ac:spMkLst>
         </pc:spChg>
-        <pc:picChg chg="add mod ord">
-          <ac:chgData name="Tamjid Ahsan" userId="15c1a18861ae33e8" providerId="LiveId" clId="{B4F66AF7-A10F-4D64-B2E7-DA3083221450}" dt="2021-07-19T02:38:14.661" v="1786" actId="962"/>
+        <pc:spChg chg="add del mod">
+          <ac:chgData name="Tamjid Ahsan" userId="15c1a18861ae33e8" providerId="LiveId" clId="{B4F66AF7-A10F-4D64-B2E7-DA3083221450}" dt="2021-07-21T08:30:22.232" v="2433"/>
+          <ac:spMkLst>
+            <pc:docMk/>
+            <pc:sldMk cId="2110126101" sldId="285"/>
+            <ac:spMk id="5" creationId="{5C078523-AB23-4241-ADB8-6B7AE71E7EF0}"/>
+          </ac:spMkLst>
+        </pc:spChg>
+        <pc:spChg chg="add del mod">
+          <ac:chgData name="Tamjid Ahsan" userId="15c1a18861ae33e8" providerId="LiveId" clId="{B4F66AF7-A10F-4D64-B2E7-DA3083221450}" dt="2021-07-21T08:30:44.163" v="2439"/>
+          <ac:spMkLst>
+            <pc:docMk/>
+            <pc:sldMk cId="2110126101" sldId="285"/>
+            <ac:spMk id="10" creationId="{22A2A1F7-F7DF-41E9-95A5-0FC6713234E6}"/>
+          </ac:spMkLst>
+        </pc:spChg>
+        <pc:spChg chg="add del mod">
+          <ac:chgData name="Tamjid Ahsan" userId="15c1a18861ae33e8" providerId="LiveId" clId="{B4F66AF7-A10F-4D64-B2E7-DA3083221450}" dt="2021-07-21T08:37:09.088" v="2464" actId="3680"/>
+          <ac:spMkLst>
+            <pc:docMk/>
+            <pc:sldMk cId="2110126101" sldId="285"/>
+            <ac:spMk id="15" creationId="{44845A9D-766D-4334-BC74-ED5C3D208D11}"/>
+          </ac:spMkLst>
+        </pc:spChg>
+        <pc:spChg chg="add del">
+          <ac:chgData name="Tamjid Ahsan" userId="15c1a18861ae33e8" providerId="LiveId" clId="{B4F66AF7-A10F-4D64-B2E7-DA3083221450}" dt="2021-07-21T08:37:11.921" v="2466" actId="22"/>
+          <ac:spMkLst>
+            <pc:docMk/>
+            <pc:sldMk cId="2110126101" sldId="285"/>
+            <ac:spMk id="18" creationId="{B0E4C48C-8CB5-49DF-BD7F-CFE5D5B3C586}"/>
+          </ac:spMkLst>
+        </pc:spChg>
+        <pc:spChg chg="mod">
+          <ac:chgData name="Tamjid Ahsan" userId="15c1a18861ae33e8" providerId="LiveId" clId="{B4F66AF7-A10F-4D64-B2E7-DA3083221450}" dt="2021-07-21T08:43:01.020" v="2505"/>
+          <ac:spMkLst>
+            <pc:docMk/>
+            <pc:sldMk cId="2110126101" sldId="285"/>
+            <ac:spMk id="20" creationId="{4E40D681-D182-47E9-8294-D8A20CBB3F81}"/>
+          </ac:spMkLst>
+        </pc:spChg>
+        <pc:spChg chg="mod">
+          <ac:chgData name="Tamjid Ahsan" userId="15c1a18861ae33e8" providerId="LiveId" clId="{B4F66AF7-A10F-4D64-B2E7-DA3083221450}" dt="2021-07-21T08:43:01.020" v="2505"/>
+          <ac:spMkLst>
+            <pc:docMk/>
+            <pc:sldMk cId="2110126101" sldId="285"/>
+            <ac:spMk id="21" creationId="{97345459-1AA8-4CC0-847D-33AA562719EB}"/>
+          </ac:spMkLst>
+        </pc:spChg>
+        <pc:spChg chg="mod">
+          <ac:chgData name="Tamjid Ahsan" userId="15c1a18861ae33e8" providerId="LiveId" clId="{B4F66AF7-A10F-4D64-B2E7-DA3083221450}" dt="2021-07-21T08:43:18.317" v="2506"/>
+          <ac:spMkLst>
+            <pc:docMk/>
+            <pc:sldMk cId="2110126101" sldId="285"/>
+            <ac:spMk id="23" creationId="{068DEE4F-4BF5-4BF9-94EB-3A0DBED558F1}"/>
+          </ac:spMkLst>
+        </pc:spChg>
+        <pc:spChg chg="mod">
+          <ac:chgData name="Tamjid Ahsan" userId="15c1a18861ae33e8" providerId="LiveId" clId="{B4F66AF7-A10F-4D64-B2E7-DA3083221450}" dt="2021-07-21T08:43:18.317" v="2506"/>
+          <ac:spMkLst>
+            <pc:docMk/>
+            <pc:sldMk cId="2110126101" sldId="285"/>
+            <ac:spMk id="24" creationId="{4D2FA630-5BD1-4340-AF0C-03EFA7417E6D}"/>
+          </ac:spMkLst>
+        </pc:spChg>
+        <pc:grpChg chg="add mod">
+          <ac:chgData name="Tamjid Ahsan" userId="15c1a18861ae33e8" providerId="LiveId" clId="{B4F66AF7-A10F-4D64-B2E7-DA3083221450}" dt="2021-07-21T08:43:01.020" v="2505"/>
+          <ac:grpSpMkLst>
+            <pc:docMk/>
+            <pc:sldMk cId="2110126101" sldId="285"/>
+            <ac:grpSpMk id="19" creationId="{2095C302-24DD-446F-B93F-4AFDD854C508}"/>
+          </ac:grpSpMkLst>
+        </pc:grpChg>
+        <pc:grpChg chg="add mod">
+          <ac:chgData name="Tamjid Ahsan" userId="15c1a18861ae33e8" providerId="LiveId" clId="{B4F66AF7-A10F-4D64-B2E7-DA3083221450}" dt="2021-07-21T08:43:18.317" v="2506"/>
+          <ac:grpSpMkLst>
+            <pc:docMk/>
+            <pc:sldMk cId="2110126101" sldId="285"/>
+            <ac:grpSpMk id="22" creationId="{01DB4754-D6AB-4FFE-9293-A2C19DEA310C}"/>
+          </ac:grpSpMkLst>
+        </pc:grpChg>
+        <pc:graphicFrameChg chg="add del mod">
+          <ac:chgData name="Tamjid Ahsan" userId="15c1a18861ae33e8" providerId="LiveId" clId="{B4F66AF7-A10F-4D64-B2E7-DA3083221450}" dt="2021-07-21T08:37:02.282" v="2463" actId="478"/>
+          <ac:graphicFrameMkLst>
+            <pc:docMk/>
+            <pc:sldMk cId="2110126101" sldId="285"/>
+            <ac:graphicFrameMk id="13" creationId="{12E691C5-FA06-47F2-915E-239B443484BD}"/>
+          </ac:graphicFrameMkLst>
+        </pc:graphicFrameChg>
+        <pc:graphicFrameChg chg="add mod ord modGraphic">
+          <ac:chgData name="Tamjid Ahsan" userId="15c1a18861ae33e8" providerId="LiveId" clId="{B4F66AF7-A10F-4D64-B2E7-DA3083221450}" dt="2021-07-21T08:44:14.261" v="2516" actId="20577"/>
+          <ac:graphicFrameMkLst>
+            <pc:docMk/>
+            <pc:sldMk cId="2110126101" sldId="285"/>
+            <ac:graphicFrameMk id="16" creationId="{633A4B0B-65D3-4C6F-9BF0-C00203D3C8EB}"/>
+          </ac:graphicFrameMkLst>
+        </pc:graphicFrameChg>
+        <pc:picChg chg="add del mod ord">
+          <ac:chgData name="Tamjid Ahsan" userId="15c1a18861ae33e8" providerId="LiveId" clId="{B4F66AF7-A10F-4D64-B2E7-DA3083221450}" dt="2021-07-21T08:30:15.706" v="2431" actId="478"/>
           <ac:picMkLst>
             <pc:docMk/>
             <pc:sldMk cId="2110126101" sldId="285"/>
             <ac:picMk id="6" creationId="{F0C76035-9F05-460E-B9F3-33D9926F0C9F}"/>
           </ac:picMkLst>
         </pc:picChg>
+        <pc:picChg chg="add del mod ord">
+          <ac:chgData name="Tamjid Ahsan" userId="15c1a18861ae33e8" providerId="LiveId" clId="{B4F66AF7-A10F-4D64-B2E7-DA3083221450}" dt="2021-07-21T08:30:41.922" v="2437" actId="478"/>
+          <ac:picMkLst>
+            <pc:docMk/>
+            <pc:sldMk cId="2110126101" sldId="285"/>
+            <ac:picMk id="8" creationId="{26BB0351-733B-4AFE-BBCA-2D9802C46969}"/>
+          </ac:picMkLst>
+        </pc:picChg>
+        <pc:picChg chg="add mod ord">
+          <ac:chgData name="Tamjid Ahsan" userId="15c1a18861ae33e8" providerId="LiveId" clId="{B4F66AF7-A10F-4D64-B2E7-DA3083221450}" dt="2021-07-21T08:42:23.822" v="2503" actId="1076"/>
+          <ac:picMkLst>
+            <pc:docMk/>
+            <pc:sldMk cId="2110126101" sldId="285"/>
+            <ac:picMk id="12" creationId="{1B87D0F5-34CE-4220-9351-ED66175B22B1}"/>
+          </ac:picMkLst>
+        </pc:picChg>
+        <pc:cxnChg chg="add mod">
+          <ac:chgData name="Tamjid Ahsan" userId="15c1a18861ae33e8" providerId="LiveId" clId="{B4F66AF7-A10F-4D64-B2E7-DA3083221450}" dt="2021-07-21T08:43:47.809" v="2509" actId="14100"/>
+          <ac:cxnSpMkLst>
+            <pc:docMk/>
+            <pc:sldMk cId="2110126101" sldId="285"/>
+            <ac:cxnSpMk id="25" creationId="{E8864D0C-62EC-406C-A5BE-854486105F99}"/>
+          </ac:cxnSpMkLst>
+        </pc:cxnChg>
       </pc:sldChg>
       <pc:sldChg chg="addSp delSp modSp add mod">
         <pc:chgData name="Tamjid Ahsan" userId="15c1a18861ae33e8" providerId="LiveId" clId="{B4F66AF7-A10F-4D64-B2E7-DA3083221450}" dt="2021-07-19T03:07:17.782" v="2138" actId="20577"/>
@@ -2135,6 +2383,13 @@
             <ac:picMk id="7" creationId="{B1BCAF21-9824-4E43-8798-CD7CD452E88C}"/>
           </ac:picMkLst>
         </pc:picChg>
+      </pc:sldChg>
+      <pc:sldChg chg="add del ord">
+        <pc:chgData name="Tamjid Ahsan" userId="15c1a18861ae33e8" providerId="LiveId" clId="{B4F66AF7-A10F-4D64-B2E7-DA3083221450}" dt="2021-07-21T08:28:10.736" v="2418" actId="2696"/>
+        <pc:sldMkLst>
+          <pc:docMk/>
+          <pc:sldMk cId="1095859241" sldId="289"/>
+        </pc:sldMkLst>
       </pc:sldChg>
     </pc:docChg>
   </pc:docChgLst>
@@ -8970,7 +9225,7 @@
           <a:p>
             <a:fld id="{E448EBDB-9E27-42DB-A71C-A97646BC799A}" type="datetimeFigureOut">
               <a:rPr lang="en-US" smtClean="0"/>
-              <a:t>7/19/2021</a:t>
+              <a:t>7/21/2021</a:t>
             </a:fld>
             <a:endParaRPr lang="en-US"/>
           </a:p>
@@ -9557,7 +9812,7 @@
           <a:p>
             <a:fld id="{D20300BE-8409-4817-ABA3-25A9D4BF447F}" type="slidenum">
               <a:rPr lang="en-US" smtClean="0"/>
-              <a:t>12</a:t>
+              <a:t>13</a:t>
             </a:fld>
             <a:endParaRPr lang="en-US"/>
           </a:p>
@@ -9577,6 +9832,148 @@
 </file>
 
 <file path=ppt/notesSlides/notesSlide4.xml><?xml version="1.0" encoding="utf-8"?>
+<p:notes xmlns:a="http://schemas.openxmlformats.org/drawingml/2006/main" xmlns:r="http://schemas.openxmlformats.org/officeDocument/2006/relationships" xmlns:p="http://schemas.openxmlformats.org/presentationml/2006/main">
+  <p:cSld>
+    <p:spTree>
+      <p:nvGrpSpPr>
+        <p:cNvPr id="1" name=""/>
+        <p:cNvGrpSpPr/>
+        <p:nvPr/>
+      </p:nvGrpSpPr>
+      <p:grpSpPr>
+        <a:xfrm>
+          <a:off x="0" y="0"/>
+          <a:ext cx="0" cy="0"/>
+          <a:chOff x="0" y="0"/>
+          <a:chExt cx="0" cy="0"/>
+        </a:xfrm>
+      </p:grpSpPr>
+      <p:sp>
+        <p:nvSpPr>
+          <p:cNvPr id="2" name="Slide Image Placeholder 1"/>
+          <p:cNvSpPr>
+            <a:spLocks noGrp="1" noRot="1" noChangeAspect="1"/>
+          </p:cNvSpPr>
+          <p:nvPr>
+            <p:ph type="sldImg"/>
+          </p:nvPr>
+        </p:nvSpPr>
+        <p:spPr/>
+      </p:sp>
+      <p:sp>
+        <p:nvSpPr>
+          <p:cNvPr id="3" name="Notes Placeholder 2"/>
+          <p:cNvSpPr>
+            <a:spLocks noGrp="1"/>
+          </p:cNvSpPr>
+          <p:nvPr>
+            <p:ph type="body" idx="1"/>
+          </p:nvPr>
+        </p:nvSpPr>
+        <p:spPr/>
+        <p:txBody>
+          <a:bodyPr/>
+          <a:lstStyle/>
+          <a:p>
+            <a:pPr marL="0" indent="0">
+              <a:buNone/>
+            </a:pPr>
+            <a:r>
+              <a:rPr lang="en-US" sz="1600" dirty="0"/>
+              <a:t>Cluster 1 is the most riskiest client segmentation. </a:t>
+            </a:r>
+          </a:p>
+          <a:p>
+            <a:r>
+              <a:rPr lang="en-US" sz="1600" dirty="0"/>
+              <a:t>Their utilization ratio is low. </a:t>
+            </a:r>
+          </a:p>
+          <a:p>
+            <a:pPr lvl="1"/>
+            <a:r>
+              <a:rPr lang="en-US" sz="1600" dirty="0"/>
+              <a:t>offering incentives like cash back.</a:t>
+            </a:r>
+          </a:p>
+          <a:p>
+            <a:r>
+              <a:rPr lang="en-US" sz="1600" dirty="0"/>
+              <a:t>Their credit limits are low. Based on their credit habit, they can be offered a larger credit limit.</a:t>
+            </a:r>
+          </a:p>
+          <a:p>
+            <a:endParaRPr lang="en-US" sz="1600" dirty="0"/>
+          </a:p>
+          <a:p>
+            <a:pPr marL="0" indent="0">
+              <a:buNone/>
+            </a:pPr>
+            <a:r>
+              <a:rPr lang="en-US" sz="1600" dirty="0"/>
+              <a:t>As a rule of thumb:</a:t>
+            </a:r>
+          </a:p>
+          <a:p>
+            <a:r>
+              <a:rPr lang="en-US" sz="1600" dirty="0"/>
+              <a:t>Most loyal and at risk clients are female. Marketers should target them with specific package.</a:t>
+            </a:r>
+          </a:p>
+          <a:p>
+            <a:r>
+              <a:rPr lang="en-US" sz="1600" dirty="0"/>
+              <a:t>frequent smaller amount of transaction can be perceived as a red flag. When spotted, customer relationship team must act on it.</a:t>
+            </a:r>
+          </a:p>
+          <a:p>
+            <a:r>
+              <a:rPr lang="en-US" sz="1600" dirty="0"/>
+              <a:t>large expenditure can be a signal for cross selling products and it is also a sign of churn.</a:t>
+            </a:r>
+          </a:p>
+          <a:p>
+            <a:endParaRPr lang="en-US" dirty="0"/>
+          </a:p>
+        </p:txBody>
+      </p:sp>
+      <p:sp>
+        <p:nvSpPr>
+          <p:cNvPr id="4" name="Slide Number Placeholder 3"/>
+          <p:cNvSpPr>
+            <a:spLocks noGrp="1"/>
+          </p:cNvSpPr>
+          <p:nvPr>
+            <p:ph type="sldNum" sz="quarter" idx="5"/>
+          </p:nvPr>
+        </p:nvSpPr>
+        <p:spPr/>
+        <p:txBody>
+          <a:bodyPr/>
+          <a:lstStyle/>
+          <a:p>
+            <a:fld id="{D20300BE-8409-4817-ABA3-25A9D4BF447F}" type="slidenum">
+              <a:rPr lang="en-US" smtClean="0"/>
+              <a:t>15</a:t>
+            </a:fld>
+            <a:endParaRPr lang="en-US"/>
+          </a:p>
+        </p:txBody>
+      </p:sp>
+    </p:spTree>
+    <p:extLst>
+      <p:ext uri="{BB962C8B-B14F-4D97-AF65-F5344CB8AC3E}">
+        <p14:creationId xmlns:p14="http://schemas.microsoft.com/office/powerpoint/2010/main" val="3902079407"/>
+      </p:ext>
+    </p:extLst>
+  </p:cSld>
+  <p:clrMapOvr>
+    <a:masterClrMapping/>
+  </p:clrMapOvr>
+</p:notes>
+</file>
+
+<file path=ppt/notesSlides/notesSlide5.xml><?xml version="1.0" encoding="utf-8"?>
 <p:notes xmlns:a="http://schemas.openxmlformats.org/drawingml/2006/main" xmlns:r="http://schemas.openxmlformats.org/officeDocument/2006/relationships" xmlns:p="http://schemas.openxmlformats.org/presentationml/2006/main">
   <p:cSld>
     <p:spTree>
@@ -9807,7 +10204,7 @@
           <a:p>
             <a:fld id="{8CEEB9FD-F6D3-4CE3-ACAA-239E79ABE561}" type="datetimeFigureOut">
               <a:rPr lang="en-US" smtClean="0"/>
-              <a:t>7/19/2021</a:t>
+              <a:t>7/21/2021</a:t>
             </a:fld>
             <a:endParaRPr lang="en-US"/>
           </a:p>
@@ -10005,7 +10402,7 @@
           <a:p>
             <a:fld id="{8CEEB9FD-F6D3-4CE3-ACAA-239E79ABE561}" type="datetimeFigureOut">
               <a:rPr lang="en-US" smtClean="0"/>
-              <a:t>7/19/2021</a:t>
+              <a:t>7/21/2021</a:t>
             </a:fld>
             <a:endParaRPr lang="en-US"/>
           </a:p>
@@ -10213,7 +10610,7 @@
           <a:p>
             <a:fld id="{8CEEB9FD-F6D3-4CE3-ACAA-239E79ABE561}" type="datetimeFigureOut">
               <a:rPr lang="en-US" smtClean="0"/>
-              <a:t>7/19/2021</a:t>
+              <a:t>7/21/2021</a:t>
             </a:fld>
             <a:endParaRPr lang="en-US"/>
           </a:p>
@@ -10411,7 +10808,7 @@
           <a:p>
             <a:fld id="{8CEEB9FD-F6D3-4CE3-ACAA-239E79ABE561}" type="datetimeFigureOut">
               <a:rPr lang="en-US" smtClean="0"/>
-              <a:t>7/19/2021</a:t>
+              <a:t>7/21/2021</a:t>
             </a:fld>
             <a:endParaRPr lang="en-US"/>
           </a:p>
@@ -10686,7 +11083,7 @@
           <a:p>
             <a:fld id="{8CEEB9FD-F6D3-4CE3-ACAA-239E79ABE561}" type="datetimeFigureOut">
               <a:rPr lang="en-US" smtClean="0"/>
-              <a:t>7/19/2021</a:t>
+              <a:t>7/21/2021</a:t>
             </a:fld>
             <a:endParaRPr lang="en-US"/>
           </a:p>
@@ -10951,7 +11348,7 @@
           <a:p>
             <a:fld id="{8CEEB9FD-F6D3-4CE3-ACAA-239E79ABE561}" type="datetimeFigureOut">
               <a:rPr lang="en-US" smtClean="0"/>
-              <a:t>7/19/2021</a:t>
+              <a:t>7/21/2021</a:t>
             </a:fld>
             <a:endParaRPr lang="en-US"/>
           </a:p>
@@ -11363,7 +11760,7 @@
           <a:p>
             <a:fld id="{8CEEB9FD-F6D3-4CE3-ACAA-239E79ABE561}" type="datetimeFigureOut">
               <a:rPr lang="en-US" smtClean="0"/>
-              <a:t>7/19/2021</a:t>
+              <a:t>7/21/2021</a:t>
             </a:fld>
             <a:endParaRPr lang="en-US"/>
           </a:p>
@@ -11504,7 +11901,7 @@
           <a:p>
             <a:fld id="{8CEEB9FD-F6D3-4CE3-ACAA-239E79ABE561}" type="datetimeFigureOut">
               <a:rPr lang="en-US" smtClean="0"/>
-              <a:t>7/19/2021</a:t>
+              <a:t>7/21/2021</a:t>
             </a:fld>
             <a:endParaRPr lang="en-US"/>
           </a:p>
@@ -11617,7 +12014,7 @@
           <a:p>
             <a:fld id="{8CEEB9FD-F6D3-4CE3-ACAA-239E79ABE561}" type="datetimeFigureOut">
               <a:rPr lang="en-US" smtClean="0"/>
-              <a:t>7/19/2021</a:t>
+              <a:t>7/21/2021</a:t>
             </a:fld>
             <a:endParaRPr lang="en-US"/>
           </a:p>
@@ -11928,7 +12325,7 @@
           <a:p>
             <a:fld id="{8CEEB9FD-F6D3-4CE3-ACAA-239E79ABE561}" type="datetimeFigureOut">
               <a:rPr lang="en-US" smtClean="0"/>
-              <a:t>7/19/2021</a:t>
+              <a:t>7/21/2021</a:t>
             </a:fld>
             <a:endParaRPr lang="en-US"/>
           </a:p>
@@ -12216,7 +12613,7 @@
           <a:p>
             <a:fld id="{8CEEB9FD-F6D3-4CE3-ACAA-239E79ABE561}" type="datetimeFigureOut">
               <a:rPr lang="en-US" smtClean="0"/>
-              <a:t>7/19/2021</a:t>
+              <a:t>7/21/2021</a:t>
             </a:fld>
             <a:endParaRPr lang="en-US"/>
           </a:p>
@@ -12457,7 +12854,7 @@
           <a:p>
             <a:fld id="{8CEEB9FD-F6D3-4CE3-ACAA-239E79ABE561}" type="datetimeFigureOut">
               <a:rPr lang="en-US" smtClean="0"/>
-              <a:t>7/19/2021</a:t>
+              <a:t>7/21/2021</a:t>
             </a:fld>
             <a:endParaRPr lang="en-US"/>
           </a:p>
@@ -14944,6 +15341,1038 @@
           <a:chExt cx="0" cy="0"/>
         </a:xfrm>
       </p:grpSpPr>
+      <p:sp>
+        <p:nvSpPr>
+          <p:cNvPr id="9" name="Freeform: Shape 8">
+            <a:extLst>
+              <a:ext uri="{FF2B5EF4-FFF2-40B4-BE49-F238E27FC236}">
+                <a16:creationId xmlns:a16="http://schemas.microsoft.com/office/drawing/2014/main" id="{42285737-90EE-47DC-AC80-8AE156B11969}"/>
+              </a:ext>
+              <a:ext uri="{C183D7F6-B498-43B3-948B-1728B52AA6E4}">
+                <adec:decorative xmlns:adec="http://schemas.microsoft.com/office/drawing/2017/decorative" val="1"/>
+              </a:ext>
+            </a:extLst>
+          </p:cNvPr>
+          <p:cNvSpPr>
+            <a:spLocks noGrp="1" noRot="1" noChangeAspect="1" noMove="1" noResize="1" noEditPoints="1" noAdjustHandles="1" noChangeArrowheads="1" noChangeShapeType="1" noTextEdit="1"/>
+          </p:cNvSpPr>
+          <p:nvPr>
+            <p:extLst>
+              <p:ext uri="{386F3935-93C4-4BCD-93E2-E3B085C9AB24}">
+                <p16:designElem xmlns:p16="http://schemas.microsoft.com/office/powerpoint/2015/main" val="1"/>
+              </p:ext>
+            </p:extLst>
+          </p:nvPr>
+        </p:nvSpPr>
+        <p:spPr>
+          <a:xfrm flipV="1">
+            <a:off x="-1" y="-1"/>
+            <a:ext cx="4403709" cy="6858001"/>
+          </a:xfrm>
+          <a:custGeom>
+            <a:avLst/>
+            <a:gdLst>
+              <a:gd name="connsiteX0" fmla="*/ 3223890 w 4403709"/>
+              <a:gd name="connsiteY0" fmla="*/ 6858001 h 6858001"/>
+              <a:gd name="connsiteX1" fmla="*/ 4101908 w 4403709"/>
+              <a:gd name="connsiteY1" fmla="*/ 6858001 h 6858001"/>
+              <a:gd name="connsiteX2" fmla="*/ 3254950 w 4403709"/>
+              <a:gd name="connsiteY2" fmla="*/ 1599356 h 6858001"/>
+              <a:gd name="connsiteX3" fmla="*/ 3254950 w 4403709"/>
+              <a:gd name="connsiteY3" fmla="*/ 1594062 h 6858001"/>
+              <a:gd name="connsiteX4" fmla="*/ 4403709 w 4403709"/>
+              <a:gd name="connsiteY4" fmla="*/ 0 h 6858001"/>
+              <a:gd name="connsiteX5" fmla="*/ 3254950 w 4403709"/>
+              <a:gd name="connsiteY5" fmla="*/ 0 h 6858001"/>
+              <a:gd name="connsiteX6" fmla="*/ 2903520 w 4403709"/>
+              <a:gd name="connsiteY6" fmla="*/ 0 h 6858001"/>
+              <a:gd name="connsiteX7" fmla="*/ 0 w 4403709"/>
+              <a:gd name="connsiteY7" fmla="*/ 0 h 6858001"/>
+              <a:gd name="connsiteX8" fmla="*/ 0 w 4403709"/>
+              <a:gd name="connsiteY8" fmla="*/ 6858000 h 6858001"/>
+              <a:gd name="connsiteX9" fmla="*/ 3223890 w 4403709"/>
+              <a:gd name="connsiteY9" fmla="*/ 6858000 h 6858001"/>
+            </a:gdLst>
+            <a:ahLst/>
+            <a:cxnLst>
+              <a:cxn ang="0">
+                <a:pos x="connsiteX0" y="connsiteY0"/>
+              </a:cxn>
+              <a:cxn ang="0">
+                <a:pos x="connsiteX1" y="connsiteY1"/>
+              </a:cxn>
+              <a:cxn ang="0">
+                <a:pos x="connsiteX2" y="connsiteY2"/>
+              </a:cxn>
+              <a:cxn ang="0">
+                <a:pos x="connsiteX3" y="connsiteY3"/>
+              </a:cxn>
+              <a:cxn ang="0">
+                <a:pos x="connsiteX4" y="connsiteY4"/>
+              </a:cxn>
+              <a:cxn ang="0">
+                <a:pos x="connsiteX5" y="connsiteY5"/>
+              </a:cxn>
+              <a:cxn ang="0">
+                <a:pos x="connsiteX6" y="connsiteY6"/>
+              </a:cxn>
+              <a:cxn ang="0">
+                <a:pos x="connsiteX7" y="connsiteY7"/>
+              </a:cxn>
+              <a:cxn ang="0">
+                <a:pos x="connsiteX8" y="connsiteY8"/>
+              </a:cxn>
+              <a:cxn ang="0">
+                <a:pos x="connsiteX9" y="connsiteY9"/>
+              </a:cxn>
+            </a:cxnLst>
+            <a:rect l="l" t="t" r="r" b="b"/>
+            <a:pathLst>
+              <a:path w="4403709" h="6858001">
+                <a:moveTo>
+                  <a:pt x="3223890" y="6858001"/>
+                </a:moveTo>
+                <a:lnTo>
+                  <a:pt x="4101908" y="6858001"/>
+                </a:lnTo>
+                <a:lnTo>
+                  <a:pt x="3254950" y="1599356"/>
+                </a:lnTo>
+                <a:lnTo>
+                  <a:pt x="3254950" y="1594062"/>
+                </a:lnTo>
+                <a:lnTo>
+                  <a:pt x="4403709" y="0"/>
+                </a:lnTo>
+                <a:lnTo>
+                  <a:pt x="3254950" y="0"/>
+                </a:lnTo>
+                <a:lnTo>
+                  <a:pt x="2903520" y="0"/>
+                </a:lnTo>
+                <a:lnTo>
+                  <a:pt x="0" y="0"/>
+                </a:lnTo>
+                <a:lnTo>
+                  <a:pt x="0" y="6858000"/>
+                </a:lnTo>
+                <a:lnTo>
+                  <a:pt x="3223890" y="6858000"/>
+                </a:lnTo>
+                <a:close/>
+              </a:path>
+            </a:pathLst>
+          </a:custGeom>
+          <a:ln>
+            <a:noFill/>
+          </a:ln>
+        </p:spPr>
+        <p:style>
+          <a:lnRef idx="2">
+            <a:schemeClr val="accent1">
+              <a:shade val="50000"/>
+            </a:schemeClr>
+          </a:lnRef>
+          <a:fillRef idx="1002">
+            <a:schemeClr val="dk1"/>
+          </a:fillRef>
+          <a:effectRef idx="0">
+            <a:schemeClr val="accent1"/>
+          </a:effectRef>
+          <a:fontRef idx="minor">
+            <a:schemeClr val="lt1"/>
+          </a:fontRef>
+        </p:style>
+        <p:txBody>
+          <a:bodyPr rtlCol="0" anchor="ctr"/>
+          <a:lstStyle/>
+          <a:p>
+            <a:pPr marL="0" marR="0" lvl="0" indent="0" algn="ctr" defTabSz="457200" rtl="0" eaLnBrk="1" fontAlgn="auto" latinLnBrk="0" hangingPunct="1">
+              <a:lnSpc>
+                <a:spcPct val="100000"/>
+              </a:lnSpc>
+              <a:spcBef>
+                <a:spcPts val="0"/>
+              </a:spcBef>
+              <a:spcAft>
+                <a:spcPts val="0"/>
+              </a:spcAft>
+              <a:buClrTx/>
+              <a:buSzTx/>
+              <a:buFontTx/>
+              <a:buNone/>
+              <a:tabLst/>
+              <a:defRPr/>
+            </a:pPr>
+            <a:endParaRPr kumimoji="0" lang="en-US" sz="1800" b="0" i="0" u="none" strike="noStrike" kern="1200" cap="none" spc="0" normalizeH="0" baseline="0" noProof="0">
+              <a:ln>
+                <a:noFill/>
+              </a:ln>
+              <a:solidFill>
+                <a:prstClr val="black"/>
+              </a:solidFill>
+              <a:effectLst/>
+              <a:uLnTx/>
+              <a:uFillTx/>
+              <a:latin typeface="Calibri" panose="020F0502020204030204"/>
+              <a:ea typeface="+mn-ea"/>
+              <a:cs typeface="+mn-cs"/>
+            </a:endParaRPr>
+          </a:p>
+        </p:txBody>
+      </p:sp>
+      <p:grpSp>
+        <p:nvGrpSpPr>
+          <p:cNvPr id="11" name="Group 10">
+            <a:extLst>
+              <a:ext uri="{FF2B5EF4-FFF2-40B4-BE49-F238E27FC236}">
+                <a16:creationId xmlns:a16="http://schemas.microsoft.com/office/drawing/2014/main" id="{B57BDC17-F1B3-455F-BBF1-680AA1F25C06}"/>
+              </a:ext>
+              <a:ext uri="{C183D7F6-B498-43B3-948B-1728B52AA6E4}">
+                <adec:decorative xmlns:adec="http://schemas.microsoft.com/office/drawing/2017/decorative" val="1"/>
+              </a:ext>
+            </a:extLst>
+          </p:cNvPr>
+          <p:cNvGrpSpPr>
+            <a:grpSpLocks noGrp="1" noUngrp="1" noRot="1" noChangeAspect="1" noMove="1" noResize="1"/>
+          </p:cNvGrpSpPr>
+          <p:nvPr>
+            <p:extLst>
+              <p:ext uri="{386F3935-93C4-4BCD-93E2-E3B085C9AB24}">
+                <p16:designElem xmlns:p16="http://schemas.microsoft.com/office/powerpoint/2015/main" val="1"/>
+              </p:ext>
+            </p:extLst>
+          </p:nvPr>
+        </p:nvGrpSpPr>
+        <p:grpSpPr>
+          <a:xfrm>
+            <a:off x="3315292" y="0"/>
+            <a:ext cx="2436813" cy="6858001"/>
+            <a:chOff x="1320800" y="0"/>
+            <a:chExt cx="2436813" cy="6858001"/>
+          </a:xfrm>
+        </p:grpSpPr>
+        <p:sp>
+          <p:nvSpPr>
+            <p:cNvPr id="12" name="Freeform 6">
+              <a:extLst>
+                <a:ext uri="{FF2B5EF4-FFF2-40B4-BE49-F238E27FC236}">
+                  <a16:creationId xmlns:a16="http://schemas.microsoft.com/office/drawing/2014/main" id="{64E2FA9A-FEF7-4501-B0EB-5E45EDD2177A}"/>
+                </a:ext>
+                <a:ext uri="{C183D7F6-B498-43B3-948B-1728B52AA6E4}">
+                  <adec:decorative xmlns:adec="http://schemas.microsoft.com/office/drawing/2017/decorative" val="1"/>
+                </a:ext>
+              </a:extLst>
+            </p:cNvPr>
+            <p:cNvSpPr/>
+            <p:nvPr>
+              <p:extLst>
+                <p:ext uri="{386F3935-93C4-4BCD-93E2-E3B085C9AB24}">
+                  <p16:designElem xmlns:p16="http://schemas.microsoft.com/office/powerpoint/2015/main" val="1"/>
+                </p:ext>
+              </p:extLst>
+            </p:nvPr>
+          </p:nvSpPr>
+          <p:spPr bwMode="auto">
+            <a:xfrm>
+              <a:off x="1627188" y="0"/>
+              <a:ext cx="1122363" cy="5329238"/>
+            </a:xfrm>
+            <a:custGeom>
+              <a:avLst/>
+              <a:gdLst/>
+              <a:ahLst/>
+              <a:cxnLst/>
+              <a:rect l="0" t="0" r="r" b="b"/>
+              <a:pathLst>
+                <a:path w="707" h="3357">
+                  <a:moveTo>
+                    <a:pt x="0" y="3330"/>
+                  </a:moveTo>
+                  <a:lnTo>
+                    <a:pt x="156" y="3357"/>
+                  </a:lnTo>
+                  <a:lnTo>
+                    <a:pt x="707" y="0"/>
+                  </a:lnTo>
+                  <a:lnTo>
+                    <a:pt x="547" y="0"/>
+                  </a:lnTo>
+                  <a:lnTo>
+                    <a:pt x="0" y="3330"/>
+                  </a:lnTo>
+                  <a:close/>
+                </a:path>
+              </a:pathLst>
+            </a:custGeom>
+            <a:solidFill>
+              <a:schemeClr val="accent1"/>
+            </a:solidFill>
+            <a:ln>
+              <a:noFill/>
+            </a:ln>
+          </p:spPr>
+        </p:sp>
+        <p:sp>
+          <p:nvSpPr>
+            <p:cNvPr id="13" name="Freeform 7">
+              <a:extLst>
+                <a:ext uri="{FF2B5EF4-FFF2-40B4-BE49-F238E27FC236}">
+                  <a16:creationId xmlns:a16="http://schemas.microsoft.com/office/drawing/2014/main" id="{BC38192B-B4CB-47D4-A3B1-10010247F158}"/>
+                </a:ext>
+                <a:ext uri="{C183D7F6-B498-43B3-948B-1728B52AA6E4}">
+                  <adec:decorative xmlns:adec="http://schemas.microsoft.com/office/drawing/2017/decorative" val="1"/>
+                </a:ext>
+              </a:extLst>
+            </p:cNvPr>
+            <p:cNvSpPr/>
+            <p:nvPr>
+              <p:extLst>
+                <p:ext uri="{386F3935-93C4-4BCD-93E2-E3B085C9AB24}">
+                  <p16:designElem xmlns:p16="http://schemas.microsoft.com/office/powerpoint/2015/main" val="1"/>
+                </p:ext>
+              </p:extLst>
+            </p:nvPr>
+          </p:nvSpPr>
+          <p:spPr bwMode="auto">
+            <a:xfrm>
+              <a:off x="1320800" y="0"/>
+              <a:ext cx="1117600" cy="5276850"/>
+            </a:xfrm>
+            <a:custGeom>
+              <a:avLst/>
+              <a:gdLst/>
+              <a:ahLst/>
+              <a:cxnLst/>
+              <a:rect l="0" t="0" r="r" b="b"/>
+              <a:pathLst>
+                <a:path w="704" h="3324">
+                  <a:moveTo>
+                    <a:pt x="704" y="0"/>
+                  </a:moveTo>
+                  <a:lnTo>
+                    <a:pt x="545" y="0"/>
+                  </a:lnTo>
+                  <a:lnTo>
+                    <a:pt x="0" y="3300"/>
+                  </a:lnTo>
+                  <a:lnTo>
+                    <a:pt x="157" y="3324"/>
+                  </a:lnTo>
+                  <a:lnTo>
+                    <a:pt x="704" y="0"/>
+                  </a:lnTo>
+                  <a:close/>
+                </a:path>
+              </a:pathLst>
+            </a:custGeom>
+            <a:solidFill>
+              <a:srgbClr val="595959"/>
+            </a:solidFill>
+            <a:ln>
+              <a:noFill/>
+            </a:ln>
+          </p:spPr>
+        </p:sp>
+        <p:sp>
+          <p:nvSpPr>
+            <p:cNvPr id="14" name="Freeform 8">
+              <a:extLst>
+                <a:ext uri="{FF2B5EF4-FFF2-40B4-BE49-F238E27FC236}">
+                  <a16:creationId xmlns:a16="http://schemas.microsoft.com/office/drawing/2014/main" id="{96330E33-E171-4B0F-82B5-AF7230399B5C}"/>
+                </a:ext>
+                <a:ext uri="{C183D7F6-B498-43B3-948B-1728B52AA6E4}">
+                  <adec:decorative xmlns:adec="http://schemas.microsoft.com/office/drawing/2017/decorative" val="1"/>
+                </a:ext>
+              </a:extLst>
+            </p:cNvPr>
+            <p:cNvSpPr/>
+            <p:nvPr>
+              <p:extLst>
+                <p:ext uri="{386F3935-93C4-4BCD-93E2-E3B085C9AB24}">
+                  <p16:designElem xmlns:p16="http://schemas.microsoft.com/office/powerpoint/2015/main" val="1"/>
+                </p:ext>
+              </p:extLst>
+            </p:nvPr>
+          </p:nvSpPr>
+          <p:spPr bwMode="auto">
+            <a:xfrm>
+              <a:off x="1320800" y="5238750"/>
+              <a:ext cx="1228725" cy="1619250"/>
+            </a:xfrm>
+            <a:custGeom>
+              <a:avLst/>
+              <a:gdLst/>
+              <a:ahLst/>
+              <a:cxnLst/>
+              <a:rect l="0" t="0" r="r" b="b"/>
+              <a:pathLst>
+                <a:path w="774" h="1020">
+                  <a:moveTo>
+                    <a:pt x="0" y="0"/>
+                  </a:moveTo>
+                  <a:lnTo>
+                    <a:pt x="740" y="1020"/>
+                  </a:lnTo>
+                  <a:lnTo>
+                    <a:pt x="774" y="1020"/>
+                  </a:lnTo>
+                  <a:lnTo>
+                    <a:pt x="0" y="0"/>
+                  </a:lnTo>
+                  <a:close/>
+                </a:path>
+              </a:pathLst>
+            </a:custGeom>
+            <a:solidFill>
+              <a:srgbClr val="262626"/>
+            </a:solidFill>
+            <a:ln>
+              <a:noFill/>
+            </a:ln>
+          </p:spPr>
+        </p:sp>
+        <p:sp>
+          <p:nvSpPr>
+            <p:cNvPr id="15" name="Freeform 9">
+              <a:extLst>
+                <a:ext uri="{FF2B5EF4-FFF2-40B4-BE49-F238E27FC236}">
+                  <a16:creationId xmlns:a16="http://schemas.microsoft.com/office/drawing/2014/main" id="{332B1723-69BF-42D7-B757-0FA059E15256}"/>
+                </a:ext>
+                <a:ext uri="{C183D7F6-B498-43B3-948B-1728B52AA6E4}">
+                  <adec:decorative xmlns:adec="http://schemas.microsoft.com/office/drawing/2017/decorative" val="1"/>
+                </a:ext>
+              </a:extLst>
+            </p:cNvPr>
+            <p:cNvSpPr/>
+            <p:nvPr>
+              <p:extLst>
+                <p:ext uri="{386F3935-93C4-4BCD-93E2-E3B085C9AB24}">
+                  <p16:designElem xmlns:p16="http://schemas.microsoft.com/office/powerpoint/2015/main" val="1"/>
+                </p:ext>
+              </p:extLst>
+            </p:nvPr>
+          </p:nvSpPr>
+          <p:spPr bwMode="auto">
+            <a:xfrm>
+              <a:off x="1627188" y="5291138"/>
+              <a:ext cx="1495425" cy="1566863"/>
+            </a:xfrm>
+            <a:custGeom>
+              <a:avLst/>
+              <a:gdLst/>
+              <a:ahLst/>
+              <a:cxnLst/>
+              <a:rect l="0" t="0" r="r" b="b"/>
+              <a:pathLst>
+                <a:path w="942" h="987">
+                  <a:moveTo>
+                    <a:pt x="0" y="0"/>
+                  </a:moveTo>
+                  <a:lnTo>
+                    <a:pt x="909" y="987"/>
+                  </a:lnTo>
+                  <a:lnTo>
+                    <a:pt x="942" y="987"/>
+                  </a:lnTo>
+                  <a:lnTo>
+                    <a:pt x="0" y="0"/>
+                  </a:lnTo>
+                  <a:close/>
+                </a:path>
+              </a:pathLst>
+            </a:custGeom>
+            <a:solidFill>
+              <a:schemeClr val="accent1">
+                <a:lumMod val="50000"/>
+              </a:schemeClr>
+            </a:solidFill>
+            <a:ln>
+              <a:noFill/>
+            </a:ln>
+          </p:spPr>
+        </p:sp>
+        <p:sp>
+          <p:nvSpPr>
+            <p:cNvPr id="16" name="Freeform 10">
+              <a:extLst>
+                <a:ext uri="{FF2B5EF4-FFF2-40B4-BE49-F238E27FC236}">
+                  <a16:creationId xmlns:a16="http://schemas.microsoft.com/office/drawing/2014/main" id="{F115D62D-1E96-48D1-A78D-D370A0BFB9B5}"/>
+                </a:ext>
+                <a:ext uri="{C183D7F6-B498-43B3-948B-1728B52AA6E4}">
+                  <adec:decorative xmlns:adec="http://schemas.microsoft.com/office/drawing/2017/decorative" val="1"/>
+                </a:ext>
+              </a:extLst>
+            </p:cNvPr>
+            <p:cNvSpPr/>
+            <p:nvPr>
+              <p:extLst>
+                <p:ext uri="{386F3935-93C4-4BCD-93E2-E3B085C9AB24}">
+                  <p16:designElem xmlns:p16="http://schemas.microsoft.com/office/powerpoint/2015/main" val="1"/>
+                </p:ext>
+              </p:extLst>
+            </p:nvPr>
+          </p:nvSpPr>
+          <p:spPr bwMode="auto">
+            <a:xfrm>
+              <a:off x="1627188" y="5286375"/>
+              <a:ext cx="2130425" cy="1571625"/>
+            </a:xfrm>
+            <a:custGeom>
+              <a:avLst/>
+              <a:gdLst/>
+              <a:ahLst/>
+              <a:cxnLst/>
+              <a:rect l="0" t="0" r="r" b="b"/>
+              <a:pathLst>
+                <a:path w="1342" h="990">
+                  <a:moveTo>
+                    <a:pt x="0" y="3"/>
+                  </a:moveTo>
+                  <a:lnTo>
+                    <a:pt x="942" y="990"/>
+                  </a:lnTo>
+                  <a:lnTo>
+                    <a:pt x="1342" y="990"/>
+                  </a:lnTo>
+                  <a:lnTo>
+                    <a:pt x="156" y="27"/>
+                  </a:lnTo>
+                  <a:lnTo>
+                    <a:pt x="0" y="0"/>
+                  </a:lnTo>
+                  <a:lnTo>
+                    <a:pt x="0" y="3"/>
+                  </a:lnTo>
+                  <a:close/>
+                </a:path>
+              </a:pathLst>
+            </a:custGeom>
+            <a:solidFill>
+              <a:schemeClr val="accent1">
+                <a:lumMod val="75000"/>
+              </a:schemeClr>
+            </a:solidFill>
+            <a:ln>
+              <a:noFill/>
+            </a:ln>
+          </p:spPr>
+        </p:sp>
+        <p:sp>
+          <p:nvSpPr>
+            <p:cNvPr id="17" name="Freeform 11">
+              <a:extLst>
+                <a:ext uri="{FF2B5EF4-FFF2-40B4-BE49-F238E27FC236}">
+                  <a16:creationId xmlns:a16="http://schemas.microsoft.com/office/drawing/2014/main" id="{91C2876A-169D-4822-A766-C00578C88B4B}"/>
+                </a:ext>
+                <a:ext uri="{C183D7F6-B498-43B3-948B-1728B52AA6E4}">
+                  <adec:decorative xmlns:adec="http://schemas.microsoft.com/office/drawing/2017/decorative" val="1"/>
+                </a:ext>
+              </a:extLst>
+            </p:cNvPr>
+            <p:cNvSpPr/>
+            <p:nvPr>
+              <p:extLst>
+                <p:ext uri="{386F3935-93C4-4BCD-93E2-E3B085C9AB24}">
+                  <p16:designElem xmlns:p16="http://schemas.microsoft.com/office/powerpoint/2015/main" val="1"/>
+                </p:ext>
+              </p:extLst>
+            </p:nvPr>
+          </p:nvSpPr>
+          <p:spPr bwMode="auto">
+            <a:xfrm>
+              <a:off x="1320800" y="5238750"/>
+              <a:ext cx="1695450" cy="1619250"/>
+            </a:xfrm>
+            <a:custGeom>
+              <a:avLst/>
+              <a:gdLst/>
+              <a:ahLst/>
+              <a:cxnLst/>
+              <a:rect l="0" t="0" r="r" b="b"/>
+              <a:pathLst>
+                <a:path w="1068" h="1020">
+                  <a:moveTo>
+                    <a:pt x="1068" y="1020"/>
+                  </a:moveTo>
+                  <a:lnTo>
+                    <a:pt x="184" y="60"/>
+                  </a:lnTo>
+                  <a:lnTo>
+                    <a:pt x="154" y="27"/>
+                  </a:lnTo>
+                  <a:lnTo>
+                    <a:pt x="157" y="27"/>
+                  </a:lnTo>
+                  <a:lnTo>
+                    <a:pt x="157" y="24"/>
+                  </a:lnTo>
+                  <a:lnTo>
+                    <a:pt x="154" y="24"/>
+                  </a:lnTo>
+                  <a:lnTo>
+                    <a:pt x="0" y="0"/>
+                  </a:lnTo>
+                  <a:lnTo>
+                    <a:pt x="0" y="0"/>
+                  </a:lnTo>
+                  <a:lnTo>
+                    <a:pt x="774" y="1020"/>
+                  </a:lnTo>
+                  <a:lnTo>
+                    <a:pt x="1068" y="1020"/>
+                  </a:lnTo>
+                  <a:close/>
+                </a:path>
+              </a:pathLst>
+            </a:custGeom>
+            <a:solidFill>
+              <a:srgbClr val="404040"/>
+            </a:solidFill>
+            <a:ln>
+              <a:noFill/>
+            </a:ln>
+          </p:spPr>
+        </p:sp>
+      </p:grpSp>
+      <p:sp>
+        <p:nvSpPr>
+          <p:cNvPr id="2" name="Title 1">
+            <a:extLst>
+              <a:ext uri="{FF2B5EF4-FFF2-40B4-BE49-F238E27FC236}">
+                <a16:creationId xmlns:a16="http://schemas.microsoft.com/office/drawing/2014/main" id="{24CA2AB5-0B80-4D64-9138-9335AE0094ED}"/>
+              </a:ext>
+            </a:extLst>
+          </p:cNvPr>
+          <p:cNvSpPr>
+            <a:spLocks noGrp="1"/>
+          </p:cNvSpPr>
+          <p:nvPr>
+            <p:ph type="title"/>
+          </p:nvPr>
+        </p:nvSpPr>
+        <p:spPr>
+          <a:xfrm>
+            <a:off x="535020" y="685800"/>
+            <a:ext cx="2780271" cy="5105400"/>
+          </a:xfrm>
+        </p:spPr>
+        <p:txBody>
+          <a:bodyPr>
+            <a:normAutofit/>
+          </a:bodyPr>
+          <a:lstStyle/>
+          <a:p>
+            <a:r>
+              <a:rPr lang="en-US" sz="4000">
+                <a:solidFill>
+                  <a:srgbClr val="FFFFFF"/>
+                </a:solidFill>
+              </a:rPr>
+              <a:t>Identifying Clusters</a:t>
+            </a:r>
+          </a:p>
+        </p:txBody>
+      </p:sp>
+      <p:graphicFrame>
+        <p:nvGraphicFramePr>
+          <p:cNvPr id="4" name="Table 4">
+            <a:extLst>
+              <a:ext uri="{FF2B5EF4-FFF2-40B4-BE49-F238E27FC236}">
+                <a16:creationId xmlns:a16="http://schemas.microsoft.com/office/drawing/2014/main" id="{91DB84C5-D42B-40E2-A191-0C4BFE4BEB8A}"/>
+              </a:ext>
+            </a:extLst>
+          </p:cNvPr>
+          <p:cNvGraphicFramePr>
+            <a:graphicFrameLocks noGrp="1"/>
+          </p:cNvGraphicFramePr>
+          <p:nvPr>
+            <p:ph idx="1"/>
+            <p:extLst>
+              <p:ext uri="{D42A27DB-BD31-4B8C-83A1-F6EECF244321}">
+                <p14:modId xmlns:p14="http://schemas.microsoft.com/office/powerpoint/2010/main" val="2091086045"/>
+              </p:ext>
+            </p:extLst>
+          </p:nvPr>
+        </p:nvGraphicFramePr>
+        <p:xfrm>
+          <a:off x="4603851" y="1314450"/>
+          <a:ext cx="7522461" cy="3570282"/>
+        </p:xfrm>
+        <a:graphic>
+          <a:graphicData uri="http://schemas.openxmlformats.org/drawingml/2006/table">
+            <a:tbl>
+              <a:tblPr firstRow="1" bandRow="1">
+                <a:effectLst>
+                  <a:innerShdw blurRad="76200" dist="63500" dir="1200000">
+                    <a:srgbClr val="002060">
+                      <a:alpha val="50000"/>
+                    </a:srgbClr>
+                  </a:innerShdw>
+                </a:effectLst>
+                <a:tableStyleId>{5C22544A-7EE6-4342-B048-85BDC9FD1C3A}</a:tableStyleId>
+              </a:tblPr>
+              <a:tblGrid>
+                <a:gridCol w="2494066">
+                  <a:extLst>
+                    <a:ext uri="{9D8B030D-6E8A-4147-A177-3AD203B41FA5}">
+                      <a16:colId xmlns:a16="http://schemas.microsoft.com/office/drawing/2014/main" val="1310406833"/>
+                    </a:ext>
+                  </a:extLst>
+                </a:gridCol>
+                <a:gridCol w="5028395">
+                  <a:extLst>
+                    <a:ext uri="{9D8B030D-6E8A-4147-A177-3AD203B41FA5}">
+                      <a16:colId xmlns:a16="http://schemas.microsoft.com/office/drawing/2014/main" val="2739832833"/>
+                    </a:ext>
+                  </a:extLst>
+                </a:gridCol>
+              </a:tblGrid>
+              <a:tr h="828335">
+                <a:tc>
+                  <a:txBody>
+                    <a:bodyPr/>
+                    <a:lstStyle/>
+                    <a:p>
+                      <a:pPr algn="ctr"/>
+                      <a:r>
+                        <a:rPr lang="en-US" sz="4500" dirty="0"/>
+                        <a:t>CLUSTER</a:t>
+                      </a:r>
+                    </a:p>
+                  </a:txBody>
+                  <a:tcPr marL="102686" marR="102686" marT="51343" marB="51343" anchor="ctr"/>
+                </a:tc>
+                <a:tc>
+                  <a:txBody>
+                    <a:bodyPr/>
+                    <a:lstStyle/>
+                    <a:p>
+                      <a:pPr algn="ctr"/>
+                      <a:r>
+                        <a:rPr lang="en-US" sz="4500" dirty="0"/>
+                        <a:t>LABEL</a:t>
+                      </a:r>
+                    </a:p>
+                  </a:txBody>
+                  <a:tcPr marL="102686" marR="102686" marT="51343" marB="51343" anchor="ctr"/>
+                </a:tc>
+                <a:extLst>
+                  <a:ext uri="{0D108BD9-81ED-4DB2-BD59-A6C34878D82A}">
+                    <a16:rowId xmlns:a16="http://schemas.microsoft.com/office/drawing/2014/main" val="3858354930"/>
+                  </a:ext>
+                </a:extLst>
+              </a:tr>
+              <a:tr h="527987">
+                <a:tc>
+                  <a:txBody>
+                    <a:bodyPr/>
+                    <a:lstStyle/>
+                    <a:p>
+                      <a:pPr algn="ctr" fontAlgn="b"/>
+                      <a:r>
+                        <a:rPr lang="en-US" sz="2600" b="0" i="0" u="none" strike="noStrike">
+                          <a:solidFill>
+                            <a:srgbClr val="000000"/>
+                          </a:solidFill>
+                          <a:effectLst/>
+                          <a:latin typeface="Calibri" panose="020F0502020204030204" pitchFamily="34" charset="0"/>
+                        </a:rPr>
+                        <a:t> Cluster 0</a:t>
+                      </a:r>
+                    </a:p>
+                  </a:txBody>
+                  <a:tcPr marL="10696" marR="10696" marT="10696" marB="0" anchor="ctr"/>
+                </a:tc>
+                <a:tc>
+                  <a:txBody>
+                    <a:bodyPr/>
+                    <a:lstStyle/>
+                    <a:p>
+                      <a:pPr algn="ctr" fontAlgn="b"/>
+                      <a:r>
+                        <a:rPr lang="en-US" sz="2600" b="0" i="0" u="none" strike="noStrike" dirty="0">
+                          <a:solidFill>
+                            <a:srgbClr val="000000"/>
+                          </a:solidFill>
+                          <a:effectLst/>
+                          <a:latin typeface="Calibri" panose="020F0502020204030204" pitchFamily="34" charset="0"/>
+                        </a:rPr>
+                        <a:t> Low value frequent users of services</a:t>
+                      </a:r>
+                    </a:p>
+                  </a:txBody>
+                  <a:tcPr marL="10696" marR="10696" marT="10696" marB="0" anchor="ctr"/>
+                </a:tc>
+                <a:extLst>
+                  <a:ext uri="{0D108BD9-81ED-4DB2-BD59-A6C34878D82A}">
+                    <a16:rowId xmlns:a16="http://schemas.microsoft.com/office/drawing/2014/main" val="201562301"/>
+                  </a:ext>
+                </a:extLst>
+              </a:tr>
+              <a:tr h="462515">
+                <a:tc>
+                  <a:txBody>
+                    <a:bodyPr/>
+                    <a:lstStyle/>
+                    <a:p>
+                      <a:pPr algn="ctr" fontAlgn="b"/>
+                      <a:r>
+                        <a:rPr lang="en-US" sz="2600" b="0" i="0" u="none" strike="noStrike">
+                          <a:solidFill>
+                            <a:srgbClr val="000000"/>
+                          </a:solidFill>
+                          <a:effectLst/>
+                          <a:latin typeface="Calibri" panose="020F0502020204030204" pitchFamily="34" charset="0"/>
+                        </a:rPr>
+                        <a:t> Cluster 1</a:t>
+                      </a:r>
+                    </a:p>
+                  </a:txBody>
+                  <a:tcPr marL="10696" marR="10696" marT="10696" marB="0" anchor="ctr"/>
+                </a:tc>
+                <a:tc>
+                  <a:txBody>
+                    <a:bodyPr/>
+                    <a:lstStyle/>
+                    <a:p>
+                      <a:pPr algn="ctr" fontAlgn="b"/>
+                      <a:r>
+                        <a:rPr lang="en-US" sz="2600" b="0" i="0" u="none" strike="noStrike" dirty="0">
+                          <a:solidFill>
+                            <a:srgbClr val="000000"/>
+                          </a:solidFill>
+                          <a:effectLst/>
+                          <a:latin typeface="Calibri" panose="020F0502020204030204" pitchFamily="34" charset="0"/>
+                        </a:rPr>
+                        <a:t> </a:t>
+                      </a:r>
+                      <a:r>
+                        <a:rPr lang="en-US" sz="2600" b="0" i="0" u="none" strike="noStrike" dirty="0">
+                          <a:solidFill>
+                            <a:srgbClr val="FF0000"/>
+                          </a:solidFill>
+                          <a:effectLst/>
+                          <a:latin typeface="Calibri" panose="020F0502020204030204" pitchFamily="34" charset="0"/>
+                        </a:rPr>
+                        <a:t>High risk </a:t>
+                      </a:r>
+                      <a:r>
+                        <a:rPr lang="en-US" sz="2600" b="0" i="0" u="none" strike="noStrike" dirty="0">
+                          <a:solidFill>
+                            <a:srgbClr val="000000"/>
+                          </a:solidFill>
+                          <a:effectLst/>
+                          <a:latin typeface="Calibri" panose="020F0502020204030204" pitchFamily="34" charset="0"/>
+                        </a:rPr>
+                        <a:t>clients</a:t>
+                      </a:r>
+                    </a:p>
+                  </a:txBody>
+                  <a:tcPr marL="10696" marR="10696" marT="10696" marB="0" anchor="ctr"/>
+                </a:tc>
+                <a:extLst>
+                  <a:ext uri="{0D108BD9-81ED-4DB2-BD59-A6C34878D82A}">
+                    <a16:rowId xmlns:a16="http://schemas.microsoft.com/office/drawing/2014/main" val="2855061675"/>
+                  </a:ext>
+                </a:extLst>
+              </a:tr>
+              <a:tr h="415671">
+                <a:tc>
+                  <a:txBody>
+                    <a:bodyPr/>
+                    <a:lstStyle/>
+                    <a:p>
+                      <a:pPr algn="ctr" fontAlgn="b"/>
+                      <a:r>
+                        <a:rPr lang="en-US" sz="2600" b="0" i="0" u="none" strike="noStrike">
+                          <a:solidFill>
+                            <a:srgbClr val="000000"/>
+                          </a:solidFill>
+                          <a:effectLst/>
+                          <a:latin typeface="Calibri" panose="020F0502020204030204" pitchFamily="34" charset="0"/>
+                        </a:rPr>
+                        <a:t> Cluster 2</a:t>
+                      </a:r>
+                    </a:p>
+                  </a:txBody>
+                  <a:tcPr marL="10696" marR="10696" marT="10696" marB="0" anchor="ctr"/>
+                </a:tc>
+                <a:tc>
+                  <a:txBody>
+                    <a:bodyPr/>
+                    <a:lstStyle/>
+                    <a:p>
+                      <a:pPr algn="ctr" fontAlgn="b"/>
+                      <a:r>
+                        <a:rPr lang="en-US" sz="2600" b="0" i="0" u="none" strike="noStrike">
+                          <a:solidFill>
+                            <a:srgbClr val="000000"/>
+                          </a:solidFill>
+                          <a:effectLst/>
+                          <a:latin typeface="Calibri" panose="020F0502020204030204" pitchFamily="34" charset="0"/>
+                        </a:rPr>
+                        <a:t> Regular clients</a:t>
+                      </a:r>
+                    </a:p>
+                  </a:txBody>
+                  <a:tcPr marL="10696" marR="10696" marT="10696" marB="0" anchor="ctr"/>
+                </a:tc>
+                <a:extLst>
+                  <a:ext uri="{0D108BD9-81ED-4DB2-BD59-A6C34878D82A}">
+                    <a16:rowId xmlns:a16="http://schemas.microsoft.com/office/drawing/2014/main" val="4288892595"/>
+                  </a:ext>
+                </a:extLst>
+              </a:tr>
+              <a:tr h="873259">
+                <a:tc>
+                  <a:txBody>
+                    <a:bodyPr/>
+                    <a:lstStyle/>
+                    <a:p>
+                      <a:pPr algn="ctr" fontAlgn="b"/>
+                      <a:r>
+                        <a:rPr lang="en-US" sz="2600" b="0" i="0" u="none" strike="noStrike">
+                          <a:solidFill>
+                            <a:srgbClr val="000000"/>
+                          </a:solidFill>
+                          <a:effectLst/>
+                          <a:latin typeface="Calibri" panose="020F0502020204030204" pitchFamily="34" charset="0"/>
+                        </a:rPr>
+                        <a:t> Cluster 3</a:t>
+                      </a:r>
+                    </a:p>
+                  </a:txBody>
+                  <a:tcPr marL="10696" marR="10696" marT="10696" marB="0" anchor="ctr"/>
+                </a:tc>
+                <a:tc>
+                  <a:txBody>
+                    <a:bodyPr/>
+                    <a:lstStyle/>
+                    <a:p>
+                      <a:pPr algn="ctr" fontAlgn="b"/>
+                      <a:r>
+                        <a:rPr lang="en-US" sz="2600" b="0" i="0" u="none" strike="noStrike" dirty="0">
+                          <a:solidFill>
+                            <a:srgbClr val="000000"/>
+                          </a:solidFill>
+                          <a:effectLst/>
+                          <a:latin typeface="Calibri" panose="020F0502020204030204" pitchFamily="34" charset="0"/>
+                        </a:rPr>
+                        <a:t> Most loyal clients. </a:t>
+                      </a:r>
+                    </a:p>
+                    <a:p>
+                      <a:pPr algn="ctr" fontAlgn="b"/>
+                      <a:r>
+                        <a:rPr lang="en-US" sz="2600" b="0" i="0" u="none" strike="noStrike" dirty="0">
+                          <a:solidFill>
+                            <a:srgbClr val="000000"/>
+                          </a:solidFill>
+                          <a:effectLst/>
+                          <a:latin typeface="Calibri" panose="020F0502020204030204" pitchFamily="34" charset="0"/>
+                        </a:rPr>
+                        <a:t>(mostly consists of older clients)</a:t>
+                      </a:r>
+                    </a:p>
+                  </a:txBody>
+                  <a:tcPr marL="10696" marR="10696" marT="10696" marB="0" anchor="ctr"/>
+                </a:tc>
+                <a:extLst>
+                  <a:ext uri="{0D108BD9-81ED-4DB2-BD59-A6C34878D82A}">
+                    <a16:rowId xmlns:a16="http://schemas.microsoft.com/office/drawing/2014/main" val="4025865286"/>
+                  </a:ext>
+                </a:extLst>
+              </a:tr>
+              <a:tr h="462515">
+                <a:tc>
+                  <a:txBody>
+                    <a:bodyPr/>
+                    <a:lstStyle/>
+                    <a:p>
+                      <a:pPr algn="ctr" fontAlgn="b"/>
+                      <a:r>
+                        <a:rPr lang="en-US" sz="2600" b="0" i="0" u="none" strike="noStrike">
+                          <a:solidFill>
+                            <a:srgbClr val="000000"/>
+                          </a:solidFill>
+                          <a:effectLst/>
+                          <a:latin typeface="Calibri" panose="020F0502020204030204" pitchFamily="34" charset="0"/>
+                        </a:rPr>
+                        <a:t> Cluster 4</a:t>
+                      </a:r>
+                    </a:p>
+                  </a:txBody>
+                  <a:tcPr marL="10696" marR="10696" marT="10696" marB="0" anchor="ctr"/>
+                </a:tc>
+                <a:tc>
+                  <a:txBody>
+                    <a:bodyPr/>
+                    <a:lstStyle/>
+                    <a:p>
+                      <a:pPr algn="ctr" fontAlgn="b"/>
+                      <a:r>
+                        <a:rPr lang="en-US" sz="2600" b="0" i="0" u="none" strike="noStrike" dirty="0">
+                          <a:solidFill>
+                            <a:srgbClr val="000000"/>
+                          </a:solidFill>
+                          <a:effectLst/>
+                          <a:latin typeface="Calibri" panose="020F0502020204030204" pitchFamily="34" charset="0"/>
+                        </a:rPr>
+                        <a:t> High value clients</a:t>
+                      </a:r>
+                    </a:p>
+                  </a:txBody>
+                  <a:tcPr marL="10696" marR="10696" marT="10696" marB="0" anchor="ctr"/>
+                </a:tc>
+                <a:extLst>
+                  <a:ext uri="{0D108BD9-81ED-4DB2-BD59-A6C34878D82A}">
+                    <a16:rowId xmlns:a16="http://schemas.microsoft.com/office/drawing/2014/main" val="554840606"/>
+                  </a:ext>
+                </a:extLst>
+              </a:tr>
+            </a:tbl>
+          </a:graphicData>
+        </a:graphic>
+      </p:graphicFrame>
+    </p:spTree>
+    <p:extLst>
+      <p:ext uri="{BB962C8B-B14F-4D97-AF65-F5344CB8AC3E}">
+        <p14:creationId xmlns:p14="http://schemas.microsoft.com/office/powerpoint/2010/main" val="2610522644"/>
+      </p:ext>
+    </p:extLst>
+  </p:cSld>
+  <p:clrMapOvr>
+    <a:masterClrMapping/>
+  </p:clrMapOvr>
+</p:sld>
+</file>
+
+<file path=ppt/slides/slide13.xml><?xml version="1.0" encoding="utf-8"?>
+<p:sld xmlns:a="http://schemas.openxmlformats.org/drawingml/2006/main" xmlns:r="http://schemas.openxmlformats.org/officeDocument/2006/relationships" xmlns:p="http://schemas.openxmlformats.org/presentationml/2006/main">
+  <p:cSld>
+    <p:bg>
+      <p:bgPr>
+        <a:solidFill>
+          <a:schemeClr val="bg1"/>
+        </a:solidFill>
+        <a:effectLst/>
+      </p:bgPr>
+    </p:bg>
+    <p:spTree>
+      <p:nvGrpSpPr>
+        <p:cNvPr id="1" name=""/>
+        <p:cNvGrpSpPr/>
+        <p:nvPr/>
+      </p:nvGrpSpPr>
+      <p:grpSpPr>
+        <a:xfrm>
+          <a:off x="0" y="0"/>
+          <a:ext cx="0" cy="0"/>
+          <a:chOff x="0" y="0"/>
+          <a:chExt cx="0" cy="0"/>
+        </a:xfrm>
+      </p:grpSpPr>
       <p:sp useBgFill="1">
         <p:nvSpPr>
           <p:cNvPr id="71" name="Rectangle 70">
@@ -21548,7 +22977,7 @@
 </p:sld>
 </file>
 
-<file path=ppt/slides/slide13.xml><?xml version="1.0" encoding="utf-8"?>
+<file path=ppt/slides/slide14.xml><?xml version="1.0" encoding="utf-8"?>
 <p:sld xmlns:a="http://schemas.openxmlformats.org/drawingml/2006/main" xmlns:r="http://schemas.openxmlformats.org/officeDocument/2006/relationships" xmlns:p="http://schemas.openxmlformats.org/presentationml/2006/main">
   <p:cSld>
     <p:spTree>
@@ -21595,10 +23024,10 @@
       </p:sp>
       <p:pic>
         <p:nvPicPr>
-          <p:cNvPr id="6" name="Content Placeholder 5" descr="A picture containing chart&#10;&#10;Description automatically generated">
+          <p:cNvPr id="12" name="Content Placeholder 11">
             <a:extLst>
               <a:ext uri="{FF2B5EF4-FFF2-40B4-BE49-F238E27FC236}">
-                <a16:creationId xmlns:a16="http://schemas.microsoft.com/office/drawing/2014/main" id="{F0C76035-9F05-460E-B9F3-33D9926F0C9F}"/>
+                <a16:creationId xmlns:a16="http://schemas.microsoft.com/office/drawing/2014/main" id="{1B87D0F5-34CE-4220-9351-ED66175B22B1}"/>
               </a:ext>
             </a:extLst>
           </p:cNvPr>
@@ -21623,47 +23052,1052 @@
         </p:blipFill>
         <p:spPr>
           <a:xfrm>
-            <a:off x="985203" y="1825625"/>
-            <a:ext cx="4887594" cy="4351338"/>
+            <a:off x="6832348" y="2438400"/>
+            <a:ext cx="5181600" cy="1981200"/>
           </a:xfrm>
+          <a:effectLst>
+            <a:outerShdw blurRad="50800" dist="38100" dir="2700000" algn="tl" rotWithShape="0">
+              <a:schemeClr val="accent1">
+                <a:lumMod val="75000"/>
+                <a:alpha val="40000"/>
+              </a:schemeClr>
+            </a:outerShdw>
+          </a:effectLst>
         </p:spPr>
       </p:pic>
-      <p:sp>
-        <p:nvSpPr>
-          <p:cNvPr id="4" name="Content Placeholder 3">
+      <p:grpSp>
+        <p:nvGrpSpPr>
+          <p:cNvPr id="19" name="Group 18">
             <a:extLst>
               <a:ext uri="{FF2B5EF4-FFF2-40B4-BE49-F238E27FC236}">
-                <a16:creationId xmlns:a16="http://schemas.microsoft.com/office/drawing/2014/main" id="{7AB1BDF9-34E4-47B2-AD22-223E3A066EC0}"/>
+                <a16:creationId xmlns:a16="http://schemas.microsoft.com/office/drawing/2014/main" id="{2095C302-24DD-446F-B93F-4AFDD854C508}"/>
+              </a:ext>
+              <a:ext uri="{C183D7F6-B498-43B3-948B-1728B52AA6E4}">
+                <adec:decorative xmlns:adec="http://schemas.microsoft.com/office/drawing/2017/decorative" val="1"/>
               </a:ext>
             </a:extLst>
           </p:cNvPr>
-          <p:cNvSpPr>
-            <a:spLocks noGrp="1"/>
-          </p:cNvSpPr>
+          <p:cNvGrpSpPr>
+            <a:grpSpLocks/>
+          </p:cNvGrpSpPr>
+          <p:nvPr>
+            <p:extLst>
+              <p:ext uri="{386F3935-93C4-4BCD-93E2-E3B085C9AB24}">
+                <p16:designElem xmlns:p16="http://schemas.microsoft.com/office/powerpoint/2015/main" val="1"/>
+              </p:ext>
+            </p:extLst>
+          </p:nvPr>
+        </p:nvGrpSpPr>
+        <p:grpSpPr>
+          <a:xfrm>
+            <a:off x="0" y="4601497"/>
+            <a:ext cx="1014060" cy="2017580"/>
+            <a:chOff x="0" y="4601497"/>
+            <a:chExt cx="1014060" cy="2017580"/>
+          </a:xfrm>
+        </p:grpSpPr>
+        <p:sp>
+          <p:nvSpPr>
+            <p:cNvPr id="20" name="Isosceles Triangle 19">
+              <a:extLst>
+                <a:ext uri="{FF2B5EF4-FFF2-40B4-BE49-F238E27FC236}">
+                  <a16:creationId xmlns:a16="http://schemas.microsoft.com/office/drawing/2014/main" id="{4E40D681-D182-47E9-8294-D8A20CBB3F81}"/>
+                </a:ext>
+                <a:ext uri="{C183D7F6-B498-43B3-948B-1728B52AA6E4}">
+                  <adec:decorative xmlns:adec="http://schemas.microsoft.com/office/drawing/2017/decorative" val="1"/>
+                </a:ext>
+              </a:extLst>
+            </p:cNvPr>
+            <p:cNvSpPr>
+              <a:spLocks/>
+            </p:cNvSpPr>
+            <p:nvPr>
+              <p:extLst>
+                <p:ext uri="{386F3935-93C4-4BCD-93E2-E3B085C9AB24}">
+                  <p16:designElem xmlns:p16="http://schemas.microsoft.com/office/powerpoint/2015/main" val="1"/>
+                </p:ext>
+              </p:extLst>
+            </p:nvPr>
+          </p:nvSpPr>
+          <p:spPr>
+            <a:xfrm rot="5400000">
+              <a:off x="-501760" y="5103257"/>
+              <a:ext cx="2017580" cy="1014060"/>
+            </a:xfrm>
+            <a:prstGeom prst="triangle">
+              <a:avLst>
+                <a:gd name="adj" fmla="val 50000"/>
+              </a:avLst>
+            </a:prstGeom>
+            <a:solidFill>
+              <a:schemeClr val="accent1">
+                <a:alpha val="30000"/>
+              </a:schemeClr>
+            </a:solidFill>
+            <a:ln>
+              <a:noFill/>
+            </a:ln>
+          </p:spPr>
+          <p:style>
+            <a:lnRef idx="2">
+              <a:schemeClr val="accent1">
+                <a:shade val="50000"/>
+              </a:schemeClr>
+            </a:lnRef>
+            <a:fillRef idx="1">
+              <a:schemeClr val="accent1"/>
+            </a:fillRef>
+            <a:effectRef idx="0">
+              <a:schemeClr val="accent1"/>
+            </a:effectRef>
+            <a:fontRef idx="minor">
+              <a:schemeClr val="lt1"/>
+            </a:fontRef>
+          </p:style>
+          <p:txBody>
+            <a:bodyPr rtlCol="0" anchor="ctr"/>
+            <a:lstStyle/>
+            <a:p>
+              <a:pPr algn="ctr"/>
+              <a:endParaRPr lang="en-US"/>
+            </a:p>
+          </p:txBody>
+        </p:sp>
+        <p:sp>
+          <p:nvSpPr>
+            <p:cNvPr id="21" name="Rectangle 20">
+              <a:extLst>
+                <a:ext uri="{FF2B5EF4-FFF2-40B4-BE49-F238E27FC236}">
+                  <a16:creationId xmlns:a16="http://schemas.microsoft.com/office/drawing/2014/main" id="{97345459-1AA8-4CC0-847D-33AA562719EB}"/>
+                </a:ext>
+                <a:ext uri="{C183D7F6-B498-43B3-948B-1728B52AA6E4}">
+                  <adec:decorative xmlns:adec="http://schemas.microsoft.com/office/drawing/2017/decorative" val="1"/>
+                </a:ext>
+              </a:extLst>
+            </p:cNvPr>
+            <p:cNvSpPr>
+              <a:spLocks/>
+            </p:cNvSpPr>
+            <p:nvPr>
+              <p:extLst>
+                <p:ext uri="{386F3935-93C4-4BCD-93E2-E3B085C9AB24}">
+                  <p16:designElem xmlns:p16="http://schemas.microsoft.com/office/powerpoint/2015/main" val="1"/>
+                </p:ext>
+              </p:extLst>
+            </p:nvPr>
+          </p:nvSpPr>
+          <p:spPr>
+            <a:xfrm rot="2700000">
+              <a:off x="427916" y="5728708"/>
+              <a:ext cx="485578" cy="485578"/>
+            </a:xfrm>
+            <a:prstGeom prst="rect">
+              <a:avLst/>
+            </a:prstGeom>
+            <a:solidFill>
+              <a:schemeClr val="accent1">
+                <a:alpha val="30000"/>
+              </a:schemeClr>
+            </a:solidFill>
+            <a:ln>
+              <a:noFill/>
+            </a:ln>
+          </p:spPr>
+          <p:style>
+            <a:lnRef idx="2">
+              <a:schemeClr val="accent1">
+                <a:shade val="50000"/>
+              </a:schemeClr>
+            </a:lnRef>
+            <a:fillRef idx="1">
+              <a:schemeClr val="accent1"/>
+            </a:fillRef>
+            <a:effectRef idx="0">
+              <a:schemeClr val="accent1"/>
+            </a:effectRef>
+            <a:fontRef idx="minor">
+              <a:schemeClr val="lt1"/>
+            </a:fontRef>
+          </p:style>
+          <p:txBody>
+            <a:bodyPr rtlCol="0" anchor="ctr"/>
+            <a:lstStyle/>
+            <a:p>
+              <a:pPr algn="ctr"/>
+              <a:endParaRPr lang="en-US"/>
+            </a:p>
+          </p:txBody>
+        </p:sp>
+      </p:grpSp>
+      <p:grpSp>
+        <p:nvGrpSpPr>
+          <p:cNvPr id="22" name="Group 21">
+            <a:extLst>
+              <a:ext uri="{FF2B5EF4-FFF2-40B4-BE49-F238E27FC236}">
+                <a16:creationId xmlns:a16="http://schemas.microsoft.com/office/drawing/2014/main" id="{01DB4754-D6AB-4FFE-9293-A2C19DEA310C}"/>
+              </a:ext>
+              <a:ext uri="{C183D7F6-B498-43B3-948B-1728B52AA6E4}">
+                <adec:decorative xmlns:adec="http://schemas.microsoft.com/office/drawing/2017/decorative" val="1"/>
+              </a:ext>
+            </a:extLst>
+          </p:cNvPr>
+          <p:cNvGrpSpPr>
+            <a:grpSpLocks/>
+          </p:cNvGrpSpPr>
+          <p:nvPr>
+            <p:extLst>
+              <p:ext uri="{386F3935-93C4-4BCD-93E2-E3B085C9AB24}">
+                <p16:designElem xmlns:p16="http://schemas.microsoft.com/office/powerpoint/2015/main" val="1"/>
+              </p:ext>
+            </p:extLst>
+          </p:nvPr>
+        </p:nvGrpSpPr>
+        <p:grpSpPr>
+          <a:xfrm>
+            <a:off x="11219290" y="1"/>
+            <a:ext cx="972709" cy="1935307"/>
+            <a:chOff x="10918968" y="713127"/>
+            <a:chExt cx="1273032" cy="2532832"/>
+          </a:xfrm>
+        </p:grpSpPr>
+        <p:sp>
+          <p:nvSpPr>
+            <p:cNvPr id="23" name="Rectangle 22">
+              <a:extLst>
+                <a:ext uri="{FF2B5EF4-FFF2-40B4-BE49-F238E27FC236}">
+                  <a16:creationId xmlns:a16="http://schemas.microsoft.com/office/drawing/2014/main" id="{068DEE4F-4BF5-4BF9-94EB-3A0DBED558F1}"/>
+                </a:ext>
+                <a:ext uri="{C183D7F6-B498-43B3-948B-1728B52AA6E4}">
+                  <adec:decorative xmlns:adec="http://schemas.microsoft.com/office/drawing/2017/decorative" val="1"/>
+                </a:ext>
+              </a:extLst>
+            </p:cNvPr>
+            <p:cNvSpPr>
+              <a:spLocks/>
+            </p:cNvSpPr>
+            <p:nvPr>
+              <p:extLst>
+                <p:ext uri="{386F3935-93C4-4BCD-93E2-E3B085C9AB24}">
+                  <p16:designElem xmlns:p16="http://schemas.microsoft.com/office/powerpoint/2015/main" val="1"/>
+                </p:ext>
+              </p:extLst>
+            </p:nvPr>
+          </p:nvSpPr>
+          <p:spPr>
+            <a:xfrm rot="2700000">
+              <a:off x="11052629" y="2120024"/>
+              <a:ext cx="645368" cy="645368"/>
+            </a:xfrm>
+            <a:prstGeom prst="rect">
+              <a:avLst/>
+            </a:prstGeom>
+            <a:solidFill>
+              <a:schemeClr val="accent4">
+                <a:alpha val="30000"/>
+              </a:schemeClr>
+            </a:solidFill>
+            <a:ln>
+              <a:noFill/>
+            </a:ln>
+          </p:spPr>
+          <p:style>
+            <a:lnRef idx="2">
+              <a:schemeClr val="accent1">
+                <a:shade val="50000"/>
+              </a:schemeClr>
+            </a:lnRef>
+            <a:fillRef idx="1">
+              <a:schemeClr val="accent1"/>
+            </a:fillRef>
+            <a:effectRef idx="0">
+              <a:schemeClr val="accent1"/>
+            </a:effectRef>
+            <a:fontRef idx="minor">
+              <a:schemeClr val="lt1"/>
+            </a:fontRef>
+          </p:style>
+          <p:txBody>
+            <a:bodyPr rtlCol="0" anchor="ctr"/>
+            <a:lstStyle/>
+            <a:p>
+              <a:pPr algn="ctr"/>
+              <a:endParaRPr lang="en-US"/>
+            </a:p>
+          </p:txBody>
+        </p:sp>
+        <p:sp>
+          <p:nvSpPr>
+            <p:cNvPr id="24" name="Isosceles Triangle 23">
+              <a:extLst>
+                <a:ext uri="{FF2B5EF4-FFF2-40B4-BE49-F238E27FC236}">
+                  <a16:creationId xmlns:a16="http://schemas.microsoft.com/office/drawing/2014/main" id="{4D2FA630-5BD1-4340-AF0C-03EFA7417E6D}"/>
+                </a:ext>
+                <a:ext uri="{C183D7F6-B498-43B3-948B-1728B52AA6E4}">
+                  <adec:decorative xmlns:adec="http://schemas.microsoft.com/office/drawing/2017/decorative" val="1"/>
+                </a:ext>
+              </a:extLst>
+            </p:cNvPr>
+            <p:cNvSpPr>
+              <a:spLocks/>
+            </p:cNvSpPr>
+            <p:nvPr>
+              <p:extLst>
+                <p:ext uri="{386F3935-93C4-4BCD-93E2-E3B085C9AB24}">
+                  <p16:designElem xmlns:p16="http://schemas.microsoft.com/office/powerpoint/2015/main" val="1"/>
+                </p:ext>
+              </p:extLst>
+            </p:nvPr>
+          </p:nvSpPr>
+          <p:spPr>
+            <a:xfrm rot="16200000">
+              <a:off x="10289068" y="1343027"/>
+              <a:ext cx="2532832" cy="1273032"/>
+            </a:xfrm>
+            <a:prstGeom prst="triangle">
+              <a:avLst>
+                <a:gd name="adj" fmla="val 50000"/>
+              </a:avLst>
+            </a:prstGeom>
+            <a:solidFill>
+              <a:schemeClr val="accent4">
+                <a:alpha val="30000"/>
+              </a:schemeClr>
+            </a:solidFill>
+            <a:ln>
+              <a:noFill/>
+            </a:ln>
+          </p:spPr>
+          <p:style>
+            <a:lnRef idx="2">
+              <a:schemeClr val="accent1">
+                <a:shade val="50000"/>
+              </a:schemeClr>
+            </a:lnRef>
+            <a:fillRef idx="1">
+              <a:schemeClr val="accent1"/>
+            </a:fillRef>
+            <a:effectRef idx="0">
+              <a:schemeClr val="accent1"/>
+            </a:effectRef>
+            <a:fontRef idx="minor">
+              <a:schemeClr val="lt1"/>
+            </a:fontRef>
+          </p:style>
+          <p:txBody>
+            <a:bodyPr rtlCol="0" anchor="ctr"/>
+            <a:lstStyle/>
+            <a:p>
+              <a:pPr algn="ctr"/>
+              <a:endParaRPr lang="en-US" dirty="0"/>
+            </a:p>
+          </p:txBody>
+        </p:sp>
+      </p:grpSp>
+      <p:graphicFrame>
+        <p:nvGraphicFramePr>
+          <p:cNvPr id="16" name="Table 16">
+            <a:extLst>
+              <a:ext uri="{FF2B5EF4-FFF2-40B4-BE49-F238E27FC236}">
+                <a16:creationId xmlns:a16="http://schemas.microsoft.com/office/drawing/2014/main" id="{633A4B0B-65D3-4C6F-9BF0-C00203D3C8EB}"/>
+              </a:ext>
+            </a:extLst>
+          </p:cNvPr>
+          <p:cNvGraphicFramePr>
+            <a:graphicFrameLocks noGrp="1"/>
+          </p:cNvGraphicFramePr>
           <p:nvPr>
             <p:ph sz="half" idx="2"/>
+            <p:extLst>
+              <p:ext uri="{D42A27DB-BD31-4B8C-83A1-F6EECF244321}">
+                <p14:modId xmlns:p14="http://schemas.microsoft.com/office/powerpoint/2010/main" val="1524192772"/>
+              </p:ext>
+            </p:extLst>
           </p:nvPr>
-        </p:nvSpPr>
-        <p:spPr/>
-        <p:txBody>
-          <a:bodyPr/>
-          <a:lstStyle/>
-          <a:p>
-            <a:r>
-              <a:rPr lang="en-US" dirty="0"/>
-              <a:t>Total trans </a:t>
-            </a:r>
-            <a:r>
-              <a:rPr lang="en-US" dirty="0" err="1"/>
-              <a:t>ct</a:t>
-            </a:r>
-            <a:r>
-              <a:rPr lang="en-US" dirty="0"/>
-              <a:t> is High with high transaction</a:t>
-            </a:r>
-          </a:p>
-        </p:txBody>
-      </p:sp>
+        </p:nvGraphicFramePr>
+        <p:xfrm>
+          <a:off x="368552" y="1938655"/>
+          <a:ext cx="6241798" cy="3590290"/>
+        </p:xfrm>
+        <a:graphic>
+          <a:graphicData uri="http://schemas.openxmlformats.org/drawingml/2006/table">
+            <a:tbl>
+              <a:tblPr firstRow="1" bandRow="1">
+                <a:effectLst>
+                  <a:outerShdw blurRad="50800" dist="38100" dir="5400000" algn="t" rotWithShape="0">
+                    <a:schemeClr val="accent1">
+                      <a:lumMod val="50000"/>
+                      <a:alpha val="40000"/>
+                    </a:schemeClr>
+                  </a:outerShdw>
+                </a:effectLst>
+                <a:tableStyleId>{74C1A8A3-306A-4EB7-A6B1-4F7E0EB9C5D6}</a:tableStyleId>
+              </a:tblPr>
+              <a:tblGrid>
+                <a:gridCol w="2324465">
+                  <a:extLst>
+                    <a:ext uri="{9D8B030D-6E8A-4147-A177-3AD203B41FA5}">
+                      <a16:colId xmlns:a16="http://schemas.microsoft.com/office/drawing/2014/main" val="1058067349"/>
+                    </a:ext>
+                  </a:extLst>
+                </a:gridCol>
+                <a:gridCol w="3917333">
+                  <a:extLst>
+                    <a:ext uri="{9D8B030D-6E8A-4147-A177-3AD203B41FA5}">
+                      <a16:colId xmlns:a16="http://schemas.microsoft.com/office/drawing/2014/main" val="1008826862"/>
+                    </a:ext>
+                  </a:extLst>
+                </a:gridCol>
+              </a:tblGrid>
+              <a:tr h="370840">
+                <a:tc>
+                  <a:txBody>
+                    <a:bodyPr/>
+                    <a:lstStyle/>
+                    <a:p>
+                      <a:pPr algn="ctr" fontAlgn="b"/>
+                      <a:r>
+                        <a:rPr lang="en-US" sz="1600" b="1" u="none" strike="noStrike" dirty="0">
+                          <a:solidFill>
+                            <a:srgbClr val="FFFFFF"/>
+                          </a:solidFill>
+                          <a:effectLst/>
+                        </a:rPr>
+                        <a:t>Feature</a:t>
+                      </a:r>
+                      <a:endParaRPr lang="en-US" sz="1600" b="1" i="0" u="none" strike="noStrike" dirty="0">
+                        <a:solidFill>
+                          <a:srgbClr val="FFFFFF"/>
+                        </a:solidFill>
+                        <a:effectLst/>
+                        <a:latin typeface="Calibri" panose="020F0502020204030204" pitchFamily="34" charset="0"/>
+                      </a:endParaRPr>
+                    </a:p>
+                  </a:txBody>
+                  <a:tcPr marL="9525" marR="9525" marT="9525" marB="0" anchor="ctr"/>
+                </a:tc>
+                <a:tc>
+                  <a:txBody>
+                    <a:bodyPr/>
+                    <a:lstStyle/>
+                    <a:p>
+                      <a:pPr algn="ctr" fontAlgn="b"/>
+                      <a:r>
+                        <a:rPr lang="en-US" sz="1600" b="1" u="none" strike="noStrike" dirty="0">
+                          <a:solidFill>
+                            <a:srgbClr val="FFFFFF"/>
+                          </a:solidFill>
+                          <a:effectLst/>
+                        </a:rPr>
+                        <a:t>Observation</a:t>
+                      </a:r>
+                      <a:endParaRPr lang="en-US" sz="1600" b="1" i="0" u="none" strike="noStrike" dirty="0">
+                        <a:solidFill>
+                          <a:srgbClr val="FFFFFF"/>
+                        </a:solidFill>
+                        <a:effectLst/>
+                        <a:latin typeface="Calibri" panose="020F0502020204030204" pitchFamily="34" charset="0"/>
+                      </a:endParaRPr>
+                    </a:p>
+                  </a:txBody>
+                  <a:tcPr marL="9525" marR="9525" marT="9525" marB="0" anchor="ctr"/>
+                </a:tc>
+                <a:extLst>
+                  <a:ext uri="{0D108BD9-81ED-4DB2-BD59-A6C34878D82A}">
+                    <a16:rowId xmlns:a16="http://schemas.microsoft.com/office/drawing/2014/main" val="206472708"/>
+                  </a:ext>
+                </a:extLst>
+              </a:tr>
+              <a:tr h="370840">
+                <a:tc>
+                  <a:txBody>
+                    <a:bodyPr/>
+                    <a:lstStyle/>
+                    <a:p>
+                      <a:pPr algn="l" fontAlgn="b"/>
+                      <a:r>
+                        <a:rPr lang="en-US" sz="1600" b="0" u="none" strike="noStrike" dirty="0">
+                          <a:solidFill>
+                            <a:srgbClr val="000000"/>
+                          </a:solidFill>
+                          <a:effectLst/>
+                        </a:rPr>
+                        <a:t> </a:t>
+                      </a:r>
+                      <a:r>
+                        <a:rPr lang="en-US" sz="1600" b="0" u="none" strike="noStrike" dirty="0" err="1">
+                          <a:solidFill>
+                            <a:srgbClr val="000000"/>
+                          </a:solidFill>
+                          <a:effectLst/>
+                        </a:rPr>
+                        <a:t>Total_Trans_Ct</a:t>
+                      </a:r>
+                      <a:r>
+                        <a:rPr lang="en-US" sz="1600" b="0" u="none" strike="noStrike" dirty="0">
+                          <a:solidFill>
+                            <a:srgbClr val="000000"/>
+                          </a:solidFill>
+                          <a:effectLst/>
+                        </a:rPr>
+                        <a:t> </a:t>
+                      </a:r>
+                      <a:endParaRPr lang="en-US" sz="1600" b="0" i="0" u="none" strike="noStrike" dirty="0">
+                        <a:solidFill>
+                          <a:srgbClr val="000000"/>
+                        </a:solidFill>
+                        <a:effectLst/>
+                        <a:latin typeface="Calibri" panose="020F0502020204030204" pitchFamily="34" charset="0"/>
+                      </a:endParaRPr>
+                    </a:p>
+                  </a:txBody>
+                  <a:tcPr marL="9525" marR="9525" marT="9525" marB="0" anchor="ctr"/>
+                </a:tc>
+                <a:tc>
+                  <a:txBody>
+                    <a:bodyPr/>
+                    <a:lstStyle/>
+                    <a:p>
+                      <a:pPr algn="l" fontAlgn="b"/>
+                      <a:r>
+                        <a:rPr lang="en-US" sz="1600" b="0" u="none" strike="noStrike" dirty="0">
+                          <a:solidFill>
+                            <a:srgbClr val="000000"/>
+                          </a:solidFill>
+                          <a:effectLst/>
+                        </a:rPr>
+                        <a:t>Low value means higher risk of churning</a:t>
+                      </a:r>
+                      <a:endParaRPr lang="en-US" sz="1600" b="0" i="0" u="none" strike="noStrike" dirty="0">
+                        <a:solidFill>
+                          <a:srgbClr val="000000"/>
+                        </a:solidFill>
+                        <a:effectLst/>
+                        <a:latin typeface="Calibri" panose="020F0502020204030204" pitchFamily="34" charset="0"/>
+                      </a:endParaRPr>
+                    </a:p>
+                  </a:txBody>
+                  <a:tcPr marL="9525" marR="9525" marT="9525" marB="0" anchor="ctr"/>
+                </a:tc>
+                <a:extLst>
+                  <a:ext uri="{0D108BD9-81ED-4DB2-BD59-A6C34878D82A}">
+                    <a16:rowId xmlns:a16="http://schemas.microsoft.com/office/drawing/2014/main" val="206794162"/>
+                  </a:ext>
+                </a:extLst>
+              </a:tr>
+              <a:tr h="370840">
+                <a:tc>
+                  <a:txBody>
+                    <a:bodyPr/>
+                    <a:lstStyle/>
+                    <a:p>
+                      <a:pPr algn="l" fontAlgn="b"/>
+                      <a:r>
+                        <a:rPr lang="en-US" sz="1600" b="0" u="none" strike="noStrike" dirty="0">
+                          <a:solidFill>
+                            <a:srgbClr val="000000"/>
+                          </a:solidFill>
+                          <a:effectLst/>
+                        </a:rPr>
+                        <a:t> </a:t>
+                      </a:r>
+                      <a:r>
+                        <a:rPr lang="en-US" sz="1600" b="0" u="none" strike="noStrike" dirty="0" err="1">
+                          <a:solidFill>
+                            <a:srgbClr val="000000"/>
+                          </a:solidFill>
+                          <a:effectLst/>
+                        </a:rPr>
+                        <a:t>Total_Trans_Amt</a:t>
+                      </a:r>
+                      <a:r>
+                        <a:rPr lang="en-US" sz="1600" b="0" u="none" strike="noStrike" dirty="0">
+                          <a:solidFill>
+                            <a:srgbClr val="000000"/>
+                          </a:solidFill>
+                          <a:effectLst/>
+                        </a:rPr>
+                        <a:t> </a:t>
+                      </a:r>
+                      <a:endParaRPr lang="en-US" sz="1600" b="0" i="0" u="none" strike="noStrike" dirty="0">
+                        <a:solidFill>
+                          <a:srgbClr val="000000"/>
+                        </a:solidFill>
+                        <a:effectLst/>
+                        <a:latin typeface="Calibri" panose="020F0502020204030204" pitchFamily="34" charset="0"/>
+                      </a:endParaRPr>
+                    </a:p>
+                  </a:txBody>
+                  <a:tcPr marL="9525" marR="9525" marT="9525" marB="0" anchor="ctr"/>
+                </a:tc>
+                <a:tc>
+                  <a:txBody>
+                    <a:bodyPr/>
+                    <a:lstStyle/>
+                    <a:p>
+                      <a:pPr algn="l" fontAlgn="b"/>
+                      <a:r>
+                        <a:rPr lang="en-US" sz="1600" b="0" u="none" strike="noStrike" dirty="0">
+                          <a:solidFill>
+                            <a:srgbClr val="000000"/>
+                          </a:solidFill>
+                          <a:effectLst/>
+                        </a:rPr>
+                        <a:t>Above average value means higher risk of churning</a:t>
+                      </a:r>
+                      <a:endParaRPr lang="en-US" sz="1600" b="0" i="0" u="none" strike="noStrike" dirty="0">
+                        <a:solidFill>
+                          <a:srgbClr val="000000"/>
+                        </a:solidFill>
+                        <a:effectLst/>
+                        <a:latin typeface="Calibri" panose="020F0502020204030204" pitchFamily="34" charset="0"/>
+                      </a:endParaRPr>
+                    </a:p>
+                  </a:txBody>
+                  <a:tcPr marL="9525" marR="9525" marT="9525" marB="0" anchor="ctr"/>
+                </a:tc>
+                <a:extLst>
+                  <a:ext uri="{0D108BD9-81ED-4DB2-BD59-A6C34878D82A}">
+                    <a16:rowId xmlns:a16="http://schemas.microsoft.com/office/drawing/2014/main" val="95265326"/>
+                  </a:ext>
+                </a:extLst>
+              </a:tr>
+              <a:tr h="370840">
+                <a:tc>
+                  <a:txBody>
+                    <a:bodyPr/>
+                    <a:lstStyle/>
+                    <a:p>
+                      <a:pPr algn="l" fontAlgn="b"/>
+                      <a:r>
+                        <a:rPr lang="en-US" sz="1600" b="0" u="none" strike="noStrike" dirty="0">
+                          <a:solidFill>
+                            <a:srgbClr val="000000"/>
+                          </a:solidFill>
+                          <a:effectLst/>
+                        </a:rPr>
+                        <a:t> </a:t>
+                      </a:r>
+                      <a:r>
+                        <a:rPr lang="en-US" sz="1600" b="0" u="none" strike="noStrike" dirty="0" err="1">
+                          <a:solidFill>
+                            <a:srgbClr val="000000"/>
+                          </a:solidFill>
+                          <a:effectLst/>
+                        </a:rPr>
+                        <a:t>Total_Revolving_Bal</a:t>
+                      </a:r>
+                      <a:r>
+                        <a:rPr lang="en-US" sz="1600" b="0" u="none" strike="noStrike" dirty="0">
+                          <a:solidFill>
+                            <a:srgbClr val="000000"/>
+                          </a:solidFill>
+                          <a:effectLst/>
+                        </a:rPr>
+                        <a:t> </a:t>
+                      </a:r>
+                      <a:endParaRPr lang="en-US" sz="1600" b="0" i="0" u="none" strike="noStrike" dirty="0">
+                        <a:solidFill>
+                          <a:srgbClr val="000000"/>
+                        </a:solidFill>
+                        <a:effectLst/>
+                        <a:latin typeface="Calibri" panose="020F0502020204030204" pitchFamily="34" charset="0"/>
+                      </a:endParaRPr>
+                    </a:p>
+                  </a:txBody>
+                  <a:tcPr marL="9525" marR="9525" marT="9525" marB="0" anchor="ctr"/>
+                </a:tc>
+                <a:tc>
+                  <a:txBody>
+                    <a:bodyPr/>
+                    <a:lstStyle/>
+                    <a:p>
+                      <a:pPr algn="l" fontAlgn="b"/>
+                      <a:r>
+                        <a:rPr lang="en-US" sz="1600" b="0" u="none" strike="noStrike" dirty="0">
+                          <a:solidFill>
+                            <a:srgbClr val="000000"/>
+                          </a:solidFill>
+                          <a:effectLst/>
+                        </a:rPr>
+                        <a:t>Low value means higher risk of churning</a:t>
+                      </a:r>
+                      <a:endParaRPr lang="en-US" sz="1600" b="0" i="0" u="none" strike="noStrike" dirty="0">
+                        <a:solidFill>
+                          <a:srgbClr val="000000"/>
+                        </a:solidFill>
+                        <a:effectLst/>
+                        <a:latin typeface="Calibri" panose="020F0502020204030204" pitchFamily="34" charset="0"/>
+                      </a:endParaRPr>
+                    </a:p>
+                  </a:txBody>
+                  <a:tcPr marL="9525" marR="9525" marT="9525" marB="0" anchor="ctr"/>
+                </a:tc>
+                <a:extLst>
+                  <a:ext uri="{0D108BD9-81ED-4DB2-BD59-A6C34878D82A}">
+                    <a16:rowId xmlns:a16="http://schemas.microsoft.com/office/drawing/2014/main" val="1265893177"/>
+                  </a:ext>
+                </a:extLst>
+              </a:tr>
+              <a:tr h="370840">
+                <a:tc>
+                  <a:txBody>
+                    <a:bodyPr/>
+                    <a:lstStyle/>
+                    <a:p>
+                      <a:pPr algn="l" fontAlgn="b"/>
+                      <a:r>
+                        <a:rPr lang="en-US" sz="1600" b="0" u="none" strike="noStrike" dirty="0">
+                          <a:solidFill>
+                            <a:srgbClr val="000000"/>
+                          </a:solidFill>
+                          <a:effectLst/>
+                        </a:rPr>
+                        <a:t> </a:t>
+                      </a:r>
+                      <a:r>
+                        <a:rPr lang="en-US" sz="1600" b="0" u="none" strike="noStrike" dirty="0" err="1">
+                          <a:solidFill>
+                            <a:srgbClr val="000000"/>
+                          </a:solidFill>
+                          <a:effectLst/>
+                        </a:rPr>
+                        <a:t>Total_Relationship_Count</a:t>
+                      </a:r>
+                      <a:r>
+                        <a:rPr lang="en-US" sz="1600" b="0" u="none" strike="noStrike" dirty="0">
+                          <a:solidFill>
+                            <a:srgbClr val="000000"/>
+                          </a:solidFill>
+                          <a:effectLst/>
+                        </a:rPr>
+                        <a:t> </a:t>
+                      </a:r>
+                      <a:endParaRPr lang="en-US" sz="1600" b="0" i="0" u="none" strike="noStrike" dirty="0">
+                        <a:solidFill>
+                          <a:srgbClr val="000000"/>
+                        </a:solidFill>
+                        <a:effectLst/>
+                        <a:latin typeface="Calibri" panose="020F0502020204030204" pitchFamily="34" charset="0"/>
+                      </a:endParaRPr>
+                    </a:p>
+                  </a:txBody>
+                  <a:tcPr marL="9525" marR="9525" marT="9525" marB="0" anchor="ctr"/>
+                </a:tc>
+                <a:tc>
+                  <a:txBody>
+                    <a:bodyPr/>
+                    <a:lstStyle/>
+                    <a:p>
+                      <a:pPr algn="l" fontAlgn="b"/>
+                      <a:r>
+                        <a:rPr lang="en-US" sz="1600" b="0" u="none" strike="noStrike" dirty="0">
+                          <a:solidFill>
+                            <a:srgbClr val="000000"/>
+                          </a:solidFill>
+                          <a:effectLst/>
+                        </a:rPr>
+                        <a:t>More relationship indicates higher chance of churning</a:t>
+                      </a:r>
+                      <a:endParaRPr lang="en-US" sz="1600" b="0" i="0" u="none" strike="noStrike" dirty="0">
+                        <a:solidFill>
+                          <a:srgbClr val="000000"/>
+                        </a:solidFill>
+                        <a:effectLst/>
+                        <a:latin typeface="Calibri" panose="020F0502020204030204" pitchFamily="34" charset="0"/>
+                      </a:endParaRPr>
+                    </a:p>
+                  </a:txBody>
+                  <a:tcPr marL="9525" marR="9525" marT="9525" marB="0" anchor="ctr"/>
+                </a:tc>
+                <a:extLst>
+                  <a:ext uri="{0D108BD9-81ED-4DB2-BD59-A6C34878D82A}">
+                    <a16:rowId xmlns:a16="http://schemas.microsoft.com/office/drawing/2014/main" val="1563961347"/>
+                  </a:ext>
+                </a:extLst>
+              </a:tr>
+              <a:tr h="370840">
+                <a:tc>
+                  <a:txBody>
+                    <a:bodyPr/>
+                    <a:lstStyle/>
+                    <a:p>
+                      <a:pPr algn="l" fontAlgn="b"/>
+                      <a:r>
+                        <a:rPr lang="en-US" sz="1600" b="0" u="none" strike="noStrike" dirty="0">
+                          <a:solidFill>
+                            <a:srgbClr val="000000"/>
+                          </a:solidFill>
+                          <a:effectLst/>
+                        </a:rPr>
+                        <a:t> Total_Amt_Chng_Q4_Q1 </a:t>
+                      </a:r>
+                      <a:endParaRPr lang="en-US" sz="1600" b="0" i="0" u="none" strike="noStrike" dirty="0">
+                        <a:solidFill>
+                          <a:srgbClr val="000000"/>
+                        </a:solidFill>
+                        <a:effectLst/>
+                        <a:latin typeface="Calibri" panose="020F0502020204030204" pitchFamily="34" charset="0"/>
+                      </a:endParaRPr>
+                    </a:p>
+                  </a:txBody>
+                  <a:tcPr marL="9525" marR="9525" marT="9525" marB="0" anchor="ctr"/>
+                </a:tc>
+                <a:tc>
+                  <a:txBody>
+                    <a:bodyPr/>
+                    <a:lstStyle/>
+                    <a:p>
+                      <a:pPr algn="l" fontAlgn="b"/>
+                      <a:r>
+                        <a:rPr lang="en-US" sz="1600" b="0" u="none" strike="noStrike" dirty="0">
+                          <a:solidFill>
+                            <a:srgbClr val="000000"/>
+                          </a:solidFill>
+                          <a:effectLst/>
+                        </a:rPr>
+                        <a:t>Low value means higher risk of churning</a:t>
+                      </a:r>
+                      <a:endParaRPr lang="en-US" sz="1600" b="0" i="0" u="none" strike="noStrike" dirty="0">
+                        <a:solidFill>
+                          <a:srgbClr val="000000"/>
+                        </a:solidFill>
+                        <a:effectLst/>
+                        <a:latin typeface="Calibri" panose="020F0502020204030204" pitchFamily="34" charset="0"/>
+                      </a:endParaRPr>
+                    </a:p>
+                  </a:txBody>
+                  <a:tcPr marL="9525" marR="9525" marT="9525" marB="0" anchor="ctr"/>
+                </a:tc>
+                <a:extLst>
+                  <a:ext uri="{0D108BD9-81ED-4DB2-BD59-A6C34878D82A}">
+                    <a16:rowId xmlns:a16="http://schemas.microsoft.com/office/drawing/2014/main" val="3634068250"/>
+                  </a:ext>
+                </a:extLst>
+              </a:tr>
+              <a:tr h="370840">
+                <a:tc>
+                  <a:txBody>
+                    <a:bodyPr/>
+                    <a:lstStyle/>
+                    <a:p>
+                      <a:pPr algn="l" fontAlgn="b"/>
+                      <a:r>
+                        <a:rPr lang="en-US" sz="1600" b="0" u="none" strike="noStrike" dirty="0">
+                          <a:solidFill>
+                            <a:srgbClr val="000000"/>
+                          </a:solidFill>
+                          <a:effectLst/>
+                        </a:rPr>
+                        <a:t> Total_Ct_Chng_Q4_Q1 </a:t>
+                      </a:r>
+                      <a:endParaRPr lang="en-US" sz="1600" b="0" i="0" u="none" strike="noStrike" dirty="0">
+                        <a:solidFill>
+                          <a:srgbClr val="000000"/>
+                        </a:solidFill>
+                        <a:effectLst/>
+                        <a:latin typeface="Calibri" panose="020F0502020204030204" pitchFamily="34" charset="0"/>
+                      </a:endParaRPr>
+                    </a:p>
+                  </a:txBody>
+                  <a:tcPr marL="9525" marR="9525" marT="9525" marB="0" anchor="ctr"/>
+                </a:tc>
+                <a:tc>
+                  <a:txBody>
+                    <a:bodyPr/>
+                    <a:lstStyle/>
+                    <a:p>
+                      <a:pPr algn="l" fontAlgn="b"/>
+                      <a:r>
+                        <a:rPr lang="en-US" sz="1600" b="0" u="none" strike="noStrike" dirty="0">
+                          <a:solidFill>
+                            <a:srgbClr val="000000"/>
+                          </a:solidFill>
+                          <a:effectLst/>
+                        </a:rPr>
+                        <a:t>Low value means higher risk of churning</a:t>
+                      </a:r>
+                      <a:endParaRPr lang="en-US" sz="1600" b="0" i="0" u="none" strike="noStrike" dirty="0">
+                        <a:solidFill>
+                          <a:srgbClr val="000000"/>
+                        </a:solidFill>
+                        <a:effectLst/>
+                        <a:latin typeface="Calibri" panose="020F0502020204030204" pitchFamily="34" charset="0"/>
+                      </a:endParaRPr>
+                    </a:p>
+                  </a:txBody>
+                  <a:tcPr marL="9525" marR="9525" marT="9525" marB="0" anchor="ctr"/>
+                </a:tc>
+                <a:extLst>
+                  <a:ext uri="{0D108BD9-81ED-4DB2-BD59-A6C34878D82A}">
+                    <a16:rowId xmlns:a16="http://schemas.microsoft.com/office/drawing/2014/main" val="3810680590"/>
+                  </a:ext>
+                </a:extLst>
+              </a:tr>
+              <a:tr h="370840">
+                <a:tc>
+                  <a:txBody>
+                    <a:bodyPr/>
+                    <a:lstStyle/>
+                    <a:p>
+                      <a:pPr algn="l" fontAlgn="b"/>
+                      <a:r>
+                        <a:rPr lang="en-US" sz="1600" b="0" u="none" strike="noStrike" dirty="0">
+                          <a:solidFill>
+                            <a:srgbClr val="000000"/>
+                          </a:solidFill>
+                          <a:effectLst/>
+                        </a:rPr>
+                        <a:t> Months_Inactive_12_mon </a:t>
+                      </a:r>
+                      <a:endParaRPr lang="en-US" sz="1600" b="0" i="0" u="none" strike="noStrike" dirty="0">
+                        <a:solidFill>
+                          <a:srgbClr val="000000"/>
+                        </a:solidFill>
+                        <a:effectLst/>
+                        <a:latin typeface="Calibri" panose="020F0502020204030204" pitchFamily="34" charset="0"/>
+                      </a:endParaRPr>
+                    </a:p>
+                  </a:txBody>
+                  <a:tcPr marL="9525" marR="9525" marT="9525" marB="0" anchor="ctr"/>
+                </a:tc>
+                <a:tc>
+                  <a:txBody>
+                    <a:bodyPr/>
+                    <a:lstStyle/>
+                    <a:p>
+                      <a:pPr algn="l" fontAlgn="b"/>
+                      <a:r>
+                        <a:rPr lang="en-US" sz="1600" b="0" u="none" strike="noStrike" dirty="0">
+                          <a:solidFill>
+                            <a:srgbClr val="000000"/>
+                          </a:solidFill>
+                          <a:effectLst/>
+                        </a:rPr>
+                        <a:t>Higher value means higher risk of churning</a:t>
+                      </a:r>
+                      <a:endParaRPr lang="en-US" sz="1600" b="0" i="0" u="none" strike="noStrike" dirty="0">
+                        <a:solidFill>
+                          <a:srgbClr val="000000"/>
+                        </a:solidFill>
+                        <a:effectLst/>
+                        <a:latin typeface="Calibri" panose="020F0502020204030204" pitchFamily="34" charset="0"/>
+                      </a:endParaRPr>
+                    </a:p>
+                  </a:txBody>
+                  <a:tcPr marL="9525" marR="9525" marT="9525" marB="0" anchor="ctr"/>
+                </a:tc>
+                <a:extLst>
+                  <a:ext uri="{0D108BD9-81ED-4DB2-BD59-A6C34878D82A}">
+                    <a16:rowId xmlns:a16="http://schemas.microsoft.com/office/drawing/2014/main" val="17353494"/>
+                  </a:ext>
+                </a:extLst>
+              </a:tr>
+              <a:tr h="370840">
+                <a:tc>
+                  <a:txBody>
+                    <a:bodyPr/>
+                    <a:lstStyle/>
+                    <a:p>
+                      <a:pPr algn="l" fontAlgn="b"/>
+                      <a:r>
+                        <a:rPr lang="en-US" sz="1600" b="0" u="none" strike="noStrike" dirty="0">
+                          <a:solidFill>
+                            <a:srgbClr val="000000"/>
+                          </a:solidFill>
+                          <a:effectLst/>
+                        </a:rPr>
+                        <a:t> Contacts_Count_12_mon </a:t>
+                      </a:r>
+                      <a:endParaRPr lang="en-US" sz="1600" b="0" i="0" u="none" strike="noStrike" dirty="0">
+                        <a:solidFill>
+                          <a:srgbClr val="000000"/>
+                        </a:solidFill>
+                        <a:effectLst/>
+                        <a:latin typeface="Calibri" panose="020F0502020204030204" pitchFamily="34" charset="0"/>
+                      </a:endParaRPr>
+                    </a:p>
+                  </a:txBody>
+                  <a:tcPr marL="9525" marR="9525" marT="9525" marB="0" anchor="ctr"/>
+                </a:tc>
+                <a:tc>
+                  <a:txBody>
+                    <a:bodyPr/>
+                    <a:lstStyle/>
+                    <a:p>
+                      <a:pPr algn="l" fontAlgn="b"/>
+                      <a:r>
+                        <a:rPr lang="en-US" sz="1600" b="0" u="none" strike="noStrike" dirty="0">
+                          <a:solidFill>
+                            <a:srgbClr val="000000"/>
+                          </a:solidFill>
+                          <a:effectLst/>
+                        </a:rPr>
+                        <a:t>Higher value means higher risk of churning</a:t>
+                      </a:r>
+                      <a:endParaRPr lang="en-US" sz="1600" b="0" i="0" u="none" strike="noStrike" dirty="0">
+                        <a:solidFill>
+                          <a:srgbClr val="000000"/>
+                        </a:solidFill>
+                        <a:effectLst/>
+                        <a:latin typeface="Calibri" panose="020F0502020204030204" pitchFamily="34" charset="0"/>
+                      </a:endParaRPr>
+                    </a:p>
+                  </a:txBody>
+                  <a:tcPr marL="9525" marR="9525" marT="9525" marB="0" anchor="ctr"/>
+                </a:tc>
+                <a:extLst>
+                  <a:ext uri="{0D108BD9-81ED-4DB2-BD59-A6C34878D82A}">
+                    <a16:rowId xmlns:a16="http://schemas.microsoft.com/office/drawing/2014/main" val="769677370"/>
+                  </a:ext>
+                </a:extLst>
+              </a:tr>
+            </a:tbl>
+          </a:graphicData>
+        </a:graphic>
+      </p:graphicFrame>
+      <p:cxnSp>
+        <p:nvCxnSpPr>
+          <p:cNvPr id="25" name="Straight Connector 24">
+            <a:extLst>
+              <a:ext uri="{FF2B5EF4-FFF2-40B4-BE49-F238E27FC236}">
+                <a16:creationId xmlns:a16="http://schemas.microsoft.com/office/drawing/2014/main" id="{E8864D0C-62EC-406C-A5BE-854486105F99}"/>
+              </a:ext>
+            </a:extLst>
+          </p:cNvPr>
+          <p:cNvCxnSpPr>
+            <a:cxnSpLocks/>
+          </p:cNvCxnSpPr>
+          <p:nvPr/>
+        </p:nvCxnSpPr>
+        <p:spPr>
+          <a:xfrm>
+            <a:off x="838200" y="1412203"/>
+            <a:ext cx="5905500" cy="0"/>
+          </a:xfrm>
+          <a:prstGeom prst="line">
+            <a:avLst/>
+          </a:prstGeom>
+          <a:ln w="38100">
+            <a:solidFill>
+              <a:srgbClr val="C7D4ED"/>
+            </a:solidFill>
+          </a:ln>
+        </p:spPr>
+        <p:style>
+          <a:lnRef idx="1">
+            <a:schemeClr val="accent1"/>
+          </a:lnRef>
+          <a:fillRef idx="0">
+            <a:schemeClr val="accent1"/>
+          </a:fillRef>
+          <a:effectRef idx="0">
+            <a:schemeClr val="accent1"/>
+          </a:effectRef>
+          <a:fontRef idx="minor">
+            <a:schemeClr val="tx1"/>
+          </a:fontRef>
+        </p:style>
+      </p:cxnSp>
     </p:spTree>
     <p:extLst>
       <p:ext uri="{BB962C8B-B14F-4D97-AF65-F5344CB8AC3E}">
@@ -21677,7 +24111,7 @@
 </p:sld>
 </file>
 
-<file path=ppt/slides/slide14.xml><?xml version="1.0" encoding="utf-8"?>
+<file path=ppt/slides/slide15.xml><?xml version="1.0" encoding="utf-8"?>
 <p:sld xmlns:a="http://schemas.openxmlformats.org/drawingml/2006/main" xmlns:r="http://schemas.openxmlformats.org/officeDocument/2006/relationships" xmlns:p="http://schemas.openxmlformats.org/presentationml/2006/main">
   <p:cSld>
     <p:bg>
@@ -21772,12 +24206,12 @@
             </a:extLst>
           </p:cNvPr>
           <p:cNvPicPr>
-            <a:picLocks noChangeAspect="1"/>
+            <a:picLocks noGrp="1" noRot="1" noChangeAspect="1" noMove="1" noResize="1" noEditPoints="1" noAdjustHandles="1" noChangeArrowheads="1" noChangeShapeType="1" noCrop="1"/>
           </p:cNvPicPr>
           <p:nvPr/>
         </p:nvPicPr>
         <p:blipFill rotWithShape="1">
-          <a:blip r:embed="rId2"/>
+          <a:blip r:embed="rId3"/>
           <a:srcRect b="5436"/>
           <a:stretch/>
         </p:blipFill>
@@ -21804,7 +24238,7 @@
             </a:extLst>
           </p:cNvPr>
           <p:cNvSpPr>
-            <a:spLocks/>
+            <a:spLocks noGrp="1" noRot="1" noChangeAspect="1" noMove="1" noResize="1" noEditPoints="1" noAdjustHandles="1" noChangeArrowheads="1" noChangeShapeType="1" noTextEdit="1"/>
           </p:cNvSpPr>
           <p:nvPr>
             <p:extLst>
@@ -21895,8 +24329,8 @@
         </p:nvSpPr>
         <p:spPr>
           <a:xfrm>
-            <a:off x="7531610" y="365125"/>
-            <a:ext cx="3822189" cy="1899912"/>
+            <a:off x="7224861" y="240275"/>
+            <a:ext cx="3822189" cy="814661"/>
           </a:xfrm>
         </p:spPr>
         <p:txBody>
@@ -21930,8 +24364,8 @@
         </p:nvSpPr>
         <p:spPr>
           <a:xfrm>
-            <a:off x="7531610" y="2434201"/>
-            <a:ext cx="3822189" cy="3742762"/>
+            <a:off x="7224861" y="1295201"/>
+            <a:ext cx="4716768" cy="5422840"/>
           </a:xfrm>
         </p:spPr>
         <p:txBody>
@@ -21940,106 +24374,158 @@
           </a:bodyPr>
           <a:lstStyle/>
           <a:p>
+            <a:pPr marL="0" indent="0">
+              <a:buNone/>
+            </a:pPr>
             <a:r>
-              <a:rPr lang="en-US" sz="2000" dirty="0"/>
-              <a:t>Customer Group one is most likely to churn.</a:t>
+              <a:rPr lang="en-US" sz="1600" dirty="0"/>
+              <a:t>Cluster 1 is the most riskiest client segmentation. </a:t>
             </a:r>
           </a:p>
           <a:p>
             <a:r>
-              <a:rPr lang="en-US" sz="2000" dirty="0"/>
-              <a:t>They should be offered incentives before they churn</a:t>
+              <a:rPr lang="en-US" sz="1600" dirty="0"/>
+              <a:t>Their </a:t>
+            </a:r>
+            <a:r>
+              <a:rPr lang="en-US" sz="1600" b="1" dirty="0"/>
+              <a:t>utilization ratio is low</a:t>
+            </a:r>
+            <a:r>
+              <a:rPr lang="en-US" sz="1600" dirty="0"/>
+              <a:t>. </a:t>
+            </a:r>
+          </a:p>
+          <a:p>
+            <a:pPr lvl="1"/>
+            <a:r>
+              <a:rPr lang="en-US" sz="1600" dirty="0"/>
+              <a:t>offering incentives like </a:t>
+            </a:r>
+            <a:r>
+              <a:rPr lang="en-US" sz="1600" b="1" dirty="0"/>
+              <a:t>cash back</a:t>
+            </a:r>
+            <a:r>
+              <a:rPr lang="en-US" sz="1600" dirty="0"/>
+              <a:t>.</a:t>
+            </a:r>
+          </a:p>
+          <a:p>
+            <a:r>
+              <a:rPr lang="en-US" sz="1600" dirty="0"/>
+              <a:t>Their </a:t>
+            </a:r>
+            <a:r>
+              <a:rPr lang="en-US" sz="1600" b="1" dirty="0"/>
+              <a:t>credit limits are low</a:t>
+            </a:r>
+            <a:r>
+              <a:rPr lang="en-US" sz="1600" dirty="0"/>
+              <a:t>. Based on their credit habit, they can be offered a larger credit limit.</a:t>
+            </a:r>
+          </a:p>
+          <a:p>
+            <a:endParaRPr lang="en-US" sz="1600" dirty="0"/>
+          </a:p>
+          <a:p>
+            <a:endParaRPr lang="en-US" sz="1600" dirty="0"/>
+          </a:p>
+          <a:p>
+            <a:endParaRPr lang="en-US" sz="1600" dirty="0"/>
+          </a:p>
+          <a:p>
+            <a:pPr marL="0" indent="0">
+              <a:buNone/>
+            </a:pPr>
+            <a:r>
+              <a:rPr lang="en-US" sz="1600" dirty="0"/>
+              <a:t>As a rule of thumb:</a:t>
+            </a:r>
+          </a:p>
+          <a:p>
+            <a:r>
+              <a:rPr lang="en-US" sz="1600" dirty="0"/>
+              <a:t>Marketers should target </a:t>
+            </a:r>
+            <a:r>
+              <a:rPr lang="en-US" sz="1600" b="1" dirty="0"/>
+              <a:t>female clients </a:t>
+            </a:r>
+            <a:r>
+              <a:rPr lang="en-US" sz="1600" dirty="0"/>
+              <a:t>with specific package.</a:t>
+            </a:r>
+          </a:p>
+          <a:p>
+            <a:r>
+              <a:rPr lang="en-US" sz="1600" b="1" dirty="0"/>
+              <a:t>Frequent smaller amount of transaction </a:t>
+            </a:r>
+            <a:r>
+              <a:rPr lang="en-US" sz="1600" dirty="0"/>
+              <a:t>can be perceived as a red flag. When spotted, customer relationship team must act on it.</a:t>
+            </a:r>
+          </a:p>
+          <a:p>
+            <a:r>
+              <a:rPr lang="en-US" sz="1600" b="1" dirty="0"/>
+              <a:t>Large expenditure </a:t>
+            </a:r>
+            <a:r>
+              <a:rPr lang="en-US" sz="1600" dirty="0"/>
+              <a:t>can be a signal for cross selling products and it is also a sign of churn.</a:t>
             </a:r>
           </a:p>
         </p:txBody>
       </p:sp>
+      <p:cxnSp>
+        <p:nvCxnSpPr>
+          <p:cNvPr id="7" name="Straight Connector 6">
+            <a:extLst>
+              <a:ext uri="{FF2B5EF4-FFF2-40B4-BE49-F238E27FC236}">
+                <a16:creationId xmlns:a16="http://schemas.microsoft.com/office/drawing/2014/main" id="{3ED394F0-AC5F-4CDD-966F-7E91A315265A}"/>
+              </a:ext>
+            </a:extLst>
+          </p:cNvPr>
+          <p:cNvCxnSpPr>
+            <a:cxnSpLocks/>
+          </p:cNvCxnSpPr>
+          <p:nvPr/>
+        </p:nvCxnSpPr>
+        <p:spPr>
+          <a:xfrm>
+            <a:off x="7251171" y="1054936"/>
+            <a:ext cx="4422710" cy="0"/>
+          </a:xfrm>
+          <a:prstGeom prst="line">
+            <a:avLst/>
+          </a:prstGeom>
+          <a:ln w="38100">
+            <a:solidFill>
+              <a:srgbClr val="C7D4ED"/>
+            </a:solidFill>
+          </a:ln>
+        </p:spPr>
+        <p:style>
+          <a:lnRef idx="1">
+            <a:schemeClr val="accent1"/>
+          </a:lnRef>
+          <a:fillRef idx="0">
+            <a:schemeClr val="accent1"/>
+          </a:fillRef>
+          <a:effectRef idx="0">
+            <a:schemeClr val="accent1"/>
+          </a:effectRef>
+          <a:fontRef idx="minor">
+            <a:schemeClr val="tx1"/>
+          </a:fontRef>
+        </p:style>
+      </p:cxnSp>
     </p:spTree>
     <p:extLst>
       <p:ext uri="{BB962C8B-B14F-4D97-AF65-F5344CB8AC3E}">
         <p14:creationId xmlns:p14="http://schemas.microsoft.com/office/powerpoint/2010/main" val="2638182324"/>
-      </p:ext>
-    </p:extLst>
-  </p:cSld>
-  <p:clrMapOvr>
-    <a:masterClrMapping/>
-  </p:clrMapOvr>
-</p:sld>
-</file>
-
-<file path=ppt/slides/slide15.xml><?xml version="1.0" encoding="utf-8"?>
-<p:sld xmlns:a="http://schemas.openxmlformats.org/drawingml/2006/main" xmlns:r="http://schemas.openxmlformats.org/officeDocument/2006/relationships" xmlns:p="http://schemas.openxmlformats.org/presentationml/2006/main">
-  <p:cSld>
-    <p:spTree>
-      <p:nvGrpSpPr>
-        <p:cNvPr id="1" name=""/>
-        <p:cNvGrpSpPr/>
-        <p:nvPr/>
-      </p:nvGrpSpPr>
-      <p:grpSpPr>
-        <a:xfrm>
-          <a:off x="0" y="0"/>
-          <a:ext cx="0" cy="0"/>
-          <a:chOff x="0" y="0"/>
-          <a:chExt cx="0" cy="0"/>
-        </a:xfrm>
-      </p:grpSpPr>
-      <p:sp>
-        <p:nvSpPr>
-          <p:cNvPr id="2" name="Title 1">
-            <a:extLst>
-              <a:ext uri="{FF2B5EF4-FFF2-40B4-BE49-F238E27FC236}">
-                <a16:creationId xmlns:a16="http://schemas.microsoft.com/office/drawing/2014/main" id="{24CA2AB5-0B80-4D64-9138-9335AE0094ED}"/>
-              </a:ext>
-            </a:extLst>
-          </p:cNvPr>
-          <p:cNvSpPr>
-            <a:spLocks noGrp="1"/>
-          </p:cNvSpPr>
-          <p:nvPr>
-            <p:ph type="title"/>
-          </p:nvPr>
-        </p:nvSpPr>
-        <p:spPr/>
-        <p:txBody>
-          <a:bodyPr/>
-          <a:lstStyle/>
-          <a:p>
-            <a:r>
-              <a:rPr lang="en-US" dirty="0"/>
-              <a:t>NEXT STEPS</a:t>
-            </a:r>
-          </a:p>
-        </p:txBody>
-      </p:sp>
-      <p:sp>
-        <p:nvSpPr>
-          <p:cNvPr id="3" name="Content Placeholder 2">
-            <a:extLst>
-              <a:ext uri="{FF2B5EF4-FFF2-40B4-BE49-F238E27FC236}">
-                <a16:creationId xmlns:a16="http://schemas.microsoft.com/office/drawing/2014/main" id="{15566D00-65CE-46A4-83ED-49C4A566FEBA}"/>
-              </a:ext>
-            </a:extLst>
-          </p:cNvPr>
-          <p:cNvSpPr>
-            <a:spLocks noGrp="1"/>
-          </p:cNvSpPr>
-          <p:nvPr>
-            <p:ph idx="1"/>
-          </p:nvPr>
-        </p:nvSpPr>
-        <p:spPr/>
-        <p:txBody>
-          <a:bodyPr/>
-          <a:lstStyle/>
-          <a:p>
-            <a:endParaRPr lang="en-US"/>
-          </a:p>
-        </p:txBody>
-      </p:sp>
-    </p:spTree>
-    <p:extLst>
-      <p:ext uri="{BB962C8B-B14F-4D97-AF65-F5344CB8AC3E}">
-        <p14:creationId xmlns:p14="http://schemas.microsoft.com/office/powerpoint/2010/main" val="2610522644"/>
       </p:ext>
     </p:extLst>
   </p:cSld>
@@ -24621,7 +27107,7 @@
             </a:extLst>
           </p:cNvPr>
           <p:cNvSpPr>
-            <a:spLocks noGrp="1" noRot="1" noChangeAspect="1" noMove="1" noResize="1" noEditPoints="1" noAdjustHandles="1" noChangeArrowheads="1" noChangeShapeType="1" noTextEdit="1"/>
+            <a:spLocks/>
           </p:cNvSpPr>
           <p:nvPr/>
         </p:nvSpPr>
@@ -24683,7 +27169,15 @@
             </a:pPr>
             <a:r>
               <a:rPr lang="en-US" sz="1600" b="0" i="0" kern="1200" dirty="0"/>
-              <a:t>XYZ Bank (read: fictional) is a mature financial institution based in Eastern North America.</a:t>
+              <a:t>XYZ Bank (read: fictional) is a mature financial institution based </a:t>
+            </a:r>
+            <a:r>
+              <a:rPr lang="en-US" sz="1600" b="0" i="0" kern="1200"/>
+              <a:t>in North </a:t>
+            </a:r>
+            <a:r>
+              <a:rPr lang="en-US" sz="1600" b="0" i="0" kern="1200" dirty="0"/>
+              <a:t>America.</a:t>
             </a:r>
           </a:p>
           <a:p>
@@ -24727,7 +27221,7 @@
             <a:endParaRPr lang="en-US" sz="1600" kern="1200" dirty="0"/>
           </a:p>
           <a:p>
-            <a:pPr marL="628650" lvl="2" indent="-171450" defTabSz="400050">
+            <a:pPr marL="171450" lvl="1" indent="-171450" defTabSz="400050">
               <a:lnSpc>
                 <a:spcPct val="90000"/>
               </a:lnSpc>
@@ -25589,6 +28083,760 @@
       </p:grpSpPr>
       <p:sp>
         <p:nvSpPr>
+          <p:cNvPr id="2" name="Title 1">
+            <a:extLst>
+              <a:ext uri="{FF2B5EF4-FFF2-40B4-BE49-F238E27FC236}">
+                <a16:creationId xmlns:a16="http://schemas.microsoft.com/office/drawing/2014/main" id="{87205852-4277-40BE-98A9-10AF71C13A83}"/>
+              </a:ext>
+            </a:extLst>
+          </p:cNvPr>
+          <p:cNvSpPr>
+            <a:spLocks noGrp="1"/>
+          </p:cNvSpPr>
+          <p:nvPr>
+            <p:ph type="title"/>
+          </p:nvPr>
+        </p:nvSpPr>
+        <p:spPr/>
+        <p:txBody>
+          <a:bodyPr/>
+          <a:lstStyle/>
+          <a:p>
+            <a:r>
+              <a:rPr lang="en-US" dirty="0"/>
+              <a:t>Cluster size</a:t>
+            </a:r>
+          </a:p>
+        </p:txBody>
+      </p:sp>
+      <p:sp>
+        <p:nvSpPr>
+          <p:cNvPr id="4" name="Content Placeholder 3">
+            <a:extLst>
+              <a:ext uri="{FF2B5EF4-FFF2-40B4-BE49-F238E27FC236}">
+                <a16:creationId xmlns:a16="http://schemas.microsoft.com/office/drawing/2014/main" id="{468BA153-F31F-4330-9BA8-E8191507CF5F}"/>
+              </a:ext>
+            </a:extLst>
+          </p:cNvPr>
+          <p:cNvSpPr>
+            <a:spLocks noGrp="1"/>
+          </p:cNvSpPr>
+          <p:nvPr>
+            <p:ph sz="half" idx="2"/>
+          </p:nvPr>
+        </p:nvSpPr>
+        <p:spPr>
+          <a:xfrm>
+            <a:off x="6637096" y="5193627"/>
+            <a:ext cx="4930882" cy="1052511"/>
+          </a:xfrm>
+        </p:spPr>
+        <p:txBody>
+          <a:bodyPr numCol="1" anchor="ctr">
+            <a:normAutofit/>
+          </a:bodyPr>
+          <a:lstStyle/>
+          <a:p>
+            <a:r>
+              <a:rPr lang="en-US" sz="1600" dirty="0"/>
+              <a:t>Cluster 2 is the largest.</a:t>
+            </a:r>
+          </a:p>
+          <a:p>
+            <a:r>
+              <a:rPr lang="en-US" sz="1600" dirty="0"/>
+              <a:t>Cluster 1 is next.</a:t>
+            </a:r>
+          </a:p>
+          <a:p>
+            <a:r>
+              <a:rPr lang="en-US" sz="1600" dirty="0"/>
+              <a:t>Rest are close to 1k.</a:t>
+            </a:r>
+          </a:p>
+        </p:txBody>
+      </p:sp>
+      <p:pic>
+        <p:nvPicPr>
+          <p:cNvPr id="7" name="Content Placeholder 5" descr="Chart, pie chart&#10;&#10;Description automatically generated">
+            <a:extLst>
+              <a:ext uri="{FF2B5EF4-FFF2-40B4-BE49-F238E27FC236}">
+                <a16:creationId xmlns:a16="http://schemas.microsoft.com/office/drawing/2014/main" id="{23B747CC-B92B-47F8-80D7-3E717555678F}"/>
+              </a:ext>
+            </a:extLst>
+          </p:cNvPr>
+          <p:cNvPicPr>
+            <a:picLocks noChangeAspect="1"/>
+          </p:cNvPicPr>
+          <p:nvPr/>
+        </p:nvPicPr>
+        <p:blipFill>
+          <a:blip r:embed="rId3">
+            <a:extLst>
+              <a:ext uri="{28A0092B-C50C-407E-A947-70E740481C1C}">
+                <a14:useLocalDpi xmlns:a14="http://schemas.microsoft.com/office/drawing/2010/main" val="0"/>
+              </a:ext>
+            </a:extLst>
+          </a:blip>
+          <a:stretch>
+            <a:fillRect/>
+          </a:stretch>
+        </p:blipFill>
+        <p:spPr>
+          <a:xfrm>
+            <a:off x="838200" y="1747338"/>
+            <a:ext cx="4336943" cy="3209338"/>
+          </a:xfrm>
+          <a:prstGeom prst="rect">
+            <a:avLst/>
+          </a:prstGeom>
+        </p:spPr>
+      </p:pic>
+      <p:grpSp>
+        <p:nvGrpSpPr>
+          <p:cNvPr id="9" name="Group 8">
+            <a:extLst>
+              <a:ext uri="{FF2B5EF4-FFF2-40B4-BE49-F238E27FC236}">
+                <a16:creationId xmlns:a16="http://schemas.microsoft.com/office/drawing/2014/main" id="{86340EE1-FE8F-407D-9B20-C9F7BE892C1F}"/>
+              </a:ext>
+              <a:ext uri="{C183D7F6-B498-43B3-948B-1728B52AA6E4}">
+                <adec:decorative xmlns:adec="http://schemas.microsoft.com/office/drawing/2017/decorative" val="1"/>
+              </a:ext>
+            </a:extLst>
+          </p:cNvPr>
+          <p:cNvGrpSpPr>
+            <a:grpSpLocks/>
+          </p:cNvGrpSpPr>
+          <p:nvPr>
+            <p:extLst>
+              <p:ext uri="{386F3935-93C4-4BCD-93E2-E3B085C9AB24}">
+                <p16:designElem xmlns:p16="http://schemas.microsoft.com/office/powerpoint/2015/main" val="1"/>
+              </p:ext>
+            </p:extLst>
+          </p:nvPr>
+        </p:nvGrpSpPr>
+        <p:grpSpPr>
+          <a:xfrm>
+            <a:off x="11219290" y="1"/>
+            <a:ext cx="972709" cy="1935307"/>
+            <a:chOff x="10918968" y="713127"/>
+            <a:chExt cx="1273032" cy="2532832"/>
+          </a:xfrm>
+        </p:grpSpPr>
+        <p:sp>
+          <p:nvSpPr>
+            <p:cNvPr id="10" name="Rectangle 9">
+              <a:extLst>
+                <a:ext uri="{FF2B5EF4-FFF2-40B4-BE49-F238E27FC236}">
+                  <a16:creationId xmlns:a16="http://schemas.microsoft.com/office/drawing/2014/main" id="{D75089DB-893E-401E-9930-27C19BA9D40D}"/>
+                </a:ext>
+                <a:ext uri="{C183D7F6-B498-43B3-948B-1728B52AA6E4}">
+                  <adec:decorative xmlns:adec="http://schemas.microsoft.com/office/drawing/2017/decorative" val="1"/>
+                </a:ext>
+              </a:extLst>
+            </p:cNvPr>
+            <p:cNvSpPr>
+              <a:spLocks/>
+            </p:cNvSpPr>
+            <p:nvPr>
+              <p:extLst>
+                <p:ext uri="{386F3935-93C4-4BCD-93E2-E3B085C9AB24}">
+                  <p16:designElem xmlns:p16="http://schemas.microsoft.com/office/powerpoint/2015/main" val="1"/>
+                </p:ext>
+              </p:extLst>
+            </p:nvPr>
+          </p:nvSpPr>
+          <p:spPr>
+            <a:xfrm rot="2700000">
+              <a:off x="11052629" y="2120024"/>
+              <a:ext cx="645368" cy="645368"/>
+            </a:xfrm>
+            <a:prstGeom prst="rect">
+              <a:avLst/>
+            </a:prstGeom>
+            <a:solidFill>
+              <a:schemeClr val="accent4">
+                <a:alpha val="30000"/>
+              </a:schemeClr>
+            </a:solidFill>
+            <a:ln>
+              <a:noFill/>
+            </a:ln>
+          </p:spPr>
+          <p:style>
+            <a:lnRef idx="2">
+              <a:schemeClr val="accent1">
+                <a:shade val="50000"/>
+              </a:schemeClr>
+            </a:lnRef>
+            <a:fillRef idx="1">
+              <a:schemeClr val="accent1"/>
+            </a:fillRef>
+            <a:effectRef idx="0">
+              <a:schemeClr val="accent1"/>
+            </a:effectRef>
+            <a:fontRef idx="minor">
+              <a:schemeClr val="lt1"/>
+            </a:fontRef>
+          </p:style>
+          <p:txBody>
+            <a:bodyPr rtlCol="0" anchor="ctr"/>
+            <a:lstStyle/>
+            <a:p>
+              <a:pPr algn="ctr"/>
+              <a:endParaRPr lang="en-US"/>
+            </a:p>
+          </p:txBody>
+        </p:sp>
+        <p:sp>
+          <p:nvSpPr>
+            <p:cNvPr id="11" name="Isosceles Triangle 10">
+              <a:extLst>
+                <a:ext uri="{FF2B5EF4-FFF2-40B4-BE49-F238E27FC236}">
+                  <a16:creationId xmlns:a16="http://schemas.microsoft.com/office/drawing/2014/main" id="{D6487E6A-4609-42FA-87AE-01C7442BB53D}"/>
+                </a:ext>
+                <a:ext uri="{C183D7F6-B498-43B3-948B-1728B52AA6E4}">
+                  <adec:decorative xmlns:adec="http://schemas.microsoft.com/office/drawing/2017/decorative" val="1"/>
+                </a:ext>
+              </a:extLst>
+            </p:cNvPr>
+            <p:cNvSpPr>
+              <a:spLocks/>
+            </p:cNvSpPr>
+            <p:nvPr>
+              <p:extLst>
+                <p:ext uri="{386F3935-93C4-4BCD-93E2-E3B085C9AB24}">
+                  <p16:designElem xmlns:p16="http://schemas.microsoft.com/office/powerpoint/2015/main" val="1"/>
+                </p:ext>
+              </p:extLst>
+            </p:nvPr>
+          </p:nvSpPr>
+          <p:spPr>
+            <a:xfrm rot="16200000">
+              <a:off x="10289068" y="1343027"/>
+              <a:ext cx="2532832" cy="1273032"/>
+            </a:xfrm>
+            <a:prstGeom prst="triangle">
+              <a:avLst>
+                <a:gd name="adj" fmla="val 50000"/>
+              </a:avLst>
+            </a:prstGeom>
+            <a:solidFill>
+              <a:schemeClr val="accent4">
+                <a:alpha val="30000"/>
+              </a:schemeClr>
+            </a:solidFill>
+            <a:ln>
+              <a:noFill/>
+            </a:ln>
+          </p:spPr>
+          <p:style>
+            <a:lnRef idx="2">
+              <a:schemeClr val="accent1">
+                <a:shade val="50000"/>
+              </a:schemeClr>
+            </a:lnRef>
+            <a:fillRef idx="1">
+              <a:schemeClr val="accent1"/>
+            </a:fillRef>
+            <a:effectRef idx="0">
+              <a:schemeClr val="accent1"/>
+            </a:effectRef>
+            <a:fontRef idx="minor">
+              <a:schemeClr val="lt1"/>
+            </a:fontRef>
+          </p:style>
+          <p:txBody>
+            <a:bodyPr rtlCol="0" anchor="ctr"/>
+            <a:lstStyle/>
+            <a:p>
+              <a:pPr algn="ctr"/>
+              <a:endParaRPr lang="en-US" dirty="0"/>
+            </a:p>
+          </p:txBody>
+        </p:sp>
+      </p:grpSp>
+      <p:grpSp>
+        <p:nvGrpSpPr>
+          <p:cNvPr id="12" name="Group 11">
+            <a:extLst>
+              <a:ext uri="{FF2B5EF4-FFF2-40B4-BE49-F238E27FC236}">
+                <a16:creationId xmlns:a16="http://schemas.microsoft.com/office/drawing/2014/main" id="{9ACF07B3-C945-4CE8-8919-FCFD68856EC2}"/>
+              </a:ext>
+              <a:ext uri="{C183D7F6-B498-43B3-948B-1728B52AA6E4}">
+                <adec:decorative xmlns:adec="http://schemas.microsoft.com/office/drawing/2017/decorative" val="1"/>
+              </a:ext>
+            </a:extLst>
+          </p:cNvPr>
+          <p:cNvGrpSpPr>
+            <a:grpSpLocks/>
+          </p:cNvGrpSpPr>
+          <p:nvPr>
+            <p:extLst>
+              <p:ext uri="{386F3935-93C4-4BCD-93E2-E3B085C9AB24}">
+                <p16:designElem xmlns:p16="http://schemas.microsoft.com/office/powerpoint/2015/main" val="1"/>
+              </p:ext>
+            </p:extLst>
+          </p:nvPr>
+        </p:nvGrpSpPr>
+        <p:grpSpPr>
+          <a:xfrm>
+            <a:off x="0" y="4601497"/>
+            <a:ext cx="1014060" cy="2017580"/>
+            <a:chOff x="0" y="4601497"/>
+            <a:chExt cx="1014060" cy="2017580"/>
+          </a:xfrm>
+        </p:grpSpPr>
+        <p:sp>
+          <p:nvSpPr>
+            <p:cNvPr id="13" name="Isosceles Triangle 12">
+              <a:extLst>
+                <a:ext uri="{FF2B5EF4-FFF2-40B4-BE49-F238E27FC236}">
+                  <a16:creationId xmlns:a16="http://schemas.microsoft.com/office/drawing/2014/main" id="{74BE1315-585E-4C10-80A5-5BAD5E863FFB}"/>
+                </a:ext>
+                <a:ext uri="{C183D7F6-B498-43B3-948B-1728B52AA6E4}">
+                  <adec:decorative xmlns:adec="http://schemas.microsoft.com/office/drawing/2017/decorative" val="1"/>
+                </a:ext>
+              </a:extLst>
+            </p:cNvPr>
+            <p:cNvSpPr>
+              <a:spLocks/>
+            </p:cNvSpPr>
+            <p:nvPr>
+              <p:extLst>
+                <p:ext uri="{386F3935-93C4-4BCD-93E2-E3B085C9AB24}">
+                  <p16:designElem xmlns:p16="http://schemas.microsoft.com/office/powerpoint/2015/main" val="1"/>
+                </p:ext>
+              </p:extLst>
+            </p:nvPr>
+          </p:nvSpPr>
+          <p:spPr>
+            <a:xfrm rot="5400000">
+              <a:off x="-501760" y="5103257"/>
+              <a:ext cx="2017580" cy="1014060"/>
+            </a:xfrm>
+            <a:prstGeom prst="triangle">
+              <a:avLst>
+                <a:gd name="adj" fmla="val 50000"/>
+              </a:avLst>
+            </a:prstGeom>
+            <a:solidFill>
+              <a:schemeClr val="accent1">
+                <a:alpha val="30000"/>
+              </a:schemeClr>
+            </a:solidFill>
+            <a:ln>
+              <a:noFill/>
+            </a:ln>
+          </p:spPr>
+          <p:style>
+            <a:lnRef idx="2">
+              <a:schemeClr val="accent1">
+                <a:shade val="50000"/>
+              </a:schemeClr>
+            </a:lnRef>
+            <a:fillRef idx="1">
+              <a:schemeClr val="accent1"/>
+            </a:fillRef>
+            <a:effectRef idx="0">
+              <a:schemeClr val="accent1"/>
+            </a:effectRef>
+            <a:fontRef idx="minor">
+              <a:schemeClr val="lt1"/>
+            </a:fontRef>
+          </p:style>
+          <p:txBody>
+            <a:bodyPr rtlCol="0" anchor="ctr"/>
+            <a:lstStyle/>
+            <a:p>
+              <a:pPr algn="ctr"/>
+              <a:endParaRPr lang="en-US"/>
+            </a:p>
+          </p:txBody>
+        </p:sp>
+        <p:sp>
+          <p:nvSpPr>
+            <p:cNvPr id="14" name="Rectangle 13">
+              <a:extLst>
+                <a:ext uri="{FF2B5EF4-FFF2-40B4-BE49-F238E27FC236}">
+                  <a16:creationId xmlns:a16="http://schemas.microsoft.com/office/drawing/2014/main" id="{D5B10495-7439-4916-A474-110D0BA6F60E}"/>
+                </a:ext>
+                <a:ext uri="{C183D7F6-B498-43B3-948B-1728B52AA6E4}">
+                  <adec:decorative xmlns:adec="http://schemas.microsoft.com/office/drawing/2017/decorative" val="1"/>
+                </a:ext>
+              </a:extLst>
+            </p:cNvPr>
+            <p:cNvSpPr>
+              <a:spLocks/>
+            </p:cNvSpPr>
+            <p:nvPr>
+              <p:extLst>
+                <p:ext uri="{386F3935-93C4-4BCD-93E2-E3B085C9AB24}">
+                  <p16:designElem xmlns:p16="http://schemas.microsoft.com/office/powerpoint/2015/main" val="1"/>
+                </p:ext>
+              </p:extLst>
+            </p:nvPr>
+          </p:nvSpPr>
+          <p:spPr>
+            <a:xfrm rot="2700000">
+              <a:off x="427916" y="5728708"/>
+              <a:ext cx="485578" cy="485578"/>
+            </a:xfrm>
+            <a:prstGeom prst="rect">
+              <a:avLst/>
+            </a:prstGeom>
+            <a:solidFill>
+              <a:schemeClr val="accent1">
+                <a:alpha val="30000"/>
+              </a:schemeClr>
+            </a:solidFill>
+            <a:ln>
+              <a:noFill/>
+            </a:ln>
+          </p:spPr>
+          <p:style>
+            <a:lnRef idx="2">
+              <a:schemeClr val="accent1">
+                <a:shade val="50000"/>
+              </a:schemeClr>
+            </a:lnRef>
+            <a:fillRef idx="1">
+              <a:schemeClr val="accent1"/>
+            </a:fillRef>
+            <a:effectRef idx="0">
+              <a:schemeClr val="accent1"/>
+            </a:effectRef>
+            <a:fontRef idx="minor">
+              <a:schemeClr val="lt1"/>
+            </a:fontRef>
+          </p:style>
+          <p:txBody>
+            <a:bodyPr rtlCol="0" anchor="ctr"/>
+            <a:lstStyle/>
+            <a:p>
+              <a:pPr algn="ctr"/>
+              <a:endParaRPr lang="en-US"/>
+            </a:p>
+          </p:txBody>
+        </p:sp>
+      </p:grpSp>
+      <p:sp>
+        <p:nvSpPr>
+          <p:cNvPr id="8" name="Content Placeholder 3">
+            <a:extLst>
+              <a:ext uri="{FF2B5EF4-FFF2-40B4-BE49-F238E27FC236}">
+                <a16:creationId xmlns:a16="http://schemas.microsoft.com/office/drawing/2014/main" id="{64155431-FCBE-41A3-AA17-04E5C505AB4D}"/>
+              </a:ext>
+            </a:extLst>
+          </p:cNvPr>
+          <p:cNvSpPr txBox="1">
+            <a:spLocks/>
+          </p:cNvSpPr>
+          <p:nvPr/>
+        </p:nvSpPr>
+        <p:spPr>
+          <a:xfrm>
+            <a:off x="629161" y="5101885"/>
+            <a:ext cx="4930882" cy="1052511"/>
+          </a:xfrm>
+          <a:prstGeom prst="rect">
+            <a:avLst/>
+          </a:prstGeom>
+        </p:spPr>
+        <p:txBody>
+          <a:bodyPr vert="horz" lIns="91440" tIns="45720" rIns="91440" bIns="45720" numCol="1" rtlCol="0" anchor="ctr">
+            <a:normAutofit/>
+          </a:bodyPr>
+          <a:lstStyle>
+            <a:lvl1pPr marL="228600" indent="-228600" algn="l" defTabSz="914400" rtl="0" eaLnBrk="1" latinLnBrk="0" hangingPunct="1">
+              <a:lnSpc>
+                <a:spcPct val="90000"/>
+              </a:lnSpc>
+              <a:spcBef>
+                <a:spcPts val="1000"/>
+              </a:spcBef>
+              <a:buFont typeface="Arial" panose="020B0604020202020204" pitchFamily="34" charset="0"/>
+              <a:buChar char="•"/>
+              <a:defRPr sz="2800" kern="1200">
+                <a:solidFill>
+                  <a:schemeClr val="tx1"/>
+                </a:solidFill>
+                <a:latin typeface="+mn-lt"/>
+                <a:ea typeface="+mn-ea"/>
+                <a:cs typeface="+mn-cs"/>
+              </a:defRPr>
+            </a:lvl1pPr>
+            <a:lvl2pPr marL="685800" indent="-228600" algn="l" defTabSz="914400" rtl="0" eaLnBrk="1" latinLnBrk="0" hangingPunct="1">
+              <a:lnSpc>
+                <a:spcPct val="90000"/>
+              </a:lnSpc>
+              <a:spcBef>
+                <a:spcPts val="500"/>
+              </a:spcBef>
+              <a:buFont typeface="Arial" panose="020B0604020202020204" pitchFamily="34" charset="0"/>
+              <a:buChar char="•"/>
+              <a:defRPr sz="2400" kern="1200">
+                <a:solidFill>
+                  <a:schemeClr val="tx1"/>
+                </a:solidFill>
+                <a:latin typeface="+mn-lt"/>
+                <a:ea typeface="+mn-ea"/>
+                <a:cs typeface="+mn-cs"/>
+              </a:defRPr>
+            </a:lvl2pPr>
+            <a:lvl3pPr marL="1143000" indent="-228600" algn="l" defTabSz="914400" rtl="0" eaLnBrk="1" latinLnBrk="0" hangingPunct="1">
+              <a:lnSpc>
+                <a:spcPct val="90000"/>
+              </a:lnSpc>
+              <a:spcBef>
+                <a:spcPts val="500"/>
+              </a:spcBef>
+              <a:buFont typeface="Arial" panose="020B0604020202020204" pitchFamily="34" charset="0"/>
+              <a:buChar char="•"/>
+              <a:defRPr sz="2000" kern="1200">
+                <a:solidFill>
+                  <a:schemeClr val="tx1"/>
+                </a:solidFill>
+                <a:latin typeface="+mn-lt"/>
+                <a:ea typeface="+mn-ea"/>
+                <a:cs typeface="+mn-cs"/>
+              </a:defRPr>
+            </a:lvl3pPr>
+            <a:lvl4pPr marL="1600200" indent="-228600" algn="l" defTabSz="914400" rtl="0" eaLnBrk="1" latinLnBrk="0" hangingPunct="1">
+              <a:lnSpc>
+                <a:spcPct val="90000"/>
+              </a:lnSpc>
+              <a:spcBef>
+                <a:spcPts val="500"/>
+              </a:spcBef>
+              <a:buFont typeface="Arial" panose="020B0604020202020204" pitchFamily="34" charset="0"/>
+              <a:buChar char="•"/>
+              <a:defRPr sz="1800" kern="1200">
+                <a:solidFill>
+                  <a:schemeClr val="tx1"/>
+                </a:solidFill>
+                <a:latin typeface="+mn-lt"/>
+                <a:ea typeface="+mn-ea"/>
+                <a:cs typeface="+mn-cs"/>
+              </a:defRPr>
+            </a:lvl4pPr>
+            <a:lvl5pPr marL="2057400" indent="-228600" algn="l" defTabSz="914400" rtl="0" eaLnBrk="1" latinLnBrk="0" hangingPunct="1">
+              <a:lnSpc>
+                <a:spcPct val="90000"/>
+              </a:lnSpc>
+              <a:spcBef>
+                <a:spcPts val="500"/>
+              </a:spcBef>
+              <a:buFont typeface="Arial" panose="020B0604020202020204" pitchFamily="34" charset="0"/>
+              <a:buChar char="•"/>
+              <a:defRPr sz="1800" kern="1200">
+                <a:solidFill>
+                  <a:schemeClr val="tx1"/>
+                </a:solidFill>
+                <a:latin typeface="+mn-lt"/>
+                <a:ea typeface="+mn-ea"/>
+                <a:cs typeface="+mn-cs"/>
+              </a:defRPr>
+            </a:lvl5pPr>
+            <a:lvl6pPr marL="2514600" indent="-228600" algn="l" defTabSz="914400" rtl="0" eaLnBrk="1" latinLnBrk="0" hangingPunct="1">
+              <a:lnSpc>
+                <a:spcPct val="90000"/>
+              </a:lnSpc>
+              <a:spcBef>
+                <a:spcPts val="500"/>
+              </a:spcBef>
+              <a:buFont typeface="Arial" panose="020B0604020202020204" pitchFamily="34" charset="0"/>
+              <a:buChar char="•"/>
+              <a:defRPr sz="1800" kern="1200">
+                <a:solidFill>
+                  <a:schemeClr val="tx1"/>
+                </a:solidFill>
+                <a:latin typeface="+mn-lt"/>
+                <a:ea typeface="+mn-ea"/>
+                <a:cs typeface="+mn-cs"/>
+              </a:defRPr>
+            </a:lvl6pPr>
+            <a:lvl7pPr marL="2971800" indent="-228600" algn="l" defTabSz="914400" rtl="0" eaLnBrk="1" latinLnBrk="0" hangingPunct="1">
+              <a:lnSpc>
+                <a:spcPct val="90000"/>
+              </a:lnSpc>
+              <a:spcBef>
+                <a:spcPts val="500"/>
+              </a:spcBef>
+              <a:buFont typeface="Arial" panose="020B0604020202020204" pitchFamily="34" charset="0"/>
+              <a:buChar char="•"/>
+              <a:defRPr sz="1800" kern="1200">
+                <a:solidFill>
+                  <a:schemeClr val="tx1"/>
+                </a:solidFill>
+                <a:latin typeface="+mn-lt"/>
+                <a:ea typeface="+mn-ea"/>
+                <a:cs typeface="+mn-cs"/>
+              </a:defRPr>
+            </a:lvl7pPr>
+            <a:lvl8pPr marL="3429000" indent="-228600" algn="l" defTabSz="914400" rtl="0" eaLnBrk="1" latinLnBrk="0" hangingPunct="1">
+              <a:lnSpc>
+                <a:spcPct val="90000"/>
+              </a:lnSpc>
+              <a:spcBef>
+                <a:spcPts val="500"/>
+              </a:spcBef>
+              <a:buFont typeface="Arial" panose="020B0604020202020204" pitchFamily="34" charset="0"/>
+              <a:buChar char="•"/>
+              <a:defRPr sz="1800" kern="1200">
+                <a:solidFill>
+                  <a:schemeClr val="tx1"/>
+                </a:solidFill>
+                <a:latin typeface="+mn-lt"/>
+                <a:ea typeface="+mn-ea"/>
+                <a:cs typeface="+mn-cs"/>
+              </a:defRPr>
+            </a:lvl8pPr>
+            <a:lvl9pPr marL="3886200" indent="-228600" algn="l" defTabSz="914400" rtl="0" eaLnBrk="1" latinLnBrk="0" hangingPunct="1">
+              <a:lnSpc>
+                <a:spcPct val="90000"/>
+              </a:lnSpc>
+              <a:spcBef>
+                <a:spcPts val="500"/>
+              </a:spcBef>
+              <a:buFont typeface="Arial" panose="020B0604020202020204" pitchFamily="34" charset="0"/>
+              <a:buChar char="•"/>
+              <a:defRPr sz="1800" kern="1200">
+                <a:solidFill>
+                  <a:schemeClr val="tx1"/>
+                </a:solidFill>
+                <a:latin typeface="+mn-lt"/>
+                <a:ea typeface="+mn-ea"/>
+                <a:cs typeface="+mn-cs"/>
+              </a:defRPr>
+            </a:lvl9pPr>
+          </a:lstStyle>
+          <a:p>
+            <a:r>
+              <a:rPr lang="en-US" sz="1600" dirty="0"/>
+              <a:t>16% of customers terminated their relationship with the bank</a:t>
+            </a:r>
+          </a:p>
+        </p:txBody>
+      </p:sp>
+      <p:pic>
+        <p:nvPicPr>
+          <p:cNvPr id="6" name="Content Placeholder 5" descr="Chart, bar chart&#10;&#10;Description automatically generated">
+            <a:extLst>
+              <a:ext uri="{FF2B5EF4-FFF2-40B4-BE49-F238E27FC236}">
+                <a16:creationId xmlns:a16="http://schemas.microsoft.com/office/drawing/2014/main" id="{94E0CA26-C2A0-47B2-AD21-2E03DE1557AC}"/>
+              </a:ext>
+            </a:extLst>
+          </p:cNvPr>
+          <p:cNvPicPr>
+            <a:picLocks noGrp="1" noChangeAspect="1"/>
+          </p:cNvPicPr>
+          <p:nvPr>
+            <p:ph sz="half" idx="1"/>
+          </p:nvPr>
+        </p:nvPicPr>
+        <p:blipFill>
+          <a:blip r:embed="rId4">
+            <a:extLst>
+              <a:ext uri="{28A0092B-C50C-407E-A947-70E740481C1C}">
+                <a14:useLocalDpi xmlns:a14="http://schemas.microsoft.com/office/drawing/2010/main" val="0"/>
+              </a:ext>
+            </a:extLst>
+          </a:blip>
+          <a:stretch>
+            <a:fillRect/>
+          </a:stretch>
+        </p:blipFill>
+        <p:spPr>
+          <a:xfrm>
+            <a:off x="6629239" y="661988"/>
+            <a:ext cx="4930882" cy="4351338"/>
+          </a:xfrm>
+        </p:spPr>
+      </p:pic>
+      <p:cxnSp>
+        <p:nvCxnSpPr>
+          <p:cNvPr id="15" name="Straight Connector 14">
+            <a:extLst>
+              <a:ext uri="{FF2B5EF4-FFF2-40B4-BE49-F238E27FC236}">
+                <a16:creationId xmlns:a16="http://schemas.microsoft.com/office/drawing/2014/main" id="{816C71E8-5C50-439F-9CEB-32EFFEFADB7E}"/>
+              </a:ext>
+            </a:extLst>
+          </p:cNvPr>
+          <p:cNvCxnSpPr>
+            <a:cxnSpLocks/>
+          </p:cNvCxnSpPr>
+          <p:nvPr/>
+        </p:nvCxnSpPr>
+        <p:spPr>
+          <a:xfrm>
+            <a:off x="838200" y="1412203"/>
+            <a:ext cx="4336943" cy="0"/>
+          </a:xfrm>
+          <a:prstGeom prst="line">
+            <a:avLst/>
+          </a:prstGeom>
+          <a:ln w="38100">
+            <a:solidFill>
+              <a:srgbClr val="C7D4ED"/>
+            </a:solidFill>
+          </a:ln>
+        </p:spPr>
+        <p:style>
+          <a:lnRef idx="1">
+            <a:schemeClr val="accent1"/>
+          </a:lnRef>
+          <a:fillRef idx="0">
+            <a:schemeClr val="accent1"/>
+          </a:fillRef>
+          <a:effectRef idx="0">
+            <a:schemeClr val="accent1"/>
+          </a:effectRef>
+          <a:fontRef idx="minor">
+            <a:schemeClr val="tx1"/>
+          </a:fontRef>
+        </p:style>
+      </p:cxnSp>
+    </p:spTree>
+    <p:extLst>
+      <p:ext uri="{BB962C8B-B14F-4D97-AF65-F5344CB8AC3E}">
+        <p14:creationId xmlns:p14="http://schemas.microsoft.com/office/powerpoint/2010/main" val="3266602803"/>
+      </p:ext>
+    </p:extLst>
+  </p:cSld>
+  <p:clrMapOvr>
+    <a:overrideClrMapping bg1="lt1" tx1="dk1" bg2="lt2" tx2="dk2" accent1="accent1" accent2="accent2" accent3="accent3" accent4="accent4" accent5="accent5" accent6="accent6" hlink="hlink" folHlink="folHlink"/>
+  </p:clrMapOvr>
+</p:sld>
+</file>
+
+<file path=ppt/slides/slide7.xml><?xml version="1.0" encoding="utf-8"?>
+<p:sld xmlns:a="http://schemas.openxmlformats.org/drawingml/2006/main" xmlns:r="http://schemas.openxmlformats.org/officeDocument/2006/relationships" xmlns:p="http://schemas.openxmlformats.org/presentationml/2006/main">
+  <p:cSld>
+    <p:bg>
+      <p:bgPr>
+        <a:solidFill>
+          <a:schemeClr val="bg1"/>
+        </a:solidFill>
+        <a:effectLst/>
+      </p:bgPr>
+    </p:bg>
+    <p:spTree>
+      <p:nvGrpSpPr>
+        <p:cNvPr id="1" name=""/>
+        <p:cNvGrpSpPr/>
+        <p:nvPr/>
+      </p:nvGrpSpPr>
+      <p:grpSpPr>
+        <a:xfrm>
+          <a:off x="0" y="0"/>
+          <a:ext cx="0" cy="0"/>
+          <a:chOff x="0" y="0"/>
+          <a:chExt cx="0" cy="0"/>
+        </a:xfrm>
+      </p:grpSpPr>
+      <p:sp>
+        <p:nvSpPr>
           <p:cNvPr id="17" name="Rectangle 16">
             <a:extLst>
               <a:ext uri="{FF2B5EF4-FFF2-40B4-BE49-F238E27FC236}">
@@ -26141,7 +29389,7 @@
             </a:extLst>
           </p:cNvPr>
           <p:cNvCxnSpPr>
-            <a:cxnSpLocks noGrp="1" noRot="1" noChangeAspect="1" noMove="1" noResize="1" noEditPoints="1" noAdjustHandles="1" noChangeArrowheads="1" noChangeShapeType="1"/>
+            <a:cxnSpLocks/>
           </p:cNvCxnSpPr>
           <p:nvPr/>
         </p:nvCxnSpPr>
@@ -26178,381 +29426,6 @@
     <p:extLst>
       <p:ext uri="{BB962C8B-B14F-4D97-AF65-F5344CB8AC3E}">
         <p14:creationId xmlns:p14="http://schemas.microsoft.com/office/powerpoint/2010/main" val="972326610"/>
-      </p:ext>
-    </p:extLst>
-  </p:cSld>
-  <p:clrMapOvr>
-    <a:masterClrMapping/>
-  </p:clrMapOvr>
-</p:sld>
-</file>
-
-<file path=ppt/slides/slide7.xml><?xml version="1.0" encoding="utf-8"?>
-<p:sld xmlns:a="http://schemas.openxmlformats.org/drawingml/2006/main" xmlns:r="http://schemas.openxmlformats.org/officeDocument/2006/relationships" xmlns:p="http://schemas.openxmlformats.org/presentationml/2006/main">
-  <p:cSld>
-    <p:spTree>
-      <p:nvGrpSpPr>
-        <p:cNvPr id="1" name=""/>
-        <p:cNvGrpSpPr/>
-        <p:nvPr/>
-      </p:nvGrpSpPr>
-      <p:grpSpPr>
-        <a:xfrm>
-          <a:off x="0" y="0"/>
-          <a:ext cx="0" cy="0"/>
-          <a:chOff x="0" y="0"/>
-          <a:chExt cx="0" cy="0"/>
-        </a:xfrm>
-      </p:grpSpPr>
-      <p:sp>
-        <p:nvSpPr>
-          <p:cNvPr id="2" name="Title 1">
-            <a:extLst>
-              <a:ext uri="{FF2B5EF4-FFF2-40B4-BE49-F238E27FC236}">
-                <a16:creationId xmlns:a16="http://schemas.microsoft.com/office/drawing/2014/main" id="{87205852-4277-40BE-98A9-10AF71C13A83}"/>
-              </a:ext>
-            </a:extLst>
-          </p:cNvPr>
-          <p:cNvSpPr>
-            <a:spLocks noGrp="1"/>
-          </p:cNvSpPr>
-          <p:nvPr>
-            <p:ph type="title"/>
-          </p:nvPr>
-        </p:nvSpPr>
-        <p:spPr/>
-        <p:txBody>
-          <a:bodyPr/>
-          <a:lstStyle/>
-          <a:p>
-            <a:r>
-              <a:rPr lang="en-US" dirty="0"/>
-              <a:t>Cluster size</a:t>
-            </a:r>
-          </a:p>
-        </p:txBody>
-      </p:sp>
-      <p:pic>
-        <p:nvPicPr>
-          <p:cNvPr id="6" name="Content Placeholder 5" descr="Chart, bar chart&#10;&#10;Description automatically generated">
-            <a:extLst>
-              <a:ext uri="{FF2B5EF4-FFF2-40B4-BE49-F238E27FC236}">
-                <a16:creationId xmlns:a16="http://schemas.microsoft.com/office/drawing/2014/main" id="{94E0CA26-C2A0-47B2-AD21-2E03DE1557AC}"/>
-              </a:ext>
-            </a:extLst>
-          </p:cNvPr>
-          <p:cNvPicPr>
-            <a:picLocks noGrp="1" noChangeAspect="1"/>
-          </p:cNvPicPr>
-          <p:nvPr>
-            <p:ph sz="half" idx="1"/>
-          </p:nvPr>
-        </p:nvPicPr>
-        <p:blipFill>
-          <a:blip r:embed="rId2">
-            <a:extLst>
-              <a:ext uri="{28A0092B-C50C-407E-A947-70E740481C1C}">
-                <a14:useLocalDpi xmlns:a14="http://schemas.microsoft.com/office/drawing/2010/main" val="0"/>
-              </a:ext>
-            </a:extLst>
-          </a:blip>
-          <a:stretch>
-            <a:fillRect/>
-          </a:stretch>
-        </p:blipFill>
-        <p:spPr>
-          <a:xfrm>
-            <a:off x="334909" y="1433513"/>
-            <a:ext cx="4930882" cy="4351338"/>
-          </a:xfrm>
-        </p:spPr>
-      </p:pic>
-      <p:sp>
-        <p:nvSpPr>
-          <p:cNvPr id="4" name="Content Placeholder 3">
-            <a:extLst>
-              <a:ext uri="{FF2B5EF4-FFF2-40B4-BE49-F238E27FC236}">
-                <a16:creationId xmlns:a16="http://schemas.microsoft.com/office/drawing/2014/main" id="{468BA153-F31F-4330-9BA8-E8191507CF5F}"/>
-              </a:ext>
-            </a:extLst>
-          </p:cNvPr>
-          <p:cNvSpPr>
-            <a:spLocks noGrp="1"/>
-          </p:cNvSpPr>
-          <p:nvPr>
-            <p:ph sz="half" idx="2"/>
-          </p:nvPr>
-        </p:nvSpPr>
-        <p:spPr>
-          <a:xfrm>
-            <a:off x="334909" y="5784851"/>
-            <a:ext cx="4930882" cy="1052511"/>
-          </a:xfrm>
-        </p:spPr>
-        <p:txBody>
-          <a:bodyPr numCol="1" anchor="ctr">
-            <a:normAutofit/>
-          </a:bodyPr>
-          <a:lstStyle/>
-          <a:p>
-            <a:r>
-              <a:rPr lang="en-US" sz="1600" dirty="0"/>
-              <a:t>Cluster 2 is the largest.</a:t>
-            </a:r>
-          </a:p>
-          <a:p>
-            <a:r>
-              <a:rPr lang="en-US" sz="1600" dirty="0"/>
-              <a:t>Cluster 1 is next.</a:t>
-            </a:r>
-          </a:p>
-          <a:p>
-            <a:r>
-              <a:rPr lang="en-US" sz="1600" dirty="0"/>
-              <a:t>Rest are close to 1k.</a:t>
-            </a:r>
-          </a:p>
-        </p:txBody>
-      </p:sp>
-      <p:pic>
-        <p:nvPicPr>
-          <p:cNvPr id="7" name="Content Placeholder 5" descr="Chart, pie chart&#10;&#10;Description automatically generated">
-            <a:extLst>
-              <a:ext uri="{FF2B5EF4-FFF2-40B4-BE49-F238E27FC236}">
-                <a16:creationId xmlns:a16="http://schemas.microsoft.com/office/drawing/2014/main" id="{23B747CC-B92B-47F8-80D7-3E717555678F}"/>
-              </a:ext>
-            </a:extLst>
-          </p:cNvPr>
-          <p:cNvPicPr>
-            <a:picLocks noChangeAspect="1"/>
-          </p:cNvPicPr>
-          <p:nvPr/>
-        </p:nvPicPr>
-        <p:blipFill>
-          <a:blip r:embed="rId3">
-            <a:extLst>
-              <a:ext uri="{28A0092B-C50C-407E-A947-70E740481C1C}">
-                <a14:useLocalDpi xmlns:a14="http://schemas.microsoft.com/office/drawing/2010/main" val="0"/>
-              </a:ext>
-            </a:extLst>
-          </a:blip>
-          <a:stretch>
-            <a:fillRect/>
-          </a:stretch>
-        </p:blipFill>
-        <p:spPr>
-          <a:xfrm>
-            <a:off x="7016857" y="1433513"/>
-            <a:ext cx="4336943" cy="3209338"/>
-          </a:xfrm>
-          <a:prstGeom prst="rect">
-            <a:avLst/>
-          </a:prstGeom>
-        </p:spPr>
-      </p:pic>
-      <p:sp>
-        <p:nvSpPr>
-          <p:cNvPr id="8" name="Content Placeholder 3">
-            <a:extLst>
-              <a:ext uri="{FF2B5EF4-FFF2-40B4-BE49-F238E27FC236}">
-                <a16:creationId xmlns:a16="http://schemas.microsoft.com/office/drawing/2014/main" id="{64155431-FCBE-41A3-AA17-04E5C505AB4D}"/>
-              </a:ext>
-            </a:extLst>
-          </p:cNvPr>
-          <p:cNvSpPr txBox="1">
-            <a:spLocks/>
-          </p:cNvSpPr>
-          <p:nvPr/>
-        </p:nvSpPr>
-        <p:spPr>
-          <a:xfrm>
-            <a:off x="6719887" y="5013326"/>
-            <a:ext cx="4930882" cy="1052511"/>
-          </a:xfrm>
-          <a:prstGeom prst="rect">
-            <a:avLst/>
-          </a:prstGeom>
-        </p:spPr>
-        <p:txBody>
-          <a:bodyPr vert="horz" lIns="91440" tIns="45720" rIns="91440" bIns="45720" numCol="1" rtlCol="0" anchor="ctr">
-            <a:normAutofit/>
-          </a:bodyPr>
-          <a:lstStyle>
-            <a:lvl1pPr marL="228600" indent="-228600" algn="l" defTabSz="914400" rtl="0" eaLnBrk="1" latinLnBrk="0" hangingPunct="1">
-              <a:lnSpc>
-                <a:spcPct val="90000"/>
-              </a:lnSpc>
-              <a:spcBef>
-                <a:spcPts val="1000"/>
-              </a:spcBef>
-              <a:buFont typeface="Arial" panose="020B0604020202020204" pitchFamily="34" charset="0"/>
-              <a:buChar char="•"/>
-              <a:defRPr sz="2800" kern="1200">
-                <a:solidFill>
-                  <a:schemeClr val="tx1"/>
-                </a:solidFill>
-                <a:latin typeface="+mn-lt"/>
-                <a:ea typeface="+mn-ea"/>
-                <a:cs typeface="+mn-cs"/>
-              </a:defRPr>
-            </a:lvl1pPr>
-            <a:lvl2pPr marL="685800" indent="-228600" algn="l" defTabSz="914400" rtl="0" eaLnBrk="1" latinLnBrk="0" hangingPunct="1">
-              <a:lnSpc>
-                <a:spcPct val="90000"/>
-              </a:lnSpc>
-              <a:spcBef>
-                <a:spcPts val="500"/>
-              </a:spcBef>
-              <a:buFont typeface="Arial" panose="020B0604020202020204" pitchFamily="34" charset="0"/>
-              <a:buChar char="•"/>
-              <a:defRPr sz="2400" kern="1200">
-                <a:solidFill>
-                  <a:schemeClr val="tx1"/>
-                </a:solidFill>
-                <a:latin typeface="+mn-lt"/>
-                <a:ea typeface="+mn-ea"/>
-                <a:cs typeface="+mn-cs"/>
-              </a:defRPr>
-            </a:lvl2pPr>
-            <a:lvl3pPr marL="1143000" indent="-228600" algn="l" defTabSz="914400" rtl="0" eaLnBrk="1" latinLnBrk="0" hangingPunct="1">
-              <a:lnSpc>
-                <a:spcPct val="90000"/>
-              </a:lnSpc>
-              <a:spcBef>
-                <a:spcPts val="500"/>
-              </a:spcBef>
-              <a:buFont typeface="Arial" panose="020B0604020202020204" pitchFamily="34" charset="0"/>
-              <a:buChar char="•"/>
-              <a:defRPr sz="2000" kern="1200">
-                <a:solidFill>
-                  <a:schemeClr val="tx1"/>
-                </a:solidFill>
-                <a:latin typeface="+mn-lt"/>
-                <a:ea typeface="+mn-ea"/>
-                <a:cs typeface="+mn-cs"/>
-              </a:defRPr>
-            </a:lvl3pPr>
-            <a:lvl4pPr marL="1600200" indent="-228600" algn="l" defTabSz="914400" rtl="0" eaLnBrk="1" latinLnBrk="0" hangingPunct="1">
-              <a:lnSpc>
-                <a:spcPct val="90000"/>
-              </a:lnSpc>
-              <a:spcBef>
-                <a:spcPts val="500"/>
-              </a:spcBef>
-              <a:buFont typeface="Arial" panose="020B0604020202020204" pitchFamily="34" charset="0"/>
-              <a:buChar char="•"/>
-              <a:defRPr sz="1800" kern="1200">
-                <a:solidFill>
-                  <a:schemeClr val="tx1"/>
-                </a:solidFill>
-                <a:latin typeface="+mn-lt"/>
-                <a:ea typeface="+mn-ea"/>
-                <a:cs typeface="+mn-cs"/>
-              </a:defRPr>
-            </a:lvl4pPr>
-            <a:lvl5pPr marL="2057400" indent="-228600" algn="l" defTabSz="914400" rtl="0" eaLnBrk="1" latinLnBrk="0" hangingPunct="1">
-              <a:lnSpc>
-                <a:spcPct val="90000"/>
-              </a:lnSpc>
-              <a:spcBef>
-                <a:spcPts val="500"/>
-              </a:spcBef>
-              <a:buFont typeface="Arial" panose="020B0604020202020204" pitchFamily="34" charset="0"/>
-              <a:buChar char="•"/>
-              <a:defRPr sz="1800" kern="1200">
-                <a:solidFill>
-                  <a:schemeClr val="tx1"/>
-                </a:solidFill>
-                <a:latin typeface="+mn-lt"/>
-                <a:ea typeface="+mn-ea"/>
-                <a:cs typeface="+mn-cs"/>
-              </a:defRPr>
-            </a:lvl5pPr>
-            <a:lvl6pPr marL="2514600" indent="-228600" algn="l" defTabSz="914400" rtl="0" eaLnBrk="1" latinLnBrk="0" hangingPunct="1">
-              <a:lnSpc>
-                <a:spcPct val="90000"/>
-              </a:lnSpc>
-              <a:spcBef>
-                <a:spcPts val="500"/>
-              </a:spcBef>
-              <a:buFont typeface="Arial" panose="020B0604020202020204" pitchFamily="34" charset="0"/>
-              <a:buChar char="•"/>
-              <a:defRPr sz="1800" kern="1200">
-                <a:solidFill>
-                  <a:schemeClr val="tx1"/>
-                </a:solidFill>
-                <a:latin typeface="+mn-lt"/>
-                <a:ea typeface="+mn-ea"/>
-                <a:cs typeface="+mn-cs"/>
-              </a:defRPr>
-            </a:lvl6pPr>
-            <a:lvl7pPr marL="2971800" indent="-228600" algn="l" defTabSz="914400" rtl="0" eaLnBrk="1" latinLnBrk="0" hangingPunct="1">
-              <a:lnSpc>
-                <a:spcPct val="90000"/>
-              </a:lnSpc>
-              <a:spcBef>
-                <a:spcPts val="500"/>
-              </a:spcBef>
-              <a:buFont typeface="Arial" panose="020B0604020202020204" pitchFamily="34" charset="0"/>
-              <a:buChar char="•"/>
-              <a:defRPr sz="1800" kern="1200">
-                <a:solidFill>
-                  <a:schemeClr val="tx1"/>
-                </a:solidFill>
-                <a:latin typeface="+mn-lt"/>
-                <a:ea typeface="+mn-ea"/>
-                <a:cs typeface="+mn-cs"/>
-              </a:defRPr>
-            </a:lvl7pPr>
-            <a:lvl8pPr marL="3429000" indent="-228600" algn="l" defTabSz="914400" rtl="0" eaLnBrk="1" latinLnBrk="0" hangingPunct="1">
-              <a:lnSpc>
-                <a:spcPct val="90000"/>
-              </a:lnSpc>
-              <a:spcBef>
-                <a:spcPts val="500"/>
-              </a:spcBef>
-              <a:buFont typeface="Arial" panose="020B0604020202020204" pitchFamily="34" charset="0"/>
-              <a:buChar char="•"/>
-              <a:defRPr sz="1800" kern="1200">
-                <a:solidFill>
-                  <a:schemeClr val="tx1"/>
-                </a:solidFill>
-                <a:latin typeface="+mn-lt"/>
-                <a:ea typeface="+mn-ea"/>
-                <a:cs typeface="+mn-cs"/>
-              </a:defRPr>
-            </a:lvl8pPr>
-            <a:lvl9pPr marL="3886200" indent="-228600" algn="l" defTabSz="914400" rtl="0" eaLnBrk="1" latinLnBrk="0" hangingPunct="1">
-              <a:lnSpc>
-                <a:spcPct val="90000"/>
-              </a:lnSpc>
-              <a:spcBef>
-                <a:spcPts val="500"/>
-              </a:spcBef>
-              <a:buFont typeface="Arial" panose="020B0604020202020204" pitchFamily="34" charset="0"/>
-              <a:buChar char="•"/>
-              <a:defRPr sz="1800" kern="1200">
-                <a:solidFill>
-                  <a:schemeClr val="tx1"/>
-                </a:solidFill>
-                <a:latin typeface="+mn-lt"/>
-                <a:ea typeface="+mn-ea"/>
-                <a:cs typeface="+mn-cs"/>
-              </a:defRPr>
-            </a:lvl9pPr>
-          </a:lstStyle>
-          <a:p>
-            <a:r>
-              <a:rPr lang="en-US" sz="1600" dirty="0"/>
-              <a:t>16% of customers terminated their relationship with the bank</a:t>
-            </a:r>
-          </a:p>
-        </p:txBody>
-      </p:sp>
-    </p:spTree>
-    <p:extLst>
-      <p:ext uri="{BB962C8B-B14F-4D97-AF65-F5344CB8AC3E}">
-        <p14:creationId xmlns:p14="http://schemas.microsoft.com/office/powerpoint/2010/main" val="3266602803"/>
       </p:ext>
     </p:extLst>
   </p:cSld>
@@ -26650,6 +29523,43 @@
           </a:p>
         </p:txBody>
       </p:sp>
+      <p:pic>
+        <p:nvPicPr>
+          <p:cNvPr id="5" name="Content Placeholder 4" descr="Chart&#10;&#10;Description automatically generated">
+            <a:extLst>
+              <a:ext uri="{FF2B5EF4-FFF2-40B4-BE49-F238E27FC236}">
+                <a16:creationId xmlns:a16="http://schemas.microsoft.com/office/drawing/2014/main" id="{FBF8177E-7A24-4C4D-B48D-1D50431C6472}"/>
+              </a:ext>
+            </a:extLst>
+          </p:cNvPr>
+          <p:cNvPicPr>
+            <a:picLocks noGrp="1" noChangeAspect="1"/>
+          </p:cNvPicPr>
+          <p:nvPr>
+            <p:ph idx="1"/>
+          </p:nvPr>
+        </p:nvPicPr>
+        <p:blipFill rotWithShape="1">
+          <a:blip r:embed="rId2">
+            <a:extLst>
+              <a:ext uri="{28A0092B-C50C-407E-A947-70E740481C1C}">
+                <a14:useLocalDpi xmlns:a14="http://schemas.microsoft.com/office/drawing/2010/main" val="0"/>
+              </a:ext>
+            </a:extLst>
+          </a:blip>
+          <a:srcRect r="2254"/>
+          <a:stretch/>
+        </p:blipFill>
+        <p:spPr>
+          <a:xfrm>
+            <a:off x="4651853" y="1578827"/>
+            <a:ext cx="7540146" cy="3856989"/>
+          </a:xfrm>
+          <a:prstGeom prst="rect">
+            <a:avLst/>
+          </a:prstGeom>
+        </p:spPr>
+      </p:pic>
       <p:sp>
         <p:nvSpPr>
           <p:cNvPr id="2" name="Title 1">
@@ -26806,7 +29716,7 @@
             </a:extLst>
           </p:cNvPr>
           <p:cNvGrpSpPr>
-            <a:grpSpLocks noGrp="1" noUngrp="1" noRot="1" noChangeAspect="1" noMove="1" noResize="1"/>
+            <a:grpSpLocks/>
           </p:cNvGrpSpPr>
           <p:nvPr>
             <p:extLst>
@@ -26836,7 +29746,9 @@
                 </a:ext>
               </a:extLst>
             </p:cNvPr>
-            <p:cNvSpPr/>
+            <p:cNvSpPr>
+              <a:spLocks/>
+            </p:cNvSpPr>
             <p:nvPr>
               <p:extLst>
                 <p:ext uri="{386F3935-93C4-4BCD-93E2-E3B085C9AB24}">
@@ -26901,7 +29813,9 @@
                 </a:ext>
               </a:extLst>
             </p:cNvPr>
-            <p:cNvSpPr/>
+            <p:cNvSpPr>
+              <a:spLocks/>
+            </p:cNvSpPr>
             <p:nvPr>
               <p:extLst>
                 <p:ext uri="{386F3935-93C4-4BCD-93E2-E3B085C9AB24}">
@@ -26953,43 +29867,6 @@
           </p:txBody>
         </p:sp>
       </p:grpSp>
-      <p:pic>
-        <p:nvPicPr>
-          <p:cNvPr id="5" name="Content Placeholder 4" descr="Chart&#10;&#10;Description automatically generated">
-            <a:extLst>
-              <a:ext uri="{FF2B5EF4-FFF2-40B4-BE49-F238E27FC236}">
-                <a16:creationId xmlns:a16="http://schemas.microsoft.com/office/drawing/2014/main" id="{FBF8177E-7A24-4C4D-B48D-1D50431C6472}"/>
-              </a:ext>
-            </a:extLst>
-          </p:cNvPr>
-          <p:cNvPicPr>
-            <a:picLocks noGrp="1" noChangeAspect="1"/>
-          </p:cNvPicPr>
-          <p:nvPr>
-            <p:ph idx="1"/>
-          </p:nvPr>
-        </p:nvPicPr>
-        <p:blipFill rotWithShape="1">
-          <a:blip r:embed="rId2">
-            <a:extLst>
-              <a:ext uri="{28A0092B-C50C-407E-A947-70E740481C1C}">
-                <a14:useLocalDpi xmlns:a14="http://schemas.microsoft.com/office/drawing/2010/main" val="0"/>
-              </a:ext>
-            </a:extLst>
-          </a:blip>
-          <a:srcRect r="2254"/>
-          <a:stretch/>
-        </p:blipFill>
-        <p:spPr>
-          <a:xfrm>
-            <a:off x="4651853" y="1578827"/>
-            <a:ext cx="7540146" cy="3856989"/>
-          </a:xfrm>
-          <a:prstGeom prst="rect">
-            <a:avLst/>
-          </a:prstGeom>
-        </p:spPr>
-      </p:pic>
       <p:grpSp>
         <p:nvGrpSpPr>
           <p:cNvPr id="20" name="Group 19">
@@ -27003,7 +29880,7 @@
             </a:extLst>
           </p:cNvPr>
           <p:cNvGrpSpPr>
-            <a:grpSpLocks noGrp="1" noUngrp="1" noRot="1" noChangeAspect="1" noMove="1" noResize="1"/>
+            <a:grpSpLocks/>
           </p:cNvGrpSpPr>
           <p:nvPr>
             <p:extLst>
@@ -27033,7 +29910,9 @@
                 </a:ext>
               </a:extLst>
             </p:cNvPr>
-            <p:cNvSpPr/>
+            <p:cNvSpPr>
+              <a:spLocks/>
+            </p:cNvSpPr>
             <p:nvPr>
               <p:extLst>
                 <p:ext uri="{386F3935-93C4-4BCD-93E2-E3B085C9AB24}">
@@ -27096,7 +29975,9 @@
                 </a:ext>
               </a:extLst>
             </p:cNvPr>
-            <p:cNvSpPr/>
+            <p:cNvSpPr>
+              <a:spLocks/>
+            </p:cNvSpPr>
             <p:nvPr>
               <p:extLst>
                 <p:ext uri="{386F3935-93C4-4BCD-93E2-E3B085C9AB24}">
@@ -28399,6 +31280,49 @@
 </a:theme>
 </file>
 
+<file path=ppt/theme/themeOverride1.xml><?xml version="1.0" encoding="utf-8"?>
+<a:themeOverride xmlns:a="http://schemas.openxmlformats.org/drawingml/2006/main">
+  <a:clrScheme name="Office">
+    <a:dk1>
+      <a:sysClr val="windowText" lastClr="000000"/>
+    </a:dk1>
+    <a:lt1>
+      <a:sysClr val="window" lastClr="FFFFFF"/>
+    </a:lt1>
+    <a:dk2>
+      <a:srgbClr val="44546A"/>
+    </a:dk2>
+    <a:lt2>
+      <a:srgbClr val="E7E6E6"/>
+    </a:lt2>
+    <a:accent1>
+      <a:srgbClr val="4472C4"/>
+    </a:accent1>
+    <a:accent2>
+      <a:srgbClr val="ED7D31"/>
+    </a:accent2>
+    <a:accent3>
+      <a:srgbClr val="A5A5A5"/>
+    </a:accent3>
+    <a:accent4>
+      <a:srgbClr val="FFC000"/>
+    </a:accent4>
+    <a:accent5>
+      <a:srgbClr val="5B9BD5"/>
+    </a:accent5>
+    <a:accent6>
+      <a:srgbClr val="70AD47"/>
+    </a:accent6>
+    <a:hlink>
+      <a:srgbClr val="0563C1"/>
+    </a:hlink>
+    <a:folHlink>
+      <a:srgbClr val="954F72"/>
+    </a:folHlink>
+  </a:clrScheme>
+</a:themeOverride>
+</file>
+
 <file path=ppt/webextensions/taskpanes.xml><?xml version="1.0" encoding="utf-8"?>
 <wetp:taskpanes xmlns:wetp="http://schemas.microsoft.com/office/webextensions/taskpanes/2010/11">
   <wetp:taskpane dockstate="right" visibility="0" width="350" row="2">

--- a/presentation.pptx
+++ b/presentation.pptx
@@ -5,7 +5,7 @@
     <p:sldMasterId id="2147483648" r:id="rId1"/>
   </p:sldMasterIdLst>
   <p:notesMasterIdLst>
-    <p:notesMasterId r:id="rId21"/>
+    <p:notesMasterId r:id="rId22"/>
   </p:notesMasterIdLst>
   <p:sldIdLst>
     <p:sldId id="256" r:id="rId2"/>
@@ -26,7 +26,8 @@
     <p:sldId id="276" r:id="rId17"/>
     <p:sldId id="277" r:id="rId18"/>
     <p:sldId id="282" r:id="rId19"/>
-    <p:sldId id="284" r:id="rId20"/>
+    <p:sldId id="289" r:id="rId20"/>
+    <p:sldId id="284" r:id="rId21"/>
   </p:sldIdLst>
   <p:sldSz cx="12192000" cy="6858000"/>
   <p:notesSz cx="6858000" cy="9144000"/>
@@ -136,7 +137,7 @@
 <file path=ppt/revisionInfo.xml><?xml version="1.0" encoding="utf-8"?>
 <p1510:revInfo xmlns:a="http://schemas.openxmlformats.org/drawingml/2006/main" xmlns:r="http://schemas.openxmlformats.org/officeDocument/2006/relationships" xmlns:p1510="http://schemas.microsoft.com/office/powerpoint/2015/10/main">
   <p1510:revLst>
-    <p1510:client id="{B4F66AF7-A10F-4D64-B2E7-DA3083221450}" v="169" dt="2021-07-21T08:57:11.041"/>
+    <p1510:client id="{B4F66AF7-A10F-4D64-B2E7-DA3083221450}" v="179" dt="2021-07-21T23:52:12.271"/>
   </p1510:revLst>
 </p1510:revInfo>
 </file>
@@ -146,7 +147,7 @@
   <pc:docChgLst>
     <pc:chgData name="Tamjid Ahsan" userId="15c1a18861ae33e8" providerId="LiveId" clId="{B4F66AF7-A10F-4D64-B2E7-DA3083221450}"/>
     <pc:docChg chg="undo custSel addSld delSld modSld sldOrd">
-      <pc:chgData name="Tamjid Ahsan" userId="15c1a18861ae33e8" providerId="LiveId" clId="{B4F66AF7-A10F-4D64-B2E7-DA3083221450}" dt="2021-07-21T08:57:51.440" v="2710" actId="20577"/>
+      <pc:chgData name="Tamjid Ahsan" userId="15c1a18861ae33e8" providerId="LiveId" clId="{B4F66AF7-A10F-4D64-B2E7-DA3083221450}" dt="2021-07-22T00:00:58.558" v="2853"/>
       <pc:docMkLst>
         <pc:docMk/>
       </pc:docMkLst>
@@ -421,8 +422,8 @@
           </ac:grpSpMkLst>
         </pc:grpChg>
       </pc:sldChg>
-      <pc:sldChg chg="addSp modSp new mod setBg modNotesTx">
-        <pc:chgData name="Tamjid Ahsan" userId="15c1a18861ae33e8" providerId="LiveId" clId="{B4F66AF7-A10F-4D64-B2E7-DA3083221450}" dt="2021-07-19T09:16:57.402" v="2342"/>
+      <pc:sldChg chg="addSp modSp new mod modTransition setBg modNotesTx">
+        <pc:chgData name="Tamjid Ahsan" userId="15c1a18861ae33e8" providerId="LiveId" clId="{B4F66AF7-A10F-4D64-B2E7-DA3083221450}" dt="2021-07-21T23:53:15.689" v="2784"/>
         <pc:sldMkLst>
           <pc:docMk/>
           <pc:sldMk cId="2838051919" sldId="257"/>
@@ -460,8 +461,8 @@
           </ac:cxnSpMkLst>
         </pc:cxnChg>
       </pc:sldChg>
-      <pc:sldChg chg="addSp delSp modSp new mod setBg setClrOvrMap modNotesTx">
-        <pc:chgData name="Tamjid Ahsan" userId="15c1a18861ae33e8" providerId="LiveId" clId="{B4F66AF7-A10F-4D64-B2E7-DA3083221450}" dt="2021-07-21T03:51:34.913" v="2404" actId="20577"/>
+      <pc:sldChg chg="addSp delSp modSp new mod modTransition setBg setClrOvrMap modNotesTx">
+        <pc:chgData name="Tamjid Ahsan" userId="15c1a18861ae33e8" providerId="LiveId" clId="{B4F66AF7-A10F-4D64-B2E7-DA3083221450}" dt="2021-07-21T23:53:24.068" v="2785"/>
         <pc:sldMkLst>
           <pc:docMk/>
           <pc:sldMk cId="1785489686" sldId="258"/>
@@ -555,8 +556,8 @@
           </ac:picMkLst>
         </pc:picChg>
       </pc:sldChg>
-      <pc:sldChg chg="addSp delSp modSp new mod setBg">
-        <pc:chgData name="Tamjid Ahsan" userId="15c1a18861ae33e8" providerId="LiveId" clId="{B4F66AF7-A10F-4D64-B2E7-DA3083221450}" dt="2021-07-19T09:16:41.056" v="2335"/>
+      <pc:sldChg chg="addSp delSp modSp new mod modTransition setBg">
+        <pc:chgData name="Tamjid Ahsan" userId="15c1a18861ae33e8" providerId="LiveId" clId="{B4F66AF7-A10F-4D64-B2E7-DA3083221450}" dt="2021-07-21T23:53:46.180" v="2792"/>
         <pc:sldMkLst>
           <pc:docMk/>
           <pc:sldMk cId="3011956535" sldId="259"/>
@@ -786,8 +787,8 @@
           </ac:graphicFrameMkLst>
         </pc:graphicFrameChg>
       </pc:sldChg>
-      <pc:sldChg chg="addSp delSp modSp add mod setBg modNotesTx">
-        <pc:chgData name="Tamjid Ahsan" userId="15c1a18861ae33e8" providerId="LiveId" clId="{B4F66AF7-A10F-4D64-B2E7-DA3083221450}" dt="2021-07-21T08:50:47.209" v="2602" actId="113"/>
+      <pc:sldChg chg="addSp delSp modSp add mod modTransition setBg modNotesTx">
+        <pc:chgData name="Tamjid Ahsan" userId="15c1a18861ae33e8" providerId="LiveId" clId="{B4F66AF7-A10F-4D64-B2E7-DA3083221450}" dt="2021-07-21T23:58:01.745" v="2829"/>
         <pc:sldMkLst>
           <pc:docMk/>
           <pc:sldMk cId="2638182324" sldId="260"/>
@@ -881,8 +882,8 @@
           </ac:cxnSpMkLst>
         </pc:cxnChg>
       </pc:sldChg>
-      <pc:sldChg chg="addSp delSp modSp new mod ord setBg">
-        <pc:chgData name="Tamjid Ahsan" userId="15c1a18861ae33e8" providerId="LiveId" clId="{B4F66AF7-A10F-4D64-B2E7-DA3083221450}" dt="2021-07-21T08:57:51.440" v="2710" actId="20577"/>
+      <pc:sldChg chg="addSp delSp modSp new mod ord modTransition setBg">
+        <pc:chgData name="Tamjid Ahsan" userId="15c1a18861ae33e8" providerId="LiveId" clId="{B4F66AF7-A10F-4D64-B2E7-DA3083221450}" dt="2021-07-21T23:56:34.660" v="2815"/>
         <pc:sldMkLst>
           <pc:docMk/>
           <pc:sldMk cId="2610522644" sldId="261"/>
@@ -1094,8 +1095,8 @@
           </ac:cxnSpMkLst>
         </pc:cxnChg>
       </pc:sldChg>
-      <pc:sldChg chg="addSp modSp new mod setBg">
-        <pc:chgData name="Tamjid Ahsan" userId="15c1a18861ae33e8" providerId="LiveId" clId="{B4F66AF7-A10F-4D64-B2E7-DA3083221450}" dt="2021-07-19T02:44:52.978" v="1910" actId="26606"/>
+      <pc:sldChg chg="addSp modSp new mod modTransition setBg">
+        <pc:chgData name="Tamjid Ahsan" userId="15c1a18861ae33e8" providerId="LiveId" clId="{B4F66AF7-A10F-4D64-B2E7-DA3083221450}" dt="2021-07-21T23:59:10.808" v="2840"/>
         <pc:sldMkLst>
           <pc:docMk/>
           <pc:sldMk cId="1754732519" sldId="277"/>
@@ -1173,8 +1174,8 @@
           </ac:spMkLst>
         </pc:spChg>
       </pc:sldChg>
-      <pc:sldChg chg="addSp delSp modSp new mod ord setBg">
-        <pc:chgData name="Tamjid Ahsan" userId="15c1a18861ae33e8" providerId="LiveId" clId="{B4F66AF7-A10F-4D64-B2E7-DA3083221450}" dt="2021-07-21T08:28:56.487" v="2420"/>
+      <pc:sldChg chg="addSp delSp modSp new mod ord modTransition setBg">
+        <pc:chgData name="Tamjid Ahsan" userId="15c1a18861ae33e8" providerId="LiveId" clId="{B4F66AF7-A10F-4D64-B2E7-DA3083221450}" dt="2021-07-21T23:55:09.532" v="2803"/>
         <pc:sldMkLst>
           <pc:docMk/>
           <pc:sldMk cId="1108634628" sldId="278"/>
@@ -1276,8 +1277,8 @@
           </ac:picMkLst>
         </pc:picChg>
       </pc:sldChg>
-      <pc:sldChg chg="addSp delSp modSp new mod ord setBg">
-        <pc:chgData name="Tamjid Ahsan" userId="15c1a18861ae33e8" providerId="LiveId" clId="{B4F66AF7-A10F-4D64-B2E7-DA3083221450}" dt="2021-07-19T09:28:45.171" v="2399"/>
+      <pc:sldChg chg="addSp delSp modSp new mod ord modTransition setBg">
+        <pc:chgData name="Tamjid Ahsan" userId="15c1a18861ae33e8" providerId="LiveId" clId="{B4F66AF7-A10F-4D64-B2E7-DA3083221450}" dt="2021-07-21T23:54:40.087" v="2800"/>
         <pc:sldMkLst>
           <pc:docMk/>
           <pc:sldMk cId="3385092888" sldId="279"/>
@@ -1347,8 +1348,8 @@
           </ac:picMkLst>
         </pc:picChg>
       </pc:sldChg>
-      <pc:sldChg chg="addSp modSp add mod setBg modNotesTx">
-        <pc:chgData name="Tamjid Ahsan" userId="15c1a18861ae33e8" providerId="LiveId" clId="{B4F66AF7-A10F-4D64-B2E7-DA3083221450}" dt="2021-07-19T09:20:20.130" v="2370" actId="20577"/>
+      <pc:sldChg chg="addSp modSp add mod modTransition setBg modNotesTx">
+        <pc:chgData name="Tamjid Ahsan" userId="15c1a18861ae33e8" providerId="LiveId" clId="{B4F66AF7-A10F-4D64-B2E7-DA3083221450}" dt="2021-07-21T23:57:41.712" v="2826"/>
         <pc:sldMkLst>
           <pc:docMk/>
           <pc:sldMk cId="3425225707" sldId="280"/>
@@ -1466,8 +1467,8 @@
           </ac:picMkLst>
         </pc:picChg>
       </pc:sldChg>
-      <pc:sldChg chg="addSp delSp modSp new add del mod setBg">
-        <pc:chgData name="Tamjid Ahsan" userId="15c1a18861ae33e8" providerId="LiveId" clId="{B4F66AF7-A10F-4D64-B2E7-DA3083221450}" dt="2021-07-21T08:29:38.682" v="2425"/>
+      <pc:sldChg chg="addSp delSp modSp new add del mod modTransition setBg">
+        <pc:chgData name="Tamjid Ahsan" userId="15c1a18861ae33e8" providerId="LiveId" clId="{B4F66AF7-A10F-4D64-B2E7-DA3083221450}" dt="2021-07-21T23:55:00.289" v="2802"/>
         <pc:sldMkLst>
           <pc:docMk/>
           <pc:sldMk cId="972326610" sldId="281"/>
@@ -1608,8 +1609,8 @@
           </ac:spMkLst>
         </pc:spChg>
       </pc:sldChg>
-      <pc:sldChg chg="addSp delSp modSp new mod ord setBg">
-        <pc:chgData name="Tamjid Ahsan" userId="15c1a18861ae33e8" providerId="LiveId" clId="{B4F66AF7-A10F-4D64-B2E7-DA3083221450}" dt="2021-07-19T01:54:40.088" v="1495" actId="1036"/>
+      <pc:sldChg chg="addSp delSp modSp new mod ord modTransition setBg">
+        <pc:chgData name="Tamjid Ahsan" userId="15c1a18861ae33e8" providerId="LiveId" clId="{B4F66AF7-A10F-4D64-B2E7-DA3083221450}" dt="2021-07-22T00:00:58.558" v="2853"/>
         <pc:sldMkLst>
           <pc:docMk/>
           <pc:sldMk cId="2003205304" sldId="282"/>
@@ -1630,8 +1631,8 @@
             <ac:spMk id="3" creationId="{7894B6B1-ED85-4EFD-9973-6321C596336F}"/>
           </ac:spMkLst>
         </pc:spChg>
-        <pc:spChg chg="add">
-          <ac:chgData name="Tamjid Ahsan" userId="15c1a18861ae33e8" providerId="LiveId" clId="{B4F66AF7-A10F-4D64-B2E7-DA3083221450}" dt="2021-07-19T01:53:44.900" v="1445" actId="26606"/>
+        <pc:spChg chg="add mod">
+          <ac:chgData name="Tamjid Ahsan" userId="15c1a18861ae33e8" providerId="LiveId" clId="{B4F66AF7-A10F-4D64-B2E7-DA3083221450}" dt="2021-07-21T23:49:34.046" v="2743"/>
           <ac:spMkLst>
             <pc:docMk/>
             <pc:sldMk cId="2003205304" sldId="282"/>
@@ -1647,8 +1648,8 @@
           </ac:picMkLst>
         </pc:picChg>
       </pc:sldChg>
-      <pc:sldChg chg="addSp delSp modSp new mod ord setBg">
-        <pc:chgData name="Tamjid Ahsan" userId="15c1a18861ae33e8" providerId="LiveId" clId="{B4F66AF7-A10F-4D64-B2E7-DA3083221450}" dt="2021-07-21T08:30:01.676" v="2430" actId="1076"/>
+      <pc:sldChg chg="addSp delSp modSp new mod ord modTransition setBg">
+        <pc:chgData name="Tamjid Ahsan" userId="15c1a18861ae33e8" providerId="LiveId" clId="{B4F66AF7-A10F-4D64-B2E7-DA3083221450}" dt="2021-07-21T23:54:54.270" v="2801"/>
         <pc:sldMkLst>
           <pc:docMk/>
           <pc:sldMk cId="3266602803" sldId="283"/>
@@ -1758,8 +1759,8 @@
           </ac:cxnSpMkLst>
         </pc:cxnChg>
       </pc:sldChg>
-      <pc:sldChg chg="addSp delSp modSp new mod ord setBg">
-        <pc:chgData name="Tamjid Ahsan" userId="15c1a18861ae33e8" providerId="LiveId" clId="{B4F66AF7-A10F-4D64-B2E7-DA3083221450}" dt="2021-07-19T09:22:13.403" v="2371" actId="1076"/>
+      <pc:sldChg chg="addSp delSp modSp new mod ord modTransition setBg">
+        <pc:chgData name="Tamjid Ahsan" userId="15c1a18861ae33e8" providerId="LiveId" clId="{B4F66AF7-A10F-4D64-B2E7-DA3083221450}" dt="2021-07-22T00:00:50.090" v="2851"/>
         <pc:sldMkLst>
           <pc:docMk/>
           <pc:sldMk cId="746939195" sldId="284"/>
@@ -1821,8 +1822,8 @@
           </ac:picMkLst>
         </pc:picChg>
       </pc:sldChg>
-      <pc:sldChg chg="addSp delSp modSp new mod">
-        <pc:chgData name="Tamjid Ahsan" userId="15c1a18861ae33e8" providerId="LiveId" clId="{B4F66AF7-A10F-4D64-B2E7-DA3083221450}" dt="2021-07-21T08:44:14.261" v="2516" actId="20577"/>
+      <pc:sldChg chg="addSp delSp modSp new mod modTransition">
+        <pc:chgData name="Tamjid Ahsan" userId="15c1a18861ae33e8" providerId="LiveId" clId="{B4F66AF7-A10F-4D64-B2E7-DA3083221450}" dt="2021-07-21T23:57:54.829" v="2827"/>
         <pc:sldMkLst>
           <pc:docMk/>
           <pc:sldMk cId="2110126101" sldId="285"/>
@@ -1980,8 +1981,8 @@
           </ac:cxnSpMkLst>
         </pc:cxnChg>
       </pc:sldChg>
-      <pc:sldChg chg="addSp delSp modSp add mod">
-        <pc:chgData name="Tamjid Ahsan" userId="15c1a18861ae33e8" providerId="LiveId" clId="{B4F66AF7-A10F-4D64-B2E7-DA3083221450}" dt="2021-07-19T03:07:17.782" v="2138" actId="20577"/>
+      <pc:sldChg chg="addSp delSp modSp add mod modTransition">
+        <pc:chgData name="Tamjid Ahsan" userId="15c1a18861ae33e8" providerId="LiveId" clId="{B4F66AF7-A10F-4D64-B2E7-DA3083221450}" dt="2021-07-21T23:55:52.477" v="2808"/>
         <pc:sldMkLst>
           <pc:docMk/>
           <pc:sldMk cId="2091684064" sldId="286"/>
@@ -2115,8 +2116,8 @@
           </ac:picMkLst>
         </pc:picChg>
       </pc:sldChg>
-      <pc:sldChg chg="addSp delSp modSp add del mod">
-        <pc:chgData name="Tamjid Ahsan" userId="15c1a18861ae33e8" providerId="LiveId" clId="{B4F66AF7-A10F-4D64-B2E7-DA3083221450}" dt="2021-07-19T03:11:14.879" v="2297" actId="26606"/>
+      <pc:sldChg chg="addSp delSp modSp add del mod modTransition">
+        <pc:chgData name="Tamjid Ahsan" userId="15c1a18861ae33e8" providerId="LiveId" clId="{B4F66AF7-A10F-4D64-B2E7-DA3083221450}" dt="2021-07-21T23:56:04.248" v="2809"/>
         <pc:sldMkLst>
           <pc:docMk/>
           <pc:sldMk cId="362214767" sldId="287"/>
@@ -2201,8 +2202,8 @@
           </ac:spMkLst>
         </pc:spChg>
       </pc:sldChg>
-      <pc:sldChg chg="addSp delSp modSp add mod ord">
-        <pc:chgData name="Tamjid Ahsan" userId="15c1a18861ae33e8" providerId="LiveId" clId="{B4F66AF7-A10F-4D64-B2E7-DA3083221450}" dt="2021-07-19T03:06:05.701" v="2090" actId="26606"/>
+      <pc:sldChg chg="addSp delSp modSp add mod ord modTransition">
+        <pc:chgData name="Tamjid Ahsan" userId="15c1a18861ae33e8" providerId="LiveId" clId="{B4F66AF7-A10F-4D64-B2E7-DA3083221450}" dt="2021-07-21T23:55:32.879" v="2805"/>
         <pc:sldMkLst>
           <pc:docMk/>
           <pc:sldMk cId="1086857669" sldId="288"/>
@@ -2390,6 +2391,45 @@
           <pc:docMk/>
           <pc:sldMk cId="1095859241" sldId="289"/>
         </pc:sldMkLst>
+      </pc:sldChg>
+      <pc:sldChg chg="addSp delSp modSp new add del mod modTransition">
+        <pc:chgData name="Tamjid Ahsan" userId="15c1a18861ae33e8" providerId="LiveId" clId="{B4F66AF7-A10F-4D64-B2E7-DA3083221450}" dt="2021-07-22T00:00:14.782" v="2849"/>
+        <pc:sldMkLst>
+          <pc:docMk/>
+          <pc:sldMk cId="3887325617" sldId="289"/>
+        </pc:sldMkLst>
+        <pc:spChg chg="mod ord">
+          <ac:chgData name="Tamjid Ahsan" userId="15c1a18861ae33e8" providerId="LiveId" clId="{B4F66AF7-A10F-4D64-B2E7-DA3083221450}" dt="2021-07-21T23:50:46.447" v="2753" actId="255"/>
+          <ac:spMkLst>
+            <pc:docMk/>
+            <pc:sldMk cId="3887325617" sldId="289"/>
+            <ac:spMk id="2" creationId="{E0D98EF3-4B33-4487-BAF1-F2C0E9CB3480}"/>
+          </ac:spMkLst>
+        </pc:spChg>
+        <pc:spChg chg="add mod modVis">
+          <ac:chgData name="Tamjid Ahsan" userId="15c1a18861ae33e8" providerId="LiveId" clId="{B4F66AF7-A10F-4D64-B2E7-DA3083221450}" dt="2021-07-21T23:50:01.918" v="2749" actId="14429"/>
+          <ac:spMkLst>
+            <pc:docMk/>
+            <pc:sldMk cId="3887325617" sldId="289"/>
+            <ac:spMk id="5" creationId="{0835FA2D-3B48-4F3D-943F-751E97D43690}"/>
+          </ac:spMkLst>
+        </pc:spChg>
+        <pc:graphicFrameChg chg="del">
+          <ac:chgData name="Tamjid Ahsan" userId="15c1a18861ae33e8" providerId="LiveId" clId="{B4F66AF7-A10F-4D64-B2E7-DA3083221450}" dt="2021-07-21T23:41:05.066" v="2713" actId="478"/>
+          <ac:graphicFrameMkLst>
+            <pc:docMk/>
+            <pc:sldMk cId="3887325617" sldId="289"/>
+            <ac:graphicFrameMk id="4" creationId="{116BD76C-286D-426D-AE06-EBDE54750EC2}"/>
+          </ac:graphicFrameMkLst>
+        </pc:graphicFrameChg>
+        <pc:graphicFrameChg chg="mod modGraphic">
+          <ac:chgData name="Tamjid Ahsan" userId="15c1a18861ae33e8" providerId="LiveId" clId="{B4F66AF7-A10F-4D64-B2E7-DA3083221450}" dt="2021-07-21T23:52:40.012" v="2783" actId="122"/>
+          <ac:graphicFrameMkLst>
+            <pc:docMk/>
+            <pc:sldMk cId="3887325617" sldId="289"/>
+            <ac:graphicFrameMk id="4" creationId="{753C7E3B-9307-48B1-B6B2-4EC55DCC3F7D}"/>
+          </ac:graphicFrameMkLst>
+        </pc:graphicFrameChg>
       </pc:sldChg>
     </pc:docChg>
   </pc:docChgLst>
@@ -14667,6 +14707,18 @@
   <p:clrMapOvr>
     <a:masterClrMapping/>
   </p:clrMapOvr>
+  <mc:AlternateContent xmlns:mc="http://schemas.openxmlformats.org/markup-compatibility/2006">
+    <mc:Choice xmlns:p14="http://schemas.microsoft.com/office/powerpoint/2010/main" Requires="p14">
+      <p:transition spd="slow" p14:dur="1200">
+        <p14:prism/>
+      </p:transition>
+    </mc:Choice>
+    <mc:Fallback>
+      <p:transition spd="slow">
+        <p:fade/>
+      </p:transition>
+    </mc:Fallback>
+  </mc:AlternateContent>
 </p:sld>
 </file>
 
@@ -15313,6 +15365,18 @@
   <p:clrMapOvr>
     <a:masterClrMapping/>
   </p:clrMapOvr>
+  <mc:AlternateContent xmlns:mc="http://schemas.openxmlformats.org/markup-compatibility/2006">
+    <mc:Choice xmlns:p14="http://schemas.microsoft.com/office/powerpoint/2010/main" Requires="p14">
+      <p:transition spd="slow" p14:dur="1200">
+        <p14:prism/>
+      </p:transition>
+    </mc:Choice>
+    <mc:Fallback>
+      <p:transition spd="slow">
+        <p:fade/>
+      </p:transition>
+    </mc:Fallback>
+  </mc:AlternateContent>
 </p:sld>
 </file>
 
@@ -16345,6 +16409,18 @@
   <p:clrMapOvr>
     <a:masterClrMapping/>
   </p:clrMapOvr>
+  <mc:AlternateContent xmlns:mc="http://schemas.openxmlformats.org/markup-compatibility/2006">
+    <mc:Choice xmlns:p14="http://schemas.microsoft.com/office/powerpoint/2010/main" Requires="p14">
+      <p:transition spd="slow" p14:dur="900">
+        <p14:warp/>
+      </p:transition>
+    </mc:Choice>
+    <mc:Fallback>
+      <p:transition spd="slow">
+        <p:fade/>
+      </p:transition>
+    </mc:Fallback>
+  </mc:AlternateContent>
 </p:sld>
 </file>
 
@@ -22974,6 +23050,18 @@
   <p:clrMapOvr>
     <a:masterClrMapping/>
   </p:clrMapOvr>
+  <mc:AlternateContent xmlns:mc="http://schemas.openxmlformats.org/markup-compatibility/2006">
+    <mc:Choice xmlns:p14="http://schemas.microsoft.com/office/powerpoint/2010/main" Requires="p14">
+      <p:transition spd="slow" p14:dur="2500">
+        <p:checker/>
+      </p:transition>
+    </mc:Choice>
+    <mc:Fallback>
+      <p:transition spd="slow">
+        <p:checker/>
+      </p:transition>
+    </mc:Fallback>
+  </mc:AlternateContent>
 </p:sld>
 </file>
 
@@ -24108,6 +24196,9 @@
   <p:clrMapOvr>
     <a:masterClrMapping/>
   </p:clrMapOvr>
+  <p:transition spd="med">
+    <p:pull/>
+  </p:transition>
 </p:sld>
 </file>
 
@@ -24532,6 +24623,9 @@
   <p:clrMapOvr>
     <a:masterClrMapping/>
   </p:clrMapOvr>
+  <p:transition spd="slow">
+    <p:cover/>
+  </p:transition>
 </p:sld>
 </file>
 
@@ -25878,6 +25972,18 @@
   <p:clrMapOvr>
     <a:masterClrMapping/>
   </p:clrMapOvr>
+  <mc:AlternateContent xmlns:mc="http://schemas.openxmlformats.org/markup-compatibility/2006">
+    <mc:Choice xmlns:p14="http://schemas.microsoft.com/office/powerpoint/2010/main" Requires="p14">
+      <p:transition spd="slow" p14:dur="4000">
+        <p14:vortex dir="r"/>
+      </p:transition>
+    </mc:Choice>
+    <mc:Fallback>
+      <p:transition spd="slow">
+        <p:fade/>
+      </p:transition>
+    </mc:Fallback>
+  </mc:AlternateContent>
 </p:sld>
 </file>
 
@@ -25919,7 +26025,7 @@
             </a:extLst>
           </p:cNvPr>
           <p:cNvSpPr>
-            <a:spLocks noGrp="1" noRot="1" noChangeAspect="1" noMove="1" noResize="1" noEditPoints="1" noAdjustHandles="1" noChangeArrowheads="1" noChangeShapeType="1" noTextEdit="1"/>
+            <a:spLocks/>
           </p:cNvSpPr>
           <p:nvPr>
             <p:extLst>
@@ -25999,7 +26105,7 @@
           <a:p>
             <a:pPr algn="ctr"/>
             <a:r>
-              <a:rPr lang="en-US" sz="3200" kern="1200">
+              <a:rPr lang="en-US" sz="3200" kern="1200" dirty="0">
                 <a:solidFill>
                   <a:schemeClr val="bg1"/>
                 </a:solidFill>
@@ -26059,20 +26165,24 @@
   <p:clrMapOvr>
     <a:masterClrMapping/>
   </p:clrMapOvr>
+  <mc:AlternateContent xmlns:mc="http://schemas.openxmlformats.org/markup-compatibility/2006">
+    <mc:Choice xmlns:p14="http://schemas.microsoft.com/office/powerpoint/2010/main" Requires="p14">
+      <p:transition spd="slow" p14:dur="1600">
+        <p14:prism isContent="1" isInverted="1"/>
+      </p:transition>
+    </mc:Choice>
+    <mc:Fallback>
+      <p:transition spd="slow">
+        <p:fade/>
+      </p:transition>
+    </mc:Fallback>
+  </mc:AlternateContent>
 </p:sld>
 </file>
 
 <file path=ppt/slides/slide19.xml><?xml version="1.0" encoding="utf-8"?>
 <p:sld xmlns:a="http://schemas.openxmlformats.org/drawingml/2006/main" xmlns:r="http://schemas.openxmlformats.org/officeDocument/2006/relationships" xmlns:p="http://schemas.openxmlformats.org/presentationml/2006/main">
   <p:cSld>
-    <p:bg>
-      <p:bgPr>
-        <a:solidFill>
-          <a:srgbClr val="232323"/>
-        </a:solidFill>
-        <a:effectLst/>
-      </p:bgPr>
-    </p:bg>
     <p:spTree>
       <p:nvGrpSpPr>
         <p:cNvPr id="1" name=""/>
@@ -26087,12 +26197,5398 @@
           <a:chExt cx="0" cy="0"/>
         </a:xfrm>
       </p:grpSpPr>
-      <p:sp useBgFill="1">
-        <p:nvSpPr>
-          <p:cNvPr id="15" name="Rectangle 14">
+      <p:graphicFrame>
+        <p:nvGraphicFramePr>
+          <p:cNvPr id="4" name="Table 3">
             <a:extLst>
               <a:ext uri="{FF2B5EF4-FFF2-40B4-BE49-F238E27FC236}">
-                <a16:creationId xmlns:a16="http://schemas.microsoft.com/office/drawing/2014/main" id="{70155189-D96C-4527-B0EC-654B946BE615}"/>
+                <a16:creationId xmlns:a16="http://schemas.microsoft.com/office/drawing/2014/main" id="{753C7E3B-9307-48B1-B6B2-4EC55DCC3F7D}"/>
+              </a:ext>
+            </a:extLst>
+          </p:cNvPr>
+          <p:cNvGraphicFramePr/>
+          <p:nvPr>
+            <p:extLst>
+              <p:ext uri="{D42A27DB-BD31-4B8C-83A1-F6EECF244321}">
+                <p14:modId xmlns:p14="http://schemas.microsoft.com/office/powerpoint/2010/main" val="2958784490"/>
+              </p:ext>
+            </p:extLst>
+          </p:nvPr>
+        </p:nvGraphicFramePr>
+        <p:xfrm>
+          <a:off x="116541" y="1530043"/>
+          <a:ext cx="11967882" cy="5088040"/>
+        </p:xfrm>
+        <a:graphic>
+          <a:graphicData uri="http://schemas.openxmlformats.org/drawingml/2006/table">
+            <a:tbl>
+              <a:tblPr firstRow="1" firstCol="1" lastCol="1" bandRow="1">
+                <a:tableStyleId>{8EC20E35-A176-4012-BC5E-935CFFF8708E}</a:tableStyleId>
+              </a:tblPr>
+              <a:tblGrid>
+                <a:gridCol w="1222167">
+                  <a:extLst>
+                    <a:ext uri="{9D8B030D-6E8A-4147-A177-3AD203B41FA5}">
+                      <a16:colId xmlns:a16="http://schemas.microsoft.com/office/drawing/2014/main" val="2203394092"/>
+                    </a:ext>
+                  </a:extLst>
+                </a:gridCol>
+                <a:gridCol w="1115310">
+                  <a:extLst>
+                    <a:ext uri="{9D8B030D-6E8A-4147-A177-3AD203B41FA5}">
+                      <a16:colId xmlns:a16="http://schemas.microsoft.com/office/drawing/2014/main" val="2232761739"/>
+                    </a:ext>
+                  </a:extLst>
+                </a:gridCol>
+                <a:gridCol w="1061883">
+                  <a:extLst>
+                    <a:ext uri="{9D8B030D-6E8A-4147-A177-3AD203B41FA5}">
+                      <a16:colId xmlns:a16="http://schemas.microsoft.com/office/drawing/2014/main" val="1504412931"/>
+                    </a:ext>
+                  </a:extLst>
+                </a:gridCol>
+                <a:gridCol w="1718602">
+                  <a:extLst>
+                    <a:ext uri="{9D8B030D-6E8A-4147-A177-3AD203B41FA5}">
+                      <a16:colId xmlns:a16="http://schemas.microsoft.com/office/drawing/2014/main" val="376502948"/>
+                    </a:ext>
+                  </a:extLst>
+                </a:gridCol>
+                <a:gridCol w="1718602">
+                  <a:extLst>
+                    <a:ext uri="{9D8B030D-6E8A-4147-A177-3AD203B41FA5}">
+                      <a16:colId xmlns:a16="http://schemas.microsoft.com/office/drawing/2014/main" val="2230706673"/>
+                    </a:ext>
+                  </a:extLst>
+                </a:gridCol>
+                <a:gridCol w="1729733">
+                  <a:extLst>
+                    <a:ext uri="{9D8B030D-6E8A-4147-A177-3AD203B41FA5}">
+                      <a16:colId xmlns:a16="http://schemas.microsoft.com/office/drawing/2014/main" val="1605650558"/>
+                    </a:ext>
+                  </a:extLst>
+                </a:gridCol>
+                <a:gridCol w="436328">
+                  <a:extLst>
+                    <a:ext uri="{9D8B030D-6E8A-4147-A177-3AD203B41FA5}">
+                      <a16:colId xmlns:a16="http://schemas.microsoft.com/office/drawing/2014/main" val="3759680136"/>
+                    </a:ext>
+                  </a:extLst>
+                </a:gridCol>
+                <a:gridCol w="2965257">
+                  <a:extLst>
+                    <a:ext uri="{9D8B030D-6E8A-4147-A177-3AD203B41FA5}">
+                      <a16:colId xmlns:a16="http://schemas.microsoft.com/office/drawing/2014/main" val="2115515576"/>
+                    </a:ext>
+                  </a:extLst>
+                </a:gridCol>
+              </a:tblGrid>
+              <a:tr h="254402">
+                <a:tc>
+                  <a:txBody>
+                    <a:bodyPr/>
+                    <a:lstStyle/>
+                    <a:p>
+                      <a:pPr algn="ctr" fontAlgn="b">
+                        <a:spcBef>
+                          <a:spcPts val="0"/>
+                        </a:spcBef>
+                        <a:spcAft>
+                          <a:spcPts val="0"/>
+                        </a:spcAft>
+                      </a:pPr>
+                      <a:r>
+                        <a:rPr lang="en-US" sz="1050" b="1" u="none" strike="noStrike" dirty="0">
+                          <a:effectLst/>
+                        </a:rPr>
+                        <a:t>  Variable  </a:t>
+                      </a:r>
+                      <a:endParaRPr lang="en-US" sz="1800" b="1" i="0" u="none" strike="noStrike" dirty="0">
+                        <a:effectLst/>
+                        <a:latin typeface="Arial" panose="020B0604020202020204" pitchFamily="34" charset="0"/>
+                      </a:endParaRPr>
+                    </a:p>
+                  </a:txBody>
+                  <a:tcPr marL="5872" marR="5872" marT="5872" marB="0" anchor="ctr">
+                    <a:cell3D prstMaterial="dkEdge">
+                      <a:bevel w="25400" h="25400" prst="angle"/>
+                      <a:lightRig rig="flood" dir="t"/>
+                    </a:cell3D>
+                  </a:tcPr>
+                </a:tc>
+                <a:tc>
+                  <a:txBody>
+                    <a:bodyPr/>
+                    <a:lstStyle/>
+                    <a:p>
+                      <a:pPr algn="ctr" fontAlgn="b">
+                        <a:spcBef>
+                          <a:spcPts val="0"/>
+                        </a:spcBef>
+                        <a:spcAft>
+                          <a:spcPts val="0"/>
+                        </a:spcAft>
+                      </a:pPr>
+                      <a:r>
+                        <a:rPr lang="en-US" sz="1050" b="1" u="none" strike="noStrike" dirty="0">
+                          <a:effectLst/>
+                        </a:rPr>
+                        <a:t> Cluster 0 </a:t>
+                      </a:r>
+                      <a:endParaRPr lang="en-US" sz="1800" b="1" i="0" u="none" strike="noStrike" dirty="0">
+                        <a:effectLst/>
+                        <a:latin typeface="Arial" panose="020B0604020202020204" pitchFamily="34" charset="0"/>
+                      </a:endParaRPr>
+                    </a:p>
+                  </a:txBody>
+                  <a:tcPr marL="5872" marR="5872" marT="5872" marB="0" anchor="ctr">
+                    <a:cell3D prstMaterial="dkEdge">
+                      <a:bevel w="25400" h="25400" prst="angle"/>
+                      <a:lightRig rig="flood" dir="t"/>
+                    </a:cell3D>
+                  </a:tcPr>
+                </a:tc>
+                <a:tc>
+                  <a:txBody>
+                    <a:bodyPr/>
+                    <a:lstStyle/>
+                    <a:p>
+                      <a:pPr algn="ctr" fontAlgn="b">
+                        <a:spcBef>
+                          <a:spcPts val="0"/>
+                        </a:spcBef>
+                        <a:spcAft>
+                          <a:spcPts val="0"/>
+                        </a:spcAft>
+                      </a:pPr>
+                      <a:r>
+                        <a:rPr lang="en-US" sz="1050" b="1" u="none" strike="noStrike" dirty="0">
+                          <a:effectLst/>
+                        </a:rPr>
+                        <a:t> Cluster 1 </a:t>
+                      </a:r>
+                      <a:endParaRPr lang="en-US" sz="1800" b="1" i="0" u="none" strike="noStrike" dirty="0">
+                        <a:effectLst/>
+                        <a:latin typeface="Arial" panose="020B0604020202020204" pitchFamily="34" charset="0"/>
+                      </a:endParaRPr>
+                    </a:p>
+                  </a:txBody>
+                  <a:tcPr marL="5872" marR="5872" marT="5872" marB="0" anchor="ctr">
+                    <a:cell3D prstMaterial="dkEdge">
+                      <a:bevel w="25400" h="25400" prst="angle"/>
+                      <a:lightRig rig="flood" dir="t"/>
+                    </a:cell3D>
+                  </a:tcPr>
+                </a:tc>
+                <a:tc>
+                  <a:txBody>
+                    <a:bodyPr/>
+                    <a:lstStyle/>
+                    <a:p>
+                      <a:pPr algn="ctr" fontAlgn="b">
+                        <a:spcBef>
+                          <a:spcPts val="0"/>
+                        </a:spcBef>
+                        <a:spcAft>
+                          <a:spcPts val="0"/>
+                        </a:spcAft>
+                      </a:pPr>
+                      <a:r>
+                        <a:rPr lang="en-US" sz="1050" b="1" u="none" strike="noStrike" dirty="0">
+                          <a:effectLst/>
+                        </a:rPr>
+                        <a:t> Cluster 2 </a:t>
+                      </a:r>
+                      <a:endParaRPr lang="en-US" sz="1800" b="1" i="0" u="none" strike="noStrike" dirty="0">
+                        <a:effectLst/>
+                        <a:latin typeface="Arial" panose="020B0604020202020204" pitchFamily="34" charset="0"/>
+                      </a:endParaRPr>
+                    </a:p>
+                  </a:txBody>
+                  <a:tcPr marL="5872" marR="5872" marT="5872" marB="0" anchor="ctr">
+                    <a:cell3D prstMaterial="dkEdge">
+                      <a:bevel w="25400" h="25400" prst="angle"/>
+                      <a:lightRig rig="flood" dir="t"/>
+                    </a:cell3D>
+                  </a:tcPr>
+                </a:tc>
+                <a:tc>
+                  <a:txBody>
+                    <a:bodyPr/>
+                    <a:lstStyle/>
+                    <a:p>
+                      <a:pPr algn="ctr" fontAlgn="b">
+                        <a:spcBef>
+                          <a:spcPts val="0"/>
+                        </a:spcBef>
+                        <a:spcAft>
+                          <a:spcPts val="0"/>
+                        </a:spcAft>
+                      </a:pPr>
+                      <a:r>
+                        <a:rPr lang="en-US" sz="1050" b="1" u="none" strike="noStrike" dirty="0">
+                          <a:effectLst/>
+                        </a:rPr>
+                        <a:t> Cluster 3 </a:t>
+                      </a:r>
+                      <a:endParaRPr lang="en-US" sz="1800" b="1" i="0" u="none" strike="noStrike" dirty="0">
+                        <a:effectLst/>
+                        <a:latin typeface="Arial" panose="020B0604020202020204" pitchFamily="34" charset="0"/>
+                      </a:endParaRPr>
+                    </a:p>
+                  </a:txBody>
+                  <a:tcPr marL="5872" marR="5872" marT="5872" marB="0" anchor="ctr">
+                    <a:cell3D prstMaterial="dkEdge">
+                      <a:bevel w="25400" h="25400" prst="angle"/>
+                      <a:lightRig rig="flood" dir="t"/>
+                    </a:cell3D>
+                  </a:tcPr>
+                </a:tc>
+                <a:tc>
+                  <a:txBody>
+                    <a:bodyPr/>
+                    <a:lstStyle/>
+                    <a:p>
+                      <a:pPr algn="ctr" fontAlgn="b">
+                        <a:spcBef>
+                          <a:spcPts val="0"/>
+                        </a:spcBef>
+                        <a:spcAft>
+                          <a:spcPts val="0"/>
+                        </a:spcAft>
+                      </a:pPr>
+                      <a:r>
+                        <a:rPr lang="en-US" sz="1050" b="1" u="none" strike="noStrike" dirty="0">
+                          <a:effectLst/>
+                        </a:rPr>
+                        <a:t> Cluster 4 </a:t>
+                      </a:r>
+                      <a:endParaRPr lang="en-US" sz="1800" b="1" i="0" u="none" strike="noStrike" dirty="0">
+                        <a:effectLst/>
+                        <a:latin typeface="Arial" panose="020B0604020202020204" pitchFamily="34" charset="0"/>
+                      </a:endParaRPr>
+                    </a:p>
+                  </a:txBody>
+                  <a:tcPr marL="5872" marR="5872" marT="5872" marB="0" anchor="ctr">
+                    <a:cell3D prstMaterial="dkEdge">
+                      <a:bevel w="25400" h="25400" prst="angle"/>
+                      <a:lightRig rig="flood" dir="t"/>
+                    </a:cell3D>
+                  </a:tcPr>
+                </a:tc>
+                <a:tc>
+                  <a:txBody>
+                    <a:bodyPr/>
+                    <a:lstStyle/>
+                    <a:p>
+                      <a:pPr algn="ctr" fontAlgn="b">
+                        <a:spcBef>
+                          <a:spcPts val="0"/>
+                        </a:spcBef>
+                        <a:spcAft>
+                          <a:spcPts val="0"/>
+                        </a:spcAft>
+                      </a:pPr>
+                      <a:r>
+                        <a:rPr lang="en-US" sz="1050" b="1" u="none" strike="noStrike" dirty="0">
+                          <a:effectLst/>
+                        </a:rPr>
+                        <a:t> Churn </a:t>
+                      </a:r>
+                      <a:endParaRPr lang="en-US" sz="1800" b="1" i="0" u="none" strike="noStrike" dirty="0">
+                        <a:effectLst/>
+                        <a:latin typeface="Arial" panose="020B0604020202020204" pitchFamily="34" charset="0"/>
+                      </a:endParaRPr>
+                    </a:p>
+                  </a:txBody>
+                  <a:tcPr marL="5872" marR="5872" marT="5872" marB="0" anchor="ctr">
+                    <a:cell3D prstMaterial="dkEdge">
+                      <a:bevel w="25400" h="25400" prst="angle"/>
+                      <a:lightRig rig="flood" dir="t"/>
+                    </a:cell3D>
+                  </a:tcPr>
+                </a:tc>
+                <a:tc>
+                  <a:txBody>
+                    <a:bodyPr/>
+                    <a:lstStyle/>
+                    <a:p>
+                      <a:pPr algn="ctr" fontAlgn="b">
+                        <a:spcBef>
+                          <a:spcPts val="0"/>
+                        </a:spcBef>
+                        <a:spcAft>
+                          <a:spcPts val="0"/>
+                        </a:spcAft>
+                      </a:pPr>
+                      <a:r>
+                        <a:rPr lang="en-US" sz="1050" b="1" u="none" strike="noStrike" dirty="0">
+                          <a:effectLst/>
+                        </a:rPr>
+                        <a:t> Comment </a:t>
+                      </a:r>
+                      <a:endParaRPr lang="en-US" sz="1800" b="1" i="0" u="none" strike="noStrike" dirty="0">
+                        <a:effectLst/>
+                        <a:latin typeface="Arial" panose="020B0604020202020204" pitchFamily="34" charset="0"/>
+                      </a:endParaRPr>
+                    </a:p>
+                  </a:txBody>
+                  <a:tcPr marL="5872" marR="5872" marT="5872" marB="0" anchor="ctr">
+                    <a:cell3D prstMaterial="dkEdge">
+                      <a:bevel w="25400" h="25400" prst="angle"/>
+                      <a:lightRig rig="flood" dir="t"/>
+                    </a:cell3D>
+                  </a:tcPr>
+                </a:tc>
+                <a:extLst>
+                  <a:ext uri="{0D108BD9-81ED-4DB2-BD59-A6C34878D82A}">
+                    <a16:rowId xmlns:a16="http://schemas.microsoft.com/office/drawing/2014/main" val="2334350352"/>
+                  </a:ext>
+                </a:extLst>
+              </a:tr>
+              <a:tr h="254402">
+                <a:tc>
+                  <a:txBody>
+                    <a:bodyPr/>
+                    <a:lstStyle/>
+                    <a:p>
+                      <a:pPr algn="l" fontAlgn="b">
+                        <a:spcBef>
+                          <a:spcPts val="0"/>
+                        </a:spcBef>
+                        <a:spcAft>
+                          <a:spcPts val="0"/>
+                        </a:spcAft>
+                      </a:pPr>
+                      <a:r>
+                        <a:rPr lang="en-US" sz="800" u="none" strike="noStrike" dirty="0">
+                          <a:effectLst/>
+                        </a:rPr>
+                        <a:t>  </a:t>
+                      </a:r>
+                      <a:r>
+                        <a:rPr lang="en-US" sz="800" u="none" strike="noStrike" dirty="0" err="1">
+                          <a:effectLst/>
+                        </a:rPr>
+                        <a:t>Avg_Open_To_Buy</a:t>
+                      </a:r>
+                      <a:r>
+                        <a:rPr lang="en-US" sz="800" u="none" strike="noStrike" dirty="0">
+                          <a:effectLst/>
+                        </a:rPr>
+                        <a:t>  </a:t>
+                      </a:r>
+                      <a:endParaRPr lang="en-US" sz="1200" b="0" i="0" u="none" strike="noStrike" dirty="0">
+                        <a:effectLst/>
+                        <a:latin typeface="Arial" panose="020B0604020202020204" pitchFamily="34" charset="0"/>
+                      </a:endParaRPr>
+                    </a:p>
+                  </a:txBody>
+                  <a:tcPr marL="5872" marR="5872" marT="5872" marB="0" anchor="ctr">
+                    <a:cell3D prstMaterial="dkEdge">
+                      <a:bevel w="25400" h="25400" prst="angle"/>
+                      <a:lightRig rig="flood" dir="t"/>
+                    </a:cell3D>
+                  </a:tcPr>
+                </a:tc>
+                <a:tc>
+                  <a:txBody>
+                    <a:bodyPr/>
+                    <a:lstStyle/>
+                    <a:p>
+                      <a:pPr algn="ctr" fontAlgn="b">
+                        <a:spcBef>
+                          <a:spcPts val="0"/>
+                        </a:spcBef>
+                        <a:spcAft>
+                          <a:spcPts val="0"/>
+                        </a:spcAft>
+                      </a:pPr>
+                      <a:r>
+                        <a:rPr lang="en-US" sz="800" u="none" strike="noStrike" dirty="0">
+                          <a:effectLst/>
+                        </a:rPr>
+                        <a:t> spread </a:t>
+                      </a:r>
+                      <a:endParaRPr lang="en-US" sz="1200" b="0" i="0" u="none" strike="noStrike" dirty="0">
+                        <a:effectLst/>
+                        <a:latin typeface="Arial" panose="020B0604020202020204" pitchFamily="34" charset="0"/>
+                      </a:endParaRPr>
+                    </a:p>
+                  </a:txBody>
+                  <a:tcPr marL="5872" marR="5872" marT="5872" marB="0" anchor="ctr">
+                    <a:cell3D prstMaterial="dkEdge">
+                      <a:bevel w="25400" h="25400" prst="angle"/>
+                      <a:lightRig rig="flood" dir="t"/>
+                    </a:cell3D>
+                  </a:tcPr>
+                </a:tc>
+                <a:tc>
+                  <a:txBody>
+                    <a:bodyPr/>
+                    <a:lstStyle/>
+                    <a:p>
+                      <a:pPr algn="ctr" fontAlgn="b">
+                        <a:spcBef>
+                          <a:spcPts val="0"/>
+                        </a:spcBef>
+                        <a:spcAft>
+                          <a:spcPts val="0"/>
+                        </a:spcAft>
+                      </a:pPr>
+                      <a:r>
+                        <a:rPr lang="en-US" sz="800" u="none" strike="noStrike">
+                          <a:effectLst/>
+                        </a:rPr>
+                        <a:t> low </a:t>
+                      </a:r>
+                      <a:endParaRPr lang="en-US" sz="1200" b="0" i="0" u="none" strike="noStrike">
+                        <a:effectLst/>
+                        <a:latin typeface="Arial" panose="020B0604020202020204" pitchFamily="34" charset="0"/>
+                      </a:endParaRPr>
+                    </a:p>
+                  </a:txBody>
+                  <a:tcPr marL="5872" marR="5872" marT="5872" marB="0" anchor="ctr">
+                    <a:cell3D prstMaterial="dkEdge">
+                      <a:bevel w="25400" h="25400" prst="angle"/>
+                      <a:lightRig rig="flood" dir="t"/>
+                    </a:cell3D>
+                  </a:tcPr>
+                </a:tc>
+                <a:tc>
+                  <a:txBody>
+                    <a:bodyPr/>
+                    <a:lstStyle/>
+                    <a:p>
+                      <a:pPr algn="ctr" fontAlgn="b">
+                        <a:spcBef>
+                          <a:spcPts val="0"/>
+                        </a:spcBef>
+                        <a:spcAft>
+                          <a:spcPts val="0"/>
+                        </a:spcAft>
+                      </a:pPr>
+                      <a:r>
+                        <a:rPr lang="en-US" sz="800" u="none" strike="noStrike" dirty="0">
+                          <a:effectLst/>
+                        </a:rPr>
+                        <a:t> low </a:t>
+                      </a:r>
+                      <a:endParaRPr lang="en-US" sz="1200" b="0" i="0" u="none" strike="noStrike" dirty="0">
+                        <a:effectLst/>
+                        <a:latin typeface="Arial" panose="020B0604020202020204" pitchFamily="34" charset="0"/>
+                      </a:endParaRPr>
+                    </a:p>
+                  </a:txBody>
+                  <a:tcPr marL="5872" marR="5872" marT="5872" marB="0" anchor="ctr">
+                    <a:cell3D prstMaterial="dkEdge">
+                      <a:bevel w="25400" h="25400" prst="angle"/>
+                      <a:lightRig rig="flood" dir="t"/>
+                    </a:cell3D>
+                  </a:tcPr>
+                </a:tc>
+                <a:tc>
+                  <a:txBody>
+                    <a:bodyPr/>
+                    <a:lstStyle/>
+                    <a:p>
+                      <a:pPr algn="ctr" fontAlgn="b">
+                        <a:spcBef>
+                          <a:spcPts val="0"/>
+                        </a:spcBef>
+                        <a:spcAft>
+                          <a:spcPts val="0"/>
+                        </a:spcAft>
+                      </a:pPr>
+                      <a:r>
+                        <a:rPr lang="en-US" sz="800" u="none" strike="noStrike" dirty="0">
+                          <a:effectLst/>
+                        </a:rPr>
+                        <a:t> low </a:t>
+                      </a:r>
+                      <a:endParaRPr lang="en-US" sz="1200" b="0" i="0" u="none" strike="noStrike" dirty="0">
+                        <a:effectLst/>
+                        <a:latin typeface="Arial" panose="020B0604020202020204" pitchFamily="34" charset="0"/>
+                      </a:endParaRPr>
+                    </a:p>
+                  </a:txBody>
+                  <a:tcPr marL="5872" marR="5872" marT="5872" marB="0" anchor="ctr">
+                    <a:cell3D prstMaterial="dkEdge">
+                      <a:bevel w="25400" h="25400" prst="angle"/>
+                      <a:lightRig rig="flood" dir="t"/>
+                    </a:cell3D>
+                  </a:tcPr>
+                </a:tc>
+                <a:tc>
+                  <a:txBody>
+                    <a:bodyPr/>
+                    <a:lstStyle/>
+                    <a:p>
+                      <a:pPr algn="ctr" fontAlgn="b">
+                        <a:spcBef>
+                          <a:spcPts val="0"/>
+                        </a:spcBef>
+                        <a:spcAft>
+                          <a:spcPts val="0"/>
+                        </a:spcAft>
+                      </a:pPr>
+                      <a:r>
+                        <a:rPr lang="en-US" sz="800" u="none" strike="noStrike" dirty="0">
+                          <a:effectLst/>
+                        </a:rPr>
+                        <a:t> high value </a:t>
+                      </a:r>
+                      <a:endParaRPr lang="en-US" sz="1200" b="0" i="0" u="none" strike="noStrike" dirty="0">
+                        <a:effectLst/>
+                        <a:latin typeface="Arial" panose="020B0604020202020204" pitchFamily="34" charset="0"/>
+                      </a:endParaRPr>
+                    </a:p>
+                  </a:txBody>
+                  <a:tcPr marL="5872" marR="5872" marT="5872" marB="0" anchor="ctr">
+                    <a:cell3D prstMaterial="dkEdge">
+                      <a:bevel w="25400" h="25400" prst="angle"/>
+                      <a:lightRig rig="flood" dir="t"/>
+                    </a:cell3D>
+                  </a:tcPr>
+                </a:tc>
+                <a:tc>
+                  <a:txBody>
+                    <a:bodyPr/>
+                    <a:lstStyle/>
+                    <a:p>
+                      <a:pPr algn="ctr" fontAlgn="b">
+                        <a:spcBef>
+                          <a:spcPts val="0"/>
+                        </a:spcBef>
+                        <a:spcAft>
+                          <a:spcPts val="0"/>
+                        </a:spcAft>
+                      </a:pPr>
+                      <a:r>
+                        <a:rPr lang="en-US" sz="800" u="none" strike="noStrike" dirty="0">
+                          <a:effectLst/>
+                        </a:rPr>
+                        <a:t> 1 </a:t>
+                      </a:r>
+                      <a:endParaRPr lang="en-US" sz="1200" b="0" i="0" u="none" strike="noStrike" dirty="0">
+                        <a:effectLst/>
+                        <a:latin typeface="Arial" panose="020B0604020202020204" pitchFamily="34" charset="0"/>
+                      </a:endParaRPr>
+                    </a:p>
+                  </a:txBody>
+                  <a:tcPr marL="5872" marR="5872" marT="5872" marB="0" anchor="ctr">
+                    <a:cell3D prstMaterial="dkEdge">
+                      <a:bevel w="25400" h="25400" prst="angle"/>
+                      <a:lightRig rig="flood" dir="t"/>
+                    </a:cell3D>
+                  </a:tcPr>
+                </a:tc>
+                <a:tc>
+                  <a:txBody>
+                    <a:bodyPr/>
+                    <a:lstStyle/>
+                    <a:p>
+                      <a:pPr algn="l" fontAlgn="b">
+                        <a:spcBef>
+                          <a:spcPts val="0"/>
+                        </a:spcBef>
+                        <a:spcAft>
+                          <a:spcPts val="0"/>
+                        </a:spcAft>
+                      </a:pPr>
+                      <a:r>
+                        <a:rPr lang="en-US" sz="800" u="none" strike="noStrike" dirty="0">
+                          <a:effectLst/>
+                        </a:rPr>
+                        <a:t> Majority values   are low </a:t>
+                      </a:r>
+                      <a:endParaRPr lang="en-US" sz="1200" b="0" i="0" u="none" strike="noStrike" dirty="0">
+                        <a:effectLst/>
+                        <a:latin typeface="Arial" panose="020B0604020202020204" pitchFamily="34" charset="0"/>
+                      </a:endParaRPr>
+                    </a:p>
+                  </a:txBody>
+                  <a:tcPr marL="5872" marR="5872" marT="5872" marB="0" anchor="ctr">
+                    <a:cell3D prstMaterial="dkEdge">
+                      <a:bevel w="25400" h="25400" prst="angle"/>
+                      <a:lightRig rig="flood" dir="t"/>
+                    </a:cell3D>
+                  </a:tcPr>
+                </a:tc>
+                <a:extLst>
+                  <a:ext uri="{0D108BD9-81ED-4DB2-BD59-A6C34878D82A}">
+                    <a16:rowId xmlns:a16="http://schemas.microsoft.com/office/drawing/2014/main" val="64525430"/>
+                  </a:ext>
+                </a:extLst>
+              </a:tr>
+              <a:tr h="254402">
+                <a:tc>
+                  <a:txBody>
+                    <a:bodyPr/>
+                    <a:lstStyle/>
+                    <a:p>
+                      <a:pPr algn="l" fontAlgn="b">
+                        <a:spcBef>
+                          <a:spcPts val="0"/>
+                        </a:spcBef>
+                        <a:spcAft>
+                          <a:spcPts val="0"/>
+                        </a:spcAft>
+                      </a:pPr>
+                      <a:r>
+                        <a:rPr lang="en-US" sz="800" u="none" strike="noStrike" dirty="0">
+                          <a:effectLst/>
+                        </a:rPr>
+                        <a:t>  </a:t>
+                      </a:r>
+                      <a:r>
+                        <a:rPr lang="en-US" sz="800" u="none" strike="noStrike" dirty="0" err="1">
+                          <a:effectLst/>
+                        </a:rPr>
+                        <a:t>Avg_Utilization_Ratio</a:t>
+                      </a:r>
+                      <a:r>
+                        <a:rPr lang="en-US" sz="800" u="none" strike="noStrike" dirty="0">
+                          <a:effectLst/>
+                        </a:rPr>
+                        <a:t>  </a:t>
+                      </a:r>
+                      <a:endParaRPr lang="en-US" sz="1200" b="0" i="0" u="none" strike="noStrike" dirty="0">
+                        <a:effectLst/>
+                        <a:latin typeface="Arial" panose="020B0604020202020204" pitchFamily="34" charset="0"/>
+                      </a:endParaRPr>
+                    </a:p>
+                  </a:txBody>
+                  <a:tcPr marL="5872" marR="5872" marT="5872" marB="0" anchor="ctr">
+                    <a:cell3D prstMaterial="dkEdge">
+                      <a:bevel w="25400" h="25400" prst="angle"/>
+                      <a:lightRig rig="flood" dir="t"/>
+                    </a:cell3D>
+                  </a:tcPr>
+                </a:tc>
+                <a:tc>
+                  <a:txBody>
+                    <a:bodyPr/>
+                    <a:lstStyle/>
+                    <a:p>
+                      <a:pPr algn="ctr" fontAlgn="b">
+                        <a:spcBef>
+                          <a:spcPts val="0"/>
+                        </a:spcBef>
+                        <a:spcAft>
+                          <a:spcPts val="0"/>
+                        </a:spcAft>
+                      </a:pPr>
+                      <a:r>
+                        <a:rPr lang="en-US" sz="800" u="none" strike="noStrike" dirty="0">
+                          <a:effectLst/>
+                        </a:rPr>
+                        <a:t> low utilization </a:t>
+                      </a:r>
+                      <a:endParaRPr lang="en-US" sz="1200" b="0" i="0" u="none" strike="noStrike" dirty="0">
+                        <a:effectLst/>
+                        <a:latin typeface="Arial" panose="020B0604020202020204" pitchFamily="34" charset="0"/>
+                      </a:endParaRPr>
+                    </a:p>
+                  </a:txBody>
+                  <a:tcPr marL="5872" marR="5872" marT="5872" marB="0" anchor="ctr">
+                    <a:cell3D prstMaterial="dkEdge">
+                      <a:bevel w="25400" h="25400" prst="angle"/>
+                      <a:lightRig rig="flood" dir="t"/>
+                    </a:cell3D>
+                  </a:tcPr>
+                </a:tc>
+                <a:tc>
+                  <a:txBody>
+                    <a:bodyPr/>
+                    <a:lstStyle/>
+                    <a:p>
+                      <a:pPr algn="ctr" fontAlgn="b">
+                        <a:spcBef>
+                          <a:spcPts val="0"/>
+                        </a:spcBef>
+                        <a:spcAft>
+                          <a:spcPts val="0"/>
+                        </a:spcAft>
+                      </a:pPr>
+                      <a:r>
+                        <a:rPr lang="en-US" sz="800" u="none" strike="noStrike">
+                          <a:effectLst/>
+                        </a:rPr>
+                        <a:t> minimal low utilization </a:t>
+                      </a:r>
+                      <a:endParaRPr lang="en-US" sz="1200" b="0" i="0" u="none" strike="noStrike">
+                        <a:effectLst/>
+                        <a:latin typeface="Arial" panose="020B0604020202020204" pitchFamily="34" charset="0"/>
+                      </a:endParaRPr>
+                    </a:p>
+                  </a:txBody>
+                  <a:tcPr marL="5872" marR="5872" marT="5872" marB="0" anchor="ctr">
+                    <a:cell3D prstMaterial="dkEdge">
+                      <a:bevel w="25400" h="25400" prst="angle"/>
+                      <a:lightRig rig="flood" dir="t"/>
+                    </a:cell3D>
+                  </a:tcPr>
+                </a:tc>
+                <a:tc>
+                  <a:txBody>
+                    <a:bodyPr/>
+                    <a:lstStyle/>
+                    <a:p>
+                      <a:pPr algn="ctr" fontAlgn="b">
+                        <a:spcBef>
+                          <a:spcPts val="0"/>
+                        </a:spcBef>
+                        <a:spcAft>
+                          <a:spcPts val="0"/>
+                        </a:spcAft>
+                      </a:pPr>
+                      <a:r>
+                        <a:rPr lang="en-US" sz="800" u="none" strike="noStrike" dirty="0">
+                          <a:effectLst/>
+                        </a:rPr>
+                        <a:t> no low utilization ratio </a:t>
+                      </a:r>
+                      <a:endParaRPr lang="en-US" sz="1200" b="0" i="0" u="none" strike="noStrike" dirty="0">
+                        <a:effectLst/>
+                        <a:latin typeface="Arial" panose="020B0604020202020204" pitchFamily="34" charset="0"/>
+                      </a:endParaRPr>
+                    </a:p>
+                  </a:txBody>
+                  <a:tcPr marL="5872" marR="5872" marT="5872" marB="0" anchor="ctr">
+                    <a:cell3D prstMaterial="dkEdge">
+                      <a:bevel w="25400" h="25400" prst="angle"/>
+                      <a:lightRig rig="flood" dir="t"/>
+                    </a:cell3D>
+                  </a:tcPr>
+                </a:tc>
+                <a:tc>
+                  <a:txBody>
+                    <a:bodyPr/>
+                    <a:lstStyle/>
+                    <a:p>
+                      <a:pPr algn="ctr" fontAlgn="b">
+                        <a:spcBef>
+                          <a:spcPts val="0"/>
+                        </a:spcBef>
+                        <a:spcAft>
+                          <a:spcPts val="0"/>
+                        </a:spcAft>
+                      </a:pPr>
+                      <a:r>
+                        <a:rPr lang="en-US" sz="800" u="none" strike="noStrike" dirty="0">
+                          <a:effectLst/>
+                        </a:rPr>
+                        <a:t> med utilization </a:t>
+                      </a:r>
+                      <a:endParaRPr lang="en-US" sz="1200" b="0" i="0" u="none" strike="noStrike" dirty="0">
+                        <a:effectLst/>
+                        <a:latin typeface="Arial" panose="020B0604020202020204" pitchFamily="34" charset="0"/>
+                      </a:endParaRPr>
+                    </a:p>
+                  </a:txBody>
+                  <a:tcPr marL="5872" marR="5872" marT="5872" marB="0" anchor="ctr">
+                    <a:cell3D prstMaterial="dkEdge">
+                      <a:bevel w="25400" h="25400" prst="angle"/>
+                      <a:lightRig rig="flood" dir="t"/>
+                    </a:cell3D>
+                  </a:tcPr>
+                </a:tc>
+                <a:tc>
+                  <a:txBody>
+                    <a:bodyPr/>
+                    <a:lstStyle/>
+                    <a:p>
+                      <a:pPr algn="ctr" fontAlgn="b">
+                        <a:spcBef>
+                          <a:spcPts val="0"/>
+                        </a:spcBef>
+                        <a:spcAft>
+                          <a:spcPts val="0"/>
+                        </a:spcAft>
+                      </a:pPr>
+                      <a:r>
+                        <a:rPr lang="en-US" sz="800" u="none" strike="noStrike">
+                          <a:effectLst/>
+                        </a:rPr>
+                        <a:t> low utilization </a:t>
+                      </a:r>
+                      <a:endParaRPr lang="en-US" sz="1200" b="0" i="0" u="none" strike="noStrike">
+                        <a:effectLst/>
+                        <a:latin typeface="Arial" panose="020B0604020202020204" pitchFamily="34" charset="0"/>
+                      </a:endParaRPr>
+                    </a:p>
+                  </a:txBody>
+                  <a:tcPr marL="5872" marR="5872" marT="5872" marB="0" anchor="ctr">
+                    <a:cell3D prstMaterial="dkEdge">
+                      <a:bevel w="25400" h="25400" prst="angle"/>
+                      <a:lightRig rig="flood" dir="t"/>
+                    </a:cell3D>
+                  </a:tcPr>
+                </a:tc>
+                <a:tc>
+                  <a:txBody>
+                    <a:bodyPr/>
+                    <a:lstStyle/>
+                    <a:p>
+                      <a:pPr algn="ctr" fontAlgn="b">
+                        <a:spcBef>
+                          <a:spcPts val="0"/>
+                        </a:spcBef>
+                        <a:spcAft>
+                          <a:spcPts val="0"/>
+                        </a:spcAft>
+                      </a:pPr>
+                      <a:r>
+                        <a:rPr lang="en-US" sz="800" u="none" strike="noStrike">
+                          <a:effectLst/>
+                        </a:rPr>
+                        <a:t> 1 </a:t>
+                      </a:r>
+                      <a:endParaRPr lang="en-US" sz="1200" b="0" i="0" u="none" strike="noStrike">
+                        <a:effectLst/>
+                        <a:latin typeface="Arial" panose="020B0604020202020204" pitchFamily="34" charset="0"/>
+                      </a:endParaRPr>
+                    </a:p>
+                  </a:txBody>
+                  <a:tcPr marL="5872" marR="5872" marT="5872" marB="0" anchor="ctr">
+                    <a:cell3D prstMaterial="dkEdge">
+                      <a:bevel w="25400" h="25400" prst="angle"/>
+                      <a:lightRig rig="flood" dir="t"/>
+                    </a:cell3D>
+                  </a:tcPr>
+                </a:tc>
+                <a:tc>
+                  <a:txBody>
+                    <a:bodyPr/>
+                    <a:lstStyle/>
+                    <a:p>
+                      <a:pPr algn="l" fontAlgn="b">
+                        <a:spcBef>
+                          <a:spcPts val="0"/>
+                        </a:spcBef>
+                        <a:spcAft>
+                          <a:spcPts val="0"/>
+                        </a:spcAft>
+                      </a:pPr>
+                      <a:r>
+                        <a:rPr lang="en-US" sz="800" u="none" strike="noStrike">
+                          <a:effectLst/>
+                        </a:rPr>
+                        <a:t> Majority values are low </a:t>
+                      </a:r>
+                      <a:endParaRPr lang="en-US" sz="1200" b="0" i="0" u="none" strike="noStrike">
+                        <a:effectLst/>
+                        <a:latin typeface="Arial" panose="020B0604020202020204" pitchFamily="34" charset="0"/>
+                      </a:endParaRPr>
+                    </a:p>
+                  </a:txBody>
+                  <a:tcPr marL="5872" marR="5872" marT="5872" marB="0" anchor="ctr">
+                    <a:cell3D prstMaterial="dkEdge">
+                      <a:bevel w="25400" h="25400" prst="angle"/>
+                      <a:lightRig rig="flood" dir="t"/>
+                    </a:cell3D>
+                  </a:tcPr>
+                </a:tc>
+                <a:extLst>
+                  <a:ext uri="{0D108BD9-81ED-4DB2-BD59-A6C34878D82A}">
+                    <a16:rowId xmlns:a16="http://schemas.microsoft.com/office/drawing/2014/main" val="2131069369"/>
+                  </a:ext>
+                </a:extLst>
+              </a:tr>
+              <a:tr h="254402">
+                <a:tc>
+                  <a:txBody>
+                    <a:bodyPr/>
+                    <a:lstStyle/>
+                    <a:p>
+                      <a:pPr algn="l" fontAlgn="b">
+                        <a:spcBef>
+                          <a:spcPts val="0"/>
+                        </a:spcBef>
+                        <a:spcAft>
+                          <a:spcPts val="0"/>
+                        </a:spcAft>
+                      </a:pPr>
+                      <a:r>
+                        <a:rPr lang="en-US" sz="800" u="none" strike="noStrike">
+                          <a:effectLst/>
+                        </a:rPr>
+                        <a:t>  Card_Category  </a:t>
+                      </a:r>
+                      <a:endParaRPr lang="en-US" sz="1200" b="0" i="0" u="none" strike="noStrike">
+                        <a:effectLst/>
+                        <a:latin typeface="Arial" panose="020B0604020202020204" pitchFamily="34" charset="0"/>
+                      </a:endParaRPr>
+                    </a:p>
+                  </a:txBody>
+                  <a:tcPr marL="5872" marR="5872" marT="5872" marB="0" anchor="ctr">
+                    <a:cell3D prstMaterial="dkEdge">
+                      <a:bevel w="25400" h="25400" prst="angle"/>
+                      <a:lightRig rig="flood" dir="t"/>
+                    </a:cell3D>
+                  </a:tcPr>
+                </a:tc>
+                <a:tc>
+                  <a:txBody>
+                    <a:bodyPr/>
+                    <a:lstStyle/>
+                    <a:p>
+                      <a:pPr algn="ctr" fontAlgn="b">
+                        <a:spcBef>
+                          <a:spcPts val="0"/>
+                        </a:spcBef>
+                        <a:spcAft>
+                          <a:spcPts val="0"/>
+                        </a:spcAft>
+                      </a:pPr>
+                      <a:r>
+                        <a:rPr lang="en-US" sz="800" u="none" strike="noStrike" dirty="0">
+                          <a:effectLst/>
+                        </a:rPr>
+                        <a:t>  </a:t>
+                      </a:r>
+                      <a:endParaRPr lang="en-US" sz="1200" b="0" i="0" u="none" strike="noStrike" dirty="0">
+                        <a:effectLst/>
+                        <a:latin typeface="Arial" panose="020B0604020202020204" pitchFamily="34" charset="0"/>
+                      </a:endParaRPr>
+                    </a:p>
+                  </a:txBody>
+                  <a:tcPr marL="5872" marR="5872" marT="5872" marB="0" anchor="ctr">
+                    <a:cell3D prstMaterial="dkEdge">
+                      <a:bevel w="25400" h="25400" prst="angle"/>
+                      <a:lightRig rig="flood" dir="t"/>
+                    </a:cell3D>
+                  </a:tcPr>
+                </a:tc>
+                <a:tc>
+                  <a:txBody>
+                    <a:bodyPr/>
+                    <a:lstStyle/>
+                    <a:p>
+                      <a:pPr algn="ctr" fontAlgn="b">
+                        <a:spcBef>
+                          <a:spcPts val="0"/>
+                        </a:spcBef>
+                        <a:spcAft>
+                          <a:spcPts val="0"/>
+                        </a:spcAft>
+                      </a:pPr>
+                      <a:r>
+                        <a:rPr lang="en-US" sz="800" u="none" strike="noStrike">
+                          <a:effectLst/>
+                        </a:rPr>
+                        <a:t>  </a:t>
+                      </a:r>
+                      <a:endParaRPr lang="en-US" sz="1200" b="0" i="0" u="none" strike="noStrike">
+                        <a:effectLst/>
+                        <a:latin typeface="Arial" panose="020B0604020202020204" pitchFamily="34" charset="0"/>
+                      </a:endParaRPr>
+                    </a:p>
+                  </a:txBody>
+                  <a:tcPr marL="5872" marR="5872" marT="5872" marB="0" anchor="ctr">
+                    <a:cell3D prstMaterial="dkEdge">
+                      <a:bevel w="25400" h="25400" prst="angle"/>
+                      <a:lightRig rig="flood" dir="t"/>
+                    </a:cell3D>
+                  </a:tcPr>
+                </a:tc>
+                <a:tc>
+                  <a:txBody>
+                    <a:bodyPr/>
+                    <a:lstStyle/>
+                    <a:p>
+                      <a:pPr algn="ctr" fontAlgn="b">
+                        <a:spcBef>
+                          <a:spcPts val="0"/>
+                        </a:spcBef>
+                        <a:spcAft>
+                          <a:spcPts val="0"/>
+                        </a:spcAft>
+                      </a:pPr>
+                      <a:r>
+                        <a:rPr lang="en-US" sz="800" u="none" strike="noStrike">
+                          <a:effectLst/>
+                        </a:rPr>
+                        <a:t>  </a:t>
+                      </a:r>
+                      <a:endParaRPr lang="en-US" sz="1200" b="0" i="0" u="none" strike="noStrike">
+                        <a:effectLst/>
+                        <a:latin typeface="Arial" panose="020B0604020202020204" pitchFamily="34" charset="0"/>
+                      </a:endParaRPr>
+                    </a:p>
+                  </a:txBody>
+                  <a:tcPr marL="5872" marR="5872" marT="5872" marB="0" anchor="ctr">
+                    <a:cell3D prstMaterial="dkEdge">
+                      <a:bevel w="25400" h="25400" prst="angle"/>
+                      <a:lightRig rig="flood" dir="t"/>
+                    </a:cell3D>
+                  </a:tcPr>
+                </a:tc>
+                <a:tc>
+                  <a:txBody>
+                    <a:bodyPr/>
+                    <a:lstStyle/>
+                    <a:p>
+                      <a:pPr algn="ctr" fontAlgn="b">
+                        <a:spcBef>
+                          <a:spcPts val="0"/>
+                        </a:spcBef>
+                        <a:spcAft>
+                          <a:spcPts val="0"/>
+                        </a:spcAft>
+                      </a:pPr>
+                      <a:r>
+                        <a:rPr lang="en-US" sz="800" u="none" strike="noStrike">
+                          <a:effectLst/>
+                        </a:rPr>
+                        <a:t>  </a:t>
+                      </a:r>
+                      <a:endParaRPr lang="en-US" sz="1200" b="0" i="0" u="none" strike="noStrike">
+                        <a:effectLst/>
+                        <a:latin typeface="Arial" panose="020B0604020202020204" pitchFamily="34" charset="0"/>
+                      </a:endParaRPr>
+                    </a:p>
+                  </a:txBody>
+                  <a:tcPr marL="5872" marR="5872" marT="5872" marB="0" anchor="ctr">
+                    <a:cell3D prstMaterial="dkEdge">
+                      <a:bevel w="25400" h="25400" prst="angle"/>
+                      <a:lightRig rig="flood" dir="t"/>
+                    </a:cell3D>
+                  </a:tcPr>
+                </a:tc>
+                <a:tc>
+                  <a:txBody>
+                    <a:bodyPr/>
+                    <a:lstStyle/>
+                    <a:p>
+                      <a:pPr algn="ctr" fontAlgn="b">
+                        <a:spcBef>
+                          <a:spcPts val="0"/>
+                        </a:spcBef>
+                        <a:spcAft>
+                          <a:spcPts val="0"/>
+                        </a:spcAft>
+                      </a:pPr>
+                      <a:r>
+                        <a:rPr lang="en-US" sz="800" u="none" strike="noStrike">
+                          <a:effectLst/>
+                        </a:rPr>
+                        <a:t>  </a:t>
+                      </a:r>
+                      <a:endParaRPr lang="en-US" sz="1200" b="0" i="0" u="none" strike="noStrike">
+                        <a:effectLst/>
+                        <a:latin typeface="Arial" panose="020B0604020202020204" pitchFamily="34" charset="0"/>
+                      </a:endParaRPr>
+                    </a:p>
+                  </a:txBody>
+                  <a:tcPr marL="5872" marR="5872" marT="5872" marB="0" anchor="ctr">
+                    <a:cell3D prstMaterial="dkEdge">
+                      <a:bevel w="25400" h="25400" prst="angle"/>
+                      <a:lightRig rig="flood" dir="t"/>
+                    </a:cell3D>
+                  </a:tcPr>
+                </a:tc>
+                <a:tc>
+                  <a:txBody>
+                    <a:bodyPr/>
+                    <a:lstStyle/>
+                    <a:p>
+                      <a:pPr algn="ctr" fontAlgn="b">
+                        <a:spcBef>
+                          <a:spcPts val="0"/>
+                        </a:spcBef>
+                        <a:spcAft>
+                          <a:spcPts val="0"/>
+                        </a:spcAft>
+                      </a:pPr>
+                      <a:r>
+                        <a:rPr lang="en-US" sz="800" u="none" strike="noStrike" dirty="0">
+                          <a:effectLst/>
+                        </a:rPr>
+                        <a:t> 1 </a:t>
+                      </a:r>
+                      <a:endParaRPr lang="en-US" sz="1200" b="0" i="0" u="none" strike="noStrike" dirty="0">
+                        <a:effectLst/>
+                        <a:latin typeface="Arial" panose="020B0604020202020204" pitchFamily="34" charset="0"/>
+                      </a:endParaRPr>
+                    </a:p>
+                  </a:txBody>
+                  <a:tcPr marL="5872" marR="5872" marT="5872" marB="0" anchor="ctr">
+                    <a:cell3D prstMaterial="dkEdge">
+                      <a:bevel w="25400" h="25400" prst="angle"/>
+                      <a:lightRig rig="flood" dir="t"/>
+                    </a:cell3D>
+                  </a:tcPr>
+                </a:tc>
+                <a:tc>
+                  <a:txBody>
+                    <a:bodyPr/>
+                    <a:lstStyle/>
+                    <a:p>
+                      <a:pPr algn="l" fontAlgn="b">
+                        <a:spcBef>
+                          <a:spcPts val="0"/>
+                        </a:spcBef>
+                        <a:spcAft>
+                          <a:spcPts val="0"/>
+                        </a:spcAft>
+                      </a:pPr>
+                      <a:r>
+                        <a:rPr lang="en-US" sz="800" u="none" strike="noStrike">
+                          <a:effectLst/>
+                        </a:rPr>
+                        <a:t> High class   imbalance to comment </a:t>
+                      </a:r>
+                      <a:endParaRPr lang="en-US" sz="1200" b="0" i="0" u="none" strike="noStrike">
+                        <a:effectLst/>
+                        <a:latin typeface="Arial" panose="020B0604020202020204" pitchFamily="34" charset="0"/>
+                      </a:endParaRPr>
+                    </a:p>
+                  </a:txBody>
+                  <a:tcPr marL="5872" marR="5872" marT="5872" marB="0" anchor="ctr">
+                    <a:cell3D prstMaterial="dkEdge">
+                      <a:bevel w="25400" h="25400" prst="angle"/>
+                      <a:lightRig rig="flood" dir="t"/>
+                    </a:cell3D>
+                  </a:tcPr>
+                </a:tc>
+                <a:extLst>
+                  <a:ext uri="{0D108BD9-81ED-4DB2-BD59-A6C34878D82A}">
+                    <a16:rowId xmlns:a16="http://schemas.microsoft.com/office/drawing/2014/main" val="2425159744"/>
+                  </a:ext>
+                </a:extLst>
+              </a:tr>
+              <a:tr h="254402">
+                <a:tc>
+                  <a:txBody>
+                    <a:bodyPr/>
+                    <a:lstStyle/>
+                    <a:p>
+                      <a:pPr algn="l" fontAlgn="b">
+                        <a:spcBef>
+                          <a:spcPts val="0"/>
+                        </a:spcBef>
+                        <a:spcAft>
+                          <a:spcPts val="0"/>
+                        </a:spcAft>
+                      </a:pPr>
+                      <a:r>
+                        <a:rPr lang="en-US" sz="800" u="none" strike="noStrike">
+                          <a:effectLst/>
+                        </a:rPr>
+                        <a:t>  Contacts_Count_12_mon  </a:t>
+                      </a:r>
+                      <a:endParaRPr lang="en-US" sz="1200" b="0" i="0" u="none" strike="noStrike">
+                        <a:effectLst/>
+                        <a:latin typeface="Arial" panose="020B0604020202020204" pitchFamily="34" charset="0"/>
+                      </a:endParaRPr>
+                    </a:p>
+                  </a:txBody>
+                  <a:tcPr marL="5872" marR="5872" marT="5872" marB="0" anchor="ctr">
+                    <a:cell3D prstMaterial="dkEdge">
+                      <a:bevel w="25400" h="25400" prst="angle"/>
+                      <a:lightRig rig="flood" dir="t"/>
+                    </a:cell3D>
+                  </a:tcPr>
+                </a:tc>
+                <a:tc>
+                  <a:txBody>
+                    <a:bodyPr/>
+                    <a:lstStyle/>
+                    <a:p>
+                      <a:pPr algn="ctr" fontAlgn="b">
+                        <a:spcBef>
+                          <a:spcPts val="0"/>
+                        </a:spcBef>
+                        <a:spcAft>
+                          <a:spcPts val="0"/>
+                        </a:spcAft>
+                      </a:pPr>
+                      <a:r>
+                        <a:rPr lang="en-US" sz="800" u="none" strike="noStrike" dirty="0">
+                          <a:effectLst/>
+                        </a:rPr>
+                        <a:t>  </a:t>
+                      </a:r>
+                      <a:endParaRPr lang="en-US" sz="1200" b="0" i="0" u="none" strike="noStrike" dirty="0">
+                        <a:effectLst/>
+                        <a:latin typeface="Arial" panose="020B0604020202020204" pitchFamily="34" charset="0"/>
+                      </a:endParaRPr>
+                    </a:p>
+                  </a:txBody>
+                  <a:tcPr marL="5872" marR="5872" marT="5872" marB="0" anchor="ctr">
+                    <a:cell3D prstMaterial="dkEdge">
+                      <a:bevel w="25400" h="25400" prst="angle"/>
+                      <a:lightRig rig="flood" dir="t"/>
+                    </a:cell3D>
+                  </a:tcPr>
+                </a:tc>
+                <a:tc>
+                  <a:txBody>
+                    <a:bodyPr/>
+                    <a:lstStyle/>
+                    <a:p>
+                      <a:pPr algn="ctr" fontAlgn="b">
+                        <a:spcBef>
+                          <a:spcPts val="0"/>
+                        </a:spcBef>
+                        <a:spcAft>
+                          <a:spcPts val="0"/>
+                        </a:spcAft>
+                      </a:pPr>
+                      <a:r>
+                        <a:rPr lang="en-US" sz="800" u="none" strike="noStrike">
+                          <a:effectLst/>
+                        </a:rPr>
+                        <a:t>  </a:t>
+                      </a:r>
+                      <a:endParaRPr lang="en-US" sz="1200" b="0" i="0" u="none" strike="noStrike">
+                        <a:effectLst/>
+                        <a:latin typeface="Arial" panose="020B0604020202020204" pitchFamily="34" charset="0"/>
+                      </a:endParaRPr>
+                    </a:p>
+                  </a:txBody>
+                  <a:tcPr marL="5872" marR="5872" marT="5872" marB="0" anchor="ctr">
+                    <a:cell3D prstMaterial="dkEdge">
+                      <a:bevel w="25400" h="25400" prst="angle"/>
+                      <a:lightRig rig="flood" dir="t"/>
+                    </a:cell3D>
+                  </a:tcPr>
+                </a:tc>
+                <a:tc>
+                  <a:txBody>
+                    <a:bodyPr/>
+                    <a:lstStyle/>
+                    <a:p>
+                      <a:pPr algn="ctr" fontAlgn="b">
+                        <a:spcBef>
+                          <a:spcPts val="0"/>
+                        </a:spcBef>
+                        <a:spcAft>
+                          <a:spcPts val="0"/>
+                        </a:spcAft>
+                      </a:pPr>
+                      <a:r>
+                        <a:rPr lang="en-US" sz="800" u="none" strike="noStrike" dirty="0">
+                          <a:effectLst/>
+                        </a:rPr>
+                        <a:t>  </a:t>
+                      </a:r>
+                      <a:endParaRPr lang="en-US" sz="1200" b="0" i="0" u="none" strike="noStrike" dirty="0">
+                        <a:effectLst/>
+                        <a:latin typeface="Arial" panose="020B0604020202020204" pitchFamily="34" charset="0"/>
+                      </a:endParaRPr>
+                    </a:p>
+                  </a:txBody>
+                  <a:tcPr marL="5872" marR="5872" marT="5872" marB="0" anchor="ctr">
+                    <a:cell3D prstMaterial="dkEdge">
+                      <a:bevel w="25400" h="25400" prst="angle"/>
+                      <a:lightRig rig="flood" dir="t"/>
+                    </a:cell3D>
+                  </a:tcPr>
+                </a:tc>
+                <a:tc>
+                  <a:txBody>
+                    <a:bodyPr/>
+                    <a:lstStyle/>
+                    <a:p>
+                      <a:pPr algn="ctr" fontAlgn="b">
+                        <a:spcBef>
+                          <a:spcPts val="0"/>
+                        </a:spcBef>
+                        <a:spcAft>
+                          <a:spcPts val="0"/>
+                        </a:spcAft>
+                      </a:pPr>
+                      <a:r>
+                        <a:rPr lang="en-US" sz="800" u="none" strike="noStrike" dirty="0">
+                          <a:effectLst/>
+                        </a:rPr>
+                        <a:t>  </a:t>
+                      </a:r>
+                      <a:endParaRPr lang="en-US" sz="1200" b="0" i="0" u="none" strike="noStrike" dirty="0">
+                        <a:effectLst/>
+                        <a:latin typeface="Arial" panose="020B0604020202020204" pitchFamily="34" charset="0"/>
+                      </a:endParaRPr>
+                    </a:p>
+                  </a:txBody>
+                  <a:tcPr marL="5872" marR="5872" marT="5872" marB="0" anchor="ctr">
+                    <a:cell3D prstMaterial="dkEdge">
+                      <a:bevel w="25400" h="25400" prst="angle"/>
+                      <a:lightRig rig="flood" dir="t"/>
+                    </a:cell3D>
+                  </a:tcPr>
+                </a:tc>
+                <a:tc>
+                  <a:txBody>
+                    <a:bodyPr/>
+                    <a:lstStyle/>
+                    <a:p>
+                      <a:pPr algn="ctr" fontAlgn="b">
+                        <a:spcBef>
+                          <a:spcPts val="0"/>
+                        </a:spcBef>
+                        <a:spcAft>
+                          <a:spcPts val="0"/>
+                        </a:spcAft>
+                      </a:pPr>
+                      <a:r>
+                        <a:rPr lang="en-US" sz="800" u="none" strike="noStrike">
+                          <a:effectLst/>
+                        </a:rPr>
+                        <a:t>  </a:t>
+                      </a:r>
+                      <a:endParaRPr lang="en-US" sz="1200" b="0" i="0" u="none" strike="noStrike">
+                        <a:effectLst/>
+                        <a:latin typeface="Arial" panose="020B0604020202020204" pitchFamily="34" charset="0"/>
+                      </a:endParaRPr>
+                    </a:p>
+                  </a:txBody>
+                  <a:tcPr marL="5872" marR="5872" marT="5872" marB="0" anchor="ctr">
+                    <a:cell3D prstMaterial="dkEdge">
+                      <a:bevel w="25400" h="25400" prst="angle"/>
+                      <a:lightRig rig="flood" dir="t"/>
+                    </a:cell3D>
+                  </a:tcPr>
+                </a:tc>
+                <a:tc>
+                  <a:txBody>
+                    <a:bodyPr/>
+                    <a:lstStyle/>
+                    <a:p>
+                      <a:pPr algn="ctr" fontAlgn="b">
+                        <a:spcBef>
+                          <a:spcPts val="0"/>
+                        </a:spcBef>
+                        <a:spcAft>
+                          <a:spcPts val="0"/>
+                        </a:spcAft>
+                      </a:pPr>
+                      <a:r>
+                        <a:rPr lang="en-US" sz="800" u="none" strike="noStrike">
+                          <a:effectLst/>
+                        </a:rPr>
+                        <a:t> 1 </a:t>
+                      </a:r>
+                      <a:endParaRPr lang="en-US" sz="1200" b="0" i="0" u="none" strike="noStrike">
+                        <a:effectLst/>
+                        <a:latin typeface="Arial" panose="020B0604020202020204" pitchFamily="34" charset="0"/>
+                      </a:endParaRPr>
+                    </a:p>
+                  </a:txBody>
+                  <a:tcPr marL="5872" marR="5872" marT="5872" marB="0" anchor="ctr">
+                    <a:cell3D prstMaterial="dkEdge">
+                      <a:bevel w="25400" h="25400" prst="angle"/>
+                      <a:lightRig rig="flood" dir="t"/>
+                    </a:cell3D>
+                  </a:tcPr>
+                </a:tc>
+                <a:tc>
+                  <a:txBody>
+                    <a:bodyPr/>
+                    <a:lstStyle/>
+                    <a:p>
+                      <a:pPr algn="l" fontAlgn="b">
+                        <a:spcBef>
+                          <a:spcPts val="0"/>
+                        </a:spcBef>
+                        <a:spcAft>
+                          <a:spcPts val="0"/>
+                        </a:spcAft>
+                      </a:pPr>
+                      <a:r>
+                        <a:rPr lang="en-US" sz="800" u="none" strike="noStrike">
+                          <a:effectLst/>
+                        </a:rPr>
+                        <a:t> 3 </a:t>
+                      </a:r>
+                      <a:endParaRPr lang="en-US" sz="1200" b="0" i="0" u="none" strike="noStrike">
+                        <a:effectLst/>
+                        <a:latin typeface="Arial" panose="020B0604020202020204" pitchFamily="34" charset="0"/>
+                      </a:endParaRPr>
+                    </a:p>
+                  </a:txBody>
+                  <a:tcPr marL="5872" marR="5872" marT="5872" marB="0" anchor="ctr">
+                    <a:cell3D prstMaterial="dkEdge">
+                      <a:bevel w="25400" h="25400" prst="angle"/>
+                      <a:lightRig rig="flood" dir="t"/>
+                    </a:cell3D>
+                  </a:tcPr>
+                </a:tc>
+                <a:extLst>
+                  <a:ext uri="{0D108BD9-81ED-4DB2-BD59-A6C34878D82A}">
+                    <a16:rowId xmlns:a16="http://schemas.microsoft.com/office/drawing/2014/main" val="3287886460"/>
+                  </a:ext>
+                </a:extLst>
+              </a:tr>
+              <a:tr h="254402">
+                <a:tc>
+                  <a:txBody>
+                    <a:bodyPr/>
+                    <a:lstStyle/>
+                    <a:p>
+                      <a:pPr algn="l" fontAlgn="b">
+                        <a:spcBef>
+                          <a:spcPts val="0"/>
+                        </a:spcBef>
+                        <a:spcAft>
+                          <a:spcPts val="0"/>
+                        </a:spcAft>
+                      </a:pPr>
+                      <a:r>
+                        <a:rPr lang="en-US" sz="800" u="none" strike="noStrike">
+                          <a:effectLst/>
+                        </a:rPr>
+                        <a:t>  Credit_Limit  </a:t>
+                      </a:r>
+                      <a:endParaRPr lang="en-US" sz="1200" b="0" i="0" u="none" strike="noStrike">
+                        <a:effectLst/>
+                        <a:latin typeface="Arial" panose="020B0604020202020204" pitchFamily="34" charset="0"/>
+                      </a:endParaRPr>
+                    </a:p>
+                  </a:txBody>
+                  <a:tcPr marL="5872" marR="5872" marT="5872" marB="0" anchor="ctr">
+                    <a:cell3D prstMaterial="dkEdge">
+                      <a:bevel w="25400" h="25400" prst="angle"/>
+                      <a:lightRig rig="flood" dir="t"/>
+                    </a:cell3D>
+                  </a:tcPr>
+                </a:tc>
+                <a:tc>
+                  <a:txBody>
+                    <a:bodyPr/>
+                    <a:lstStyle/>
+                    <a:p>
+                      <a:pPr algn="ctr" fontAlgn="b">
+                        <a:spcBef>
+                          <a:spcPts val="0"/>
+                        </a:spcBef>
+                        <a:spcAft>
+                          <a:spcPts val="0"/>
+                        </a:spcAft>
+                      </a:pPr>
+                      <a:r>
+                        <a:rPr lang="en-US" sz="800" u="none" strike="noStrike">
+                          <a:effectLst/>
+                        </a:rPr>
+                        <a:t> all clients   from2k  </a:t>
+                      </a:r>
+                      <a:endParaRPr lang="en-US" sz="1200" b="0" i="0" u="none" strike="noStrike">
+                        <a:effectLst/>
+                        <a:latin typeface="Arial" panose="020B0604020202020204" pitchFamily="34" charset="0"/>
+                      </a:endParaRPr>
+                    </a:p>
+                  </a:txBody>
+                  <a:tcPr marL="5872" marR="5872" marT="5872" marB="0" anchor="ctr">
+                    <a:cell3D prstMaterial="dkEdge">
+                      <a:bevel w="25400" h="25400" prst="angle"/>
+                      <a:lightRig rig="flood" dir="t"/>
+                    </a:cell3D>
+                  </a:tcPr>
+                </a:tc>
+                <a:tc>
+                  <a:txBody>
+                    <a:bodyPr/>
+                    <a:lstStyle/>
+                    <a:p>
+                      <a:pPr algn="ctr" fontAlgn="b">
+                        <a:spcBef>
+                          <a:spcPts val="0"/>
+                        </a:spcBef>
+                        <a:spcAft>
+                          <a:spcPts val="0"/>
+                        </a:spcAft>
+                      </a:pPr>
+                      <a:r>
+                        <a:rPr lang="en-US" sz="800" u="none" strike="noStrike">
+                          <a:effectLst/>
+                        </a:rPr>
+                        <a:t> mostly low   limit </a:t>
+                      </a:r>
+                      <a:endParaRPr lang="en-US" sz="1200" b="0" i="0" u="none" strike="noStrike">
+                        <a:effectLst/>
+                        <a:latin typeface="Arial" panose="020B0604020202020204" pitchFamily="34" charset="0"/>
+                      </a:endParaRPr>
+                    </a:p>
+                  </a:txBody>
+                  <a:tcPr marL="5872" marR="5872" marT="5872" marB="0" anchor="ctr">
+                    <a:cell3D prstMaterial="dkEdge">
+                      <a:bevel w="25400" h="25400" prst="angle"/>
+                      <a:lightRig rig="flood" dir="t"/>
+                    </a:cell3D>
+                  </a:tcPr>
+                </a:tc>
+                <a:tc>
+                  <a:txBody>
+                    <a:bodyPr/>
+                    <a:lstStyle/>
+                    <a:p>
+                      <a:pPr algn="ctr" fontAlgn="b">
+                        <a:spcBef>
+                          <a:spcPts val="0"/>
+                        </a:spcBef>
+                        <a:spcAft>
+                          <a:spcPts val="0"/>
+                        </a:spcAft>
+                      </a:pPr>
+                      <a:r>
+                        <a:rPr lang="en-US" sz="800" u="none" strike="noStrike" dirty="0">
+                          <a:effectLst/>
+                        </a:rPr>
+                        <a:t> 2k to 4k, no   high limit </a:t>
+                      </a:r>
+                      <a:endParaRPr lang="en-US" sz="1200" b="0" i="0" u="none" strike="noStrike" dirty="0">
+                        <a:effectLst/>
+                        <a:latin typeface="Arial" panose="020B0604020202020204" pitchFamily="34" charset="0"/>
+                      </a:endParaRPr>
+                    </a:p>
+                  </a:txBody>
+                  <a:tcPr marL="5872" marR="5872" marT="5872" marB="0" anchor="ctr">
+                    <a:cell3D prstMaterial="dkEdge">
+                      <a:bevel w="25400" h="25400" prst="angle"/>
+                      <a:lightRig rig="flood" dir="t"/>
+                    </a:cell3D>
+                  </a:tcPr>
+                </a:tc>
+                <a:tc>
+                  <a:txBody>
+                    <a:bodyPr/>
+                    <a:lstStyle/>
+                    <a:p>
+                      <a:pPr algn="ctr" fontAlgn="b">
+                        <a:spcBef>
+                          <a:spcPts val="0"/>
+                        </a:spcBef>
+                        <a:spcAft>
+                          <a:spcPts val="0"/>
+                        </a:spcAft>
+                      </a:pPr>
+                      <a:r>
+                        <a:rPr lang="en-US" sz="800" u="none" strike="noStrike">
+                          <a:effectLst/>
+                        </a:rPr>
+                        <a:t>  </a:t>
+                      </a:r>
+                      <a:endParaRPr lang="en-US" sz="1200" b="0" i="0" u="none" strike="noStrike">
+                        <a:effectLst/>
+                        <a:latin typeface="Arial" panose="020B0604020202020204" pitchFamily="34" charset="0"/>
+                      </a:endParaRPr>
+                    </a:p>
+                  </a:txBody>
+                  <a:tcPr marL="5872" marR="5872" marT="5872" marB="0" anchor="ctr">
+                    <a:cell3D prstMaterial="dkEdge">
+                      <a:bevel w="25400" h="25400" prst="angle"/>
+                      <a:lightRig rig="flood" dir="t"/>
+                    </a:cell3D>
+                  </a:tcPr>
+                </a:tc>
+                <a:tc>
+                  <a:txBody>
+                    <a:bodyPr/>
+                    <a:lstStyle/>
+                    <a:p>
+                      <a:pPr algn="ctr" fontAlgn="b">
+                        <a:spcBef>
+                          <a:spcPts val="0"/>
+                        </a:spcBef>
+                        <a:spcAft>
+                          <a:spcPts val="0"/>
+                        </a:spcAft>
+                      </a:pPr>
+                      <a:r>
+                        <a:rPr lang="en-US" sz="800" u="none" strike="noStrike">
+                          <a:effectLst/>
+                        </a:rPr>
+                        <a:t> high limit,   above 14k </a:t>
+                      </a:r>
+                      <a:endParaRPr lang="en-US" sz="1200" b="0" i="0" u="none" strike="noStrike">
+                        <a:effectLst/>
+                        <a:latin typeface="Arial" panose="020B0604020202020204" pitchFamily="34" charset="0"/>
+                      </a:endParaRPr>
+                    </a:p>
+                  </a:txBody>
+                  <a:tcPr marL="5872" marR="5872" marT="5872" marB="0" anchor="ctr">
+                    <a:cell3D prstMaterial="dkEdge">
+                      <a:bevel w="25400" h="25400" prst="angle"/>
+                      <a:lightRig rig="flood" dir="t"/>
+                    </a:cell3D>
+                  </a:tcPr>
+                </a:tc>
+                <a:tc>
+                  <a:txBody>
+                    <a:bodyPr/>
+                    <a:lstStyle/>
+                    <a:p>
+                      <a:pPr algn="ctr" fontAlgn="b">
+                        <a:spcBef>
+                          <a:spcPts val="0"/>
+                        </a:spcBef>
+                        <a:spcAft>
+                          <a:spcPts val="0"/>
+                        </a:spcAft>
+                      </a:pPr>
+                      <a:r>
+                        <a:rPr lang="en-US" sz="800" u="none" strike="noStrike">
+                          <a:effectLst/>
+                        </a:rPr>
+                        <a:t> 1 </a:t>
+                      </a:r>
+                      <a:endParaRPr lang="en-US" sz="1200" b="0" i="0" u="none" strike="noStrike">
+                        <a:effectLst/>
+                        <a:latin typeface="Arial" panose="020B0604020202020204" pitchFamily="34" charset="0"/>
+                      </a:endParaRPr>
+                    </a:p>
+                  </a:txBody>
+                  <a:tcPr marL="5872" marR="5872" marT="5872" marB="0" anchor="ctr">
+                    <a:cell3D prstMaterial="dkEdge">
+                      <a:bevel w="25400" h="25400" prst="angle"/>
+                      <a:lightRig rig="flood" dir="t"/>
+                    </a:cell3D>
+                  </a:tcPr>
+                </a:tc>
+                <a:tc>
+                  <a:txBody>
+                    <a:bodyPr/>
+                    <a:lstStyle/>
+                    <a:p>
+                      <a:pPr algn="l" fontAlgn="b">
+                        <a:spcBef>
+                          <a:spcPts val="0"/>
+                        </a:spcBef>
+                        <a:spcAft>
+                          <a:spcPts val="0"/>
+                        </a:spcAft>
+                      </a:pPr>
+                      <a:r>
+                        <a:rPr lang="en-US" sz="800" u="none" strike="noStrike">
+                          <a:effectLst/>
+                        </a:rPr>
+                        <a:t>  </a:t>
+                      </a:r>
+                      <a:endParaRPr lang="en-US" sz="1200" b="0" i="0" u="none" strike="noStrike">
+                        <a:effectLst/>
+                        <a:latin typeface="Arial" panose="020B0604020202020204" pitchFamily="34" charset="0"/>
+                      </a:endParaRPr>
+                    </a:p>
+                  </a:txBody>
+                  <a:tcPr marL="5872" marR="5872" marT="5872" marB="0" anchor="ctr">
+                    <a:cell3D prstMaterial="dkEdge">
+                      <a:bevel w="25400" h="25400" prst="angle"/>
+                      <a:lightRig rig="flood" dir="t"/>
+                    </a:cell3D>
+                  </a:tcPr>
+                </a:tc>
+                <a:extLst>
+                  <a:ext uri="{0D108BD9-81ED-4DB2-BD59-A6C34878D82A}">
+                    <a16:rowId xmlns:a16="http://schemas.microsoft.com/office/drawing/2014/main" val="2424672825"/>
+                  </a:ext>
+                </a:extLst>
+              </a:tr>
+              <a:tr h="254402">
+                <a:tc>
+                  <a:txBody>
+                    <a:bodyPr/>
+                    <a:lstStyle/>
+                    <a:p>
+                      <a:pPr algn="l" fontAlgn="b">
+                        <a:spcBef>
+                          <a:spcPts val="0"/>
+                        </a:spcBef>
+                        <a:spcAft>
+                          <a:spcPts val="0"/>
+                        </a:spcAft>
+                      </a:pPr>
+                      <a:r>
+                        <a:rPr lang="en-US" sz="800" u="none" strike="noStrike">
+                          <a:effectLst/>
+                        </a:rPr>
+                        <a:t>  Customer_Age  </a:t>
+                      </a:r>
+                      <a:endParaRPr lang="en-US" sz="1200" b="0" i="0" u="none" strike="noStrike">
+                        <a:effectLst/>
+                        <a:latin typeface="Arial" panose="020B0604020202020204" pitchFamily="34" charset="0"/>
+                      </a:endParaRPr>
+                    </a:p>
+                  </a:txBody>
+                  <a:tcPr marL="5872" marR="5872" marT="5872" marB="0" anchor="ctr">
+                    <a:cell3D prstMaterial="dkEdge">
+                      <a:bevel w="25400" h="25400" prst="angle"/>
+                      <a:lightRig rig="flood" dir="t"/>
+                    </a:cell3D>
+                  </a:tcPr>
+                </a:tc>
+                <a:tc>
+                  <a:txBody>
+                    <a:bodyPr/>
+                    <a:lstStyle/>
+                    <a:p>
+                      <a:pPr algn="ctr" fontAlgn="b">
+                        <a:spcBef>
+                          <a:spcPts val="0"/>
+                        </a:spcBef>
+                        <a:spcAft>
+                          <a:spcPts val="0"/>
+                        </a:spcAft>
+                      </a:pPr>
+                      <a:r>
+                        <a:rPr lang="en-US" sz="800" u="none" strike="noStrike">
+                          <a:effectLst/>
+                        </a:rPr>
+                        <a:t> similar </a:t>
+                      </a:r>
+                      <a:endParaRPr lang="en-US" sz="1200" b="0" i="0" u="none" strike="noStrike">
+                        <a:effectLst/>
+                        <a:latin typeface="Arial" panose="020B0604020202020204" pitchFamily="34" charset="0"/>
+                      </a:endParaRPr>
+                    </a:p>
+                  </a:txBody>
+                  <a:tcPr marL="5872" marR="5872" marT="5872" marB="0" anchor="ctr">
+                    <a:cell3D prstMaterial="dkEdge">
+                      <a:bevel w="25400" h="25400" prst="angle"/>
+                      <a:lightRig rig="flood" dir="t"/>
+                    </a:cell3D>
+                  </a:tcPr>
+                </a:tc>
+                <a:tc>
+                  <a:txBody>
+                    <a:bodyPr/>
+                    <a:lstStyle/>
+                    <a:p>
+                      <a:pPr algn="ctr" fontAlgn="b">
+                        <a:spcBef>
+                          <a:spcPts val="0"/>
+                        </a:spcBef>
+                        <a:spcAft>
+                          <a:spcPts val="0"/>
+                        </a:spcAft>
+                      </a:pPr>
+                      <a:r>
+                        <a:rPr lang="en-US" sz="800" u="none" strike="noStrike" dirty="0">
+                          <a:effectLst/>
+                        </a:rPr>
+                        <a:t> similar </a:t>
+                      </a:r>
+                      <a:endParaRPr lang="en-US" sz="1200" b="0" i="0" u="none" strike="noStrike" dirty="0">
+                        <a:effectLst/>
+                        <a:latin typeface="Arial" panose="020B0604020202020204" pitchFamily="34" charset="0"/>
+                      </a:endParaRPr>
+                    </a:p>
+                  </a:txBody>
+                  <a:tcPr marL="5872" marR="5872" marT="5872" marB="0" anchor="ctr">
+                    <a:cell3D prstMaterial="dkEdge">
+                      <a:bevel w="25400" h="25400" prst="angle"/>
+                      <a:lightRig rig="flood" dir="t"/>
+                    </a:cell3D>
+                  </a:tcPr>
+                </a:tc>
+                <a:tc>
+                  <a:txBody>
+                    <a:bodyPr/>
+                    <a:lstStyle/>
+                    <a:p>
+                      <a:pPr algn="ctr" fontAlgn="b">
+                        <a:spcBef>
+                          <a:spcPts val="0"/>
+                        </a:spcBef>
+                        <a:spcAft>
+                          <a:spcPts val="0"/>
+                        </a:spcAft>
+                      </a:pPr>
+                      <a:r>
+                        <a:rPr lang="en-US" sz="800" u="none" strike="noStrike" dirty="0">
+                          <a:effectLst/>
+                        </a:rPr>
+                        <a:t> similar </a:t>
+                      </a:r>
+                      <a:endParaRPr lang="en-US" sz="1200" b="0" i="0" u="none" strike="noStrike" dirty="0">
+                        <a:effectLst/>
+                        <a:latin typeface="Arial" panose="020B0604020202020204" pitchFamily="34" charset="0"/>
+                      </a:endParaRPr>
+                    </a:p>
+                  </a:txBody>
+                  <a:tcPr marL="5872" marR="5872" marT="5872" marB="0" anchor="ctr">
+                    <a:cell3D prstMaterial="dkEdge">
+                      <a:bevel w="25400" h="25400" prst="angle"/>
+                      <a:lightRig rig="flood" dir="t"/>
+                    </a:cell3D>
+                  </a:tcPr>
+                </a:tc>
+                <a:tc>
+                  <a:txBody>
+                    <a:bodyPr/>
+                    <a:lstStyle/>
+                    <a:p>
+                      <a:pPr algn="ctr" fontAlgn="b">
+                        <a:spcBef>
+                          <a:spcPts val="0"/>
+                        </a:spcBef>
+                        <a:spcAft>
+                          <a:spcPts val="0"/>
+                        </a:spcAft>
+                      </a:pPr>
+                      <a:r>
+                        <a:rPr lang="en-US" sz="800" u="none" strike="noStrike">
+                          <a:effectLst/>
+                        </a:rPr>
+                        <a:t> older </a:t>
+                      </a:r>
+                      <a:endParaRPr lang="en-US" sz="1200" b="0" i="0" u="none" strike="noStrike">
+                        <a:effectLst/>
+                        <a:latin typeface="Arial" panose="020B0604020202020204" pitchFamily="34" charset="0"/>
+                      </a:endParaRPr>
+                    </a:p>
+                  </a:txBody>
+                  <a:tcPr marL="5872" marR="5872" marT="5872" marB="0" anchor="ctr">
+                    <a:cell3D prstMaterial="dkEdge">
+                      <a:bevel w="25400" h="25400" prst="angle"/>
+                      <a:lightRig rig="flood" dir="t"/>
+                    </a:cell3D>
+                  </a:tcPr>
+                </a:tc>
+                <a:tc>
+                  <a:txBody>
+                    <a:bodyPr/>
+                    <a:lstStyle/>
+                    <a:p>
+                      <a:pPr algn="ctr" fontAlgn="b">
+                        <a:spcBef>
+                          <a:spcPts val="0"/>
+                        </a:spcBef>
+                        <a:spcAft>
+                          <a:spcPts val="0"/>
+                        </a:spcAft>
+                      </a:pPr>
+                      <a:r>
+                        <a:rPr lang="en-US" sz="800" u="none" strike="noStrike">
+                          <a:effectLst/>
+                        </a:rPr>
+                        <a:t> similar </a:t>
+                      </a:r>
+                      <a:endParaRPr lang="en-US" sz="1200" b="0" i="0" u="none" strike="noStrike">
+                        <a:effectLst/>
+                        <a:latin typeface="Arial" panose="020B0604020202020204" pitchFamily="34" charset="0"/>
+                      </a:endParaRPr>
+                    </a:p>
+                  </a:txBody>
+                  <a:tcPr marL="5872" marR="5872" marT="5872" marB="0" anchor="ctr">
+                    <a:cell3D prstMaterial="dkEdge">
+                      <a:bevel w="25400" h="25400" prst="angle"/>
+                      <a:lightRig rig="flood" dir="t"/>
+                    </a:cell3D>
+                  </a:tcPr>
+                </a:tc>
+                <a:tc>
+                  <a:txBody>
+                    <a:bodyPr/>
+                    <a:lstStyle/>
+                    <a:p>
+                      <a:pPr algn="ctr" fontAlgn="b">
+                        <a:spcBef>
+                          <a:spcPts val="0"/>
+                        </a:spcBef>
+                        <a:spcAft>
+                          <a:spcPts val="0"/>
+                        </a:spcAft>
+                      </a:pPr>
+                      <a:r>
+                        <a:rPr lang="en-US" sz="800" u="none" strike="noStrike" dirty="0">
+                          <a:effectLst/>
+                        </a:rPr>
+                        <a:t> 3 </a:t>
+                      </a:r>
+                      <a:endParaRPr lang="en-US" sz="1200" b="0" i="0" u="none" strike="noStrike" dirty="0">
+                        <a:effectLst/>
+                        <a:latin typeface="Arial" panose="020B0604020202020204" pitchFamily="34" charset="0"/>
+                      </a:endParaRPr>
+                    </a:p>
+                  </a:txBody>
+                  <a:tcPr marL="5872" marR="5872" marT="5872" marB="0" anchor="ctr">
+                    <a:cell3D prstMaterial="dkEdge">
+                      <a:bevel w="25400" h="25400" prst="angle"/>
+                      <a:lightRig rig="flood" dir="t"/>
+                    </a:cell3D>
+                  </a:tcPr>
+                </a:tc>
+                <a:tc>
+                  <a:txBody>
+                    <a:bodyPr/>
+                    <a:lstStyle/>
+                    <a:p>
+                      <a:pPr algn="l" fontAlgn="b">
+                        <a:spcBef>
+                          <a:spcPts val="0"/>
+                        </a:spcBef>
+                        <a:spcAft>
+                          <a:spcPts val="0"/>
+                        </a:spcAft>
+                      </a:pPr>
+                      <a:r>
+                        <a:rPr lang="en-US" sz="800" u="none" strike="noStrike" dirty="0">
+                          <a:effectLst/>
+                        </a:rPr>
+                        <a:t>  </a:t>
+                      </a:r>
+                      <a:endParaRPr lang="en-US" sz="1200" b="0" i="0" u="none" strike="noStrike" dirty="0">
+                        <a:effectLst/>
+                        <a:latin typeface="Arial" panose="020B0604020202020204" pitchFamily="34" charset="0"/>
+                      </a:endParaRPr>
+                    </a:p>
+                  </a:txBody>
+                  <a:tcPr marL="5872" marR="5872" marT="5872" marB="0" anchor="ctr">
+                    <a:cell3D prstMaterial="dkEdge">
+                      <a:bevel w="25400" h="25400" prst="angle"/>
+                      <a:lightRig rig="flood" dir="t"/>
+                    </a:cell3D>
+                  </a:tcPr>
+                </a:tc>
+                <a:extLst>
+                  <a:ext uri="{0D108BD9-81ED-4DB2-BD59-A6C34878D82A}">
+                    <a16:rowId xmlns:a16="http://schemas.microsoft.com/office/drawing/2014/main" val="2895498725"/>
+                  </a:ext>
+                </a:extLst>
+              </a:tr>
+              <a:tr h="254402">
+                <a:tc>
+                  <a:txBody>
+                    <a:bodyPr/>
+                    <a:lstStyle/>
+                    <a:p>
+                      <a:pPr algn="l" fontAlgn="b">
+                        <a:spcBef>
+                          <a:spcPts val="0"/>
+                        </a:spcBef>
+                        <a:spcAft>
+                          <a:spcPts val="0"/>
+                        </a:spcAft>
+                      </a:pPr>
+                      <a:r>
+                        <a:rPr lang="en-US" sz="800" u="none" strike="noStrike">
+                          <a:effectLst/>
+                        </a:rPr>
+                        <a:t>  Dependent_count  </a:t>
+                      </a:r>
+                      <a:endParaRPr lang="en-US" sz="1200" b="0" i="0" u="none" strike="noStrike">
+                        <a:effectLst/>
+                        <a:latin typeface="Arial" panose="020B0604020202020204" pitchFamily="34" charset="0"/>
+                      </a:endParaRPr>
+                    </a:p>
+                  </a:txBody>
+                  <a:tcPr marL="5872" marR="5872" marT="5872" marB="0" anchor="ctr">
+                    <a:cell3D prstMaterial="dkEdge">
+                      <a:bevel w="25400" h="25400" prst="angle"/>
+                      <a:lightRig rig="flood" dir="t"/>
+                    </a:cell3D>
+                  </a:tcPr>
+                </a:tc>
+                <a:tc>
+                  <a:txBody>
+                    <a:bodyPr/>
+                    <a:lstStyle/>
+                    <a:p>
+                      <a:pPr algn="ctr" fontAlgn="b">
+                        <a:spcBef>
+                          <a:spcPts val="0"/>
+                        </a:spcBef>
+                        <a:spcAft>
+                          <a:spcPts val="0"/>
+                        </a:spcAft>
+                      </a:pPr>
+                      <a:r>
+                        <a:rPr lang="en-US" sz="800" u="none" strike="noStrike">
+                          <a:effectLst/>
+                        </a:rPr>
+                        <a:t> spread </a:t>
+                      </a:r>
+                      <a:endParaRPr lang="en-US" sz="1200" b="0" i="0" u="none" strike="noStrike">
+                        <a:effectLst/>
+                        <a:latin typeface="Arial" panose="020B0604020202020204" pitchFamily="34" charset="0"/>
+                      </a:endParaRPr>
+                    </a:p>
+                  </a:txBody>
+                  <a:tcPr marL="5872" marR="5872" marT="5872" marB="0" anchor="ctr">
+                    <a:cell3D prstMaterial="dkEdge">
+                      <a:bevel w="25400" h="25400" prst="angle"/>
+                      <a:lightRig rig="flood" dir="t"/>
+                    </a:cell3D>
+                  </a:tcPr>
+                </a:tc>
+                <a:tc>
+                  <a:txBody>
+                    <a:bodyPr/>
+                    <a:lstStyle/>
+                    <a:p>
+                      <a:pPr algn="ctr" fontAlgn="b">
+                        <a:spcBef>
+                          <a:spcPts val="0"/>
+                        </a:spcBef>
+                        <a:spcAft>
+                          <a:spcPts val="0"/>
+                        </a:spcAft>
+                      </a:pPr>
+                      <a:r>
+                        <a:rPr lang="en-US" sz="800" u="none" strike="noStrike" dirty="0">
+                          <a:effectLst/>
+                        </a:rPr>
+                        <a:t> spread </a:t>
+                      </a:r>
+                      <a:endParaRPr lang="en-US" sz="1200" b="0" i="0" u="none" strike="noStrike" dirty="0">
+                        <a:effectLst/>
+                        <a:latin typeface="Arial" panose="020B0604020202020204" pitchFamily="34" charset="0"/>
+                      </a:endParaRPr>
+                    </a:p>
+                  </a:txBody>
+                  <a:tcPr marL="5872" marR="5872" marT="5872" marB="0" anchor="ctr">
+                    <a:cell3D prstMaterial="dkEdge">
+                      <a:bevel w="25400" h="25400" prst="angle"/>
+                      <a:lightRig rig="flood" dir="t"/>
+                    </a:cell3D>
+                  </a:tcPr>
+                </a:tc>
+                <a:tc>
+                  <a:txBody>
+                    <a:bodyPr/>
+                    <a:lstStyle/>
+                    <a:p>
+                      <a:pPr algn="ctr" fontAlgn="b">
+                        <a:spcBef>
+                          <a:spcPts val="0"/>
+                        </a:spcBef>
+                        <a:spcAft>
+                          <a:spcPts val="0"/>
+                        </a:spcAft>
+                      </a:pPr>
+                      <a:r>
+                        <a:rPr lang="en-US" sz="800" u="none" strike="noStrike">
+                          <a:effectLst/>
+                        </a:rPr>
+                        <a:t> spread </a:t>
+                      </a:r>
+                      <a:endParaRPr lang="en-US" sz="1200" b="0" i="0" u="none" strike="noStrike">
+                        <a:effectLst/>
+                        <a:latin typeface="Arial" panose="020B0604020202020204" pitchFamily="34" charset="0"/>
+                      </a:endParaRPr>
+                    </a:p>
+                  </a:txBody>
+                  <a:tcPr marL="5872" marR="5872" marT="5872" marB="0" anchor="ctr">
+                    <a:cell3D prstMaterial="dkEdge">
+                      <a:bevel w="25400" h="25400" prst="angle"/>
+                      <a:lightRig rig="flood" dir="t"/>
+                    </a:cell3D>
+                  </a:tcPr>
+                </a:tc>
+                <a:tc>
+                  <a:txBody>
+                    <a:bodyPr/>
+                    <a:lstStyle/>
+                    <a:p>
+                      <a:pPr algn="ctr" fontAlgn="b">
+                        <a:spcBef>
+                          <a:spcPts val="0"/>
+                        </a:spcBef>
+                        <a:spcAft>
+                          <a:spcPts val="0"/>
+                        </a:spcAft>
+                      </a:pPr>
+                      <a:r>
+                        <a:rPr lang="en-US" sz="800" u="none" strike="noStrike">
+                          <a:effectLst/>
+                        </a:rPr>
+                        <a:t> low </a:t>
+                      </a:r>
+                      <a:endParaRPr lang="en-US" sz="1200" b="0" i="0" u="none" strike="noStrike">
+                        <a:effectLst/>
+                        <a:latin typeface="Arial" panose="020B0604020202020204" pitchFamily="34" charset="0"/>
+                      </a:endParaRPr>
+                    </a:p>
+                  </a:txBody>
+                  <a:tcPr marL="5872" marR="5872" marT="5872" marB="0" anchor="ctr">
+                    <a:cell3D prstMaterial="dkEdge">
+                      <a:bevel w="25400" h="25400" prst="angle"/>
+                      <a:lightRig rig="flood" dir="t"/>
+                    </a:cell3D>
+                  </a:tcPr>
+                </a:tc>
+                <a:tc>
+                  <a:txBody>
+                    <a:bodyPr/>
+                    <a:lstStyle/>
+                    <a:p>
+                      <a:pPr algn="ctr" fontAlgn="b">
+                        <a:spcBef>
+                          <a:spcPts val="0"/>
+                        </a:spcBef>
+                        <a:spcAft>
+                          <a:spcPts val="0"/>
+                        </a:spcAft>
+                      </a:pPr>
+                      <a:r>
+                        <a:rPr lang="en-US" sz="800" u="none" strike="noStrike">
+                          <a:effectLst/>
+                        </a:rPr>
+                        <a:t> spread </a:t>
+                      </a:r>
+                      <a:endParaRPr lang="en-US" sz="1200" b="0" i="0" u="none" strike="noStrike">
+                        <a:effectLst/>
+                        <a:latin typeface="Arial" panose="020B0604020202020204" pitchFamily="34" charset="0"/>
+                      </a:endParaRPr>
+                    </a:p>
+                  </a:txBody>
+                  <a:tcPr marL="5872" marR="5872" marT="5872" marB="0" anchor="ctr">
+                    <a:cell3D prstMaterial="dkEdge">
+                      <a:bevel w="25400" h="25400" prst="angle"/>
+                      <a:lightRig rig="flood" dir="t"/>
+                    </a:cell3D>
+                  </a:tcPr>
+                </a:tc>
+                <a:tc>
+                  <a:txBody>
+                    <a:bodyPr/>
+                    <a:lstStyle/>
+                    <a:p>
+                      <a:pPr algn="ctr" fontAlgn="b">
+                        <a:spcBef>
+                          <a:spcPts val="0"/>
+                        </a:spcBef>
+                        <a:spcAft>
+                          <a:spcPts val="0"/>
+                        </a:spcAft>
+                      </a:pPr>
+                      <a:r>
+                        <a:rPr lang="en-US" sz="800" u="none" strike="noStrike">
+                          <a:effectLst/>
+                        </a:rPr>
+                        <a:t> 1 </a:t>
+                      </a:r>
+                      <a:endParaRPr lang="en-US" sz="1200" b="0" i="0" u="none" strike="noStrike">
+                        <a:effectLst/>
+                        <a:latin typeface="Arial" panose="020B0604020202020204" pitchFamily="34" charset="0"/>
+                      </a:endParaRPr>
+                    </a:p>
+                  </a:txBody>
+                  <a:tcPr marL="5872" marR="5872" marT="5872" marB="0" anchor="ctr">
+                    <a:cell3D prstMaterial="dkEdge">
+                      <a:bevel w="25400" h="25400" prst="angle"/>
+                      <a:lightRig rig="flood" dir="t"/>
+                    </a:cell3D>
+                  </a:tcPr>
+                </a:tc>
+                <a:tc>
+                  <a:txBody>
+                    <a:bodyPr/>
+                    <a:lstStyle/>
+                    <a:p>
+                      <a:pPr algn="l" fontAlgn="b">
+                        <a:spcBef>
+                          <a:spcPts val="0"/>
+                        </a:spcBef>
+                        <a:spcAft>
+                          <a:spcPts val="0"/>
+                        </a:spcAft>
+                      </a:pPr>
+                      <a:r>
+                        <a:rPr lang="en-US" sz="800" u="none" strike="noStrike">
+                          <a:effectLst/>
+                        </a:rPr>
+                        <a:t> count 3 and 4   is risky </a:t>
+                      </a:r>
+                      <a:endParaRPr lang="en-US" sz="1200" b="0" i="0" u="none" strike="noStrike">
+                        <a:effectLst/>
+                        <a:latin typeface="Arial" panose="020B0604020202020204" pitchFamily="34" charset="0"/>
+                      </a:endParaRPr>
+                    </a:p>
+                  </a:txBody>
+                  <a:tcPr marL="5872" marR="5872" marT="5872" marB="0" anchor="ctr">
+                    <a:cell3D prstMaterial="dkEdge">
+                      <a:bevel w="25400" h="25400" prst="angle"/>
+                      <a:lightRig rig="flood" dir="t"/>
+                    </a:cell3D>
+                  </a:tcPr>
+                </a:tc>
+                <a:extLst>
+                  <a:ext uri="{0D108BD9-81ED-4DB2-BD59-A6C34878D82A}">
+                    <a16:rowId xmlns:a16="http://schemas.microsoft.com/office/drawing/2014/main" val="3120753049"/>
+                  </a:ext>
+                </a:extLst>
+              </a:tr>
+              <a:tr h="254402">
+                <a:tc>
+                  <a:txBody>
+                    <a:bodyPr/>
+                    <a:lstStyle/>
+                    <a:p>
+                      <a:pPr algn="l" fontAlgn="b">
+                        <a:spcBef>
+                          <a:spcPts val="0"/>
+                        </a:spcBef>
+                        <a:spcAft>
+                          <a:spcPts val="0"/>
+                        </a:spcAft>
+                      </a:pPr>
+                      <a:r>
+                        <a:rPr lang="en-US" sz="800" u="none" strike="noStrike">
+                          <a:effectLst/>
+                        </a:rPr>
+                        <a:t>  Education_Level  </a:t>
+                      </a:r>
+                      <a:endParaRPr lang="en-US" sz="1200" b="0" i="0" u="none" strike="noStrike">
+                        <a:effectLst/>
+                        <a:latin typeface="Arial" panose="020B0604020202020204" pitchFamily="34" charset="0"/>
+                      </a:endParaRPr>
+                    </a:p>
+                  </a:txBody>
+                  <a:tcPr marL="5872" marR="5872" marT="5872" marB="0" anchor="ctr">
+                    <a:cell3D prstMaterial="dkEdge">
+                      <a:bevel w="25400" h="25400" prst="angle"/>
+                      <a:lightRig rig="flood" dir="t"/>
+                    </a:cell3D>
+                  </a:tcPr>
+                </a:tc>
+                <a:tc>
+                  <a:txBody>
+                    <a:bodyPr/>
+                    <a:lstStyle/>
+                    <a:p>
+                      <a:pPr algn="ctr" fontAlgn="b">
+                        <a:spcBef>
+                          <a:spcPts val="0"/>
+                        </a:spcBef>
+                        <a:spcAft>
+                          <a:spcPts val="0"/>
+                        </a:spcAft>
+                      </a:pPr>
+                      <a:r>
+                        <a:rPr lang="en-US" sz="800" u="none" strike="noStrike">
+                          <a:effectLst/>
+                        </a:rPr>
+                        <a:t> Graduate </a:t>
+                      </a:r>
+                      <a:endParaRPr lang="en-US" sz="1200" b="0" i="0" u="none" strike="noStrike">
+                        <a:effectLst/>
+                        <a:latin typeface="Arial" panose="020B0604020202020204" pitchFamily="34" charset="0"/>
+                      </a:endParaRPr>
+                    </a:p>
+                  </a:txBody>
+                  <a:tcPr marL="5872" marR="5872" marT="5872" marB="0" anchor="ctr">
+                    <a:cell3D prstMaterial="dkEdge">
+                      <a:bevel w="25400" h="25400" prst="angle"/>
+                      <a:lightRig rig="flood" dir="t"/>
+                    </a:cell3D>
+                  </a:tcPr>
+                </a:tc>
+                <a:tc>
+                  <a:txBody>
+                    <a:bodyPr/>
+                    <a:lstStyle/>
+                    <a:p>
+                      <a:pPr algn="ctr" fontAlgn="b">
+                        <a:spcBef>
+                          <a:spcPts val="0"/>
+                        </a:spcBef>
+                        <a:spcAft>
+                          <a:spcPts val="0"/>
+                        </a:spcAft>
+                      </a:pPr>
+                      <a:r>
+                        <a:rPr lang="en-US" sz="800" u="none" strike="noStrike">
+                          <a:effectLst/>
+                        </a:rPr>
+                        <a:t> Graduate </a:t>
+                      </a:r>
+                      <a:endParaRPr lang="en-US" sz="1200" b="0" i="0" u="none" strike="noStrike">
+                        <a:effectLst/>
+                        <a:latin typeface="Arial" panose="020B0604020202020204" pitchFamily="34" charset="0"/>
+                      </a:endParaRPr>
+                    </a:p>
+                  </a:txBody>
+                  <a:tcPr marL="5872" marR="5872" marT="5872" marB="0" anchor="ctr">
+                    <a:cell3D prstMaterial="dkEdge">
+                      <a:bevel w="25400" h="25400" prst="angle"/>
+                      <a:lightRig rig="flood" dir="t"/>
+                    </a:cell3D>
+                  </a:tcPr>
+                </a:tc>
+                <a:tc>
+                  <a:txBody>
+                    <a:bodyPr/>
+                    <a:lstStyle/>
+                    <a:p>
+                      <a:pPr algn="ctr" fontAlgn="b">
+                        <a:spcBef>
+                          <a:spcPts val="0"/>
+                        </a:spcBef>
+                        <a:spcAft>
+                          <a:spcPts val="0"/>
+                        </a:spcAft>
+                      </a:pPr>
+                      <a:r>
+                        <a:rPr lang="en-US" sz="800" u="none" strike="noStrike">
+                          <a:effectLst/>
+                        </a:rPr>
+                        <a:t> College </a:t>
+                      </a:r>
+                      <a:endParaRPr lang="en-US" sz="1200" b="0" i="0" u="none" strike="noStrike">
+                        <a:effectLst/>
+                        <a:latin typeface="Arial" panose="020B0604020202020204" pitchFamily="34" charset="0"/>
+                      </a:endParaRPr>
+                    </a:p>
+                  </a:txBody>
+                  <a:tcPr marL="5872" marR="5872" marT="5872" marB="0" anchor="ctr">
+                    <a:cell3D prstMaterial="dkEdge">
+                      <a:bevel w="25400" h="25400" prst="angle"/>
+                      <a:lightRig rig="flood" dir="t"/>
+                    </a:cell3D>
+                  </a:tcPr>
+                </a:tc>
+                <a:tc>
+                  <a:txBody>
+                    <a:bodyPr/>
+                    <a:lstStyle/>
+                    <a:p>
+                      <a:pPr algn="ctr" fontAlgn="b">
+                        <a:spcBef>
+                          <a:spcPts val="0"/>
+                        </a:spcBef>
+                        <a:spcAft>
+                          <a:spcPts val="0"/>
+                        </a:spcAft>
+                      </a:pPr>
+                      <a:r>
+                        <a:rPr lang="en-US" sz="800" u="none" strike="noStrike" dirty="0">
+                          <a:effectLst/>
+                        </a:rPr>
+                        <a:t> College </a:t>
+                      </a:r>
+                      <a:endParaRPr lang="en-US" sz="1200" b="0" i="0" u="none" strike="noStrike" dirty="0">
+                        <a:effectLst/>
+                        <a:latin typeface="Arial" panose="020B0604020202020204" pitchFamily="34" charset="0"/>
+                      </a:endParaRPr>
+                    </a:p>
+                  </a:txBody>
+                  <a:tcPr marL="5872" marR="5872" marT="5872" marB="0" anchor="ctr">
+                    <a:cell3D prstMaterial="dkEdge">
+                      <a:bevel w="25400" h="25400" prst="angle"/>
+                      <a:lightRig rig="flood" dir="t"/>
+                    </a:cell3D>
+                  </a:tcPr>
+                </a:tc>
+                <a:tc>
+                  <a:txBody>
+                    <a:bodyPr/>
+                    <a:lstStyle/>
+                    <a:p>
+                      <a:pPr algn="ctr" fontAlgn="b">
+                        <a:spcBef>
+                          <a:spcPts val="0"/>
+                        </a:spcBef>
+                        <a:spcAft>
+                          <a:spcPts val="0"/>
+                        </a:spcAft>
+                      </a:pPr>
+                      <a:r>
+                        <a:rPr lang="en-US" sz="800" u="none" strike="noStrike">
+                          <a:effectLst/>
+                        </a:rPr>
+                        <a:t> Uneducated </a:t>
+                      </a:r>
+                      <a:endParaRPr lang="en-US" sz="1200" b="0" i="0" u="none" strike="noStrike">
+                        <a:effectLst/>
+                        <a:latin typeface="Arial" panose="020B0604020202020204" pitchFamily="34" charset="0"/>
+                      </a:endParaRPr>
+                    </a:p>
+                  </a:txBody>
+                  <a:tcPr marL="5872" marR="5872" marT="5872" marB="0" anchor="ctr">
+                    <a:cell3D prstMaterial="dkEdge">
+                      <a:bevel w="25400" h="25400" prst="angle"/>
+                      <a:lightRig rig="flood" dir="t"/>
+                    </a:cell3D>
+                  </a:tcPr>
+                </a:tc>
+                <a:tc>
+                  <a:txBody>
+                    <a:bodyPr/>
+                    <a:lstStyle/>
+                    <a:p>
+                      <a:pPr algn="ctr" fontAlgn="b">
+                        <a:spcBef>
+                          <a:spcPts val="0"/>
+                        </a:spcBef>
+                        <a:spcAft>
+                          <a:spcPts val="0"/>
+                        </a:spcAft>
+                      </a:pPr>
+                      <a:r>
+                        <a:rPr lang="en-US" sz="800" u="none" strike="noStrike" dirty="0">
+                          <a:effectLst/>
+                        </a:rPr>
+                        <a:t> 1 </a:t>
+                      </a:r>
+                      <a:endParaRPr lang="en-US" sz="1200" b="0" i="0" u="none" strike="noStrike" dirty="0">
+                        <a:effectLst/>
+                        <a:latin typeface="Arial" panose="020B0604020202020204" pitchFamily="34" charset="0"/>
+                      </a:endParaRPr>
+                    </a:p>
+                  </a:txBody>
+                  <a:tcPr marL="5872" marR="5872" marT="5872" marB="0" anchor="ctr">
+                    <a:cell3D prstMaterial="dkEdge">
+                      <a:bevel w="25400" h="25400" prst="angle"/>
+                      <a:lightRig rig="flood" dir="t"/>
+                    </a:cell3D>
+                  </a:tcPr>
+                </a:tc>
+                <a:tc>
+                  <a:txBody>
+                    <a:bodyPr/>
+                    <a:lstStyle/>
+                    <a:p>
+                      <a:pPr algn="l" fontAlgn="b">
+                        <a:spcBef>
+                          <a:spcPts val="0"/>
+                        </a:spcBef>
+                        <a:spcAft>
+                          <a:spcPts val="0"/>
+                        </a:spcAft>
+                      </a:pPr>
+                      <a:r>
+                        <a:rPr lang="en-US" sz="800" u="none" strike="noStrike">
+                          <a:effectLst/>
+                        </a:rPr>
+                        <a:t> Graduates &gt;HS &gt;= Unknown&gt;=Uneducated, PG and PhD   is less likely </a:t>
+                      </a:r>
+                      <a:endParaRPr lang="en-US" sz="1200" b="0" i="0" u="none" strike="noStrike">
+                        <a:effectLst/>
+                        <a:latin typeface="Arial" panose="020B0604020202020204" pitchFamily="34" charset="0"/>
+                      </a:endParaRPr>
+                    </a:p>
+                  </a:txBody>
+                  <a:tcPr marL="5872" marR="5872" marT="5872" marB="0" anchor="ctr">
+                    <a:cell3D prstMaterial="dkEdge">
+                      <a:bevel w="25400" h="25400" prst="angle"/>
+                      <a:lightRig rig="flood" dir="t"/>
+                    </a:cell3D>
+                  </a:tcPr>
+                </a:tc>
+                <a:extLst>
+                  <a:ext uri="{0D108BD9-81ED-4DB2-BD59-A6C34878D82A}">
+                    <a16:rowId xmlns:a16="http://schemas.microsoft.com/office/drawing/2014/main" val="3915110471"/>
+                  </a:ext>
+                </a:extLst>
+              </a:tr>
+              <a:tr h="254402">
+                <a:tc>
+                  <a:txBody>
+                    <a:bodyPr/>
+                    <a:lstStyle/>
+                    <a:p>
+                      <a:pPr algn="l" fontAlgn="b">
+                        <a:spcBef>
+                          <a:spcPts val="0"/>
+                        </a:spcBef>
+                        <a:spcAft>
+                          <a:spcPts val="0"/>
+                        </a:spcAft>
+                      </a:pPr>
+                      <a:r>
+                        <a:rPr lang="en-US" sz="800" u="none" strike="noStrike">
+                          <a:effectLst/>
+                        </a:rPr>
+                        <a:t>  Gender  </a:t>
+                      </a:r>
+                      <a:endParaRPr lang="en-US" sz="1200" b="0" i="0" u="none" strike="noStrike">
+                        <a:effectLst/>
+                        <a:latin typeface="Arial" panose="020B0604020202020204" pitchFamily="34" charset="0"/>
+                      </a:endParaRPr>
+                    </a:p>
+                  </a:txBody>
+                  <a:tcPr marL="5872" marR="5872" marT="5872" marB="0" anchor="ctr">
+                    <a:cell3D prstMaterial="dkEdge">
+                      <a:bevel w="25400" h="25400" prst="angle"/>
+                      <a:lightRig rig="flood" dir="t"/>
+                    </a:cell3D>
+                  </a:tcPr>
+                </a:tc>
+                <a:tc>
+                  <a:txBody>
+                    <a:bodyPr/>
+                    <a:lstStyle/>
+                    <a:p>
+                      <a:pPr algn="ctr" fontAlgn="b">
+                        <a:spcBef>
+                          <a:spcPts val="0"/>
+                        </a:spcBef>
+                        <a:spcAft>
+                          <a:spcPts val="0"/>
+                        </a:spcAft>
+                      </a:pPr>
+                      <a:r>
+                        <a:rPr lang="en-US" sz="800" u="none" strike="noStrike">
+                          <a:effectLst/>
+                        </a:rPr>
+                        <a:t> M </a:t>
+                      </a:r>
+                      <a:endParaRPr lang="en-US" sz="1200" b="0" i="0" u="none" strike="noStrike">
+                        <a:effectLst/>
+                        <a:latin typeface="Arial" panose="020B0604020202020204" pitchFamily="34" charset="0"/>
+                      </a:endParaRPr>
+                    </a:p>
+                  </a:txBody>
+                  <a:tcPr marL="5872" marR="5872" marT="5872" marB="0" anchor="ctr">
+                    <a:cell3D prstMaterial="dkEdge">
+                      <a:bevel w="25400" h="25400" prst="angle"/>
+                      <a:lightRig rig="flood" dir="t"/>
+                    </a:cell3D>
+                  </a:tcPr>
+                </a:tc>
+                <a:tc>
+                  <a:txBody>
+                    <a:bodyPr/>
+                    <a:lstStyle/>
+                    <a:p>
+                      <a:pPr algn="ctr" fontAlgn="b">
+                        <a:spcBef>
+                          <a:spcPts val="0"/>
+                        </a:spcBef>
+                        <a:spcAft>
+                          <a:spcPts val="0"/>
+                        </a:spcAft>
+                      </a:pPr>
+                      <a:r>
+                        <a:rPr lang="en-US" sz="800" u="none" strike="noStrike">
+                          <a:effectLst/>
+                        </a:rPr>
+                        <a:t> F </a:t>
+                      </a:r>
+                      <a:endParaRPr lang="en-US" sz="1200" b="0" i="0" u="none" strike="noStrike">
+                        <a:effectLst/>
+                        <a:latin typeface="Arial" panose="020B0604020202020204" pitchFamily="34" charset="0"/>
+                      </a:endParaRPr>
+                    </a:p>
+                  </a:txBody>
+                  <a:tcPr marL="5872" marR="5872" marT="5872" marB="0" anchor="ctr">
+                    <a:cell3D prstMaterial="dkEdge">
+                      <a:bevel w="25400" h="25400" prst="angle"/>
+                      <a:lightRig rig="flood" dir="t"/>
+                    </a:cell3D>
+                  </a:tcPr>
+                </a:tc>
+                <a:tc>
+                  <a:txBody>
+                    <a:bodyPr/>
+                    <a:lstStyle/>
+                    <a:p>
+                      <a:pPr algn="ctr" fontAlgn="b">
+                        <a:spcBef>
+                          <a:spcPts val="0"/>
+                        </a:spcBef>
+                        <a:spcAft>
+                          <a:spcPts val="0"/>
+                        </a:spcAft>
+                      </a:pPr>
+                      <a:r>
+                        <a:rPr lang="en-US" sz="800" u="none" strike="noStrike">
+                          <a:effectLst/>
+                        </a:rPr>
+                        <a:t> F </a:t>
+                      </a:r>
+                      <a:endParaRPr lang="en-US" sz="1200" b="0" i="0" u="none" strike="noStrike">
+                        <a:effectLst/>
+                        <a:latin typeface="Arial" panose="020B0604020202020204" pitchFamily="34" charset="0"/>
+                      </a:endParaRPr>
+                    </a:p>
+                  </a:txBody>
+                  <a:tcPr marL="5872" marR="5872" marT="5872" marB="0" anchor="ctr">
+                    <a:cell3D prstMaterial="dkEdge">
+                      <a:bevel w="25400" h="25400" prst="angle"/>
+                      <a:lightRig rig="flood" dir="t"/>
+                    </a:cell3D>
+                  </a:tcPr>
+                </a:tc>
+                <a:tc>
+                  <a:txBody>
+                    <a:bodyPr/>
+                    <a:lstStyle/>
+                    <a:p>
+                      <a:pPr algn="ctr" fontAlgn="b">
+                        <a:spcBef>
+                          <a:spcPts val="0"/>
+                        </a:spcBef>
+                        <a:spcAft>
+                          <a:spcPts val="0"/>
+                        </a:spcAft>
+                      </a:pPr>
+                      <a:r>
+                        <a:rPr lang="en-US" sz="800" u="none" strike="noStrike">
+                          <a:effectLst/>
+                        </a:rPr>
+                        <a:t> F </a:t>
+                      </a:r>
+                      <a:endParaRPr lang="en-US" sz="1200" b="0" i="0" u="none" strike="noStrike">
+                        <a:effectLst/>
+                        <a:latin typeface="Arial" panose="020B0604020202020204" pitchFamily="34" charset="0"/>
+                      </a:endParaRPr>
+                    </a:p>
+                  </a:txBody>
+                  <a:tcPr marL="5872" marR="5872" marT="5872" marB="0" anchor="ctr">
+                    <a:cell3D prstMaterial="dkEdge">
+                      <a:bevel w="25400" h="25400" prst="angle"/>
+                      <a:lightRig rig="flood" dir="t"/>
+                    </a:cell3D>
+                  </a:tcPr>
+                </a:tc>
+                <a:tc>
+                  <a:txBody>
+                    <a:bodyPr/>
+                    <a:lstStyle/>
+                    <a:p>
+                      <a:pPr algn="ctr" fontAlgn="b">
+                        <a:spcBef>
+                          <a:spcPts val="0"/>
+                        </a:spcBef>
+                        <a:spcAft>
+                          <a:spcPts val="0"/>
+                        </a:spcAft>
+                      </a:pPr>
+                      <a:r>
+                        <a:rPr lang="en-US" sz="800" u="none" strike="noStrike" dirty="0">
+                          <a:effectLst/>
+                        </a:rPr>
+                        <a:t> M </a:t>
+                      </a:r>
+                      <a:endParaRPr lang="en-US" sz="1200" b="0" i="0" u="none" strike="noStrike" dirty="0">
+                        <a:effectLst/>
+                        <a:latin typeface="Arial" panose="020B0604020202020204" pitchFamily="34" charset="0"/>
+                      </a:endParaRPr>
+                    </a:p>
+                  </a:txBody>
+                  <a:tcPr marL="5872" marR="5872" marT="5872" marB="0" anchor="ctr">
+                    <a:cell3D prstMaterial="dkEdge">
+                      <a:bevel w="25400" h="25400" prst="angle"/>
+                      <a:lightRig rig="flood" dir="t"/>
+                    </a:cell3D>
+                  </a:tcPr>
+                </a:tc>
+                <a:tc>
+                  <a:txBody>
+                    <a:bodyPr/>
+                    <a:lstStyle/>
+                    <a:p>
+                      <a:pPr algn="ctr" fontAlgn="b">
+                        <a:spcBef>
+                          <a:spcPts val="0"/>
+                        </a:spcBef>
+                        <a:spcAft>
+                          <a:spcPts val="0"/>
+                        </a:spcAft>
+                      </a:pPr>
+                      <a:r>
+                        <a:rPr lang="en-US" sz="800" u="none" strike="noStrike">
+                          <a:effectLst/>
+                        </a:rPr>
+                        <a:t> 1 </a:t>
+                      </a:r>
+                      <a:endParaRPr lang="en-US" sz="1200" b="0" i="0" u="none" strike="noStrike">
+                        <a:effectLst/>
+                        <a:latin typeface="Arial" panose="020B0604020202020204" pitchFamily="34" charset="0"/>
+                      </a:endParaRPr>
+                    </a:p>
+                  </a:txBody>
+                  <a:tcPr marL="5872" marR="5872" marT="5872" marB="0" anchor="ctr">
+                    <a:cell3D prstMaterial="dkEdge">
+                      <a:bevel w="25400" h="25400" prst="angle"/>
+                      <a:lightRig rig="flood" dir="t"/>
+                    </a:cell3D>
+                  </a:tcPr>
+                </a:tc>
+                <a:tc>
+                  <a:txBody>
+                    <a:bodyPr/>
+                    <a:lstStyle/>
+                    <a:p>
+                      <a:pPr algn="l" fontAlgn="b">
+                        <a:spcBef>
+                          <a:spcPts val="0"/>
+                        </a:spcBef>
+                        <a:spcAft>
+                          <a:spcPts val="0"/>
+                        </a:spcAft>
+                      </a:pPr>
+                      <a:r>
+                        <a:rPr lang="en-US" sz="800" u="none" strike="noStrike">
+                          <a:effectLst/>
+                        </a:rPr>
+                        <a:t> Females is   risky </a:t>
+                      </a:r>
+                      <a:endParaRPr lang="en-US" sz="1200" b="0" i="0" u="none" strike="noStrike">
+                        <a:effectLst/>
+                        <a:latin typeface="Arial" panose="020B0604020202020204" pitchFamily="34" charset="0"/>
+                      </a:endParaRPr>
+                    </a:p>
+                  </a:txBody>
+                  <a:tcPr marL="5872" marR="5872" marT="5872" marB="0" anchor="ctr">
+                    <a:cell3D prstMaterial="dkEdge">
+                      <a:bevel w="25400" h="25400" prst="angle"/>
+                      <a:lightRig rig="flood" dir="t"/>
+                    </a:cell3D>
+                  </a:tcPr>
+                </a:tc>
+                <a:extLst>
+                  <a:ext uri="{0D108BD9-81ED-4DB2-BD59-A6C34878D82A}">
+                    <a16:rowId xmlns:a16="http://schemas.microsoft.com/office/drawing/2014/main" val="1965204213"/>
+                  </a:ext>
+                </a:extLst>
+              </a:tr>
+              <a:tr h="254402">
+                <a:tc>
+                  <a:txBody>
+                    <a:bodyPr/>
+                    <a:lstStyle/>
+                    <a:p>
+                      <a:pPr algn="l" fontAlgn="b">
+                        <a:spcBef>
+                          <a:spcPts val="0"/>
+                        </a:spcBef>
+                        <a:spcAft>
+                          <a:spcPts val="0"/>
+                        </a:spcAft>
+                      </a:pPr>
+                      <a:r>
+                        <a:rPr lang="en-US" sz="800" u="none" strike="noStrike">
+                          <a:effectLst/>
+                        </a:rPr>
+                        <a:t>  Income_Category  </a:t>
+                      </a:r>
+                      <a:endParaRPr lang="en-US" sz="1200" b="0" i="0" u="none" strike="noStrike">
+                        <a:effectLst/>
+                        <a:latin typeface="Arial" panose="020B0604020202020204" pitchFamily="34" charset="0"/>
+                      </a:endParaRPr>
+                    </a:p>
+                  </a:txBody>
+                  <a:tcPr marL="5872" marR="5872" marT="5872" marB="0" anchor="ctr">
+                    <a:cell3D prstMaterial="dkEdge">
+                      <a:bevel w="25400" h="25400" prst="angle"/>
+                      <a:lightRig rig="flood" dir="t"/>
+                    </a:cell3D>
+                  </a:tcPr>
+                </a:tc>
+                <a:tc>
+                  <a:txBody>
+                    <a:bodyPr/>
+                    <a:lstStyle/>
+                    <a:p>
+                      <a:pPr algn="ctr" fontAlgn="b">
+                        <a:spcBef>
+                          <a:spcPts val="0"/>
+                        </a:spcBef>
+                        <a:spcAft>
+                          <a:spcPts val="0"/>
+                        </a:spcAft>
+                      </a:pPr>
+                      <a:r>
+                        <a:rPr lang="en-US" sz="800" u="none" strike="noStrike">
+                          <a:effectLst/>
+                        </a:rPr>
+                        <a:t> Less_than_40K </a:t>
+                      </a:r>
+                      <a:endParaRPr lang="en-US" sz="1200" b="0" i="0" u="none" strike="noStrike">
+                        <a:effectLst/>
+                        <a:latin typeface="Arial" panose="020B0604020202020204" pitchFamily="34" charset="0"/>
+                      </a:endParaRPr>
+                    </a:p>
+                  </a:txBody>
+                  <a:tcPr marL="5872" marR="5872" marT="5872" marB="0" anchor="ctr">
+                    <a:cell3D prstMaterial="dkEdge">
+                      <a:bevel w="25400" h="25400" prst="angle"/>
+                      <a:lightRig rig="flood" dir="t"/>
+                    </a:cell3D>
+                  </a:tcPr>
+                </a:tc>
+                <a:tc>
+                  <a:txBody>
+                    <a:bodyPr/>
+                    <a:lstStyle/>
+                    <a:p>
+                      <a:pPr algn="ctr" fontAlgn="b">
+                        <a:spcBef>
+                          <a:spcPts val="0"/>
+                        </a:spcBef>
+                        <a:spcAft>
+                          <a:spcPts val="0"/>
+                        </a:spcAft>
+                      </a:pPr>
+                      <a:r>
+                        <a:rPr lang="en-US" sz="800" u="none" strike="noStrike">
+                          <a:effectLst/>
+                        </a:rPr>
+                        <a:t> 40K_to_60K </a:t>
+                      </a:r>
+                      <a:endParaRPr lang="en-US" sz="1200" b="0" i="0" u="none" strike="noStrike">
+                        <a:effectLst/>
+                        <a:latin typeface="Arial" panose="020B0604020202020204" pitchFamily="34" charset="0"/>
+                      </a:endParaRPr>
+                    </a:p>
+                  </a:txBody>
+                  <a:tcPr marL="5872" marR="5872" marT="5872" marB="0" anchor="ctr">
+                    <a:cell3D prstMaterial="dkEdge">
+                      <a:bevel w="25400" h="25400" prst="angle"/>
+                      <a:lightRig rig="flood" dir="t"/>
+                    </a:cell3D>
+                  </a:tcPr>
+                </a:tc>
+                <a:tc>
+                  <a:txBody>
+                    <a:bodyPr/>
+                    <a:lstStyle/>
+                    <a:p>
+                      <a:pPr algn="ctr" fontAlgn="b">
+                        <a:spcBef>
+                          <a:spcPts val="0"/>
+                        </a:spcBef>
+                        <a:spcAft>
+                          <a:spcPts val="0"/>
+                        </a:spcAft>
+                      </a:pPr>
+                      <a:r>
+                        <a:rPr lang="en-US" sz="800" u="none" strike="noStrike" dirty="0">
+                          <a:effectLst/>
+                        </a:rPr>
+                        <a:t> 40K_to_60K </a:t>
+                      </a:r>
+                      <a:endParaRPr lang="en-US" sz="1200" b="0" i="0" u="none" strike="noStrike" dirty="0">
+                        <a:effectLst/>
+                        <a:latin typeface="Arial" panose="020B0604020202020204" pitchFamily="34" charset="0"/>
+                      </a:endParaRPr>
+                    </a:p>
+                  </a:txBody>
+                  <a:tcPr marL="5872" marR="5872" marT="5872" marB="0" anchor="ctr">
+                    <a:cell3D prstMaterial="dkEdge">
+                      <a:bevel w="25400" h="25400" prst="angle"/>
+                      <a:lightRig rig="flood" dir="t"/>
+                    </a:cell3D>
+                  </a:tcPr>
+                </a:tc>
+                <a:tc>
+                  <a:txBody>
+                    <a:bodyPr/>
+                    <a:lstStyle/>
+                    <a:p>
+                      <a:pPr algn="ctr" fontAlgn="b">
+                        <a:spcBef>
+                          <a:spcPts val="0"/>
+                        </a:spcBef>
+                        <a:spcAft>
+                          <a:spcPts val="0"/>
+                        </a:spcAft>
+                      </a:pPr>
+                      <a:r>
+                        <a:rPr lang="en-US" sz="800" u="none" strike="noStrike">
+                          <a:effectLst/>
+                        </a:rPr>
+                        <a:t> Less_than_40K </a:t>
+                      </a:r>
+                      <a:endParaRPr lang="en-US" sz="1200" b="0" i="0" u="none" strike="noStrike">
+                        <a:effectLst/>
+                        <a:latin typeface="Arial" panose="020B0604020202020204" pitchFamily="34" charset="0"/>
+                      </a:endParaRPr>
+                    </a:p>
+                  </a:txBody>
+                  <a:tcPr marL="5872" marR="5872" marT="5872" marB="0" anchor="ctr">
+                    <a:cell3D prstMaterial="dkEdge">
+                      <a:bevel w="25400" h="25400" prst="angle"/>
+                      <a:lightRig rig="flood" dir="t"/>
+                    </a:cell3D>
+                  </a:tcPr>
+                </a:tc>
+                <a:tc>
+                  <a:txBody>
+                    <a:bodyPr/>
+                    <a:lstStyle/>
+                    <a:p>
+                      <a:pPr algn="ctr" fontAlgn="b">
+                        <a:spcBef>
+                          <a:spcPts val="0"/>
+                        </a:spcBef>
+                        <a:spcAft>
+                          <a:spcPts val="0"/>
+                        </a:spcAft>
+                      </a:pPr>
+                      <a:r>
+                        <a:rPr lang="en-US" sz="800" u="none" strike="noStrike" dirty="0">
+                          <a:effectLst/>
+                        </a:rPr>
+                        <a:t> Unknown </a:t>
+                      </a:r>
+                      <a:endParaRPr lang="en-US" sz="1200" b="0" i="0" u="none" strike="noStrike" dirty="0">
+                        <a:effectLst/>
+                        <a:latin typeface="Arial" panose="020B0604020202020204" pitchFamily="34" charset="0"/>
+                      </a:endParaRPr>
+                    </a:p>
+                  </a:txBody>
+                  <a:tcPr marL="5872" marR="5872" marT="5872" marB="0" anchor="ctr">
+                    <a:cell3D prstMaterial="dkEdge">
+                      <a:bevel w="25400" h="25400" prst="angle"/>
+                      <a:lightRig rig="flood" dir="t"/>
+                    </a:cell3D>
+                  </a:tcPr>
+                </a:tc>
+                <a:tc>
+                  <a:txBody>
+                    <a:bodyPr/>
+                    <a:lstStyle/>
+                    <a:p>
+                      <a:pPr algn="ctr" fontAlgn="b">
+                        <a:spcBef>
+                          <a:spcPts val="0"/>
+                        </a:spcBef>
+                        <a:spcAft>
+                          <a:spcPts val="0"/>
+                        </a:spcAft>
+                      </a:pPr>
+                      <a:r>
+                        <a:rPr lang="en-US" sz="800" u="none" strike="noStrike">
+                          <a:effectLst/>
+                        </a:rPr>
+                        <a:t> 1 </a:t>
+                      </a:r>
+                      <a:endParaRPr lang="en-US" sz="1200" b="0" i="0" u="none" strike="noStrike">
+                        <a:effectLst/>
+                        <a:latin typeface="Arial" panose="020B0604020202020204" pitchFamily="34" charset="0"/>
+                      </a:endParaRPr>
+                    </a:p>
+                  </a:txBody>
+                  <a:tcPr marL="5872" marR="5872" marT="5872" marB="0" anchor="ctr">
+                    <a:cell3D prstMaterial="dkEdge">
+                      <a:bevel w="25400" h="25400" prst="angle"/>
+                      <a:lightRig rig="flood" dir="t"/>
+                    </a:cell3D>
+                  </a:tcPr>
+                </a:tc>
+                <a:tc>
+                  <a:txBody>
+                    <a:bodyPr/>
+                    <a:lstStyle/>
+                    <a:p>
+                      <a:pPr algn="l" fontAlgn="b">
+                        <a:spcBef>
+                          <a:spcPts val="0"/>
+                        </a:spcBef>
+                        <a:spcAft>
+                          <a:spcPts val="0"/>
+                        </a:spcAft>
+                      </a:pPr>
+                      <a:r>
+                        <a:rPr lang="en-US" sz="800" u="none" strike="noStrike">
+                          <a:effectLst/>
+                        </a:rPr>
+                        <a:t> Less than 40K </a:t>
+                      </a:r>
+                      <a:endParaRPr lang="en-US" sz="1200" b="0" i="0" u="none" strike="noStrike">
+                        <a:effectLst/>
+                        <a:latin typeface="Arial" panose="020B0604020202020204" pitchFamily="34" charset="0"/>
+                      </a:endParaRPr>
+                    </a:p>
+                  </a:txBody>
+                  <a:tcPr marL="5872" marR="5872" marT="5872" marB="0" anchor="ctr">
+                    <a:cell3D prstMaterial="dkEdge">
+                      <a:bevel w="25400" h="25400" prst="angle"/>
+                      <a:lightRig rig="flood" dir="t"/>
+                    </a:cell3D>
+                  </a:tcPr>
+                </a:tc>
+                <a:extLst>
+                  <a:ext uri="{0D108BD9-81ED-4DB2-BD59-A6C34878D82A}">
+                    <a16:rowId xmlns:a16="http://schemas.microsoft.com/office/drawing/2014/main" val="1820917862"/>
+                  </a:ext>
+                </a:extLst>
+              </a:tr>
+              <a:tr h="254402">
+                <a:tc>
+                  <a:txBody>
+                    <a:bodyPr/>
+                    <a:lstStyle/>
+                    <a:p>
+                      <a:pPr algn="l" fontAlgn="b">
+                        <a:spcBef>
+                          <a:spcPts val="0"/>
+                        </a:spcBef>
+                        <a:spcAft>
+                          <a:spcPts val="0"/>
+                        </a:spcAft>
+                      </a:pPr>
+                      <a:r>
+                        <a:rPr lang="en-US" sz="800" u="none" strike="noStrike">
+                          <a:effectLst/>
+                        </a:rPr>
+                        <a:t>  Marital_Status  </a:t>
+                      </a:r>
+                      <a:endParaRPr lang="en-US" sz="1200" b="0" i="0" u="none" strike="noStrike">
+                        <a:effectLst/>
+                        <a:latin typeface="Arial" panose="020B0604020202020204" pitchFamily="34" charset="0"/>
+                      </a:endParaRPr>
+                    </a:p>
+                  </a:txBody>
+                  <a:tcPr marL="5872" marR="5872" marT="5872" marB="0" anchor="ctr">
+                    <a:cell3D prstMaterial="dkEdge">
+                      <a:bevel w="25400" h="25400" prst="angle"/>
+                      <a:lightRig rig="flood" dir="t"/>
+                    </a:cell3D>
+                  </a:tcPr>
+                </a:tc>
+                <a:tc>
+                  <a:txBody>
+                    <a:bodyPr/>
+                    <a:lstStyle/>
+                    <a:p>
+                      <a:pPr algn="ctr" fontAlgn="b">
+                        <a:spcBef>
+                          <a:spcPts val="0"/>
+                        </a:spcBef>
+                        <a:spcAft>
+                          <a:spcPts val="0"/>
+                        </a:spcAft>
+                      </a:pPr>
+                      <a:r>
+                        <a:rPr lang="en-US" sz="800" u="none" strike="noStrike">
+                          <a:effectLst/>
+                        </a:rPr>
+                        <a:t> Unknown </a:t>
+                      </a:r>
+                      <a:endParaRPr lang="en-US" sz="1200" b="0" i="0" u="none" strike="noStrike">
+                        <a:effectLst/>
+                        <a:latin typeface="Arial" panose="020B0604020202020204" pitchFamily="34" charset="0"/>
+                      </a:endParaRPr>
+                    </a:p>
+                  </a:txBody>
+                  <a:tcPr marL="5872" marR="5872" marT="5872" marB="0" anchor="ctr">
+                    <a:cell3D prstMaterial="dkEdge">
+                      <a:bevel w="25400" h="25400" prst="angle"/>
+                      <a:lightRig rig="flood" dir="t"/>
+                    </a:cell3D>
+                  </a:tcPr>
+                </a:tc>
+                <a:tc>
+                  <a:txBody>
+                    <a:bodyPr/>
+                    <a:lstStyle/>
+                    <a:p>
+                      <a:pPr algn="ctr" fontAlgn="b">
+                        <a:spcBef>
+                          <a:spcPts val="0"/>
+                        </a:spcBef>
+                        <a:spcAft>
+                          <a:spcPts val="0"/>
+                        </a:spcAft>
+                      </a:pPr>
+                      <a:r>
+                        <a:rPr lang="en-US" sz="800" u="none" strike="noStrike">
+                          <a:effectLst/>
+                        </a:rPr>
+                        <a:t> Single </a:t>
+                      </a:r>
+                      <a:endParaRPr lang="en-US" sz="1200" b="0" i="0" u="none" strike="noStrike">
+                        <a:effectLst/>
+                        <a:latin typeface="Arial" panose="020B0604020202020204" pitchFamily="34" charset="0"/>
+                      </a:endParaRPr>
+                    </a:p>
+                  </a:txBody>
+                  <a:tcPr marL="5872" marR="5872" marT="5872" marB="0" anchor="ctr">
+                    <a:cell3D prstMaterial="dkEdge">
+                      <a:bevel w="25400" h="25400" prst="angle"/>
+                      <a:lightRig rig="flood" dir="t"/>
+                    </a:cell3D>
+                  </a:tcPr>
+                </a:tc>
+                <a:tc>
+                  <a:txBody>
+                    <a:bodyPr/>
+                    <a:lstStyle/>
+                    <a:p>
+                      <a:pPr algn="ctr" fontAlgn="b">
+                        <a:spcBef>
+                          <a:spcPts val="0"/>
+                        </a:spcBef>
+                        <a:spcAft>
+                          <a:spcPts val="0"/>
+                        </a:spcAft>
+                      </a:pPr>
+                      <a:r>
+                        <a:rPr lang="en-US" sz="800" u="none" strike="noStrike">
+                          <a:effectLst/>
+                        </a:rPr>
+                        <a:t> Married </a:t>
+                      </a:r>
+                      <a:endParaRPr lang="en-US" sz="1200" b="0" i="0" u="none" strike="noStrike">
+                        <a:effectLst/>
+                        <a:latin typeface="Arial" panose="020B0604020202020204" pitchFamily="34" charset="0"/>
+                      </a:endParaRPr>
+                    </a:p>
+                  </a:txBody>
+                  <a:tcPr marL="5872" marR="5872" marT="5872" marB="0" anchor="ctr">
+                    <a:cell3D prstMaterial="dkEdge">
+                      <a:bevel w="25400" h="25400" prst="angle"/>
+                      <a:lightRig rig="flood" dir="t"/>
+                    </a:cell3D>
+                  </a:tcPr>
+                </a:tc>
+                <a:tc>
+                  <a:txBody>
+                    <a:bodyPr/>
+                    <a:lstStyle/>
+                    <a:p>
+                      <a:pPr algn="ctr" fontAlgn="b">
+                        <a:spcBef>
+                          <a:spcPts val="0"/>
+                        </a:spcBef>
+                        <a:spcAft>
+                          <a:spcPts val="0"/>
+                        </a:spcAft>
+                      </a:pPr>
+                      <a:r>
+                        <a:rPr lang="en-US" sz="800" u="none" strike="noStrike">
+                          <a:effectLst/>
+                        </a:rPr>
+                        <a:t> Married </a:t>
+                      </a:r>
+                      <a:endParaRPr lang="en-US" sz="1200" b="0" i="0" u="none" strike="noStrike">
+                        <a:effectLst/>
+                        <a:latin typeface="Arial" panose="020B0604020202020204" pitchFamily="34" charset="0"/>
+                      </a:endParaRPr>
+                    </a:p>
+                  </a:txBody>
+                  <a:tcPr marL="5872" marR="5872" marT="5872" marB="0" anchor="ctr">
+                    <a:cell3D prstMaterial="dkEdge">
+                      <a:bevel w="25400" h="25400" prst="angle"/>
+                      <a:lightRig rig="flood" dir="t"/>
+                    </a:cell3D>
+                  </a:tcPr>
+                </a:tc>
+                <a:tc>
+                  <a:txBody>
+                    <a:bodyPr/>
+                    <a:lstStyle/>
+                    <a:p>
+                      <a:pPr algn="ctr" fontAlgn="b">
+                        <a:spcBef>
+                          <a:spcPts val="0"/>
+                        </a:spcBef>
+                        <a:spcAft>
+                          <a:spcPts val="0"/>
+                        </a:spcAft>
+                      </a:pPr>
+                      <a:r>
+                        <a:rPr lang="en-US" sz="800" u="none" strike="noStrike">
+                          <a:effectLst/>
+                        </a:rPr>
+                        <a:t> Unknown </a:t>
+                      </a:r>
+                      <a:endParaRPr lang="en-US" sz="1200" b="0" i="0" u="none" strike="noStrike">
+                        <a:effectLst/>
+                        <a:latin typeface="Arial" panose="020B0604020202020204" pitchFamily="34" charset="0"/>
+                      </a:endParaRPr>
+                    </a:p>
+                  </a:txBody>
+                  <a:tcPr marL="5872" marR="5872" marT="5872" marB="0" anchor="ctr">
+                    <a:cell3D prstMaterial="dkEdge">
+                      <a:bevel w="25400" h="25400" prst="angle"/>
+                      <a:lightRig rig="flood" dir="t"/>
+                    </a:cell3D>
+                  </a:tcPr>
+                </a:tc>
+                <a:tc>
+                  <a:txBody>
+                    <a:bodyPr/>
+                    <a:lstStyle/>
+                    <a:p>
+                      <a:pPr algn="ctr" fontAlgn="b">
+                        <a:spcBef>
+                          <a:spcPts val="0"/>
+                        </a:spcBef>
+                        <a:spcAft>
+                          <a:spcPts val="0"/>
+                        </a:spcAft>
+                      </a:pPr>
+                      <a:r>
+                        <a:rPr lang="en-US" sz="800" u="none" strike="noStrike" dirty="0">
+                          <a:effectLst/>
+                        </a:rPr>
+                        <a:t> 1 </a:t>
+                      </a:r>
+                      <a:endParaRPr lang="en-US" sz="1200" b="0" i="0" u="none" strike="noStrike" dirty="0">
+                        <a:effectLst/>
+                        <a:latin typeface="Arial" panose="020B0604020202020204" pitchFamily="34" charset="0"/>
+                      </a:endParaRPr>
+                    </a:p>
+                  </a:txBody>
+                  <a:tcPr marL="5872" marR="5872" marT="5872" marB="0" anchor="ctr">
+                    <a:cell3D prstMaterial="dkEdge">
+                      <a:bevel w="25400" h="25400" prst="angle"/>
+                      <a:lightRig rig="flood" dir="t"/>
+                    </a:cell3D>
+                  </a:tcPr>
+                </a:tc>
+                <a:tc>
+                  <a:txBody>
+                    <a:bodyPr/>
+                    <a:lstStyle/>
+                    <a:p>
+                      <a:pPr algn="l" fontAlgn="b">
+                        <a:spcBef>
+                          <a:spcPts val="0"/>
+                        </a:spcBef>
+                        <a:spcAft>
+                          <a:spcPts val="0"/>
+                        </a:spcAft>
+                      </a:pPr>
+                      <a:r>
+                        <a:rPr lang="en-US" sz="800" u="none" strike="noStrike">
+                          <a:effectLst/>
+                        </a:rPr>
+                        <a:t> Majority values   is Married </a:t>
+                      </a:r>
+                      <a:endParaRPr lang="en-US" sz="1200" b="0" i="0" u="none" strike="noStrike">
+                        <a:effectLst/>
+                        <a:latin typeface="Arial" panose="020B0604020202020204" pitchFamily="34" charset="0"/>
+                      </a:endParaRPr>
+                    </a:p>
+                  </a:txBody>
+                  <a:tcPr marL="5872" marR="5872" marT="5872" marB="0" anchor="ctr">
+                    <a:cell3D prstMaterial="dkEdge">
+                      <a:bevel w="25400" h="25400" prst="angle"/>
+                      <a:lightRig rig="flood" dir="t"/>
+                    </a:cell3D>
+                  </a:tcPr>
+                </a:tc>
+                <a:extLst>
+                  <a:ext uri="{0D108BD9-81ED-4DB2-BD59-A6C34878D82A}">
+                    <a16:rowId xmlns:a16="http://schemas.microsoft.com/office/drawing/2014/main" val="3947905500"/>
+                  </a:ext>
+                </a:extLst>
+              </a:tr>
+              <a:tr h="254402">
+                <a:tc>
+                  <a:txBody>
+                    <a:bodyPr/>
+                    <a:lstStyle/>
+                    <a:p>
+                      <a:pPr algn="l" fontAlgn="b">
+                        <a:spcBef>
+                          <a:spcPts val="0"/>
+                        </a:spcBef>
+                        <a:spcAft>
+                          <a:spcPts val="0"/>
+                        </a:spcAft>
+                      </a:pPr>
+                      <a:r>
+                        <a:rPr lang="en-US" sz="800" u="none" strike="noStrike">
+                          <a:effectLst/>
+                        </a:rPr>
+                        <a:t>  Months_Inactive_12_mon  </a:t>
+                      </a:r>
+                      <a:endParaRPr lang="en-US" sz="1200" b="0" i="0" u="none" strike="noStrike">
+                        <a:effectLst/>
+                        <a:latin typeface="Arial" panose="020B0604020202020204" pitchFamily="34" charset="0"/>
+                      </a:endParaRPr>
+                    </a:p>
+                  </a:txBody>
+                  <a:tcPr marL="5872" marR="5872" marT="5872" marB="0" anchor="ctr">
+                    <a:cell3D prstMaterial="dkEdge">
+                      <a:bevel w="25400" h="25400" prst="angle"/>
+                      <a:lightRig rig="flood" dir="t"/>
+                    </a:cell3D>
+                  </a:tcPr>
+                </a:tc>
+                <a:tc>
+                  <a:txBody>
+                    <a:bodyPr/>
+                    <a:lstStyle/>
+                    <a:p>
+                      <a:pPr algn="ctr" fontAlgn="b">
+                        <a:spcBef>
+                          <a:spcPts val="0"/>
+                        </a:spcBef>
+                        <a:spcAft>
+                          <a:spcPts val="0"/>
+                        </a:spcAft>
+                      </a:pPr>
+                      <a:r>
+                        <a:rPr lang="en-US" sz="800" u="none" strike="noStrike">
+                          <a:effectLst/>
+                        </a:rPr>
+                        <a:t>  </a:t>
+                      </a:r>
+                      <a:endParaRPr lang="en-US" sz="1200" b="0" i="0" u="none" strike="noStrike">
+                        <a:effectLst/>
+                        <a:latin typeface="Arial" panose="020B0604020202020204" pitchFamily="34" charset="0"/>
+                      </a:endParaRPr>
+                    </a:p>
+                  </a:txBody>
+                  <a:tcPr marL="5872" marR="5872" marT="5872" marB="0" anchor="ctr">
+                    <a:cell3D prstMaterial="dkEdge">
+                      <a:bevel w="25400" h="25400" prst="angle"/>
+                      <a:lightRig rig="flood" dir="t"/>
+                    </a:cell3D>
+                  </a:tcPr>
+                </a:tc>
+                <a:tc>
+                  <a:txBody>
+                    <a:bodyPr/>
+                    <a:lstStyle/>
+                    <a:p>
+                      <a:pPr algn="ctr" fontAlgn="b">
+                        <a:spcBef>
+                          <a:spcPts val="0"/>
+                        </a:spcBef>
+                        <a:spcAft>
+                          <a:spcPts val="0"/>
+                        </a:spcAft>
+                      </a:pPr>
+                      <a:r>
+                        <a:rPr lang="en-US" sz="800" u="none" strike="noStrike">
+                          <a:effectLst/>
+                        </a:rPr>
+                        <a:t>  </a:t>
+                      </a:r>
+                      <a:endParaRPr lang="en-US" sz="1200" b="0" i="0" u="none" strike="noStrike">
+                        <a:effectLst/>
+                        <a:latin typeface="Arial" panose="020B0604020202020204" pitchFamily="34" charset="0"/>
+                      </a:endParaRPr>
+                    </a:p>
+                  </a:txBody>
+                  <a:tcPr marL="5872" marR="5872" marT="5872" marB="0" anchor="ctr">
+                    <a:cell3D prstMaterial="dkEdge">
+                      <a:bevel w="25400" h="25400" prst="angle"/>
+                      <a:lightRig rig="flood" dir="t"/>
+                    </a:cell3D>
+                  </a:tcPr>
+                </a:tc>
+                <a:tc>
+                  <a:txBody>
+                    <a:bodyPr/>
+                    <a:lstStyle/>
+                    <a:p>
+                      <a:pPr algn="ctr" fontAlgn="b">
+                        <a:spcBef>
+                          <a:spcPts val="0"/>
+                        </a:spcBef>
+                        <a:spcAft>
+                          <a:spcPts val="0"/>
+                        </a:spcAft>
+                      </a:pPr>
+                      <a:r>
+                        <a:rPr lang="en-US" sz="800" u="none" strike="noStrike">
+                          <a:effectLst/>
+                        </a:rPr>
+                        <a:t>  </a:t>
+                      </a:r>
+                      <a:endParaRPr lang="en-US" sz="1200" b="0" i="0" u="none" strike="noStrike">
+                        <a:effectLst/>
+                        <a:latin typeface="Arial" panose="020B0604020202020204" pitchFamily="34" charset="0"/>
+                      </a:endParaRPr>
+                    </a:p>
+                  </a:txBody>
+                  <a:tcPr marL="5872" marR="5872" marT="5872" marB="0" anchor="ctr">
+                    <a:cell3D prstMaterial="dkEdge">
+                      <a:bevel w="25400" h="25400" prst="angle"/>
+                      <a:lightRig rig="flood" dir="t"/>
+                    </a:cell3D>
+                  </a:tcPr>
+                </a:tc>
+                <a:tc>
+                  <a:txBody>
+                    <a:bodyPr/>
+                    <a:lstStyle/>
+                    <a:p>
+                      <a:pPr algn="ctr" fontAlgn="b">
+                        <a:spcBef>
+                          <a:spcPts val="0"/>
+                        </a:spcBef>
+                        <a:spcAft>
+                          <a:spcPts val="0"/>
+                        </a:spcAft>
+                      </a:pPr>
+                      <a:r>
+                        <a:rPr lang="en-US" sz="800" u="none" strike="noStrike">
+                          <a:effectLst/>
+                        </a:rPr>
+                        <a:t>  </a:t>
+                      </a:r>
+                      <a:endParaRPr lang="en-US" sz="1200" b="0" i="0" u="none" strike="noStrike">
+                        <a:effectLst/>
+                        <a:latin typeface="Arial" panose="020B0604020202020204" pitchFamily="34" charset="0"/>
+                      </a:endParaRPr>
+                    </a:p>
+                  </a:txBody>
+                  <a:tcPr marL="5872" marR="5872" marT="5872" marB="0" anchor="ctr">
+                    <a:cell3D prstMaterial="dkEdge">
+                      <a:bevel w="25400" h="25400" prst="angle"/>
+                      <a:lightRig rig="flood" dir="t"/>
+                    </a:cell3D>
+                  </a:tcPr>
+                </a:tc>
+                <a:tc>
+                  <a:txBody>
+                    <a:bodyPr/>
+                    <a:lstStyle/>
+                    <a:p>
+                      <a:pPr algn="ctr" fontAlgn="b">
+                        <a:spcBef>
+                          <a:spcPts val="0"/>
+                        </a:spcBef>
+                        <a:spcAft>
+                          <a:spcPts val="0"/>
+                        </a:spcAft>
+                      </a:pPr>
+                      <a:r>
+                        <a:rPr lang="en-US" sz="800" u="none" strike="noStrike">
+                          <a:effectLst/>
+                        </a:rPr>
+                        <a:t>  </a:t>
+                      </a:r>
+                      <a:endParaRPr lang="en-US" sz="1200" b="0" i="0" u="none" strike="noStrike">
+                        <a:effectLst/>
+                        <a:latin typeface="Arial" panose="020B0604020202020204" pitchFamily="34" charset="0"/>
+                      </a:endParaRPr>
+                    </a:p>
+                  </a:txBody>
+                  <a:tcPr marL="5872" marR="5872" marT="5872" marB="0" anchor="ctr">
+                    <a:cell3D prstMaterial="dkEdge">
+                      <a:bevel w="25400" h="25400" prst="angle"/>
+                      <a:lightRig rig="flood" dir="t"/>
+                    </a:cell3D>
+                  </a:tcPr>
+                </a:tc>
+                <a:tc>
+                  <a:txBody>
+                    <a:bodyPr/>
+                    <a:lstStyle/>
+                    <a:p>
+                      <a:pPr algn="ctr" fontAlgn="b">
+                        <a:spcBef>
+                          <a:spcPts val="0"/>
+                        </a:spcBef>
+                        <a:spcAft>
+                          <a:spcPts val="0"/>
+                        </a:spcAft>
+                      </a:pPr>
+                      <a:r>
+                        <a:rPr lang="en-US" sz="800" u="none" strike="noStrike">
+                          <a:effectLst/>
+                        </a:rPr>
+                        <a:t> 1 </a:t>
+                      </a:r>
+                      <a:endParaRPr lang="en-US" sz="1200" b="0" i="0" u="none" strike="noStrike">
+                        <a:effectLst/>
+                        <a:latin typeface="Arial" panose="020B0604020202020204" pitchFamily="34" charset="0"/>
+                      </a:endParaRPr>
+                    </a:p>
+                  </a:txBody>
+                  <a:tcPr marL="5872" marR="5872" marT="5872" marB="0" anchor="ctr">
+                    <a:cell3D prstMaterial="dkEdge">
+                      <a:bevel w="25400" h="25400" prst="angle"/>
+                      <a:lightRig rig="flood" dir="t"/>
+                    </a:cell3D>
+                  </a:tcPr>
+                </a:tc>
+                <a:tc>
+                  <a:txBody>
+                    <a:bodyPr/>
+                    <a:lstStyle/>
+                    <a:p>
+                      <a:pPr algn="l" fontAlgn="b">
+                        <a:spcBef>
+                          <a:spcPts val="0"/>
+                        </a:spcBef>
+                        <a:spcAft>
+                          <a:spcPts val="0"/>
+                        </a:spcAft>
+                      </a:pPr>
+                      <a:r>
+                        <a:rPr lang="en-US" sz="800" u="none" strike="noStrike" dirty="0">
+                          <a:effectLst/>
+                        </a:rPr>
+                        <a:t> 3 </a:t>
+                      </a:r>
+                      <a:endParaRPr lang="en-US" sz="1200" b="0" i="0" u="none" strike="noStrike" dirty="0">
+                        <a:effectLst/>
+                        <a:latin typeface="Arial" panose="020B0604020202020204" pitchFamily="34" charset="0"/>
+                      </a:endParaRPr>
+                    </a:p>
+                  </a:txBody>
+                  <a:tcPr marL="5872" marR="5872" marT="5872" marB="0" anchor="ctr">
+                    <a:cell3D prstMaterial="dkEdge">
+                      <a:bevel w="25400" h="25400" prst="angle"/>
+                      <a:lightRig rig="flood" dir="t"/>
+                    </a:cell3D>
+                  </a:tcPr>
+                </a:tc>
+                <a:extLst>
+                  <a:ext uri="{0D108BD9-81ED-4DB2-BD59-A6C34878D82A}">
+                    <a16:rowId xmlns:a16="http://schemas.microsoft.com/office/drawing/2014/main" val="2881245709"/>
+                  </a:ext>
+                </a:extLst>
+              </a:tr>
+              <a:tr h="254402">
+                <a:tc>
+                  <a:txBody>
+                    <a:bodyPr/>
+                    <a:lstStyle/>
+                    <a:p>
+                      <a:pPr algn="l" fontAlgn="b">
+                        <a:spcBef>
+                          <a:spcPts val="0"/>
+                        </a:spcBef>
+                        <a:spcAft>
+                          <a:spcPts val="0"/>
+                        </a:spcAft>
+                      </a:pPr>
+                      <a:r>
+                        <a:rPr lang="en-US" sz="800" u="none" strike="noStrike">
+                          <a:effectLst/>
+                        </a:rPr>
+                        <a:t>  Months_on_book  </a:t>
+                      </a:r>
+                      <a:endParaRPr lang="en-US" sz="1200" b="0" i="0" u="none" strike="noStrike">
+                        <a:effectLst/>
+                        <a:latin typeface="Arial" panose="020B0604020202020204" pitchFamily="34" charset="0"/>
+                      </a:endParaRPr>
+                    </a:p>
+                  </a:txBody>
+                  <a:tcPr marL="5872" marR="5872" marT="5872" marB="0" anchor="ctr">
+                    <a:cell3D prstMaterial="dkEdge">
+                      <a:bevel w="25400" h="25400" prst="angle"/>
+                      <a:lightRig rig="flood" dir="t"/>
+                    </a:cell3D>
+                  </a:tcPr>
+                </a:tc>
+                <a:tc>
+                  <a:txBody>
+                    <a:bodyPr/>
+                    <a:lstStyle/>
+                    <a:p>
+                      <a:pPr algn="ctr" fontAlgn="b">
+                        <a:spcBef>
+                          <a:spcPts val="0"/>
+                        </a:spcBef>
+                        <a:spcAft>
+                          <a:spcPts val="0"/>
+                        </a:spcAft>
+                      </a:pPr>
+                      <a:r>
+                        <a:rPr lang="en-US" sz="800" u="none" strike="noStrike">
+                          <a:effectLst/>
+                        </a:rPr>
+                        <a:t> good </a:t>
+                      </a:r>
+                      <a:endParaRPr lang="en-US" sz="1200" b="0" i="0" u="none" strike="noStrike">
+                        <a:effectLst/>
+                        <a:latin typeface="Arial" panose="020B0604020202020204" pitchFamily="34" charset="0"/>
+                      </a:endParaRPr>
+                    </a:p>
+                  </a:txBody>
+                  <a:tcPr marL="5872" marR="5872" marT="5872" marB="0" anchor="ctr">
+                    <a:cell3D prstMaterial="dkEdge">
+                      <a:bevel w="25400" h="25400" prst="angle"/>
+                      <a:lightRig rig="flood" dir="t"/>
+                    </a:cell3D>
+                  </a:tcPr>
+                </a:tc>
+                <a:tc>
+                  <a:txBody>
+                    <a:bodyPr/>
+                    <a:lstStyle/>
+                    <a:p>
+                      <a:pPr algn="ctr" fontAlgn="b">
+                        <a:spcBef>
+                          <a:spcPts val="0"/>
+                        </a:spcBef>
+                        <a:spcAft>
+                          <a:spcPts val="0"/>
+                        </a:spcAft>
+                      </a:pPr>
+                      <a:r>
+                        <a:rPr lang="en-US" sz="800" u="none" strike="noStrike">
+                          <a:effectLst/>
+                        </a:rPr>
+                        <a:t> similar </a:t>
+                      </a:r>
+                      <a:endParaRPr lang="en-US" sz="1200" b="0" i="0" u="none" strike="noStrike">
+                        <a:effectLst/>
+                        <a:latin typeface="Arial" panose="020B0604020202020204" pitchFamily="34" charset="0"/>
+                      </a:endParaRPr>
+                    </a:p>
+                  </a:txBody>
+                  <a:tcPr marL="5872" marR="5872" marT="5872" marB="0" anchor="ctr">
+                    <a:cell3D prstMaterial="dkEdge">
+                      <a:bevel w="25400" h="25400" prst="angle"/>
+                      <a:lightRig rig="flood" dir="t"/>
+                    </a:cell3D>
+                  </a:tcPr>
+                </a:tc>
+                <a:tc>
+                  <a:txBody>
+                    <a:bodyPr/>
+                    <a:lstStyle/>
+                    <a:p>
+                      <a:pPr algn="ctr" fontAlgn="b">
+                        <a:spcBef>
+                          <a:spcPts val="0"/>
+                        </a:spcBef>
+                        <a:spcAft>
+                          <a:spcPts val="0"/>
+                        </a:spcAft>
+                      </a:pPr>
+                      <a:r>
+                        <a:rPr lang="en-US" sz="800" u="none" strike="noStrike">
+                          <a:effectLst/>
+                        </a:rPr>
+                        <a:t> similar </a:t>
+                      </a:r>
+                      <a:endParaRPr lang="en-US" sz="1200" b="0" i="0" u="none" strike="noStrike">
+                        <a:effectLst/>
+                        <a:latin typeface="Arial" panose="020B0604020202020204" pitchFamily="34" charset="0"/>
+                      </a:endParaRPr>
+                    </a:p>
+                  </a:txBody>
+                  <a:tcPr marL="5872" marR="5872" marT="5872" marB="0" anchor="ctr">
+                    <a:cell3D prstMaterial="dkEdge">
+                      <a:bevel w="25400" h="25400" prst="angle"/>
+                      <a:lightRig rig="flood" dir="t"/>
+                    </a:cell3D>
+                  </a:tcPr>
+                </a:tc>
+                <a:tc>
+                  <a:txBody>
+                    <a:bodyPr/>
+                    <a:lstStyle/>
+                    <a:p>
+                      <a:pPr algn="ctr" fontAlgn="b">
+                        <a:spcBef>
+                          <a:spcPts val="0"/>
+                        </a:spcBef>
+                        <a:spcAft>
+                          <a:spcPts val="0"/>
+                        </a:spcAft>
+                      </a:pPr>
+                      <a:r>
+                        <a:rPr lang="en-US" sz="800" u="none" strike="noStrike" dirty="0">
+                          <a:effectLst/>
+                        </a:rPr>
+                        <a:t> loyal customer </a:t>
+                      </a:r>
+                      <a:endParaRPr lang="en-US" sz="1200" b="0" i="0" u="none" strike="noStrike" dirty="0">
+                        <a:effectLst/>
+                        <a:latin typeface="Arial" panose="020B0604020202020204" pitchFamily="34" charset="0"/>
+                      </a:endParaRPr>
+                    </a:p>
+                  </a:txBody>
+                  <a:tcPr marL="5872" marR="5872" marT="5872" marB="0" anchor="ctr">
+                    <a:cell3D prstMaterial="dkEdge">
+                      <a:bevel w="25400" h="25400" prst="angle"/>
+                      <a:lightRig rig="flood" dir="t"/>
+                    </a:cell3D>
+                  </a:tcPr>
+                </a:tc>
+                <a:tc>
+                  <a:txBody>
+                    <a:bodyPr/>
+                    <a:lstStyle/>
+                    <a:p>
+                      <a:pPr algn="ctr" fontAlgn="b">
+                        <a:spcBef>
+                          <a:spcPts val="0"/>
+                        </a:spcBef>
+                        <a:spcAft>
+                          <a:spcPts val="0"/>
+                        </a:spcAft>
+                      </a:pPr>
+                      <a:r>
+                        <a:rPr lang="en-US" sz="800" u="none" strike="noStrike">
+                          <a:effectLst/>
+                        </a:rPr>
+                        <a:t> similar </a:t>
+                      </a:r>
+                      <a:endParaRPr lang="en-US" sz="1200" b="0" i="0" u="none" strike="noStrike">
+                        <a:effectLst/>
+                        <a:latin typeface="Arial" panose="020B0604020202020204" pitchFamily="34" charset="0"/>
+                      </a:endParaRPr>
+                    </a:p>
+                  </a:txBody>
+                  <a:tcPr marL="5872" marR="5872" marT="5872" marB="0" anchor="ctr">
+                    <a:cell3D prstMaterial="dkEdge">
+                      <a:bevel w="25400" h="25400" prst="angle"/>
+                      <a:lightRig rig="flood" dir="t"/>
+                    </a:cell3D>
+                  </a:tcPr>
+                </a:tc>
+                <a:tc>
+                  <a:txBody>
+                    <a:bodyPr/>
+                    <a:lstStyle/>
+                    <a:p>
+                      <a:pPr algn="ctr" fontAlgn="b">
+                        <a:spcBef>
+                          <a:spcPts val="0"/>
+                        </a:spcBef>
+                        <a:spcAft>
+                          <a:spcPts val="0"/>
+                        </a:spcAft>
+                      </a:pPr>
+                      <a:r>
+                        <a:rPr lang="en-US" sz="800" u="none" strike="noStrike">
+                          <a:effectLst/>
+                        </a:rPr>
+                        <a:t> 3 </a:t>
+                      </a:r>
+                      <a:endParaRPr lang="en-US" sz="1200" b="0" i="0" u="none" strike="noStrike">
+                        <a:effectLst/>
+                        <a:latin typeface="Arial" panose="020B0604020202020204" pitchFamily="34" charset="0"/>
+                      </a:endParaRPr>
+                    </a:p>
+                  </a:txBody>
+                  <a:tcPr marL="5872" marR="5872" marT="5872" marB="0" anchor="ctr">
+                    <a:cell3D prstMaterial="dkEdge">
+                      <a:bevel w="25400" h="25400" prst="angle"/>
+                      <a:lightRig rig="flood" dir="t"/>
+                    </a:cell3D>
+                  </a:tcPr>
+                </a:tc>
+                <a:tc>
+                  <a:txBody>
+                    <a:bodyPr/>
+                    <a:lstStyle/>
+                    <a:p>
+                      <a:pPr algn="l" fontAlgn="b">
+                        <a:spcBef>
+                          <a:spcPts val="0"/>
+                        </a:spcBef>
+                        <a:spcAft>
+                          <a:spcPts val="0"/>
+                        </a:spcAft>
+                      </a:pPr>
+                      <a:r>
+                        <a:rPr lang="en-US" sz="800" u="none" strike="noStrike" dirty="0">
+                          <a:effectLst/>
+                        </a:rPr>
+                        <a:t>  </a:t>
+                      </a:r>
+                      <a:endParaRPr lang="en-US" sz="1200" b="0" i="0" u="none" strike="noStrike" dirty="0">
+                        <a:effectLst/>
+                        <a:latin typeface="Arial" panose="020B0604020202020204" pitchFamily="34" charset="0"/>
+                      </a:endParaRPr>
+                    </a:p>
+                  </a:txBody>
+                  <a:tcPr marL="5872" marR="5872" marT="5872" marB="0" anchor="ctr">
+                    <a:cell3D prstMaterial="dkEdge">
+                      <a:bevel w="25400" h="25400" prst="angle"/>
+                      <a:lightRig rig="flood" dir="t"/>
+                    </a:cell3D>
+                  </a:tcPr>
+                </a:tc>
+                <a:extLst>
+                  <a:ext uri="{0D108BD9-81ED-4DB2-BD59-A6C34878D82A}">
+                    <a16:rowId xmlns:a16="http://schemas.microsoft.com/office/drawing/2014/main" val="2192955952"/>
+                  </a:ext>
+                </a:extLst>
+              </a:tr>
+              <a:tr h="254402">
+                <a:tc>
+                  <a:txBody>
+                    <a:bodyPr/>
+                    <a:lstStyle/>
+                    <a:p>
+                      <a:pPr algn="l" fontAlgn="b">
+                        <a:spcBef>
+                          <a:spcPts val="0"/>
+                        </a:spcBef>
+                        <a:spcAft>
+                          <a:spcPts val="0"/>
+                        </a:spcAft>
+                      </a:pPr>
+                      <a:r>
+                        <a:rPr lang="en-US" sz="800" u="none" strike="noStrike">
+                          <a:effectLst/>
+                        </a:rPr>
+                        <a:t>  Total_Amt_Chng_Q4_Q1  </a:t>
+                      </a:r>
+                      <a:endParaRPr lang="en-US" sz="1200" b="0" i="0" u="none" strike="noStrike">
+                        <a:effectLst/>
+                        <a:latin typeface="Arial" panose="020B0604020202020204" pitchFamily="34" charset="0"/>
+                      </a:endParaRPr>
+                    </a:p>
+                  </a:txBody>
+                  <a:tcPr marL="5872" marR="5872" marT="5872" marB="0" anchor="ctr">
+                    <a:cell3D prstMaterial="dkEdge">
+                      <a:bevel w="25400" h="25400" prst="angle"/>
+                      <a:lightRig rig="flood" dir="t"/>
+                    </a:cell3D>
+                  </a:tcPr>
+                </a:tc>
+                <a:tc>
+                  <a:txBody>
+                    <a:bodyPr/>
+                    <a:lstStyle/>
+                    <a:p>
+                      <a:pPr algn="ctr" fontAlgn="b">
+                        <a:spcBef>
+                          <a:spcPts val="0"/>
+                        </a:spcBef>
+                        <a:spcAft>
+                          <a:spcPts val="0"/>
+                        </a:spcAft>
+                      </a:pPr>
+                      <a:r>
+                        <a:rPr lang="en-US" sz="800" u="none" strike="noStrike">
+                          <a:effectLst/>
+                        </a:rPr>
+                        <a:t>  </a:t>
+                      </a:r>
+                      <a:endParaRPr lang="en-US" sz="1200" b="0" i="0" u="none" strike="noStrike">
+                        <a:effectLst/>
+                        <a:latin typeface="Arial" panose="020B0604020202020204" pitchFamily="34" charset="0"/>
+                      </a:endParaRPr>
+                    </a:p>
+                  </a:txBody>
+                  <a:tcPr marL="5872" marR="5872" marT="5872" marB="0" anchor="ctr">
+                    <a:cell3D prstMaterial="dkEdge">
+                      <a:bevel w="25400" h="25400" prst="angle"/>
+                      <a:lightRig rig="flood" dir="t"/>
+                    </a:cell3D>
+                  </a:tcPr>
+                </a:tc>
+                <a:tc>
+                  <a:txBody>
+                    <a:bodyPr/>
+                    <a:lstStyle/>
+                    <a:p>
+                      <a:pPr algn="ctr" fontAlgn="b">
+                        <a:spcBef>
+                          <a:spcPts val="0"/>
+                        </a:spcBef>
+                        <a:spcAft>
+                          <a:spcPts val="0"/>
+                        </a:spcAft>
+                      </a:pPr>
+                      <a:r>
+                        <a:rPr lang="en-US" sz="800" u="none" strike="noStrike">
+                          <a:effectLst/>
+                        </a:rPr>
+                        <a:t>  </a:t>
+                      </a:r>
+                      <a:endParaRPr lang="en-US" sz="1200" b="0" i="0" u="none" strike="noStrike">
+                        <a:effectLst/>
+                        <a:latin typeface="Arial" panose="020B0604020202020204" pitchFamily="34" charset="0"/>
+                      </a:endParaRPr>
+                    </a:p>
+                  </a:txBody>
+                  <a:tcPr marL="5872" marR="5872" marT="5872" marB="0" anchor="ctr">
+                    <a:cell3D prstMaterial="dkEdge">
+                      <a:bevel w="25400" h="25400" prst="angle"/>
+                      <a:lightRig rig="flood" dir="t"/>
+                    </a:cell3D>
+                  </a:tcPr>
+                </a:tc>
+                <a:tc>
+                  <a:txBody>
+                    <a:bodyPr/>
+                    <a:lstStyle/>
+                    <a:p>
+                      <a:pPr algn="ctr" fontAlgn="b">
+                        <a:spcBef>
+                          <a:spcPts val="0"/>
+                        </a:spcBef>
+                        <a:spcAft>
+                          <a:spcPts val="0"/>
+                        </a:spcAft>
+                      </a:pPr>
+                      <a:r>
+                        <a:rPr lang="en-US" sz="800" u="none" strike="noStrike">
+                          <a:effectLst/>
+                        </a:rPr>
+                        <a:t>  </a:t>
+                      </a:r>
+                      <a:endParaRPr lang="en-US" sz="1200" b="0" i="0" u="none" strike="noStrike">
+                        <a:effectLst/>
+                        <a:latin typeface="Arial" panose="020B0604020202020204" pitchFamily="34" charset="0"/>
+                      </a:endParaRPr>
+                    </a:p>
+                  </a:txBody>
+                  <a:tcPr marL="5872" marR="5872" marT="5872" marB="0" anchor="ctr">
+                    <a:cell3D prstMaterial="dkEdge">
+                      <a:bevel w="25400" h="25400" prst="angle"/>
+                      <a:lightRig rig="flood" dir="t"/>
+                    </a:cell3D>
+                  </a:tcPr>
+                </a:tc>
+                <a:tc>
+                  <a:txBody>
+                    <a:bodyPr/>
+                    <a:lstStyle/>
+                    <a:p>
+                      <a:pPr algn="ctr" fontAlgn="b">
+                        <a:spcBef>
+                          <a:spcPts val="0"/>
+                        </a:spcBef>
+                        <a:spcAft>
+                          <a:spcPts val="0"/>
+                        </a:spcAft>
+                      </a:pPr>
+                      <a:r>
+                        <a:rPr lang="en-US" sz="800" u="none" strike="noStrike">
+                          <a:effectLst/>
+                        </a:rPr>
+                        <a:t>  </a:t>
+                      </a:r>
+                      <a:endParaRPr lang="en-US" sz="1200" b="0" i="0" u="none" strike="noStrike">
+                        <a:effectLst/>
+                        <a:latin typeface="Arial" panose="020B0604020202020204" pitchFamily="34" charset="0"/>
+                      </a:endParaRPr>
+                    </a:p>
+                  </a:txBody>
+                  <a:tcPr marL="5872" marR="5872" marT="5872" marB="0" anchor="ctr">
+                    <a:cell3D prstMaterial="dkEdge">
+                      <a:bevel w="25400" h="25400" prst="angle"/>
+                      <a:lightRig rig="flood" dir="t"/>
+                    </a:cell3D>
+                  </a:tcPr>
+                </a:tc>
+                <a:tc>
+                  <a:txBody>
+                    <a:bodyPr/>
+                    <a:lstStyle/>
+                    <a:p>
+                      <a:pPr algn="ctr" fontAlgn="b">
+                        <a:spcBef>
+                          <a:spcPts val="0"/>
+                        </a:spcBef>
+                        <a:spcAft>
+                          <a:spcPts val="0"/>
+                        </a:spcAft>
+                      </a:pPr>
+                      <a:r>
+                        <a:rPr lang="en-US" sz="800" u="none" strike="noStrike">
+                          <a:effectLst/>
+                        </a:rPr>
+                        <a:t>  </a:t>
+                      </a:r>
+                      <a:endParaRPr lang="en-US" sz="1200" b="0" i="0" u="none" strike="noStrike">
+                        <a:effectLst/>
+                        <a:latin typeface="Arial" panose="020B0604020202020204" pitchFamily="34" charset="0"/>
+                      </a:endParaRPr>
+                    </a:p>
+                  </a:txBody>
+                  <a:tcPr marL="5872" marR="5872" marT="5872" marB="0" anchor="ctr">
+                    <a:cell3D prstMaterial="dkEdge">
+                      <a:bevel w="25400" h="25400" prst="angle"/>
+                      <a:lightRig rig="flood" dir="t"/>
+                    </a:cell3D>
+                  </a:tcPr>
+                </a:tc>
+                <a:tc>
+                  <a:txBody>
+                    <a:bodyPr/>
+                    <a:lstStyle/>
+                    <a:p>
+                      <a:pPr algn="ctr" fontAlgn="b">
+                        <a:spcBef>
+                          <a:spcPts val="0"/>
+                        </a:spcBef>
+                        <a:spcAft>
+                          <a:spcPts val="0"/>
+                        </a:spcAft>
+                      </a:pPr>
+                      <a:r>
+                        <a:rPr lang="en-US" sz="800" u="none" strike="noStrike" dirty="0">
+                          <a:effectLst/>
+                        </a:rPr>
+                        <a:t> 1 </a:t>
+                      </a:r>
+                      <a:endParaRPr lang="en-US" sz="1200" b="0" i="0" u="none" strike="noStrike" dirty="0">
+                        <a:effectLst/>
+                        <a:latin typeface="Arial" panose="020B0604020202020204" pitchFamily="34" charset="0"/>
+                      </a:endParaRPr>
+                    </a:p>
+                  </a:txBody>
+                  <a:tcPr marL="5872" marR="5872" marT="5872" marB="0" anchor="ctr">
+                    <a:cell3D prstMaterial="dkEdge">
+                      <a:bevel w="25400" h="25400" prst="angle"/>
+                      <a:lightRig rig="flood" dir="t"/>
+                    </a:cell3D>
+                  </a:tcPr>
+                </a:tc>
+                <a:tc>
+                  <a:txBody>
+                    <a:bodyPr/>
+                    <a:lstStyle/>
+                    <a:p>
+                      <a:pPr algn="l" fontAlgn="b">
+                        <a:spcBef>
+                          <a:spcPts val="0"/>
+                        </a:spcBef>
+                        <a:spcAft>
+                          <a:spcPts val="0"/>
+                        </a:spcAft>
+                      </a:pPr>
+                      <a:r>
+                        <a:rPr lang="en-US" sz="800" u="none" strike="noStrike" dirty="0">
+                          <a:effectLst/>
+                        </a:rPr>
+                        <a:t> High frequency if transaction </a:t>
+                      </a:r>
+                      <a:endParaRPr lang="en-US" sz="1200" b="0" i="0" u="none" strike="noStrike" dirty="0">
+                        <a:effectLst/>
+                        <a:latin typeface="Arial" panose="020B0604020202020204" pitchFamily="34" charset="0"/>
+                      </a:endParaRPr>
+                    </a:p>
+                  </a:txBody>
+                  <a:tcPr marL="5872" marR="5872" marT="5872" marB="0" anchor="ctr">
+                    <a:cell3D prstMaterial="dkEdge">
+                      <a:bevel w="25400" h="25400" prst="angle"/>
+                      <a:lightRig rig="flood" dir="t"/>
+                    </a:cell3D>
+                  </a:tcPr>
+                </a:tc>
+                <a:extLst>
+                  <a:ext uri="{0D108BD9-81ED-4DB2-BD59-A6C34878D82A}">
+                    <a16:rowId xmlns:a16="http://schemas.microsoft.com/office/drawing/2014/main" val="2316835550"/>
+                  </a:ext>
+                </a:extLst>
+              </a:tr>
+              <a:tr h="254402">
+                <a:tc>
+                  <a:txBody>
+                    <a:bodyPr/>
+                    <a:lstStyle/>
+                    <a:p>
+                      <a:pPr algn="l" fontAlgn="b">
+                        <a:spcBef>
+                          <a:spcPts val="0"/>
+                        </a:spcBef>
+                        <a:spcAft>
+                          <a:spcPts val="0"/>
+                        </a:spcAft>
+                      </a:pPr>
+                      <a:r>
+                        <a:rPr lang="en-US" sz="800" u="none" strike="noStrike">
+                          <a:effectLst/>
+                        </a:rPr>
+                        <a:t>  Total_Ct_Chng_Q4_Q1  </a:t>
+                      </a:r>
+                      <a:endParaRPr lang="en-US" sz="1200" b="0" i="0" u="none" strike="noStrike">
+                        <a:effectLst/>
+                        <a:latin typeface="Arial" panose="020B0604020202020204" pitchFamily="34" charset="0"/>
+                      </a:endParaRPr>
+                    </a:p>
+                  </a:txBody>
+                  <a:tcPr marL="5872" marR="5872" marT="5872" marB="0" anchor="ctr">
+                    <a:cell3D prstMaterial="dkEdge">
+                      <a:bevel w="25400" h="25400" prst="angle"/>
+                      <a:lightRig rig="flood" dir="t"/>
+                    </a:cell3D>
+                  </a:tcPr>
+                </a:tc>
+                <a:tc>
+                  <a:txBody>
+                    <a:bodyPr/>
+                    <a:lstStyle/>
+                    <a:p>
+                      <a:pPr algn="ctr" fontAlgn="b">
+                        <a:spcBef>
+                          <a:spcPts val="0"/>
+                        </a:spcBef>
+                        <a:spcAft>
+                          <a:spcPts val="0"/>
+                        </a:spcAft>
+                      </a:pPr>
+                      <a:r>
+                        <a:rPr lang="en-US" sz="800" u="none" strike="noStrike">
+                          <a:effectLst/>
+                        </a:rPr>
+                        <a:t>  </a:t>
+                      </a:r>
+                      <a:endParaRPr lang="en-US" sz="1200" b="0" i="0" u="none" strike="noStrike">
+                        <a:effectLst/>
+                        <a:latin typeface="Arial" panose="020B0604020202020204" pitchFamily="34" charset="0"/>
+                      </a:endParaRPr>
+                    </a:p>
+                  </a:txBody>
+                  <a:tcPr marL="5872" marR="5872" marT="5872" marB="0" anchor="ctr">
+                    <a:cell3D prstMaterial="dkEdge">
+                      <a:bevel w="25400" h="25400" prst="angle"/>
+                      <a:lightRig rig="flood" dir="t"/>
+                    </a:cell3D>
+                  </a:tcPr>
+                </a:tc>
+                <a:tc>
+                  <a:txBody>
+                    <a:bodyPr/>
+                    <a:lstStyle/>
+                    <a:p>
+                      <a:pPr algn="ctr" fontAlgn="b">
+                        <a:spcBef>
+                          <a:spcPts val="0"/>
+                        </a:spcBef>
+                        <a:spcAft>
+                          <a:spcPts val="0"/>
+                        </a:spcAft>
+                      </a:pPr>
+                      <a:r>
+                        <a:rPr lang="en-US" sz="800" u="none" strike="noStrike">
+                          <a:effectLst/>
+                        </a:rPr>
+                        <a:t>  </a:t>
+                      </a:r>
+                      <a:endParaRPr lang="en-US" sz="1200" b="0" i="0" u="none" strike="noStrike">
+                        <a:effectLst/>
+                        <a:latin typeface="Arial" panose="020B0604020202020204" pitchFamily="34" charset="0"/>
+                      </a:endParaRPr>
+                    </a:p>
+                  </a:txBody>
+                  <a:tcPr marL="5872" marR="5872" marT="5872" marB="0" anchor="ctr">
+                    <a:cell3D prstMaterial="dkEdge">
+                      <a:bevel w="25400" h="25400" prst="angle"/>
+                      <a:lightRig rig="flood" dir="t"/>
+                    </a:cell3D>
+                  </a:tcPr>
+                </a:tc>
+                <a:tc>
+                  <a:txBody>
+                    <a:bodyPr/>
+                    <a:lstStyle/>
+                    <a:p>
+                      <a:pPr algn="ctr" fontAlgn="b">
+                        <a:spcBef>
+                          <a:spcPts val="0"/>
+                        </a:spcBef>
+                        <a:spcAft>
+                          <a:spcPts val="0"/>
+                        </a:spcAft>
+                      </a:pPr>
+                      <a:r>
+                        <a:rPr lang="en-US" sz="800" u="none" strike="noStrike">
+                          <a:effectLst/>
+                        </a:rPr>
+                        <a:t>  </a:t>
+                      </a:r>
+                      <a:endParaRPr lang="en-US" sz="1200" b="0" i="0" u="none" strike="noStrike">
+                        <a:effectLst/>
+                        <a:latin typeface="Arial" panose="020B0604020202020204" pitchFamily="34" charset="0"/>
+                      </a:endParaRPr>
+                    </a:p>
+                  </a:txBody>
+                  <a:tcPr marL="5872" marR="5872" marT="5872" marB="0" anchor="ctr">
+                    <a:cell3D prstMaterial="dkEdge">
+                      <a:bevel w="25400" h="25400" prst="angle"/>
+                      <a:lightRig rig="flood" dir="t"/>
+                    </a:cell3D>
+                  </a:tcPr>
+                </a:tc>
+                <a:tc>
+                  <a:txBody>
+                    <a:bodyPr/>
+                    <a:lstStyle/>
+                    <a:p>
+                      <a:pPr algn="ctr" fontAlgn="b">
+                        <a:spcBef>
+                          <a:spcPts val="0"/>
+                        </a:spcBef>
+                        <a:spcAft>
+                          <a:spcPts val="0"/>
+                        </a:spcAft>
+                      </a:pPr>
+                      <a:r>
+                        <a:rPr lang="en-US" sz="800" u="none" strike="noStrike">
+                          <a:effectLst/>
+                        </a:rPr>
+                        <a:t>  </a:t>
+                      </a:r>
+                      <a:endParaRPr lang="en-US" sz="1200" b="0" i="0" u="none" strike="noStrike">
+                        <a:effectLst/>
+                        <a:latin typeface="Arial" panose="020B0604020202020204" pitchFamily="34" charset="0"/>
+                      </a:endParaRPr>
+                    </a:p>
+                  </a:txBody>
+                  <a:tcPr marL="5872" marR="5872" marT="5872" marB="0" anchor="ctr">
+                    <a:cell3D prstMaterial="dkEdge">
+                      <a:bevel w="25400" h="25400" prst="angle"/>
+                      <a:lightRig rig="flood" dir="t"/>
+                    </a:cell3D>
+                  </a:tcPr>
+                </a:tc>
+                <a:tc>
+                  <a:txBody>
+                    <a:bodyPr/>
+                    <a:lstStyle/>
+                    <a:p>
+                      <a:pPr algn="ctr" fontAlgn="b">
+                        <a:spcBef>
+                          <a:spcPts val="0"/>
+                        </a:spcBef>
+                        <a:spcAft>
+                          <a:spcPts val="0"/>
+                        </a:spcAft>
+                      </a:pPr>
+                      <a:r>
+                        <a:rPr lang="en-US" sz="800" u="none" strike="noStrike">
+                          <a:effectLst/>
+                        </a:rPr>
+                        <a:t>  </a:t>
+                      </a:r>
+                      <a:endParaRPr lang="en-US" sz="1200" b="0" i="0" u="none" strike="noStrike">
+                        <a:effectLst/>
+                        <a:latin typeface="Arial" panose="020B0604020202020204" pitchFamily="34" charset="0"/>
+                      </a:endParaRPr>
+                    </a:p>
+                  </a:txBody>
+                  <a:tcPr marL="5872" marR="5872" marT="5872" marB="0" anchor="ctr">
+                    <a:cell3D prstMaterial="dkEdge">
+                      <a:bevel w="25400" h="25400" prst="angle"/>
+                      <a:lightRig rig="flood" dir="t"/>
+                    </a:cell3D>
+                  </a:tcPr>
+                </a:tc>
+                <a:tc>
+                  <a:txBody>
+                    <a:bodyPr/>
+                    <a:lstStyle/>
+                    <a:p>
+                      <a:pPr algn="ctr" fontAlgn="b">
+                        <a:spcBef>
+                          <a:spcPts val="0"/>
+                        </a:spcBef>
+                        <a:spcAft>
+                          <a:spcPts val="0"/>
+                        </a:spcAft>
+                      </a:pPr>
+                      <a:r>
+                        <a:rPr lang="en-US" sz="800" u="none" strike="noStrike">
+                          <a:effectLst/>
+                        </a:rPr>
+                        <a:t> 1 </a:t>
+                      </a:r>
+                      <a:endParaRPr lang="en-US" sz="1200" b="0" i="0" u="none" strike="noStrike">
+                        <a:effectLst/>
+                        <a:latin typeface="Arial" panose="020B0604020202020204" pitchFamily="34" charset="0"/>
+                      </a:endParaRPr>
+                    </a:p>
+                  </a:txBody>
+                  <a:tcPr marL="5872" marR="5872" marT="5872" marB="0" anchor="ctr">
+                    <a:cell3D prstMaterial="dkEdge">
+                      <a:bevel w="25400" h="25400" prst="angle"/>
+                      <a:lightRig rig="flood" dir="t"/>
+                    </a:cell3D>
+                  </a:tcPr>
+                </a:tc>
+                <a:tc>
+                  <a:txBody>
+                    <a:bodyPr/>
+                    <a:lstStyle/>
+                    <a:p>
+                      <a:pPr algn="l" fontAlgn="b">
+                        <a:spcBef>
+                          <a:spcPts val="0"/>
+                        </a:spcBef>
+                        <a:spcAft>
+                          <a:spcPts val="0"/>
+                        </a:spcAft>
+                      </a:pPr>
+                      <a:r>
+                        <a:rPr lang="en-US" sz="800" u="none" strike="noStrike" dirty="0">
+                          <a:effectLst/>
+                        </a:rPr>
+                        <a:t>  </a:t>
+                      </a:r>
+                      <a:endParaRPr lang="en-US" sz="1200" b="0" i="0" u="none" strike="noStrike" dirty="0">
+                        <a:effectLst/>
+                        <a:latin typeface="Arial" panose="020B0604020202020204" pitchFamily="34" charset="0"/>
+                      </a:endParaRPr>
+                    </a:p>
+                  </a:txBody>
+                  <a:tcPr marL="5872" marR="5872" marT="5872" marB="0" anchor="ctr">
+                    <a:cell3D prstMaterial="dkEdge">
+                      <a:bevel w="25400" h="25400" prst="angle"/>
+                      <a:lightRig rig="flood" dir="t"/>
+                    </a:cell3D>
+                  </a:tcPr>
+                </a:tc>
+                <a:extLst>
+                  <a:ext uri="{0D108BD9-81ED-4DB2-BD59-A6C34878D82A}">
+                    <a16:rowId xmlns:a16="http://schemas.microsoft.com/office/drawing/2014/main" val="1779733960"/>
+                  </a:ext>
+                </a:extLst>
+              </a:tr>
+              <a:tr h="254402">
+                <a:tc>
+                  <a:txBody>
+                    <a:bodyPr/>
+                    <a:lstStyle/>
+                    <a:p>
+                      <a:pPr algn="l" fontAlgn="b">
+                        <a:spcBef>
+                          <a:spcPts val="0"/>
+                        </a:spcBef>
+                        <a:spcAft>
+                          <a:spcPts val="0"/>
+                        </a:spcAft>
+                      </a:pPr>
+                      <a:r>
+                        <a:rPr lang="en-US" sz="800" u="none" strike="noStrike">
+                          <a:effectLst/>
+                        </a:rPr>
+                        <a:t>  Total_Relationship_Count  </a:t>
+                      </a:r>
+                      <a:endParaRPr lang="en-US" sz="1200" b="0" i="0" u="none" strike="noStrike">
+                        <a:effectLst/>
+                        <a:latin typeface="Arial" panose="020B0604020202020204" pitchFamily="34" charset="0"/>
+                      </a:endParaRPr>
+                    </a:p>
+                  </a:txBody>
+                  <a:tcPr marL="5872" marR="5872" marT="5872" marB="0" anchor="ctr">
+                    <a:cell3D prstMaterial="dkEdge">
+                      <a:bevel w="25400" h="25400" prst="angle"/>
+                      <a:lightRig rig="flood" dir="t"/>
+                    </a:cell3D>
+                  </a:tcPr>
+                </a:tc>
+                <a:tc>
+                  <a:txBody>
+                    <a:bodyPr/>
+                    <a:lstStyle/>
+                    <a:p>
+                      <a:pPr algn="ctr" fontAlgn="b">
+                        <a:spcBef>
+                          <a:spcPts val="0"/>
+                        </a:spcBef>
+                        <a:spcAft>
+                          <a:spcPts val="0"/>
+                        </a:spcAft>
+                      </a:pPr>
+                      <a:r>
+                        <a:rPr lang="en-US" sz="800" u="none" strike="noStrike">
+                          <a:effectLst/>
+                        </a:rPr>
+                        <a:t> low </a:t>
+                      </a:r>
+                      <a:endParaRPr lang="en-US" sz="1200" b="0" i="0" u="none" strike="noStrike">
+                        <a:effectLst/>
+                        <a:latin typeface="Arial" panose="020B0604020202020204" pitchFamily="34" charset="0"/>
+                      </a:endParaRPr>
+                    </a:p>
+                  </a:txBody>
+                  <a:tcPr marL="5872" marR="5872" marT="5872" marB="0" anchor="ctr">
+                    <a:cell3D prstMaterial="dkEdge">
+                      <a:bevel w="25400" h="25400" prst="angle"/>
+                      <a:lightRig rig="flood" dir="t"/>
+                    </a:cell3D>
+                  </a:tcPr>
+                </a:tc>
+                <a:tc>
+                  <a:txBody>
+                    <a:bodyPr/>
+                    <a:lstStyle/>
+                    <a:p>
+                      <a:pPr algn="ctr" fontAlgn="b">
+                        <a:spcBef>
+                          <a:spcPts val="0"/>
+                        </a:spcBef>
+                        <a:spcAft>
+                          <a:spcPts val="0"/>
+                        </a:spcAft>
+                      </a:pPr>
+                      <a:r>
+                        <a:rPr lang="en-US" sz="800" u="none" strike="noStrike">
+                          <a:effectLst/>
+                        </a:rPr>
+                        <a:t> high </a:t>
+                      </a:r>
+                      <a:endParaRPr lang="en-US" sz="1200" b="0" i="0" u="none" strike="noStrike">
+                        <a:effectLst/>
+                        <a:latin typeface="Arial" panose="020B0604020202020204" pitchFamily="34" charset="0"/>
+                      </a:endParaRPr>
+                    </a:p>
+                  </a:txBody>
+                  <a:tcPr marL="5872" marR="5872" marT="5872" marB="0" anchor="ctr">
+                    <a:cell3D prstMaterial="dkEdge">
+                      <a:bevel w="25400" h="25400" prst="angle"/>
+                      <a:lightRig rig="flood" dir="t"/>
+                    </a:cell3D>
+                  </a:tcPr>
+                </a:tc>
+                <a:tc>
+                  <a:txBody>
+                    <a:bodyPr/>
+                    <a:lstStyle/>
+                    <a:p>
+                      <a:pPr algn="ctr" fontAlgn="b">
+                        <a:spcBef>
+                          <a:spcPts val="0"/>
+                        </a:spcBef>
+                        <a:spcAft>
+                          <a:spcPts val="0"/>
+                        </a:spcAft>
+                      </a:pPr>
+                      <a:r>
+                        <a:rPr lang="en-US" sz="800" u="none" strike="noStrike">
+                          <a:effectLst/>
+                        </a:rPr>
+                        <a:t> high </a:t>
+                      </a:r>
+                      <a:endParaRPr lang="en-US" sz="1200" b="0" i="0" u="none" strike="noStrike">
+                        <a:effectLst/>
+                        <a:latin typeface="Arial" panose="020B0604020202020204" pitchFamily="34" charset="0"/>
+                      </a:endParaRPr>
+                    </a:p>
+                  </a:txBody>
+                  <a:tcPr marL="5872" marR="5872" marT="5872" marB="0" anchor="ctr">
+                    <a:cell3D prstMaterial="dkEdge">
+                      <a:bevel w="25400" h="25400" prst="angle"/>
+                      <a:lightRig rig="flood" dir="t"/>
+                    </a:cell3D>
+                  </a:tcPr>
+                </a:tc>
+                <a:tc>
+                  <a:txBody>
+                    <a:bodyPr/>
+                    <a:lstStyle/>
+                    <a:p>
+                      <a:pPr algn="ctr" fontAlgn="b">
+                        <a:spcBef>
+                          <a:spcPts val="0"/>
+                        </a:spcBef>
+                        <a:spcAft>
+                          <a:spcPts val="0"/>
+                        </a:spcAft>
+                      </a:pPr>
+                      <a:r>
+                        <a:rPr lang="en-US" sz="800" u="none" strike="noStrike">
+                          <a:effectLst/>
+                        </a:rPr>
+                        <a:t> high </a:t>
+                      </a:r>
+                      <a:endParaRPr lang="en-US" sz="1200" b="0" i="0" u="none" strike="noStrike">
+                        <a:effectLst/>
+                        <a:latin typeface="Arial" panose="020B0604020202020204" pitchFamily="34" charset="0"/>
+                      </a:endParaRPr>
+                    </a:p>
+                  </a:txBody>
+                  <a:tcPr marL="5872" marR="5872" marT="5872" marB="0" anchor="ctr">
+                    <a:cell3D prstMaterial="dkEdge">
+                      <a:bevel w="25400" h="25400" prst="angle"/>
+                      <a:lightRig rig="flood" dir="t"/>
+                    </a:cell3D>
+                  </a:tcPr>
+                </a:tc>
+                <a:tc>
+                  <a:txBody>
+                    <a:bodyPr/>
+                    <a:lstStyle/>
+                    <a:p>
+                      <a:pPr algn="ctr" fontAlgn="b">
+                        <a:spcBef>
+                          <a:spcPts val="0"/>
+                        </a:spcBef>
+                        <a:spcAft>
+                          <a:spcPts val="0"/>
+                        </a:spcAft>
+                      </a:pPr>
+                      <a:r>
+                        <a:rPr lang="en-US" sz="800" u="none" strike="noStrike">
+                          <a:effectLst/>
+                        </a:rPr>
+                        <a:t> high </a:t>
+                      </a:r>
+                      <a:endParaRPr lang="en-US" sz="1200" b="0" i="0" u="none" strike="noStrike">
+                        <a:effectLst/>
+                        <a:latin typeface="Arial" panose="020B0604020202020204" pitchFamily="34" charset="0"/>
+                      </a:endParaRPr>
+                    </a:p>
+                  </a:txBody>
+                  <a:tcPr marL="5872" marR="5872" marT="5872" marB="0" anchor="ctr">
+                    <a:cell3D prstMaterial="dkEdge">
+                      <a:bevel w="25400" h="25400" prst="angle"/>
+                      <a:lightRig rig="flood" dir="t"/>
+                    </a:cell3D>
+                  </a:tcPr>
+                </a:tc>
+                <a:tc>
+                  <a:txBody>
+                    <a:bodyPr/>
+                    <a:lstStyle/>
+                    <a:p>
+                      <a:pPr algn="ctr" fontAlgn="b">
+                        <a:spcBef>
+                          <a:spcPts val="0"/>
+                        </a:spcBef>
+                        <a:spcAft>
+                          <a:spcPts val="0"/>
+                        </a:spcAft>
+                      </a:pPr>
+                      <a:r>
+                        <a:rPr lang="en-US" sz="800" u="none" strike="noStrike" dirty="0">
+                          <a:effectLst/>
+                        </a:rPr>
+                        <a:t> 1 </a:t>
+                      </a:r>
+                      <a:endParaRPr lang="en-US" sz="1200" b="0" i="0" u="none" strike="noStrike" dirty="0">
+                        <a:effectLst/>
+                        <a:latin typeface="Arial" panose="020B0604020202020204" pitchFamily="34" charset="0"/>
+                      </a:endParaRPr>
+                    </a:p>
+                  </a:txBody>
+                  <a:tcPr marL="5872" marR="5872" marT="5872" marB="0" anchor="ctr">
+                    <a:cell3D prstMaterial="dkEdge">
+                      <a:bevel w="25400" h="25400" prst="angle"/>
+                      <a:lightRig rig="flood" dir="t"/>
+                    </a:cell3D>
+                  </a:tcPr>
+                </a:tc>
+                <a:tc>
+                  <a:txBody>
+                    <a:bodyPr/>
+                    <a:lstStyle/>
+                    <a:p>
+                      <a:pPr algn="l" fontAlgn="b">
+                        <a:spcBef>
+                          <a:spcPts val="0"/>
+                        </a:spcBef>
+                        <a:spcAft>
+                          <a:spcPts val="0"/>
+                        </a:spcAft>
+                      </a:pPr>
+                      <a:r>
+                        <a:rPr lang="en-US" sz="800" u="none" strike="noStrike" dirty="0">
+                          <a:effectLst/>
+                        </a:rPr>
+                        <a:t> 2 and 3 are most   frequent </a:t>
+                      </a:r>
+                      <a:endParaRPr lang="en-US" sz="1200" b="0" i="0" u="none" strike="noStrike" dirty="0">
+                        <a:effectLst/>
+                        <a:latin typeface="Arial" panose="020B0604020202020204" pitchFamily="34" charset="0"/>
+                      </a:endParaRPr>
+                    </a:p>
+                  </a:txBody>
+                  <a:tcPr marL="5872" marR="5872" marT="5872" marB="0" anchor="ctr">
+                    <a:cell3D prstMaterial="dkEdge">
+                      <a:bevel w="25400" h="25400" prst="angle"/>
+                      <a:lightRig rig="flood" dir="t"/>
+                    </a:cell3D>
+                  </a:tcPr>
+                </a:tc>
+                <a:extLst>
+                  <a:ext uri="{0D108BD9-81ED-4DB2-BD59-A6C34878D82A}">
+                    <a16:rowId xmlns:a16="http://schemas.microsoft.com/office/drawing/2014/main" val="3692770404"/>
+                  </a:ext>
+                </a:extLst>
+              </a:tr>
+              <a:tr h="254402">
+                <a:tc>
+                  <a:txBody>
+                    <a:bodyPr/>
+                    <a:lstStyle/>
+                    <a:p>
+                      <a:pPr algn="l" fontAlgn="b">
+                        <a:spcBef>
+                          <a:spcPts val="0"/>
+                        </a:spcBef>
+                        <a:spcAft>
+                          <a:spcPts val="0"/>
+                        </a:spcAft>
+                      </a:pPr>
+                      <a:r>
+                        <a:rPr lang="en-US" sz="800" u="none" strike="noStrike">
+                          <a:effectLst/>
+                        </a:rPr>
+                        <a:t>  Total_Revolving_Bal  </a:t>
+                      </a:r>
+                      <a:endParaRPr lang="en-US" sz="1200" b="0" i="0" u="none" strike="noStrike">
+                        <a:effectLst/>
+                        <a:latin typeface="Arial" panose="020B0604020202020204" pitchFamily="34" charset="0"/>
+                      </a:endParaRPr>
+                    </a:p>
+                  </a:txBody>
+                  <a:tcPr marL="5872" marR="5872" marT="5872" marB="0" anchor="ctr">
+                    <a:cell3D prstMaterial="dkEdge">
+                      <a:bevel w="25400" h="25400" prst="angle"/>
+                      <a:lightRig rig="flood" dir="t"/>
+                    </a:cell3D>
+                  </a:tcPr>
+                </a:tc>
+                <a:tc>
+                  <a:txBody>
+                    <a:bodyPr/>
+                    <a:lstStyle/>
+                    <a:p>
+                      <a:pPr algn="ctr" fontAlgn="b">
+                        <a:spcBef>
+                          <a:spcPts val="0"/>
+                        </a:spcBef>
+                        <a:spcAft>
+                          <a:spcPts val="0"/>
+                        </a:spcAft>
+                      </a:pPr>
+                      <a:r>
+                        <a:rPr lang="en-US" sz="800" u="none" strike="noStrike">
+                          <a:effectLst/>
+                        </a:rPr>
+                        <a:t> spread </a:t>
+                      </a:r>
+                      <a:endParaRPr lang="en-US" sz="1200" b="0" i="0" u="none" strike="noStrike">
+                        <a:effectLst/>
+                        <a:latin typeface="Arial" panose="020B0604020202020204" pitchFamily="34" charset="0"/>
+                      </a:endParaRPr>
+                    </a:p>
+                  </a:txBody>
+                  <a:tcPr marL="5872" marR="5872" marT="5872" marB="0" anchor="ctr">
+                    <a:cell3D prstMaterial="dkEdge">
+                      <a:bevel w="25400" h="25400" prst="angle"/>
+                      <a:lightRig rig="flood" dir="t"/>
+                    </a:cell3D>
+                  </a:tcPr>
+                </a:tc>
+                <a:tc>
+                  <a:txBody>
+                    <a:bodyPr/>
+                    <a:lstStyle/>
+                    <a:p>
+                      <a:pPr algn="ctr" fontAlgn="b">
+                        <a:spcBef>
+                          <a:spcPts val="0"/>
+                        </a:spcBef>
+                        <a:spcAft>
+                          <a:spcPts val="0"/>
+                        </a:spcAft>
+                      </a:pPr>
+                      <a:r>
+                        <a:rPr lang="en-US" sz="800" u="none" strike="noStrike">
+                          <a:effectLst/>
+                        </a:rPr>
+                        <a:t> low </a:t>
+                      </a:r>
+                      <a:endParaRPr lang="en-US" sz="1200" b="0" i="0" u="none" strike="noStrike">
+                        <a:effectLst/>
+                        <a:latin typeface="Arial" panose="020B0604020202020204" pitchFamily="34" charset="0"/>
+                      </a:endParaRPr>
+                    </a:p>
+                  </a:txBody>
+                  <a:tcPr marL="5872" marR="5872" marT="5872" marB="0" anchor="ctr">
+                    <a:cell3D prstMaterial="dkEdge">
+                      <a:bevel w="25400" h="25400" prst="angle"/>
+                      <a:lightRig rig="flood" dir="t"/>
+                    </a:cell3D>
+                  </a:tcPr>
+                </a:tc>
+                <a:tc>
+                  <a:txBody>
+                    <a:bodyPr/>
+                    <a:lstStyle/>
+                    <a:p>
+                      <a:pPr algn="ctr" fontAlgn="b">
+                        <a:spcBef>
+                          <a:spcPts val="0"/>
+                        </a:spcBef>
+                        <a:spcAft>
+                          <a:spcPts val="0"/>
+                        </a:spcAft>
+                      </a:pPr>
+                      <a:r>
+                        <a:rPr lang="en-US" sz="800" u="none" strike="noStrike">
+                          <a:effectLst/>
+                        </a:rPr>
+                        <a:t> mod </a:t>
+                      </a:r>
+                      <a:endParaRPr lang="en-US" sz="1200" b="0" i="0" u="none" strike="noStrike">
+                        <a:effectLst/>
+                        <a:latin typeface="Arial" panose="020B0604020202020204" pitchFamily="34" charset="0"/>
+                      </a:endParaRPr>
+                    </a:p>
+                  </a:txBody>
+                  <a:tcPr marL="5872" marR="5872" marT="5872" marB="0" anchor="ctr">
+                    <a:cell3D prstMaterial="dkEdge">
+                      <a:bevel w="25400" h="25400" prst="angle"/>
+                      <a:lightRig rig="flood" dir="t"/>
+                    </a:cell3D>
+                  </a:tcPr>
+                </a:tc>
+                <a:tc>
+                  <a:txBody>
+                    <a:bodyPr/>
+                    <a:lstStyle/>
+                    <a:p>
+                      <a:pPr algn="ctr" fontAlgn="b">
+                        <a:spcBef>
+                          <a:spcPts val="0"/>
+                        </a:spcBef>
+                        <a:spcAft>
+                          <a:spcPts val="0"/>
+                        </a:spcAft>
+                      </a:pPr>
+                      <a:r>
+                        <a:rPr lang="en-US" sz="800" u="none" strike="noStrike">
+                          <a:effectLst/>
+                        </a:rPr>
+                        <a:t> spread </a:t>
+                      </a:r>
+                      <a:endParaRPr lang="en-US" sz="1200" b="0" i="0" u="none" strike="noStrike">
+                        <a:effectLst/>
+                        <a:latin typeface="Arial" panose="020B0604020202020204" pitchFamily="34" charset="0"/>
+                      </a:endParaRPr>
+                    </a:p>
+                  </a:txBody>
+                  <a:tcPr marL="5872" marR="5872" marT="5872" marB="0" anchor="ctr">
+                    <a:cell3D prstMaterial="dkEdge">
+                      <a:bevel w="25400" h="25400" prst="angle"/>
+                      <a:lightRig rig="flood" dir="t"/>
+                    </a:cell3D>
+                  </a:tcPr>
+                </a:tc>
+                <a:tc>
+                  <a:txBody>
+                    <a:bodyPr/>
+                    <a:lstStyle/>
+                    <a:p>
+                      <a:pPr algn="ctr" fontAlgn="b">
+                        <a:spcBef>
+                          <a:spcPts val="0"/>
+                        </a:spcBef>
+                        <a:spcAft>
+                          <a:spcPts val="0"/>
+                        </a:spcAft>
+                      </a:pPr>
+                      <a:r>
+                        <a:rPr lang="en-US" sz="800" u="none" strike="noStrike" dirty="0">
+                          <a:effectLst/>
+                        </a:rPr>
+                        <a:t> spread </a:t>
+                      </a:r>
+                      <a:endParaRPr lang="en-US" sz="1200" b="0" i="0" u="none" strike="noStrike" dirty="0">
+                        <a:effectLst/>
+                        <a:latin typeface="Arial" panose="020B0604020202020204" pitchFamily="34" charset="0"/>
+                      </a:endParaRPr>
+                    </a:p>
+                  </a:txBody>
+                  <a:tcPr marL="5872" marR="5872" marT="5872" marB="0" anchor="ctr">
+                    <a:cell3D prstMaterial="dkEdge">
+                      <a:bevel w="25400" h="25400" prst="angle"/>
+                      <a:lightRig rig="flood" dir="t"/>
+                    </a:cell3D>
+                  </a:tcPr>
+                </a:tc>
+                <a:tc>
+                  <a:txBody>
+                    <a:bodyPr/>
+                    <a:lstStyle/>
+                    <a:p>
+                      <a:pPr algn="ctr" fontAlgn="b">
+                        <a:spcBef>
+                          <a:spcPts val="0"/>
+                        </a:spcBef>
+                        <a:spcAft>
+                          <a:spcPts val="0"/>
+                        </a:spcAft>
+                      </a:pPr>
+                      <a:r>
+                        <a:rPr lang="en-US" sz="800" u="none" strike="noStrike">
+                          <a:effectLst/>
+                        </a:rPr>
+                        <a:t> 1 </a:t>
+                      </a:r>
+                      <a:endParaRPr lang="en-US" sz="1200" b="0" i="0" u="none" strike="noStrike">
+                        <a:effectLst/>
+                        <a:latin typeface="Arial" panose="020B0604020202020204" pitchFamily="34" charset="0"/>
+                      </a:endParaRPr>
+                    </a:p>
+                  </a:txBody>
+                  <a:tcPr marL="5872" marR="5872" marT="5872" marB="0" anchor="ctr">
+                    <a:cell3D prstMaterial="dkEdge">
+                      <a:bevel w="25400" h="25400" prst="angle"/>
+                      <a:lightRig rig="flood" dir="t"/>
+                    </a:cell3D>
+                  </a:tcPr>
+                </a:tc>
+                <a:tc>
+                  <a:txBody>
+                    <a:bodyPr/>
+                    <a:lstStyle/>
+                    <a:p>
+                      <a:pPr algn="l" fontAlgn="b">
+                        <a:spcBef>
+                          <a:spcPts val="0"/>
+                        </a:spcBef>
+                        <a:spcAft>
+                          <a:spcPts val="0"/>
+                        </a:spcAft>
+                      </a:pPr>
+                      <a:r>
+                        <a:rPr lang="en-US" sz="800" u="none" strike="noStrike" dirty="0">
+                          <a:effectLst/>
+                        </a:rPr>
+                        <a:t> Majority values   are low </a:t>
+                      </a:r>
+                      <a:endParaRPr lang="en-US" sz="1200" b="0" i="0" u="none" strike="noStrike" dirty="0">
+                        <a:effectLst/>
+                        <a:latin typeface="Arial" panose="020B0604020202020204" pitchFamily="34" charset="0"/>
+                      </a:endParaRPr>
+                    </a:p>
+                  </a:txBody>
+                  <a:tcPr marL="5872" marR="5872" marT="5872" marB="0" anchor="ctr">
+                    <a:cell3D prstMaterial="dkEdge">
+                      <a:bevel w="25400" h="25400" prst="angle"/>
+                      <a:lightRig rig="flood" dir="t"/>
+                    </a:cell3D>
+                  </a:tcPr>
+                </a:tc>
+                <a:extLst>
+                  <a:ext uri="{0D108BD9-81ED-4DB2-BD59-A6C34878D82A}">
+                    <a16:rowId xmlns:a16="http://schemas.microsoft.com/office/drawing/2014/main" val="559016264"/>
+                  </a:ext>
+                </a:extLst>
+              </a:tr>
+              <a:tr h="254402">
+                <a:tc>
+                  <a:txBody>
+                    <a:bodyPr/>
+                    <a:lstStyle/>
+                    <a:p>
+                      <a:pPr algn="l" fontAlgn="b">
+                        <a:spcBef>
+                          <a:spcPts val="0"/>
+                        </a:spcBef>
+                        <a:spcAft>
+                          <a:spcPts val="0"/>
+                        </a:spcAft>
+                      </a:pPr>
+                      <a:r>
+                        <a:rPr lang="en-US" sz="800" u="none" strike="noStrike">
+                          <a:effectLst/>
+                        </a:rPr>
+                        <a:t>  Total_Trans_Amt  </a:t>
+                      </a:r>
+                      <a:endParaRPr lang="en-US" sz="1200" b="0" i="0" u="none" strike="noStrike">
+                        <a:effectLst/>
+                        <a:latin typeface="Arial" panose="020B0604020202020204" pitchFamily="34" charset="0"/>
+                      </a:endParaRPr>
+                    </a:p>
+                  </a:txBody>
+                  <a:tcPr marL="5872" marR="5872" marT="5872" marB="0" anchor="ctr">
+                    <a:cell3D prstMaterial="dkEdge">
+                      <a:bevel w="25400" h="25400" prst="angle"/>
+                      <a:lightRig rig="flood" dir="t"/>
+                    </a:cell3D>
+                  </a:tcPr>
+                </a:tc>
+                <a:tc>
+                  <a:txBody>
+                    <a:bodyPr/>
+                    <a:lstStyle/>
+                    <a:p>
+                      <a:pPr algn="ctr" fontAlgn="b">
+                        <a:spcBef>
+                          <a:spcPts val="0"/>
+                        </a:spcBef>
+                        <a:spcAft>
+                          <a:spcPts val="0"/>
+                        </a:spcAft>
+                      </a:pPr>
+                      <a:r>
+                        <a:rPr lang="en-US" sz="800" u="none" strike="noStrike">
+                          <a:effectLst/>
+                        </a:rPr>
+                        <a:t> High transaction amount </a:t>
+                      </a:r>
+                      <a:endParaRPr lang="en-US" sz="1200" b="0" i="0" u="none" strike="noStrike">
+                        <a:effectLst/>
+                        <a:latin typeface="Arial" panose="020B0604020202020204" pitchFamily="34" charset="0"/>
+                      </a:endParaRPr>
+                    </a:p>
+                  </a:txBody>
+                  <a:tcPr marL="5872" marR="5872" marT="5872" marB="0" anchor="ctr">
+                    <a:cell3D prstMaterial="dkEdge">
+                      <a:bevel w="25400" h="25400" prst="angle"/>
+                      <a:lightRig rig="flood" dir="t"/>
+                    </a:cell3D>
+                  </a:tcPr>
+                </a:tc>
+                <a:tc>
+                  <a:txBody>
+                    <a:bodyPr/>
+                    <a:lstStyle/>
+                    <a:p>
+                      <a:pPr algn="ctr" fontAlgn="b">
+                        <a:spcBef>
+                          <a:spcPts val="0"/>
+                        </a:spcBef>
+                        <a:spcAft>
+                          <a:spcPts val="0"/>
+                        </a:spcAft>
+                      </a:pPr>
+                      <a:r>
+                        <a:rPr lang="en-US" sz="800" u="none" strike="noStrike">
+                          <a:effectLst/>
+                        </a:rPr>
+                        <a:t> low </a:t>
+                      </a:r>
+                      <a:endParaRPr lang="en-US" sz="1200" b="0" i="0" u="none" strike="noStrike">
+                        <a:effectLst/>
+                        <a:latin typeface="Arial" panose="020B0604020202020204" pitchFamily="34" charset="0"/>
+                      </a:endParaRPr>
+                    </a:p>
+                  </a:txBody>
+                  <a:tcPr marL="5872" marR="5872" marT="5872" marB="0" anchor="ctr">
+                    <a:cell3D prstMaterial="dkEdge">
+                      <a:bevel w="25400" h="25400" prst="angle"/>
+                      <a:lightRig rig="flood" dir="t"/>
+                    </a:cell3D>
+                  </a:tcPr>
+                </a:tc>
+                <a:tc>
+                  <a:txBody>
+                    <a:bodyPr/>
+                    <a:lstStyle/>
+                    <a:p>
+                      <a:pPr algn="ctr" fontAlgn="b">
+                        <a:spcBef>
+                          <a:spcPts val="0"/>
+                        </a:spcBef>
+                        <a:spcAft>
+                          <a:spcPts val="0"/>
+                        </a:spcAft>
+                      </a:pPr>
+                      <a:r>
+                        <a:rPr lang="en-US" sz="800" u="none" strike="noStrike">
+                          <a:effectLst/>
+                        </a:rPr>
+                        <a:t> mid amount till 5k high feq transaction </a:t>
+                      </a:r>
+                      <a:endParaRPr lang="en-US" sz="1200" b="0" i="0" u="none" strike="noStrike">
+                        <a:effectLst/>
+                        <a:latin typeface="Arial" panose="020B0604020202020204" pitchFamily="34" charset="0"/>
+                      </a:endParaRPr>
+                    </a:p>
+                  </a:txBody>
+                  <a:tcPr marL="5872" marR="5872" marT="5872" marB="0" anchor="ctr">
+                    <a:cell3D prstMaterial="dkEdge">
+                      <a:bevel w="25400" h="25400" prst="angle"/>
+                      <a:lightRig rig="flood" dir="t"/>
+                    </a:cell3D>
+                  </a:tcPr>
+                </a:tc>
+                <a:tc>
+                  <a:txBody>
+                    <a:bodyPr/>
+                    <a:lstStyle/>
+                    <a:p>
+                      <a:pPr algn="ctr" fontAlgn="b">
+                        <a:spcBef>
+                          <a:spcPts val="0"/>
+                        </a:spcBef>
+                        <a:spcAft>
+                          <a:spcPts val="0"/>
+                        </a:spcAft>
+                      </a:pPr>
+                      <a:r>
+                        <a:rPr lang="en-US" sz="800" u="none" strike="noStrike">
+                          <a:effectLst/>
+                        </a:rPr>
+                        <a:t> mid amount till 5k high feq transaction </a:t>
+                      </a:r>
+                      <a:endParaRPr lang="en-US" sz="1200" b="0" i="0" u="none" strike="noStrike">
+                        <a:effectLst/>
+                        <a:latin typeface="Arial" panose="020B0604020202020204" pitchFamily="34" charset="0"/>
+                      </a:endParaRPr>
+                    </a:p>
+                  </a:txBody>
+                  <a:tcPr marL="5872" marR="5872" marT="5872" marB="0" anchor="ctr">
+                    <a:cell3D prstMaterial="dkEdge">
+                      <a:bevel w="25400" h="25400" prst="angle"/>
+                      <a:lightRig rig="flood" dir="t"/>
+                    </a:cell3D>
+                  </a:tcPr>
+                </a:tc>
+                <a:tc>
+                  <a:txBody>
+                    <a:bodyPr/>
+                    <a:lstStyle/>
+                    <a:p>
+                      <a:pPr algn="ctr" fontAlgn="b">
+                        <a:spcBef>
+                          <a:spcPts val="0"/>
+                        </a:spcBef>
+                        <a:spcAft>
+                          <a:spcPts val="0"/>
+                        </a:spcAft>
+                      </a:pPr>
+                      <a:r>
+                        <a:rPr lang="en-US" sz="800" u="none" strike="noStrike" dirty="0">
+                          <a:effectLst/>
+                        </a:rPr>
+                        <a:t> mid amount till 5k med </a:t>
+                      </a:r>
+                      <a:r>
+                        <a:rPr lang="en-US" sz="800" u="none" strike="noStrike" dirty="0" err="1">
+                          <a:effectLst/>
+                        </a:rPr>
+                        <a:t>freq</a:t>
+                      </a:r>
+                      <a:r>
+                        <a:rPr lang="en-US" sz="800" u="none" strike="noStrike" dirty="0">
+                          <a:effectLst/>
+                        </a:rPr>
+                        <a:t> transaction </a:t>
+                      </a:r>
+                      <a:endParaRPr lang="en-US" sz="1200" b="0" i="0" u="none" strike="noStrike" dirty="0">
+                        <a:effectLst/>
+                        <a:latin typeface="Arial" panose="020B0604020202020204" pitchFamily="34" charset="0"/>
+                      </a:endParaRPr>
+                    </a:p>
+                  </a:txBody>
+                  <a:tcPr marL="5872" marR="5872" marT="5872" marB="0" anchor="ctr">
+                    <a:cell3D prstMaterial="dkEdge">
+                      <a:bevel w="25400" h="25400" prst="angle"/>
+                      <a:lightRig rig="flood" dir="t"/>
+                    </a:cell3D>
+                  </a:tcPr>
+                </a:tc>
+                <a:tc>
+                  <a:txBody>
+                    <a:bodyPr/>
+                    <a:lstStyle/>
+                    <a:p>
+                      <a:pPr algn="ctr" fontAlgn="b">
+                        <a:spcBef>
+                          <a:spcPts val="0"/>
+                        </a:spcBef>
+                        <a:spcAft>
+                          <a:spcPts val="0"/>
+                        </a:spcAft>
+                      </a:pPr>
+                      <a:r>
+                        <a:rPr lang="en-US" sz="800" u="none" strike="noStrike" dirty="0">
+                          <a:effectLst/>
+                        </a:rPr>
+                        <a:t> 1 </a:t>
+                      </a:r>
+                      <a:endParaRPr lang="en-US" sz="1200" b="0" i="0" u="none" strike="noStrike" dirty="0">
+                        <a:effectLst/>
+                        <a:latin typeface="Arial" panose="020B0604020202020204" pitchFamily="34" charset="0"/>
+                      </a:endParaRPr>
+                    </a:p>
+                  </a:txBody>
+                  <a:tcPr marL="5872" marR="5872" marT="5872" marB="0" anchor="ctr">
+                    <a:cell3D prstMaterial="dkEdge">
+                      <a:bevel w="25400" h="25400" prst="angle"/>
+                      <a:lightRig rig="flood" dir="t"/>
+                    </a:cell3D>
+                  </a:tcPr>
+                </a:tc>
+                <a:tc>
+                  <a:txBody>
+                    <a:bodyPr/>
+                    <a:lstStyle/>
+                    <a:p>
+                      <a:pPr algn="l" fontAlgn="b">
+                        <a:spcBef>
+                          <a:spcPts val="0"/>
+                        </a:spcBef>
+                        <a:spcAft>
+                          <a:spcPts val="0"/>
+                        </a:spcAft>
+                      </a:pPr>
+                      <a:r>
+                        <a:rPr lang="en-US" sz="800" u="none" strike="noStrike" dirty="0">
+                          <a:effectLst/>
+                        </a:rPr>
+                        <a:t> low amounts </a:t>
+                      </a:r>
+                      <a:endParaRPr lang="en-US" sz="1200" b="0" i="0" u="none" strike="noStrike" dirty="0">
+                        <a:effectLst/>
+                        <a:latin typeface="Arial" panose="020B0604020202020204" pitchFamily="34" charset="0"/>
+                      </a:endParaRPr>
+                    </a:p>
+                  </a:txBody>
+                  <a:tcPr marL="5872" marR="5872" marT="5872" marB="0" anchor="ctr">
+                    <a:cell3D prstMaterial="dkEdge">
+                      <a:bevel w="25400" h="25400" prst="angle"/>
+                      <a:lightRig rig="flood" dir="t"/>
+                    </a:cell3D>
+                  </a:tcPr>
+                </a:tc>
+                <a:extLst>
+                  <a:ext uri="{0D108BD9-81ED-4DB2-BD59-A6C34878D82A}">
+                    <a16:rowId xmlns:a16="http://schemas.microsoft.com/office/drawing/2014/main" val="2415432168"/>
+                  </a:ext>
+                </a:extLst>
+              </a:tr>
+              <a:tr h="254402">
+                <a:tc>
+                  <a:txBody>
+                    <a:bodyPr/>
+                    <a:lstStyle/>
+                    <a:p>
+                      <a:pPr algn="l" fontAlgn="b">
+                        <a:spcBef>
+                          <a:spcPts val="0"/>
+                        </a:spcBef>
+                        <a:spcAft>
+                          <a:spcPts val="0"/>
+                        </a:spcAft>
+                      </a:pPr>
+                      <a:r>
+                        <a:rPr lang="en-US" sz="800" u="none" strike="noStrike">
+                          <a:effectLst/>
+                        </a:rPr>
+                        <a:t>  Total_Trans_Ct  </a:t>
+                      </a:r>
+                      <a:endParaRPr lang="en-US" sz="1200" b="0" i="0" u="none" strike="noStrike">
+                        <a:effectLst/>
+                        <a:latin typeface="Arial" panose="020B0604020202020204" pitchFamily="34" charset="0"/>
+                      </a:endParaRPr>
+                    </a:p>
+                  </a:txBody>
+                  <a:tcPr marL="5872" marR="5872" marT="5872" marB="0" anchor="ctr">
+                    <a:cell3D prstMaterial="dkEdge">
+                      <a:bevel w="25400" h="25400" prst="angle"/>
+                      <a:lightRig rig="flood" dir="t"/>
+                    </a:cell3D>
+                  </a:tcPr>
+                </a:tc>
+                <a:tc>
+                  <a:txBody>
+                    <a:bodyPr/>
+                    <a:lstStyle/>
+                    <a:p>
+                      <a:pPr algn="ctr" fontAlgn="b">
+                        <a:spcBef>
+                          <a:spcPts val="0"/>
+                        </a:spcBef>
+                        <a:spcAft>
+                          <a:spcPts val="0"/>
+                        </a:spcAft>
+                      </a:pPr>
+                      <a:r>
+                        <a:rPr lang="en-US" sz="800" u="none" strike="noStrike">
+                          <a:effectLst/>
+                        </a:rPr>
+                        <a:t> heavy user </a:t>
+                      </a:r>
+                      <a:endParaRPr lang="en-US" sz="1200" b="0" i="0" u="none" strike="noStrike">
+                        <a:effectLst/>
+                        <a:latin typeface="Arial" panose="020B0604020202020204" pitchFamily="34" charset="0"/>
+                      </a:endParaRPr>
+                    </a:p>
+                  </a:txBody>
+                  <a:tcPr marL="5872" marR="5872" marT="5872" marB="0" anchor="ctr">
+                    <a:cell3D prstMaterial="dkEdge">
+                      <a:bevel w="25400" h="25400" prst="angle"/>
+                      <a:lightRig rig="flood" dir="t"/>
+                    </a:cell3D>
+                  </a:tcPr>
+                </a:tc>
+                <a:tc>
+                  <a:txBody>
+                    <a:bodyPr/>
+                    <a:lstStyle/>
+                    <a:p>
+                      <a:pPr algn="ctr" fontAlgn="b">
+                        <a:spcBef>
+                          <a:spcPts val="0"/>
+                        </a:spcBef>
+                        <a:spcAft>
+                          <a:spcPts val="0"/>
+                        </a:spcAft>
+                      </a:pPr>
+                      <a:r>
+                        <a:rPr lang="en-US" sz="800" u="none" strike="noStrike">
+                          <a:effectLst/>
+                        </a:rPr>
+                        <a:t> moderate user </a:t>
+                      </a:r>
+                      <a:endParaRPr lang="en-US" sz="1200" b="0" i="0" u="none" strike="noStrike">
+                        <a:effectLst/>
+                        <a:latin typeface="Arial" panose="020B0604020202020204" pitchFamily="34" charset="0"/>
+                      </a:endParaRPr>
+                    </a:p>
+                  </a:txBody>
+                  <a:tcPr marL="5872" marR="5872" marT="5872" marB="0" anchor="ctr">
+                    <a:cell3D prstMaterial="dkEdge">
+                      <a:bevel w="25400" h="25400" prst="angle"/>
+                      <a:lightRig rig="flood" dir="t"/>
+                    </a:cell3D>
+                  </a:tcPr>
+                </a:tc>
+                <a:tc>
+                  <a:txBody>
+                    <a:bodyPr/>
+                    <a:lstStyle/>
+                    <a:p>
+                      <a:pPr algn="ctr" fontAlgn="b">
+                        <a:spcBef>
+                          <a:spcPts val="0"/>
+                        </a:spcBef>
+                        <a:spcAft>
+                          <a:spcPts val="0"/>
+                        </a:spcAft>
+                      </a:pPr>
+                      <a:r>
+                        <a:rPr lang="en-US" sz="800" u="none" strike="noStrike">
+                          <a:effectLst/>
+                        </a:rPr>
+                        <a:t> moderate user </a:t>
+                      </a:r>
+                      <a:endParaRPr lang="en-US" sz="1200" b="0" i="0" u="none" strike="noStrike">
+                        <a:effectLst/>
+                        <a:latin typeface="Arial" panose="020B0604020202020204" pitchFamily="34" charset="0"/>
+                      </a:endParaRPr>
+                    </a:p>
+                  </a:txBody>
+                  <a:tcPr marL="5872" marR="5872" marT="5872" marB="0" anchor="ctr">
+                    <a:cell3D prstMaterial="dkEdge">
+                      <a:bevel w="25400" h="25400" prst="angle"/>
+                      <a:lightRig rig="flood" dir="t"/>
+                    </a:cell3D>
+                  </a:tcPr>
+                </a:tc>
+                <a:tc>
+                  <a:txBody>
+                    <a:bodyPr/>
+                    <a:lstStyle/>
+                    <a:p>
+                      <a:pPr algn="ctr" fontAlgn="b">
+                        <a:spcBef>
+                          <a:spcPts val="0"/>
+                        </a:spcBef>
+                        <a:spcAft>
+                          <a:spcPts val="0"/>
+                        </a:spcAft>
+                      </a:pPr>
+                      <a:r>
+                        <a:rPr lang="en-US" sz="800" u="none" strike="noStrike">
+                          <a:effectLst/>
+                        </a:rPr>
+                        <a:t> moderate user </a:t>
+                      </a:r>
+                      <a:endParaRPr lang="en-US" sz="1200" b="0" i="0" u="none" strike="noStrike">
+                        <a:effectLst/>
+                        <a:latin typeface="Arial" panose="020B0604020202020204" pitchFamily="34" charset="0"/>
+                      </a:endParaRPr>
+                    </a:p>
+                  </a:txBody>
+                  <a:tcPr marL="5872" marR="5872" marT="5872" marB="0" anchor="ctr">
+                    <a:cell3D prstMaterial="dkEdge">
+                      <a:bevel w="25400" h="25400" prst="angle"/>
+                      <a:lightRig rig="flood" dir="t"/>
+                    </a:cell3D>
+                  </a:tcPr>
+                </a:tc>
+                <a:tc>
+                  <a:txBody>
+                    <a:bodyPr/>
+                    <a:lstStyle/>
+                    <a:p>
+                      <a:pPr algn="ctr" fontAlgn="b">
+                        <a:spcBef>
+                          <a:spcPts val="0"/>
+                        </a:spcBef>
+                        <a:spcAft>
+                          <a:spcPts val="0"/>
+                        </a:spcAft>
+                      </a:pPr>
+                      <a:r>
+                        <a:rPr lang="en-US" sz="800" u="none" strike="noStrike" dirty="0">
+                          <a:effectLst/>
+                        </a:rPr>
+                        <a:t> moderate user </a:t>
+                      </a:r>
+                      <a:endParaRPr lang="en-US" sz="1200" b="0" i="0" u="none" strike="noStrike" dirty="0">
+                        <a:effectLst/>
+                        <a:latin typeface="Arial" panose="020B0604020202020204" pitchFamily="34" charset="0"/>
+                      </a:endParaRPr>
+                    </a:p>
+                  </a:txBody>
+                  <a:tcPr marL="5872" marR="5872" marT="5872" marB="0" anchor="ctr">
+                    <a:cell3D prstMaterial="dkEdge">
+                      <a:bevel w="25400" h="25400" prst="angle"/>
+                      <a:lightRig rig="flood" dir="t"/>
+                    </a:cell3D>
+                  </a:tcPr>
+                </a:tc>
+                <a:tc>
+                  <a:txBody>
+                    <a:bodyPr/>
+                    <a:lstStyle/>
+                    <a:p>
+                      <a:pPr algn="ctr" fontAlgn="b">
+                        <a:spcBef>
+                          <a:spcPts val="0"/>
+                        </a:spcBef>
+                        <a:spcAft>
+                          <a:spcPts val="0"/>
+                        </a:spcAft>
+                      </a:pPr>
+                      <a:r>
+                        <a:rPr lang="en-US" sz="800" u="none" strike="noStrike" dirty="0">
+                          <a:effectLst/>
+                        </a:rPr>
+                        <a:t> 1 </a:t>
+                      </a:r>
+                      <a:endParaRPr lang="en-US" sz="1200" b="0" i="0" u="none" strike="noStrike" dirty="0">
+                        <a:effectLst/>
+                        <a:latin typeface="Arial" panose="020B0604020202020204" pitchFamily="34" charset="0"/>
+                      </a:endParaRPr>
+                    </a:p>
+                  </a:txBody>
+                  <a:tcPr marL="5872" marR="5872" marT="5872" marB="0" anchor="ctr">
+                    <a:cell3D prstMaterial="dkEdge">
+                      <a:bevel w="25400" h="25400" prst="angle"/>
+                      <a:lightRig rig="flood" dir="t"/>
+                    </a:cell3D>
+                  </a:tcPr>
+                </a:tc>
+                <a:tc>
+                  <a:txBody>
+                    <a:bodyPr/>
+                    <a:lstStyle/>
+                    <a:p>
+                      <a:pPr algn="l" fontAlgn="b">
+                        <a:spcBef>
+                          <a:spcPts val="0"/>
+                        </a:spcBef>
+                        <a:spcAft>
+                          <a:spcPts val="0"/>
+                        </a:spcAft>
+                      </a:pPr>
+                      <a:r>
+                        <a:rPr lang="en-US" sz="800" u="none" strike="noStrike" dirty="0">
+                          <a:effectLst/>
+                        </a:rPr>
+                        <a:t> Majority values   are between 30 to 50 </a:t>
+                      </a:r>
+                      <a:endParaRPr lang="en-US" sz="1200" b="0" i="0" u="none" strike="noStrike" dirty="0">
+                        <a:effectLst/>
+                        <a:latin typeface="Arial" panose="020B0604020202020204" pitchFamily="34" charset="0"/>
+                      </a:endParaRPr>
+                    </a:p>
+                  </a:txBody>
+                  <a:tcPr marL="5872" marR="5872" marT="5872" marB="0" anchor="ctr">
+                    <a:cell3D prstMaterial="dkEdge">
+                      <a:bevel w="25400" h="25400" prst="angle"/>
+                      <a:lightRig rig="flood" dir="t"/>
+                    </a:cell3D>
+                  </a:tcPr>
+                </a:tc>
+                <a:extLst>
+                  <a:ext uri="{0D108BD9-81ED-4DB2-BD59-A6C34878D82A}">
+                    <a16:rowId xmlns:a16="http://schemas.microsoft.com/office/drawing/2014/main" val="3553287726"/>
+                  </a:ext>
+                </a:extLst>
+              </a:tr>
+            </a:tbl>
+          </a:graphicData>
+        </a:graphic>
+      </p:graphicFrame>
+      <p:sp>
+        <p:nvSpPr>
+          <p:cNvPr id="5" name="Rectangle 4">
+            <a:extLst>
+              <a:ext uri="{FF2B5EF4-FFF2-40B4-BE49-F238E27FC236}">
+                <a16:creationId xmlns:a16="http://schemas.microsoft.com/office/drawing/2014/main" id="{0835FA2D-3B48-4F3D-943F-751E97D43690}"/>
               </a:ext>
               <a:ext uri="{C183D7F6-B498-43B3-948B-1728B52AA6E4}">
                 <adec:decorative xmlns:adec="http://schemas.microsoft.com/office/drawing/2017/decorative" val="1"/>
@@ -26100,7 +31596,7 @@
             </a:extLst>
           </p:cNvPr>
           <p:cNvSpPr>
-            <a:spLocks noGrp="1" noRot="1" noChangeAspect="1" noMove="1" noResize="1" noEditPoints="1" noAdjustHandles="1" noChangeArrowheads="1" noChangeShapeType="1" noTextEdit="1"/>
+            <a:spLocks/>
           </p:cNvSpPr>
           <p:nvPr>
             <p:extLst>
@@ -26112,12 +31608,15 @@
         </p:nvSpPr>
         <p:spPr>
           <a:xfrm>
-            <a:off x="-1" y="0"/>
-            <a:ext cx="12188952" cy="6858000"/>
+            <a:off x="0" y="651752"/>
+            <a:ext cx="12192000" cy="736551"/>
           </a:xfrm>
           <a:prstGeom prst="rect">
             <a:avLst/>
           </a:prstGeom>
+          <a:solidFill>
+            <a:schemeClr val="tx1"/>
+          </a:solidFill>
           <a:ln>
             <a:noFill/>
           </a:ln>
@@ -26152,7 +31651,7 @@
           <p:cNvPr id="2" name="Title 1">
             <a:extLst>
               <a:ext uri="{FF2B5EF4-FFF2-40B4-BE49-F238E27FC236}">
-                <a16:creationId xmlns:a16="http://schemas.microsoft.com/office/drawing/2014/main" id="{9FB20991-31C4-416B-B304-75C17B7B6F69}"/>
+                <a16:creationId xmlns:a16="http://schemas.microsoft.com/office/drawing/2014/main" id="{E0D98EF3-4B33-4487-BAF1-F2C0E9CB3480}"/>
               </a:ext>
             </a:extLst>
           </p:cNvPr>
@@ -26163,167 +31662,49 @@
             <p:ph type="title"/>
           </p:nvPr>
         </p:nvSpPr>
-        <p:spPr>
-          <a:xfrm>
-            <a:off x="314828" y="218542"/>
-            <a:ext cx="4820064" cy="1104857"/>
-          </a:xfrm>
-          <a:ln w="19050">
-            <a:solidFill>
-              <a:srgbClr val="FCE137"/>
-            </a:solidFill>
-          </a:ln>
-        </p:spPr>
+        <p:spPr/>
         <p:txBody>
-          <a:bodyPr vert="horz" lIns="91440" tIns="45720" rIns="91440" bIns="45720" rtlCol="0" anchor="ctr">
+          <a:bodyPr>
             <a:normAutofit/>
-            <a:scene3d>
-              <a:camera prst="orthographicFront"/>
-              <a:lightRig rig="soft" dir="t">
-                <a:rot lat="0" lon="0" rev="15600000"/>
-              </a:lightRig>
-            </a:scene3d>
-            <a:sp3d extrusionH="57150" prstMaterial="softEdge">
-              <a:bevelT w="25400" h="38100"/>
-            </a:sp3d>
           </a:bodyPr>
           <a:lstStyle/>
           <a:p>
             <a:pPr algn="ctr"/>
             <a:r>
-              <a:rPr lang="en-US" sz="5200" b="1" dirty="0">
-                <a:ln/>
+              <a:rPr lang="en-US" sz="3200" dirty="0">
                 <a:solidFill>
-                  <a:schemeClr val="accent4"/>
+                  <a:schemeClr val="bg1">
+                    <a:lumMod val="95000"/>
+                  </a:schemeClr>
                 </a:solidFill>
               </a:rPr>
-              <a:t>Exploration</a:t>
+              <a:t>Summary of exploring</a:t>
             </a:r>
           </a:p>
         </p:txBody>
       </p:sp>
-      <p:pic>
-        <p:nvPicPr>
-          <p:cNvPr id="8" name="Content Placeholder 7" descr="A screenshot of a computer&#10;&#10;Description automatically generated with low confidence">
-            <a:extLst>
-              <a:ext uri="{FF2B5EF4-FFF2-40B4-BE49-F238E27FC236}">
-                <a16:creationId xmlns:a16="http://schemas.microsoft.com/office/drawing/2014/main" id="{7E61BC14-FE4F-4DB3-B69E-25697C95A3E2}"/>
-              </a:ext>
-            </a:extLst>
-          </p:cNvPr>
-          <p:cNvPicPr>
-            <a:picLocks noGrp="1" noChangeAspect="1"/>
-          </p:cNvPicPr>
-          <p:nvPr>
-            <p:ph sz="half" idx="2"/>
-          </p:nvPr>
-        </p:nvPicPr>
-        <p:blipFill>
-          <a:blip r:embed="rId2">
-            <a:extLst>
-              <a:ext uri="{28A0092B-C50C-407E-A947-70E740481C1C}">
-                <a14:useLocalDpi xmlns:a14="http://schemas.microsoft.com/office/drawing/2010/main" val="0"/>
-              </a:ext>
-            </a:extLst>
-          </a:blip>
-          <a:stretch>
-            <a:fillRect/>
-          </a:stretch>
-        </p:blipFill>
-        <p:spPr>
-          <a:xfrm>
-            <a:off x="5473562" y="0"/>
-            <a:ext cx="6738979" cy="6911775"/>
-          </a:xfrm>
-          <a:prstGeom prst="rect">
-            <a:avLst/>
-          </a:prstGeom>
-        </p:spPr>
-      </p:pic>
-      <p:pic>
-        <p:nvPicPr>
-          <p:cNvPr id="6" name="Content Placeholder 5" descr="Chart, pie chart&#10;&#10;Description automatically generated">
-            <a:extLst>
-              <a:ext uri="{FF2B5EF4-FFF2-40B4-BE49-F238E27FC236}">
-                <a16:creationId xmlns:a16="http://schemas.microsoft.com/office/drawing/2014/main" id="{FE1AABEF-AC07-48BF-AFCE-17FFB4A5617F}"/>
-              </a:ext>
-            </a:extLst>
-          </p:cNvPr>
-          <p:cNvPicPr>
-            <a:picLocks noGrp="1" noChangeAspect="1"/>
-          </p:cNvPicPr>
-          <p:nvPr>
-            <p:ph sz="half" idx="1"/>
-          </p:nvPr>
-        </p:nvPicPr>
-        <p:blipFill>
-          <a:blip r:embed="rId3">
-            <a:extLst>
-              <a:ext uri="{28A0092B-C50C-407E-A947-70E740481C1C}">
-                <a14:useLocalDpi xmlns:a14="http://schemas.microsoft.com/office/drawing/2010/main" val="0"/>
-              </a:ext>
-            </a:extLst>
-          </a:blip>
-          <a:stretch>
-            <a:fillRect/>
-          </a:stretch>
-        </p:blipFill>
-        <p:spPr>
-          <a:xfrm>
-            <a:off x="9227117" y="4679686"/>
-            <a:ext cx="2961834" cy="2191757"/>
-          </a:xfrm>
-          <a:prstGeom prst="rect">
-            <a:avLst/>
-          </a:prstGeom>
-        </p:spPr>
-      </p:pic>
-      <p:pic>
-        <p:nvPicPr>
-          <p:cNvPr id="10" name="Picture 9" descr="Chart&#10;&#10;Description automatically generated">
-            <a:extLst>
-              <a:ext uri="{FF2B5EF4-FFF2-40B4-BE49-F238E27FC236}">
-                <a16:creationId xmlns:a16="http://schemas.microsoft.com/office/drawing/2014/main" id="{FD5AF841-45BF-4570-ADC0-62B89C805066}"/>
-              </a:ext>
-            </a:extLst>
-          </p:cNvPr>
-          <p:cNvPicPr>
-            <a:picLocks noChangeAspect="1"/>
-          </p:cNvPicPr>
-          <p:nvPr/>
-        </p:nvPicPr>
-        <p:blipFill>
-          <a:blip r:embed="rId4">
-            <a:extLst>
-              <a:ext uri="{28A0092B-C50C-407E-A947-70E740481C1C}">
-                <a14:useLocalDpi xmlns:a14="http://schemas.microsoft.com/office/drawing/2010/main" val="0"/>
-              </a:ext>
-            </a:extLst>
-          </a:blip>
-          <a:stretch>
-            <a:fillRect/>
-          </a:stretch>
-        </p:blipFill>
-        <p:spPr>
-          <a:xfrm>
-            <a:off x="0" y="2094304"/>
-            <a:ext cx="5496903" cy="3133234"/>
-          </a:xfrm>
-          <a:prstGeom prst="rect">
-            <a:avLst/>
-          </a:prstGeom>
-        </p:spPr>
-      </p:pic>
     </p:spTree>
     <p:extLst>
       <p:ext uri="{BB962C8B-B14F-4D97-AF65-F5344CB8AC3E}">
-        <p14:creationId xmlns:p14="http://schemas.microsoft.com/office/powerpoint/2010/main" val="746939195"/>
+        <p14:creationId xmlns:p14="http://schemas.microsoft.com/office/powerpoint/2010/main" val="3887325617"/>
       </p:ext>
     </p:extLst>
   </p:cSld>
   <p:clrMapOvr>
     <a:masterClrMapping/>
   </p:clrMapOvr>
+  <mc:AlternateContent xmlns:mc="http://schemas.openxmlformats.org/markup-compatibility/2006">
+    <mc:Choice xmlns:p14="http://schemas.microsoft.com/office/powerpoint/2010/main" Requires="p14">
+      <p:transition spd="slow" p14:dur="1600">
+        <p14:prism isContent="1" isInverted="1"/>
+      </p:transition>
+    </mc:Choice>
+    <mc:Fallback>
+      <p:transition spd="slow">
+        <p:fade/>
+      </p:transition>
+    </mc:Fallback>
+  </mc:AlternateContent>
 </p:sld>
 </file>
 
@@ -26625,6 +32006,286 @@
   <p:clrMapOvr>
     <a:masterClrMapping/>
   </p:clrMapOvr>
+  <p:transition spd="slow">
+    <p:wipe/>
+  </p:transition>
+</p:sld>
+</file>
+
+<file path=ppt/slides/slide20.xml><?xml version="1.0" encoding="utf-8"?>
+<p:sld xmlns:a="http://schemas.openxmlformats.org/drawingml/2006/main" xmlns:r="http://schemas.openxmlformats.org/officeDocument/2006/relationships" xmlns:p="http://schemas.openxmlformats.org/presentationml/2006/main">
+  <p:cSld>
+    <p:bg>
+      <p:bgPr>
+        <a:solidFill>
+          <a:srgbClr val="232323"/>
+        </a:solidFill>
+        <a:effectLst/>
+      </p:bgPr>
+    </p:bg>
+    <p:spTree>
+      <p:nvGrpSpPr>
+        <p:cNvPr id="1" name=""/>
+        <p:cNvGrpSpPr/>
+        <p:nvPr/>
+      </p:nvGrpSpPr>
+      <p:grpSpPr>
+        <a:xfrm>
+          <a:off x="0" y="0"/>
+          <a:ext cx="0" cy="0"/>
+          <a:chOff x="0" y="0"/>
+          <a:chExt cx="0" cy="0"/>
+        </a:xfrm>
+      </p:grpSpPr>
+      <p:sp useBgFill="1">
+        <p:nvSpPr>
+          <p:cNvPr id="15" name="Rectangle 14">
+            <a:extLst>
+              <a:ext uri="{FF2B5EF4-FFF2-40B4-BE49-F238E27FC236}">
+                <a16:creationId xmlns:a16="http://schemas.microsoft.com/office/drawing/2014/main" id="{70155189-D96C-4527-B0EC-654B946BE615}"/>
+              </a:ext>
+              <a:ext uri="{C183D7F6-B498-43B3-948B-1728B52AA6E4}">
+                <adec:decorative xmlns:adec="http://schemas.microsoft.com/office/drawing/2017/decorative" val="1"/>
+              </a:ext>
+            </a:extLst>
+          </p:cNvPr>
+          <p:cNvSpPr>
+            <a:spLocks noGrp="1" noRot="1" noChangeAspect="1" noMove="1" noResize="1" noEditPoints="1" noAdjustHandles="1" noChangeArrowheads="1" noChangeShapeType="1" noTextEdit="1"/>
+          </p:cNvSpPr>
+          <p:nvPr>
+            <p:extLst>
+              <p:ext uri="{386F3935-93C4-4BCD-93E2-E3B085C9AB24}">
+                <p16:designElem xmlns:p16="http://schemas.microsoft.com/office/powerpoint/2015/main" val="1"/>
+              </p:ext>
+            </p:extLst>
+          </p:nvPr>
+        </p:nvSpPr>
+        <p:spPr>
+          <a:xfrm>
+            <a:off x="-1" y="0"/>
+            <a:ext cx="12188952" cy="6858000"/>
+          </a:xfrm>
+          <a:prstGeom prst="rect">
+            <a:avLst/>
+          </a:prstGeom>
+          <a:ln>
+            <a:noFill/>
+          </a:ln>
+        </p:spPr>
+        <p:style>
+          <a:lnRef idx="2">
+            <a:schemeClr val="accent1">
+              <a:shade val="50000"/>
+            </a:schemeClr>
+          </a:lnRef>
+          <a:fillRef idx="1">
+            <a:schemeClr val="accent1"/>
+          </a:fillRef>
+          <a:effectRef idx="0">
+            <a:schemeClr val="accent1"/>
+          </a:effectRef>
+          <a:fontRef idx="minor">
+            <a:schemeClr val="lt1"/>
+          </a:fontRef>
+        </p:style>
+        <p:txBody>
+          <a:bodyPr rtlCol="0" anchor="ctr"/>
+          <a:lstStyle/>
+          <a:p>
+            <a:pPr algn="ctr"/>
+            <a:endParaRPr lang="en-US"/>
+          </a:p>
+        </p:txBody>
+      </p:sp>
+      <p:sp>
+        <p:nvSpPr>
+          <p:cNvPr id="2" name="Title 1">
+            <a:extLst>
+              <a:ext uri="{FF2B5EF4-FFF2-40B4-BE49-F238E27FC236}">
+                <a16:creationId xmlns:a16="http://schemas.microsoft.com/office/drawing/2014/main" id="{9FB20991-31C4-416B-B304-75C17B7B6F69}"/>
+              </a:ext>
+            </a:extLst>
+          </p:cNvPr>
+          <p:cNvSpPr>
+            <a:spLocks noGrp="1"/>
+          </p:cNvSpPr>
+          <p:nvPr>
+            <p:ph type="title"/>
+          </p:nvPr>
+        </p:nvSpPr>
+        <p:spPr>
+          <a:xfrm>
+            <a:off x="314828" y="218542"/>
+            <a:ext cx="4820064" cy="1104857"/>
+          </a:xfrm>
+          <a:ln w="19050">
+            <a:solidFill>
+              <a:srgbClr val="FCE137"/>
+            </a:solidFill>
+          </a:ln>
+        </p:spPr>
+        <p:txBody>
+          <a:bodyPr vert="horz" lIns="91440" tIns="45720" rIns="91440" bIns="45720" rtlCol="0" anchor="ctr">
+            <a:normAutofit/>
+            <a:scene3d>
+              <a:camera prst="orthographicFront"/>
+              <a:lightRig rig="soft" dir="t">
+                <a:rot lat="0" lon="0" rev="15600000"/>
+              </a:lightRig>
+            </a:scene3d>
+            <a:sp3d extrusionH="57150" prstMaterial="softEdge">
+              <a:bevelT w="25400" h="38100"/>
+            </a:sp3d>
+          </a:bodyPr>
+          <a:lstStyle/>
+          <a:p>
+            <a:pPr algn="ctr"/>
+            <a:r>
+              <a:rPr lang="en-US" sz="5200" b="1" dirty="0">
+                <a:ln/>
+                <a:solidFill>
+                  <a:schemeClr val="accent4"/>
+                </a:solidFill>
+              </a:rPr>
+              <a:t>Exploration</a:t>
+            </a:r>
+          </a:p>
+        </p:txBody>
+      </p:sp>
+      <p:pic>
+        <p:nvPicPr>
+          <p:cNvPr id="8" name="Content Placeholder 7" descr="A screenshot of a computer&#10;&#10;Description automatically generated with low confidence">
+            <a:extLst>
+              <a:ext uri="{FF2B5EF4-FFF2-40B4-BE49-F238E27FC236}">
+                <a16:creationId xmlns:a16="http://schemas.microsoft.com/office/drawing/2014/main" id="{7E61BC14-FE4F-4DB3-B69E-25697C95A3E2}"/>
+              </a:ext>
+            </a:extLst>
+          </p:cNvPr>
+          <p:cNvPicPr>
+            <a:picLocks noGrp="1" noChangeAspect="1"/>
+          </p:cNvPicPr>
+          <p:nvPr>
+            <p:ph sz="half" idx="2"/>
+          </p:nvPr>
+        </p:nvPicPr>
+        <p:blipFill>
+          <a:blip r:embed="rId2">
+            <a:extLst>
+              <a:ext uri="{28A0092B-C50C-407E-A947-70E740481C1C}">
+                <a14:useLocalDpi xmlns:a14="http://schemas.microsoft.com/office/drawing/2010/main" val="0"/>
+              </a:ext>
+            </a:extLst>
+          </a:blip>
+          <a:stretch>
+            <a:fillRect/>
+          </a:stretch>
+        </p:blipFill>
+        <p:spPr>
+          <a:xfrm>
+            <a:off x="5473562" y="0"/>
+            <a:ext cx="6738979" cy="6911775"/>
+          </a:xfrm>
+          <a:prstGeom prst="rect">
+            <a:avLst/>
+          </a:prstGeom>
+        </p:spPr>
+      </p:pic>
+      <p:pic>
+        <p:nvPicPr>
+          <p:cNvPr id="6" name="Content Placeholder 5" descr="Chart, pie chart&#10;&#10;Description automatically generated">
+            <a:extLst>
+              <a:ext uri="{FF2B5EF4-FFF2-40B4-BE49-F238E27FC236}">
+                <a16:creationId xmlns:a16="http://schemas.microsoft.com/office/drawing/2014/main" id="{FE1AABEF-AC07-48BF-AFCE-17FFB4A5617F}"/>
+              </a:ext>
+            </a:extLst>
+          </p:cNvPr>
+          <p:cNvPicPr>
+            <a:picLocks noGrp="1" noChangeAspect="1"/>
+          </p:cNvPicPr>
+          <p:nvPr>
+            <p:ph sz="half" idx="1"/>
+          </p:nvPr>
+        </p:nvPicPr>
+        <p:blipFill>
+          <a:blip r:embed="rId3">
+            <a:extLst>
+              <a:ext uri="{28A0092B-C50C-407E-A947-70E740481C1C}">
+                <a14:useLocalDpi xmlns:a14="http://schemas.microsoft.com/office/drawing/2010/main" val="0"/>
+              </a:ext>
+            </a:extLst>
+          </a:blip>
+          <a:stretch>
+            <a:fillRect/>
+          </a:stretch>
+        </p:blipFill>
+        <p:spPr>
+          <a:xfrm>
+            <a:off x="9227117" y="4679686"/>
+            <a:ext cx="2961834" cy="2191757"/>
+          </a:xfrm>
+          <a:prstGeom prst="rect">
+            <a:avLst/>
+          </a:prstGeom>
+        </p:spPr>
+      </p:pic>
+      <p:pic>
+        <p:nvPicPr>
+          <p:cNvPr id="10" name="Picture 9" descr="Chart&#10;&#10;Description automatically generated">
+            <a:extLst>
+              <a:ext uri="{FF2B5EF4-FFF2-40B4-BE49-F238E27FC236}">
+                <a16:creationId xmlns:a16="http://schemas.microsoft.com/office/drawing/2014/main" id="{FD5AF841-45BF-4570-ADC0-62B89C805066}"/>
+              </a:ext>
+            </a:extLst>
+          </p:cNvPr>
+          <p:cNvPicPr>
+            <a:picLocks noChangeAspect="1"/>
+          </p:cNvPicPr>
+          <p:nvPr/>
+        </p:nvPicPr>
+        <p:blipFill>
+          <a:blip r:embed="rId4">
+            <a:extLst>
+              <a:ext uri="{28A0092B-C50C-407E-A947-70E740481C1C}">
+                <a14:useLocalDpi xmlns:a14="http://schemas.microsoft.com/office/drawing/2010/main" val="0"/>
+              </a:ext>
+            </a:extLst>
+          </a:blip>
+          <a:stretch>
+            <a:fillRect/>
+          </a:stretch>
+        </p:blipFill>
+        <p:spPr>
+          <a:xfrm>
+            <a:off x="0" y="2094304"/>
+            <a:ext cx="5496903" cy="3133234"/>
+          </a:xfrm>
+          <a:prstGeom prst="rect">
+            <a:avLst/>
+          </a:prstGeom>
+        </p:spPr>
+      </p:pic>
+    </p:spTree>
+    <p:extLst>
+      <p:ext uri="{BB962C8B-B14F-4D97-AF65-F5344CB8AC3E}">
+        <p14:creationId xmlns:p14="http://schemas.microsoft.com/office/powerpoint/2010/main" val="746939195"/>
+      </p:ext>
+    </p:extLst>
+  </p:cSld>
+  <p:clrMapOvr>
+    <a:masterClrMapping/>
+  </p:clrMapOvr>
+  <mc:AlternateContent xmlns:mc="http://schemas.openxmlformats.org/markup-compatibility/2006">
+    <mc:Choice xmlns:p14="http://schemas.microsoft.com/office/powerpoint/2010/main" Requires="p14">
+      <p:transition spd="slow" p14:dur="1600">
+        <p14:prism isContent="1" isInverted="1"/>
+      </p:transition>
+    </mc:Choice>
+    <mc:Fallback>
+      <p:transition spd="slow">
+        <p:fade/>
+      </p:transition>
+    </mc:Fallback>
+  </mc:AlternateContent>
 </p:sld>
 </file>
 
@@ -27252,6 +32913,18 @@
   <p:clrMapOvr>
     <a:overrideClrMapping bg1="dk1" tx1="lt1" bg2="dk2" tx2="lt2" accent1="accent1" accent2="accent2" accent3="accent3" accent4="accent4" accent5="accent5" accent6="accent6" hlink="hlink" folHlink="folHlink"/>
   </p:clrMapOvr>
+  <mc:AlternateContent xmlns:mc="http://schemas.openxmlformats.org/markup-compatibility/2006">
+    <mc:Choice xmlns:p14="http://schemas.microsoft.com/office/powerpoint/2010/main" Requires="p14">
+      <p:transition spd="med" p14:dur="700">
+        <p:fade/>
+      </p:transition>
+    </mc:Choice>
+    <mc:Fallback>
+      <p:transition spd="med">
+        <p:fade/>
+      </p:transition>
+    </mc:Fallback>
+  </mc:AlternateContent>
 </p:sld>
 </file>
 
@@ -27764,6 +33437,9 @@
   <p:clrMapOvr>
     <a:masterClrMapping/>
   </p:clrMapOvr>
+  <p:transition spd="slow">
+    <p:cover/>
+  </p:transition>
 </p:sld>
 </file>
 
@@ -28053,6 +33729,9 @@
   <p:clrMapOvr>
     <a:masterClrMapping/>
   </p:clrMapOvr>
+  <p:transition spd="slow">
+    <p:comb/>
+  </p:transition>
 </p:sld>
 </file>
 
@@ -28807,6 +34486,9 @@
   <p:clrMapOvr>
     <a:overrideClrMapping bg1="lt1" tx1="dk1" bg2="lt2" tx2="dk2" accent1="accent1" accent2="accent2" accent3="accent3" accent4="accent4" accent5="accent5" accent6="accent6" hlink="hlink" folHlink="folHlink"/>
   </p:clrMapOvr>
+  <p:transition spd="slow">
+    <p:push dir="u"/>
+  </p:transition>
 </p:sld>
 </file>
 
@@ -29432,6 +35114,9 @@
   <p:clrMapOvr>
     <a:masterClrMapping/>
   </p:clrMapOvr>
+  <p:transition spd="slow">
+    <p:push dir="u"/>
+  </p:transition>
 </p:sld>
 </file>
 
@@ -30041,6 +35726,9 @@
   <p:clrMapOvr>
     <a:masterClrMapping/>
   </p:clrMapOvr>
+  <p:transition spd="slow">
+    <p:push dir="u"/>
+  </p:transition>
 </p:sld>
 </file>
 
@@ -30687,6 +36375,18 @@
   <p:clrMapOvr>
     <a:masterClrMapping/>
   </p:clrMapOvr>
+  <mc:AlternateContent xmlns:mc="http://schemas.openxmlformats.org/markup-compatibility/2006">
+    <mc:Choice xmlns:p14="http://schemas.microsoft.com/office/powerpoint/2010/main" Requires="p14">
+      <p:transition spd="slow" p14:dur="1200">
+        <p14:prism/>
+      </p:transition>
+    </mc:Choice>
+    <mc:Fallback>
+      <p:transition spd="slow">
+        <p:fade/>
+      </p:transition>
+    </mc:Fallback>
+  </mc:AlternateContent>
 </p:sld>
 </file>
 

--- a/presentation.pptx
+++ b/presentation.pptx
@@ -5,7 +5,7 @@
     <p:sldMasterId id="2147483648" r:id="rId1"/>
   </p:sldMasterIdLst>
   <p:notesMasterIdLst>
-    <p:notesMasterId r:id="rId22"/>
+    <p:notesMasterId r:id="rId23"/>
   </p:notesMasterIdLst>
   <p:sldIdLst>
     <p:sldId id="256" r:id="rId2"/>
@@ -28,6 +28,7 @@
     <p:sldId id="282" r:id="rId19"/>
     <p:sldId id="289" r:id="rId20"/>
     <p:sldId id="284" r:id="rId21"/>
+    <p:sldId id="290" r:id="rId22"/>
   </p:sldIdLst>
   <p:sldSz cx="12192000" cy="6858000"/>
   <p:notesSz cx="6858000" cy="9144000"/>
@@ -147,7 +148,7 @@
   <pc:docChgLst>
     <pc:chgData name="Tamjid Ahsan" userId="15c1a18861ae33e8" providerId="LiveId" clId="{B4F66AF7-A10F-4D64-B2E7-DA3083221450}"/>
     <pc:docChg chg="undo custSel addSld delSld modSld sldOrd">
-      <pc:chgData name="Tamjid Ahsan" userId="15c1a18861ae33e8" providerId="LiveId" clId="{B4F66AF7-A10F-4D64-B2E7-DA3083221450}" dt="2021-07-22T00:00:58.558" v="2853"/>
+      <pc:chgData name="Tamjid Ahsan" userId="15c1a18861ae33e8" providerId="LiveId" clId="{B4F66AF7-A10F-4D64-B2E7-DA3083221450}" dt="2021-07-22T09:50:22.919" v="2880"/>
       <pc:docMkLst>
         <pc:docMk/>
       </pc:docMkLst>
@@ -2430,6 +2431,84 @@
             <ac:graphicFrameMk id="4" creationId="{753C7E3B-9307-48B1-B6B2-4EC55DCC3F7D}"/>
           </ac:graphicFrameMkLst>
         </pc:graphicFrameChg>
+      </pc:sldChg>
+      <pc:sldChg chg="addSp delSp modSp new mod modTransition setBg">
+        <pc:chgData name="Tamjid Ahsan" userId="15c1a18861ae33e8" providerId="LiveId" clId="{B4F66AF7-A10F-4D64-B2E7-DA3083221450}" dt="2021-07-22T09:50:22.919" v="2880"/>
+        <pc:sldMkLst>
+          <pc:docMk/>
+          <pc:sldMk cId="1289962194" sldId="290"/>
+        </pc:sldMkLst>
+        <pc:spChg chg="mod">
+          <ac:chgData name="Tamjid Ahsan" userId="15c1a18861ae33e8" providerId="LiveId" clId="{B4F66AF7-A10F-4D64-B2E7-DA3083221450}" dt="2021-07-22T09:48:52.542" v="2871" actId="26606"/>
+          <ac:spMkLst>
+            <pc:docMk/>
+            <pc:sldMk cId="1289962194" sldId="290"/>
+            <ac:spMk id="2" creationId="{400D9799-647C-4780-8A18-C63A8D7136BF}"/>
+          </ac:spMkLst>
+        </pc:spChg>
+        <pc:spChg chg="del">
+          <ac:chgData name="Tamjid Ahsan" userId="15c1a18861ae33e8" providerId="LiveId" clId="{B4F66AF7-A10F-4D64-B2E7-DA3083221450}" dt="2021-07-22T09:48:21.006" v="2867"/>
+          <ac:spMkLst>
+            <pc:docMk/>
+            <pc:sldMk cId="1289962194" sldId="290"/>
+            <ac:spMk id="3" creationId="{7FBACD15-9A08-4109-8400-305252AB10C8}"/>
+          </ac:spMkLst>
+        </pc:spChg>
+        <pc:spChg chg="add">
+          <ac:chgData name="Tamjid Ahsan" userId="15c1a18861ae33e8" providerId="LiveId" clId="{B4F66AF7-A10F-4D64-B2E7-DA3083221450}" dt="2021-07-22T09:48:52.542" v="2871" actId="26606"/>
+          <ac:spMkLst>
+            <pc:docMk/>
+            <pc:sldMk cId="1289962194" sldId="290"/>
+            <ac:spMk id="10" creationId="{A8384FB5-9ADC-4DDC-881B-597D56F5B15D}"/>
+          </ac:spMkLst>
+        </pc:spChg>
+        <pc:spChg chg="add">
+          <ac:chgData name="Tamjid Ahsan" userId="15c1a18861ae33e8" providerId="LiveId" clId="{B4F66AF7-A10F-4D64-B2E7-DA3083221450}" dt="2021-07-22T09:48:52.542" v="2871" actId="26606"/>
+          <ac:spMkLst>
+            <pc:docMk/>
+            <pc:sldMk cId="1289962194" sldId="290"/>
+            <ac:spMk id="12" creationId="{91E5A9A7-95C6-4F4F-B00E-C82E07FE62EF}"/>
+          </ac:spMkLst>
+        </pc:spChg>
+        <pc:spChg chg="add">
+          <ac:chgData name="Tamjid Ahsan" userId="15c1a18861ae33e8" providerId="LiveId" clId="{B4F66AF7-A10F-4D64-B2E7-DA3083221450}" dt="2021-07-22T09:48:52.542" v="2871" actId="26606"/>
+          <ac:spMkLst>
+            <pc:docMk/>
+            <pc:sldMk cId="1289962194" sldId="290"/>
+            <ac:spMk id="14" creationId="{D07DD2DE-F619-49DD-B5E7-03A290FF4ED1}"/>
+          </ac:spMkLst>
+        </pc:spChg>
+        <pc:spChg chg="add">
+          <ac:chgData name="Tamjid Ahsan" userId="15c1a18861ae33e8" providerId="LiveId" clId="{B4F66AF7-A10F-4D64-B2E7-DA3083221450}" dt="2021-07-22T09:48:52.542" v="2871" actId="26606"/>
+          <ac:spMkLst>
+            <pc:docMk/>
+            <pc:sldMk cId="1289962194" sldId="290"/>
+            <ac:spMk id="16" creationId="{85149191-5F60-4A28-AAFF-039F96B0F3EC}"/>
+          </ac:spMkLst>
+        </pc:spChg>
+        <pc:spChg chg="add">
+          <ac:chgData name="Tamjid Ahsan" userId="15c1a18861ae33e8" providerId="LiveId" clId="{B4F66AF7-A10F-4D64-B2E7-DA3083221450}" dt="2021-07-22T09:48:52.542" v="2871" actId="26606"/>
+          <ac:spMkLst>
+            <pc:docMk/>
+            <pc:sldMk cId="1289962194" sldId="290"/>
+            <ac:spMk id="18" creationId="{F8260ED5-17F7-4158-B241-D51DD4CF1B7E}"/>
+          </ac:spMkLst>
+        </pc:spChg>
+        <pc:picChg chg="add mod ord">
+          <ac:chgData name="Tamjid Ahsan" userId="15c1a18861ae33e8" providerId="LiveId" clId="{B4F66AF7-A10F-4D64-B2E7-DA3083221450}" dt="2021-07-22T09:49:51.413" v="2876" actId="1076"/>
+          <ac:picMkLst>
+            <pc:docMk/>
+            <pc:sldMk cId="1289962194" sldId="290"/>
+            <ac:picMk id="5" creationId="{81A3D10D-3CCB-47FB-A437-C8E9CF4925EC}"/>
+          </ac:picMkLst>
+        </pc:picChg>
+      </pc:sldChg>
+      <pc:sldChg chg="new del">
+        <pc:chgData name="Tamjid Ahsan" userId="15c1a18861ae33e8" providerId="LiveId" clId="{B4F66AF7-A10F-4D64-B2E7-DA3083221450}" dt="2021-07-22T09:47:54.060" v="2855" actId="680"/>
+        <pc:sldMkLst>
+          <pc:docMk/>
+          <pc:sldMk cId="1954356344" sldId="290"/>
+        </pc:sldMkLst>
       </pc:sldChg>
     </pc:docChg>
   </pc:docChgLst>
@@ -9265,7 +9344,7 @@
           <a:p>
             <a:fld id="{E448EBDB-9E27-42DB-A71C-A97646BC799A}" type="datetimeFigureOut">
               <a:rPr lang="en-US" smtClean="0"/>
-              <a:t>7/21/2021</a:t>
+              <a:t>7/22/2021</a:t>
             </a:fld>
             <a:endParaRPr lang="en-US"/>
           </a:p>
@@ -10244,7 +10323,7 @@
           <a:p>
             <a:fld id="{8CEEB9FD-F6D3-4CE3-ACAA-239E79ABE561}" type="datetimeFigureOut">
               <a:rPr lang="en-US" smtClean="0"/>
-              <a:t>7/21/2021</a:t>
+              <a:t>7/22/2021</a:t>
             </a:fld>
             <a:endParaRPr lang="en-US"/>
           </a:p>
@@ -10442,7 +10521,7 @@
           <a:p>
             <a:fld id="{8CEEB9FD-F6D3-4CE3-ACAA-239E79ABE561}" type="datetimeFigureOut">
               <a:rPr lang="en-US" smtClean="0"/>
-              <a:t>7/21/2021</a:t>
+              <a:t>7/22/2021</a:t>
             </a:fld>
             <a:endParaRPr lang="en-US"/>
           </a:p>
@@ -10650,7 +10729,7 @@
           <a:p>
             <a:fld id="{8CEEB9FD-F6D3-4CE3-ACAA-239E79ABE561}" type="datetimeFigureOut">
               <a:rPr lang="en-US" smtClean="0"/>
-              <a:t>7/21/2021</a:t>
+              <a:t>7/22/2021</a:t>
             </a:fld>
             <a:endParaRPr lang="en-US"/>
           </a:p>
@@ -10848,7 +10927,7 @@
           <a:p>
             <a:fld id="{8CEEB9FD-F6D3-4CE3-ACAA-239E79ABE561}" type="datetimeFigureOut">
               <a:rPr lang="en-US" smtClean="0"/>
-              <a:t>7/21/2021</a:t>
+              <a:t>7/22/2021</a:t>
             </a:fld>
             <a:endParaRPr lang="en-US"/>
           </a:p>
@@ -11123,7 +11202,7 @@
           <a:p>
             <a:fld id="{8CEEB9FD-F6D3-4CE3-ACAA-239E79ABE561}" type="datetimeFigureOut">
               <a:rPr lang="en-US" smtClean="0"/>
-              <a:t>7/21/2021</a:t>
+              <a:t>7/22/2021</a:t>
             </a:fld>
             <a:endParaRPr lang="en-US"/>
           </a:p>
@@ -11388,7 +11467,7 @@
           <a:p>
             <a:fld id="{8CEEB9FD-F6D3-4CE3-ACAA-239E79ABE561}" type="datetimeFigureOut">
               <a:rPr lang="en-US" smtClean="0"/>
-              <a:t>7/21/2021</a:t>
+              <a:t>7/22/2021</a:t>
             </a:fld>
             <a:endParaRPr lang="en-US"/>
           </a:p>
@@ -11800,7 +11879,7 @@
           <a:p>
             <a:fld id="{8CEEB9FD-F6D3-4CE3-ACAA-239E79ABE561}" type="datetimeFigureOut">
               <a:rPr lang="en-US" smtClean="0"/>
-              <a:t>7/21/2021</a:t>
+              <a:t>7/22/2021</a:t>
             </a:fld>
             <a:endParaRPr lang="en-US"/>
           </a:p>
@@ -11941,7 +12020,7 @@
           <a:p>
             <a:fld id="{8CEEB9FD-F6D3-4CE3-ACAA-239E79ABE561}" type="datetimeFigureOut">
               <a:rPr lang="en-US" smtClean="0"/>
-              <a:t>7/21/2021</a:t>
+              <a:t>7/22/2021</a:t>
             </a:fld>
             <a:endParaRPr lang="en-US"/>
           </a:p>
@@ -12054,7 +12133,7 @@
           <a:p>
             <a:fld id="{8CEEB9FD-F6D3-4CE3-ACAA-239E79ABE561}" type="datetimeFigureOut">
               <a:rPr lang="en-US" smtClean="0"/>
-              <a:t>7/21/2021</a:t>
+              <a:t>7/22/2021</a:t>
             </a:fld>
             <a:endParaRPr lang="en-US"/>
           </a:p>
@@ -12365,7 +12444,7 @@
           <a:p>
             <a:fld id="{8CEEB9FD-F6D3-4CE3-ACAA-239E79ABE561}" type="datetimeFigureOut">
               <a:rPr lang="en-US" smtClean="0"/>
-              <a:t>7/21/2021</a:t>
+              <a:t>7/22/2021</a:t>
             </a:fld>
             <a:endParaRPr lang="en-US"/>
           </a:p>
@@ -12653,7 +12732,7 @@
           <a:p>
             <a:fld id="{8CEEB9FD-F6D3-4CE3-ACAA-239E79ABE561}" type="datetimeFigureOut">
               <a:rPr lang="en-US" smtClean="0"/>
-              <a:t>7/21/2021</a:t>
+              <a:t>7/22/2021</a:t>
             </a:fld>
             <a:endParaRPr lang="en-US"/>
           </a:p>
@@ -12894,7 +12973,7 @@
           <a:p>
             <a:fld id="{8CEEB9FD-F6D3-4CE3-ACAA-239E79ABE561}" type="datetimeFigureOut">
               <a:rPr lang="en-US" smtClean="0"/>
-              <a:t>7/21/2021</a:t>
+              <a:t>7/22/2021</a:t>
             </a:fld>
             <a:endParaRPr lang="en-US"/>
           </a:p>
@@ -14707,13 +14786,13 @@
   <p:clrMapOvr>
     <a:masterClrMapping/>
   </p:clrMapOvr>
-  <mc:AlternateContent xmlns:mc="http://schemas.openxmlformats.org/markup-compatibility/2006">
-    <mc:Choice xmlns:p14="http://schemas.microsoft.com/office/powerpoint/2010/main" Requires="p14">
+  <mc:AlternateContent xmlns:mc="http://schemas.openxmlformats.org/markup-compatibility/2006" xmlns:p14="http://schemas.microsoft.com/office/powerpoint/2010/main">
+    <mc:Choice Requires="p14">
       <p:transition spd="slow" p14:dur="1200">
         <p14:prism/>
       </p:transition>
     </mc:Choice>
-    <mc:Fallback>
+    <mc:Fallback xmlns="">
       <p:transition spd="slow">
         <p:fade/>
       </p:transition>
@@ -15365,13 +15444,13 @@
   <p:clrMapOvr>
     <a:masterClrMapping/>
   </p:clrMapOvr>
-  <mc:AlternateContent xmlns:mc="http://schemas.openxmlformats.org/markup-compatibility/2006">
-    <mc:Choice xmlns:p14="http://schemas.microsoft.com/office/powerpoint/2010/main" Requires="p14">
+  <mc:AlternateContent xmlns:mc="http://schemas.openxmlformats.org/markup-compatibility/2006" xmlns:p14="http://schemas.microsoft.com/office/powerpoint/2010/main">
+    <mc:Choice Requires="p14">
       <p:transition spd="slow" p14:dur="1200">
         <p14:prism/>
       </p:transition>
     </mc:Choice>
-    <mc:Fallback>
+    <mc:Fallback xmlns="">
       <p:transition spd="slow">
         <p:fade/>
       </p:transition>
@@ -16269,7 +16348,7 @@
                     <a:p>
                       <a:pPr algn="ctr" fontAlgn="b"/>
                       <a:r>
-                        <a:rPr lang="en-US" sz="2600" b="0" i="0" u="none" strike="noStrike">
+                        <a:rPr lang="en-US" sz="2600" b="0" i="0" u="none" strike="noStrike" dirty="0">
                           <a:solidFill>
                             <a:srgbClr val="000000"/>
                           </a:solidFill>
@@ -16409,13 +16488,13 @@
   <p:clrMapOvr>
     <a:masterClrMapping/>
   </p:clrMapOvr>
-  <mc:AlternateContent xmlns:mc="http://schemas.openxmlformats.org/markup-compatibility/2006">
-    <mc:Choice xmlns:p14="http://schemas.microsoft.com/office/powerpoint/2010/main" Requires="p14">
+  <mc:AlternateContent xmlns:mc="http://schemas.openxmlformats.org/markup-compatibility/2006" xmlns:p14="http://schemas.microsoft.com/office/powerpoint/2010/main">
+    <mc:Choice Requires="p14">
       <p:transition spd="slow" p14:dur="900">
         <p14:warp/>
       </p:transition>
     </mc:Choice>
-    <mc:Fallback>
+    <mc:Fallback xmlns="">
       <p:transition spd="slow">
         <p:fade/>
       </p:transition>
@@ -23050,13 +23129,13 @@
   <p:clrMapOvr>
     <a:masterClrMapping/>
   </p:clrMapOvr>
-  <mc:AlternateContent xmlns:mc="http://schemas.openxmlformats.org/markup-compatibility/2006">
-    <mc:Choice xmlns:p14="http://schemas.microsoft.com/office/powerpoint/2010/main" Requires="p14">
+  <mc:AlternateContent xmlns:mc="http://schemas.openxmlformats.org/markup-compatibility/2006" xmlns:p14="http://schemas.microsoft.com/office/powerpoint/2010/main">
+    <mc:Choice Requires="p14">
       <p:transition spd="slow" p14:dur="2500">
         <p:checker/>
       </p:transition>
     </mc:Choice>
-    <mc:Fallback>
+    <mc:Fallback xmlns="">
       <p:transition spd="slow">
         <p:checker/>
       </p:transition>
@@ -25972,13 +26051,13 @@
   <p:clrMapOvr>
     <a:masterClrMapping/>
   </p:clrMapOvr>
-  <mc:AlternateContent xmlns:mc="http://schemas.openxmlformats.org/markup-compatibility/2006">
-    <mc:Choice xmlns:p14="http://schemas.microsoft.com/office/powerpoint/2010/main" Requires="p14">
+  <mc:AlternateContent xmlns:mc="http://schemas.openxmlformats.org/markup-compatibility/2006" xmlns:p14="http://schemas.microsoft.com/office/powerpoint/2010/main">
+    <mc:Choice Requires="p14">
       <p:transition spd="slow" p14:dur="4000">
         <p14:vortex dir="r"/>
       </p:transition>
     </mc:Choice>
-    <mc:Fallback>
+    <mc:Fallback xmlns="">
       <p:transition spd="slow">
         <p:fade/>
       </p:transition>
@@ -26165,13 +26244,13 @@
   <p:clrMapOvr>
     <a:masterClrMapping/>
   </p:clrMapOvr>
-  <mc:AlternateContent xmlns:mc="http://schemas.openxmlformats.org/markup-compatibility/2006">
-    <mc:Choice xmlns:p14="http://schemas.microsoft.com/office/powerpoint/2010/main" Requires="p14">
+  <mc:AlternateContent xmlns:mc="http://schemas.openxmlformats.org/markup-compatibility/2006" xmlns:p14="http://schemas.microsoft.com/office/powerpoint/2010/main">
+    <mc:Choice Requires="p14">
       <p:transition spd="slow" p14:dur="1600">
         <p14:prism isContent="1" isInverted="1"/>
       </p:transition>
     </mc:Choice>
-    <mc:Fallback>
+    <mc:Fallback xmlns="">
       <p:transition spd="slow">
         <p:fade/>
       </p:transition>
@@ -31693,13 +31772,13 @@
   <p:clrMapOvr>
     <a:masterClrMapping/>
   </p:clrMapOvr>
-  <mc:AlternateContent xmlns:mc="http://schemas.openxmlformats.org/markup-compatibility/2006">
-    <mc:Choice xmlns:p14="http://schemas.microsoft.com/office/powerpoint/2010/main" Requires="p14">
+  <mc:AlternateContent xmlns:mc="http://schemas.openxmlformats.org/markup-compatibility/2006" xmlns:p14="http://schemas.microsoft.com/office/powerpoint/2010/main">
+    <mc:Choice Requires="p14">
       <p:transition spd="slow" p14:dur="1600">
         <p14:prism isContent="1" isInverted="1"/>
       </p:transition>
     </mc:Choice>
-    <mc:Fallback>
+    <mc:Fallback xmlns="">
       <p:transition spd="slow">
         <p:fade/>
       </p:transition>
@@ -32274,18 +32353,612 @@
   <p:clrMapOvr>
     <a:masterClrMapping/>
   </p:clrMapOvr>
-  <mc:AlternateContent xmlns:mc="http://schemas.openxmlformats.org/markup-compatibility/2006">
-    <mc:Choice xmlns:p14="http://schemas.microsoft.com/office/powerpoint/2010/main" Requires="p14">
+  <mc:AlternateContent xmlns:mc="http://schemas.openxmlformats.org/markup-compatibility/2006" xmlns:p14="http://schemas.microsoft.com/office/powerpoint/2010/main">
+    <mc:Choice Requires="p14">
       <p:transition spd="slow" p14:dur="1600">
         <p14:prism isContent="1" isInverted="1"/>
       </p:transition>
     </mc:Choice>
-    <mc:Fallback>
+    <mc:Fallback xmlns="">
       <p:transition spd="slow">
         <p:fade/>
       </p:transition>
     </mc:Fallback>
   </mc:AlternateContent>
+</p:sld>
+</file>
+
+<file path=ppt/slides/slide21.xml><?xml version="1.0" encoding="utf-8"?>
+<p:sld xmlns:a="http://schemas.openxmlformats.org/drawingml/2006/main" xmlns:r="http://schemas.openxmlformats.org/officeDocument/2006/relationships" xmlns:p="http://schemas.openxmlformats.org/presentationml/2006/main">
+  <p:cSld>
+    <p:bg>
+      <p:bgPr>
+        <a:solidFill>
+          <a:schemeClr val="bg1"/>
+        </a:solidFill>
+        <a:effectLst/>
+      </p:bgPr>
+    </p:bg>
+    <p:spTree>
+      <p:nvGrpSpPr>
+        <p:cNvPr id="1" name=""/>
+        <p:cNvGrpSpPr/>
+        <p:nvPr/>
+      </p:nvGrpSpPr>
+      <p:grpSpPr>
+        <a:xfrm>
+          <a:off x="0" y="0"/>
+          <a:ext cx="0" cy="0"/>
+          <a:chOff x="0" y="0"/>
+          <a:chExt cx="0" cy="0"/>
+        </a:xfrm>
+      </p:grpSpPr>
+      <p:sp useBgFill="1">
+        <p:nvSpPr>
+          <p:cNvPr id="10" name="Rectangle 9">
+            <a:extLst>
+              <a:ext uri="{FF2B5EF4-FFF2-40B4-BE49-F238E27FC236}">
+                <a16:creationId xmlns:a16="http://schemas.microsoft.com/office/drawing/2014/main" id="{A8384FB5-9ADC-4DDC-881B-597D56F5B15D}"/>
+              </a:ext>
+              <a:ext uri="{C183D7F6-B498-43B3-948B-1728B52AA6E4}">
+                <adec:decorative xmlns:adec="http://schemas.microsoft.com/office/drawing/2017/decorative" val="1"/>
+              </a:ext>
+            </a:extLst>
+          </p:cNvPr>
+          <p:cNvSpPr>
+            <a:spLocks noGrp="1" noRot="1" noChangeAspect="1" noMove="1" noResize="1" noEditPoints="1" noAdjustHandles="1" noChangeArrowheads="1" noChangeShapeType="1" noTextEdit="1"/>
+          </p:cNvSpPr>
+          <p:nvPr>
+            <p:extLst>
+              <p:ext uri="{386F3935-93C4-4BCD-93E2-E3B085C9AB24}">
+                <p16:designElem xmlns:p16="http://schemas.microsoft.com/office/powerpoint/2015/main" val="1"/>
+              </p:ext>
+            </p:extLst>
+          </p:nvPr>
+        </p:nvSpPr>
+        <p:spPr>
+          <a:xfrm>
+            <a:off x="0" y="0"/>
+            <a:ext cx="12192000" cy="6858000"/>
+          </a:xfrm>
+          <a:prstGeom prst="rect">
+            <a:avLst/>
+          </a:prstGeom>
+          <a:ln w="12700" cap="flat" cmpd="sng" algn="ctr">
+            <a:noFill/>
+            <a:prstDash val="solid"/>
+            <a:miter lim="800000"/>
+          </a:ln>
+          <a:effectLst/>
+          <a:extLst>
+            <a:ext uri="{91240B29-F687-4F45-9708-019B960494DF}">
+              <a14:hiddenLine xmlns:a14="http://schemas.microsoft.com/office/drawing/2010/main" w="12700" cap="flat" cmpd="sng" algn="ctr">
+                <a:solidFill>
+                  <a:schemeClr val="accent1">
+                    <a:shade val="50000"/>
+                  </a:schemeClr>
+                </a:solidFill>
+                <a:prstDash val="solid"/>
+                <a:miter lim="800000"/>
+              </a14:hiddenLine>
+            </a:ext>
+          </a:extLst>
+        </p:spPr>
+        <p:style>
+          <a:lnRef idx="2">
+            <a:schemeClr val="accent1">
+              <a:shade val="50000"/>
+            </a:schemeClr>
+          </a:lnRef>
+          <a:fillRef idx="1">
+            <a:schemeClr val="accent1"/>
+          </a:fillRef>
+          <a:effectRef idx="0">
+            <a:schemeClr val="accent1"/>
+          </a:effectRef>
+          <a:fontRef idx="minor">
+            <a:schemeClr val="lt1"/>
+          </a:fontRef>
+        </p:style>
+        <p:txBody>
+          <a:bodyPr rtlCol="0" anchor="ctr"/>
+          <a:lstStyle/>
+          <a:p>
+            <a:pPr algn="ctr"/>
+            <a:endParaRPr lang="en-US"/>
+          </a:p>
+        </p:txBody>
+      </p:sp>
+      <p:sp>
+        <p:nvSpPr>
+          <p:cNvPr id="12" name="Rectangle 11">
+            <a:extLst>
+              <a:ext uri="{FF2B5EF4-FFF2-40B4-BE49-F238E27FC236}">
+                <a16:creationId xmlns:a16="http://schemas.microsoft.com/office/drawing/2014/main" id="{91E5A9A7-95C6-4F4F-B00E-C82E07FE62EF}"/>
+              </a:ext>
+              <a:ext uri="{C183D7F6-B498-43B3-948B-1728B52AA6E4}">
+                <adec:decorative xmlns:adec="http://schemas.microsoft.com/office/drawing/2017/decorative" val="1"/>
+              </a:ext>
+            </a:extLst>
+          </p:cNvPr>
+          <p:cNvSpPr>
+            <a:spLocks noGrp="1" noRot="1" noChangeAspect="1" noMove="1" noResize="1" noEditPoints="1" noAdjustHandles="1" noChangeArrowheads="1" noChangeShapeType="1" noTextEdit="1"/>
+          </p:cNvSpPr>
+          <p:nvPr>
+            <p:extLst>
+              <p:ext uri="{386F3935-93C4-4BCD-93E2-E3B085C9AB24}">
+                <p16:designElem xmlns:p16="http://schemas.microsoft.com/office/powerpoint/2015/main" val="1"/>
+              </p:ext>
+            </p:extLst>
+          </p:nvPr>
+        </p:nvSpPr>
+        <p:spPr>
+          <a:xfrm rot="5400000" flipH="1">
+            <a:off x="-1417539" y="1417538"/>
+            <a:ext cx="6875818" cy="4040744"/>
+          </a:xfrm>
+          <a:prstGeom prst="rect">
+            <a:avLst/>
+          </a:prstGeom>
+          <a:gradFill>
+            <a:gsLst>
+              <a:gs pos="0">
+                <a:srgbClr val="000000"/>
+              </a:gs>
+              <a:gs pos="100000">
+                <a:schemeClr val="accent1">
+                  <a:lumMod val="75000"/>
+                </a:schemeClr>
+              </a:gs>
+            </a:gsLst>
+            <a:lin ang="18600000" scaled="0"/>
+          </a:gradFill>
+          <a:ln>
+            <a:noFill/>
+          </a:ln>
+        </p:spPr>
+        <p:style>
+          <a:lnRef idx="2">
+            <a:schemeClr val="accent1">
+              <a:shade val="50000"/>
+            </a:schemeClr>
+          </a:lnRef>
+          <a:fillRef idx="1">
+            <a:schemeClr val="accent1"/>
+          </a:fillRef>
+          <a:effectRef idx="0">
+            <a:schemeClr val="accent1"/>
+          </a:effectRef>
+          <a:fontRef idx="minor">
+            <a:schemeClr val="lt1"/>
+          </a:fontRef>
+        </p:style>
+        <p:txBody>
+          <a:bodyPr rtlCol="0" anchor="ctr"/>
+          <a:lstStyle/>
+          <a:p>
+            <a:pPr algn="ctr"/>
+            <a:endParaRPr lang="en-US" dirty="0"/>
+          </a:p>
+        </p:txBody>
+      </p:sp>
+      <p:sp>
+        <p:nvSpPr>
+          <p:cNvPr id="14" name="Rectangle 13">
+            <a:extLst>
+              <a:ext uri="{FF2B5EF4-FFF2-40B4-BE49-F238E27FC236}">
+                <a16:creationId xmlns:a16="http://schemas.microsoft.com/office/drawing/2014/main" id="{D07DD2DE-F619-49DD-B5E7-03A290FF4ED1}"/>
+              </a:ext>
+              <a:ext uri="{C183D7F6-B498-43B3-948B-1728B52AA6E4}">
+                <adec:decorative xmlns:adec="http://schemas.microsoft.com/office/drawing/2017/decorative" val="1"/>
+              </a:ext>
+            </a:extLst>
+          </p:cNvPr>
+          <p:cNvSpPr>
+            <a:spLocks noGrp="1" noRot="1" noChangeAspect="1" noMove="1" noResize="1" noEditPoints="1" noAdjustHandles="1" noChangeArrowheads="1" noChangeShapeType="1" noTextEdit="1"/>
+          </p:cNvSpPr>
+          <p:nvPr>
+            <p:extLst>
+              <p:ext uri="{386F3935-93C4-4BCD-93E2-E3B085C9AB24}">
+                <p16:designElem xmlns:p16="http://schemas.microsoft.com/office/powerpoint/2015/main" val="1"/>
+              </p:ext>
+            </p:extLst>
+          </p:nvPr>
+        </p:nvSpPr>
+        <p:spPr>
+          <a:xfrm rot="16200000">
+            <a:off x="-158495" y="2660473"/>
+            <a:ext cx="4355594" cy="4038603"/>
+          </a:xfrm>
+          <a:prstGeom prst="rect">
+            <a:avLst/>
+          </a:prstGeom>
+          <a:gradFill>
+            <a:gsLst>
+              <a:gs pos="0">
+                <a:schemeClr val="accent1">
+                  <a:alpha val="50000"/>
+                </a:schemeClr>
+              </a:gs>
+              <a:gs pos="100000">
+                <a:schemeClr val="accent1">
+                  <a:lumMod val="50000"/>
+                  <a:alpha val="0"/>
+                </a:schemeClr>
+              </a:gs>
+            </a:gsLst>
+            <a:lin ang="11400000" scaled="0"/>
+          </a:gradFill>
+          <a:ln>
+            <a:noFill/>
+          </a:ln>
+        </p:spPr>
+        <p:style>
+          <a:lnRef idx="2">
+            <a:schemeClr val="accent1">
+              <a:shade val="50000"/>
+            </a:schemeClr>
+          </a:lnRef>
+          <a:fillRef idx="1">
+            <a:schemeClr val="accent1"/>
+          </a:fillRef>
+          <a:effectRef idx="0">
+            <a:schemeClr val="accent1"/>
+          </a:effectRef>
+          <a:fontRef idx="minor">
+            <a:schemeClr val="lt1"/>
+          </a:fontRef>
+        </p:style>
+        <p:txBody>
+          <a:bodyPr rtlCol="0" anchor="ctr"/>
+          <a:lstStyle/>
+          <a:p>
+            <a:pPr algn="ctr"/>
+            <a:endParaRPr lang="en-US"/>
+          </a:p>
+        </p:txBody>
+      </p:sp>
+      <p:sp>
+        <p:nvSpPr>
+          <p:cNvPr id="16" name="Rectangle 15">
+            <a:extLst>
+              <a:ext uri="{FF2B5EF4-FFF2-40B4-BE49-F238E27FC236}">
+                <a16:creationId xmlns:a16="http://schemas.microsoft.com/office/drawing/2014/main" id="{85149191-5F60-4A28-AAFF-039F96B0F3EC}"/>
+              </a:ext>
+              <a:ext uri="{C183D7F6-B498-43B3-948B-1728B52AA6E4}">
+                <adec:decorative xmlns:adec="http://schemas.microsoft.com/office/drawing/2017/decorative" val="1"/>
+              </a:ext>
+            </a:extLst>
+          </p:cNvPr>
+          <p:cNvSpPr>
+            <a:spLocks noGrp="1" noRot="1" noChangeAspect="1" noMove="1" noResize="1" noEditPoints="1" noAdjustHandles="1" noChangeArrowheads="1" noChangeShapeType="1" noTextEdit="1"/>
+          </p:cNvSpPr>
+          <p:nvPr>
+            <p:extLst>
+              <p:ext uri="{386F3935-93C4-4BCD-93E2-E3B085C9AB24}">
+                <p16:designElem xmlns:p16="http://schemas.microsoft.com/office/powerpoint/2015/main" val="1"/>
+              </p:ext>
+            </p:extLst>
+          </p:nvPr>
+        </p:nvSpPr>
+        <p:spPr>
+          <a:xfrm rot="16200000" flipH="1">
+            <a:off x="-1180882" y="1638085"/>
+            <a:ext cx="6857572" cy="3581401"/>
+          </a:xfrm>
+          <a:prstGeom prst="rect">
+            <a:avLst/>
+          </a:prstGeom>
+          <a:gradFill>
+            <a:gsLst>
+              <a:gs pos="0">
+                <a:srgbClr val="000000">
+                  <a:alpha val="59000"/>
+                </a:srgbClr>
+              </a:gs>
+              <a:gs pos="69000">
+                <a:schemeClr val="accent1">
+                  <a:alpha val="0"/>
+                </a:schemeClr>
+              </a:gs>
+            </a:gsLst>
+            <a:lin ang="13200000" scaled="0"/>
+          </a:gradFill>
+          <a:ln>
+            <a:noFill/>
+          </a:ln>
+        </p:spPr>
+        <p:style>
+          <a:lnRef idx="2">
+            <a:schemeClr val="accent1">
+              <a:shade val="50000"/>
+            </a:schemeClr>
+          </a:lnRef>
+          <a:fillRef idx="1">
+            <a:schemeClr val="accent1"/>
+          </a:fillRef>
+          <a:effectRef idx="0">
+            <a:schemeClr val="accent1"/>
+          </a:effectRef>
+          <a:fontRef idx="minor">
+            <a:schemeClr val="lt1"/>
+          </a:fontRef>
+        </p:style>
+        <p:txBody>
+          <a:bodyPr rtlCol="0" anchor="ctr"/>
+          <a:lstStyle/>
+          <a:p>
+            <a:pPr algn="ctr"/>
+            <a:endParaRPr lang="en-US" dirty="0"/>
+          </a:p>
+        </p:txBody>
+      </p:sp>
+      <p:sp>
+        <p:nvSpPr>
+          <p:cNvPr id="18" name="Freeform: Shape 17">
+            <a:extLst>
+              <a:ext uri="{FF2B5EF4-FFF2-40B4-BE49-F238E27FC236}">
+                <a16:creationId xmlns:a16="http://schemas.microsoft.com/office/drawing/2014/main" id="{F8260ED5-17F7-4158-B241-D51DD4CF1B7E}"/>
+              </a:ext>
+              <a:ext uri="{C183D7F6-B498-43B3-948B-1728B52AA6E4}">
+                <adec:decorative xmlns:adec="http://schemas.microsoft.com/office/drawing/2017/decorative" val="1"/>
+              </a:ext>
+            </a:extLst>
+          </p:cNvPr>
+          <p:cNvSpPr>
+            <a:spLocks noGrp="1" noRot="1" noChangeAspect="1" noMove="1" noResize="1" noEditPoints="1" noAdjustHandles="1" noChangeArrowheads="1" noChangeShapeType="1" noTextEdit="1"/>
+          </p:cNvSpPr>
+          <p:nvPr>
+            <p:extLst>
+              <p:ext uri="{386F3935-93C4-4BCD-93E2-E3B085C9AB24}">
+                <p16:designElem xmlns:p16="http://schemas.microsoft.com/office/powerpoint/2015/main" val="1"/>
+              </p:ext>
+            </p:extLst>
+          </p:nvPr>
+        </p:nvSpPr>
+        <p:spPr>
+          <a:xfrm rot="6097846">
+            <a:off x="-747355" y="1201312"/>
+            <a:ext cx="4808302" cy="4088666"/>
+          </a:xfrm>
+          <a:custGeom>
+            <a:avLst/>
+            <a:gdLst>
+              <a:gd name="connsiteX0" fmla="*/ 48844 w 4808302"/>
+              <a:gd name="connsiteY0" fmla="*/ 2888671 h 4088666"/>
+              <a:gd name="connsiteX1" fmla="*/ 0 w 4808302"/>
+              <a:gd name="connsiteY1" fmla="*/ 2404151 h 4088666"/>
+              <a:gd name="connsiteX2" fmla="*/ 2404151 w 4808302"/>
+              <a:gd name="connsiteY2" fmla="*/ 0 h 4088666"/>
+              <a:gd name="connsiteX3" fmla="*/ 4808302 w 4808302"/>
+              <a:gd name="connsiteY3" fmla="*/ 2404151 h 4088666"/>
+              <a:gd name="connsiteX4" fmla="*/ 4700216 w 4808302"/>
+              <a:gd name="connsiteY4" fmla="*/ 3119072 h 4088666"/>
+              <a:gd name="connsiteX5" fmla="*/ 4643143 w 4808302"/>
+              <a:gd name="connsiteY5" fmla="*/ 3275009 h 4088666"/>
+              <a:gd name="connsiteX6" fmla="*/ 690093 w 4808302"/>
+              <a:gd name="connsiteY6" fmla="*/ 4088666 h 4088666"/>
+              <a:gd name="connsiteX7" fmla="*/ 548991 w 4808302"/>
+              <a:gd name="connsiteY7" fmla="*/ 3933414 h 4088666"/>
+              <a:gd name="connsiteX8" fmla="*/ 48844 w 4808302"/>
+              <a:gd name="connsiteY8" fmla="*/ 2888671 h 4088666"/>
+            </a:gdLst>
+            <a:ahLst/>
+            <a:cxnLst>
+              <a:cxn ang="0">
+                <a:pos x="connsiteX0" y="connsiteY0"/>
+              </a:cxn>
+              <a:cxn ang="0">
+                <a:pos x="connsiteX1" y="connsiteY1"/>
+              </a:cxn>
+              <a:cxn ang="0">
+                <a:pos x="connsiteX2" y="connsiteY2"/>
+              </a:cxn>
+              <a:cxn ang="0">
+                <a:pos x="connsiteX3" y="connsiteY3"/>
+              </a:cxn>
+              <a:cxn ang="0">
+                <a:pos x="connsiteX4" y="connsiteY4"/>
+              </a:cxn>
+              <a:cxn ang="0">
+                <a:pos x="connsiteX5" y="connsiteY5"/>
+              </a:cxn>
+              <a:cxn ang="0">
+                <a:pos x="connsiteX6" y="connsiteY6"/>
+              </a:cxn>
+              <a:cxn ang="0">
+                <a:pos x="connsiteX7" y="connsiteY7"/>
+              </a:cxn>
+              <a:cxn ang="0">
+                <a:pos x="connsiteX8" y="connsiteY8"/>
+              </a:cxn>
+            </a:cxnLst>
+            <a:rect l="l" t="t" r="r" b="b"/>
+            <a:pathLst>
+              <a:path w="4808302" h="4088666">
+                <a:moveTo>
+                  <a:pt x="48844" y="2888671"/>
+                </a:moveTo>
+                <a:cubicBezTo>
+                  <a:pt x="16818" y="2732167"/>
+                  <a:pt x="0" y="2570123"/>
+                  <a:pt x="0" y="2404151"/>
+                </a:cubicBezTo>
+                <a:cubicBezTo>
+                  <a:pt x="0" y="1076375"/>
+                  <a:pt x="1076375" y="0"/>
+                  <a:pt x="2404151" y="0"/>
+                </a:cubicBezTo>
+                <a:cubicBezTo>
+                  <a:pt x="3731927" y="0"/>
+                  <a:pt x="4808302" y="1076375"/>
+                  <a:pt x="4808302" y="2404151"/>
+                </a:cubicBezTo>
+                <a:cubicBezTo>
+                  <a:pt x="4808302" y="2653109"/>
+                  <a:pt x="4770461" y="2893229"/>
+                  <a:pt x="4700216" y="3119072"/>
+                </a:cubicBezTo>
+                <a:lnTo>
+                  <a:pt x="4643143" y="3275009"/>
+                </a:lnTo>
+                <a:lnTo>
+                  <a:pt x="690093" y="4088666"/>
+                </a:lnTo>
+                <a:lnTo>
+                  <a:pt x="548991" y="3933414"/>
+                </a:lnTo>
+                <a:cubicBezTo>
+                  <a:pt x="304015" y="3636572"/>
+                  <a:pt x="128908" y="3279932"/>
+                  <a:pt x="48844" y="2888671"/>
+                </a:cubicBezTo>
+                <a:close/>
+              </a:path>
+            </a:pathLst>
+          </a:custGeom>
+          <a:gradFill>
+            <a:gsLst>
+              <a:gs pos="39000">
+                <a:schemeClr val="accent1">
+                  <a:lumMod val="60000"/>
+                  <a:lumOff val="40000"/>
+                  <a:alpha val="0"/>
+                </a:schemeClr>
+              </a:gs>
+              <a:gs pos="100000">
+                <a:schemeClr val="accent1">
+                  <a:lumMod val="75000"/>
+                  <a:alpha val="26000"/>
+                </a:schemeClr>
+              </a:gs>
+            </a:gsLst>
+            <a:lin ang="18600000" scaled="0"/>
+          </a:gradFill>
+          <a:ln>
+            <a:noFill/>
+          </a:ln>
+        </p:spPr>
+        <p:style>
+          <a:lnRef idx="2">
+            <a:schemeClr val="accent1">
+              <a:shade val="50000"/>
+            </a:schemeClr>
+          </a:lnRef>
+          <a:fillRef idx="1">
+            <a:schemeClr val="accent1"/>
+          </a:fillRef>
+          <a:effectRef idx="0">
+            <a:schemeClr val="accent1"/>
+          </a:effectRef>
+          <a:fontRef idx="minor">
+            <a:schemeClr val="lt1"/>
+          </a:fontRef>
+        </p:style>
+        <p:txBody>
+          <a:bodyPr wrap="square" rtlCol="0" anchor="ctr">
+            <a:noAutofit/>
+          </a:bodyPr>
+          <a:lstStyle/>
+          <a:p>
+            <a:pPr algn="ctr"/>
+            <a:endParaRPr lang="en-US" dirty="0"/>
+          </a:p>
+        </p:txBody>
+      </p:sp>
+      <p:sp>
+        <p:nvSpPr>
+          <p:cNvPr id="2" name="Title 1">
+            <a:extLst>
+              <a:ext uri="{FF2B5EF4-FFF2-40B4-BE49-F238E27FC236}">
+                <a16:creationId xmlns:a16="http://schemas.microsoft.com/office/drawing/2014/main" id="{400D9799-647C-4780-8A18-C63A8D7136BF}"/>
+              </a:ext>
+            </a:extLst>
+          </p:cNvPr>
+          <p:cNvSpPr>
+            <a:spLocks noGrp="1"/>
+          </p:cNvSpPr>
+          <p:nvPr>
+            <p:ph type="title"/>
+          </p:nvPr>
+        </p:nvSpPr>
+        <p:spPr>
+          <a:xfrm>
+            <a:off x="660041" y="2767106"/>
+            <a:ext cx="2880828" cy="3071906"/>
+          </a:xfrm>
+        </p:spPr>
+        <p:txBody>
+          <a:bodyPr vert="horz" lIns="91440" tIns="45720" rIns="91440" bIns="45720" rtlCol="0" anchor="t">
+            <a:normAutofit/>
+          </a:bodyPr>
+          <a:lstStyle/>
+          <a:p>
+            <a:r>
+              <a:rPr lang="en-US" sz="4000" kern="1200">
+                <a:solidFill>
+                  <a:srgbClr val="FFFFFF"/>
+                </a:solidFill>
+                <a:latin typeface="+mj-lt"/>
+                <a:ea typeface="+mj-ea"/>
+                <a:cs typeface="+mj-cs"/>
+              </a:rPr>
+              <a:t>Dashboard</a:t>
+            </a:r>
+          </a:p>
+        </p:txBody>
+      </p:sp>
+      <p:pic>
+        <p:nvPicPr>
+          <p:cNvPr id="5" name="Content Placeholder 4" descr="Timeline&#10;&#10;Description automatically generated">
+            <a:extLst>
+              <a:ext uri="{FF2B5EF4-FFF2-40B4-BE49-F238E27FC236}">
+                <a16:creationId xmlns:a16="http://schemas.microsoft.com/office/drawing/2014/main" id="{81A3D10D-3CCB-47FB-A437-C8E9CF4925EC}"/>
+              </a:ext>
+            </a:extLst>
+          </p:cNvPr>
+          <p:cNvPicPr>
+            <a:picLocks noGrp="1" noChangeAspect="1"/>
+          </p:cNvPicPr>
+          <p:nvPr>
+            <p:ph idx="1"/>
+          </p:nvPr>
+        </p:nvPicPr>
+        <p:blipFill>
+          <a:blip r:embed="rId2">
+            <a:extLst>
+              <a:ext uri="{28A0092B-C50C-407E-A947-70E740481C1C}">
+                <a14:useLocalDpi xmlns:a14="http://schemas.microsoft.com/office/drawing/2010/main" val="0"/>
+              </a:ext>
+            </a:extLst>
+          </a:blip>
+          <a:stretch>
+            <a:fillRect/>
+          </a:stretch>
+        </p:blipFill>
+        <p:spPr>
+          <a:xfrm>
+            <a:off x="5308713" y="0"/>
+            <a:ext cx="6223246" cy="6857572"/>
+          </a:xfrm>
+          <a:prstGeom prst="rect">
+            <a:avLst/>
+          </a:prstGeom>
+        </p:spPr>
+      </p:pic>
+    </p:spTree>
+    <p:extLst>
+      <p:ext uri="{BB962C8B-B14F-4D97-AF65-F5344CB8AC3E}">
+        <p14:creationId xmlns:p14="http://schemas.microsoft.com/office/powerpoint/2010/main" val="1289962194"/>
+      </p:ext>
+    </p:extLst>
+  </p:cSld>
+  <p:clrMapOvr>
+    <a:masterClrMapping/>
+  </p:clrMapOvr>
+  <p:transition spd="slow">
+    <p:comb/>
+  </p:transition>
 </p:sld>
 </file>
 
@@ -32913,13 +33586,13 @@
   <p:clrMapOvr>
     <a:overrideClrMapping bg1="dk1" tx1="lt1" bg2="dk2" tx2="lt2" accent1="accent1" accent2="accent2" accent3="accent3" accent4="accent4" accent5="accent5" accent6="accent6" hlink="hlink" folHlink="folHlink"/>
   </p:clrMapOvr>
-  <mc:AlternateContent xmlns:mc="http://schemas.openxmlformats.org/markup-compatibility/2006">
-    <mc:Choice xmlns:p14="http://schemas.microsoft.com/office/powerpoint/2010/main" Requires="p14">
+  <mc:AlternateContent xmlns:mc="http://schemas.openxmlformats.org/markup-compatibility/2006" xmlns:p14="http://schemas.microsoft.com/office/powerpoint/2010/main">
+    <mc:Choice Requires="p14">
       <p:transition spd="med" p14:dur="700">
         <p:fade/>
       </p:transition>
     </mc:Choice>
-    <mc:Fallback>
+    <mc:Fallback xmlns="">
       <p:transition spd="med">
         <p:fade/>
       </p:transition>
@@ -36375,13 +37048,13 @@
   <p:clrMapOvr>
     <a:masterClrMapping/>
   </p:clrMapOvr>
-  <mc:AlternateContent xmlns:mc="http://schemas.openxmlformats.org/markup-compatibility/2006">
-    <mc:Choice xmlns:p14="http://schemas.microsoft.com/office/powerpoint/2010/main" Requires="p14">
+  <mc:AlternateContent xmlns:mc="http://schemas.openxmlformats.org/markup-compatibility/2006" xmlns:p14="http://schemas.microsoft.com/office/powerpoint/2010/main">
+    <mc:Choice Requires="p14">
       <p:transition spd="slow" p14:dur="1200">
         <p14:prism/>
       </p:transition>
     </mc:Choice>
-    <mc:Fallback>
+    <mc:Fallback xmlns="">
       <p:transition spd="slow">
         <p:fade/>
       </p:transition>

--- a/presentation.pptx
+++ b/presentation.pptx
@@ -148,7 +148,7 @@
   <pc:docChgLst>
     <pc:chgData name="Tamjid Ahsan" userId="15c1a18861ae33e8" providerId="LiveId" clId="{B4F66AF7-A10F-4D64-B2E7-DA3083221450}"/>
     <pc:docChg chg="undo custSel addSld delSld modSld sldOrd">
-      <pc:chgData name="Tamjid Ahsan" userId="15c1a18861ae33e8" providerId="LiveId" clId="{B4F66AF7-A10F-4D64-B2E7-DA3083221450}" dt="2021-07-22T09:50:22.919" v="2880"/>
+      <pc:chgData name="Tamjid Ahsan" userId="15c1a18861ae33e8" providerId="LiveId" clId="{B4F66AF7-A10F-4D64-B2E7-DA3083221450}" dt="2021-07-22T19:19:13.972" v="2965" actId="20577"/>
       <pc:docMkLst>
         <pc:docMk/>
       </pc:docMkLst>
@@ -463,7 +463,7 @@
         </pc:cxnChg>
       </pc:sldChg>
       <pc:sldChg chg="addSp delSp modSp new mod modTransition setBg setClrOvrMap modNotesTx">
-        <pc:chgData name="Tamjid Ahsan" userId="15c1a18861ae33e8" providerId="LiveId" clId="{B4F66AF7-A10F-4D64-B2E7-DA3083221450}" dt="2021-07-21T23:53:24.068" v="2785"/>
+        <pc:chgData name="Tamjid Ahsan" userId="15c1a18861ae33e8" providerId="LiveId" clId="{B4F66AF7-A10F-4D64-B2E7-DA3083221450}" dt="2021-07-22T19:19:13.972" v="2965" actId="20577"/>
         <pc:sldMkLst>
           <pc:docMk/>
           <pc:sldMk cId="1785489686" sldId="258"/>
@@ -517,7 +517,7 @@
           </ac:spMkLst>
         </pc:spChg>
         <pc:spChg chg="mod topLvl">
-          <ac:chgData name="Tamjid Ahsan" userId="15c1a18861ae33e8" providerId="LiveId" clId="{B4F66AF7-A10F-4D64-B2E7-DA3083221450}" dt="2021-07-21T03:51:34.913" v="2404" actId="20577"/>
+          <ac:chgData name="Tamjid Ahsan" userId="15c1a18861ae33e8" providerId="LiveId" clId="{B4F66AF7-A10F-4D64-B2E7-DA3083221450}" dt="2021-07-22T19:19:13.972" v="2965" actId="20577"/>
           <ac:spMkLst>
             <pc:docMk/>
             <pc:sldMk cId="1785489686" sldId="258"/>
@@ -789,7 +789,7 @@
         </pc:graphicFrameChg>
       </pc:sldChg>
       <pc:sldChg chg="addSp delSp modSp add mod modTransition setBg modNotesTx">
-        <pc:chgData name="Tamjid Ahsan" userId="15c1a18861ae33e8" providerId="LiveId" clId="{B4F66AF7-A10F-4D64-B2E7-DA3083221450}" dt="2021-07-21T23:58:01.745" v="2829"/>
+        <pc:chgData name="Tamjid Ahsan" userId="15c1a18861ae33e8" providerId="LiveId" clId="{B4F66AF7-A10F-4D64-B2E7-DA3083221450}" dt="2021-07-22T19:02:43.706" v="2957" actId="20577"/>
         <pc:sldMkLst>
           <pc:docMk/>
           <pc:sldMk cId="2638182324" sldId="260"/>
@@ -803,7 +803,7 @@
           </ac:spMkLst>
         </pc:spChg>
         <pc:spChg chg="mod">
-          <ac:chgData name="Tamjid Ahsan" userId="15c1a18861ae33e8" providerId="LiveId" clId="{B4F66AF7-A10F-4D64-B2E7-DA3083221450}" dt="2021-07-21T08:50:47.209" v="2602" actId="113"/>
+          <ac:chgData name="Tamjid Ahsan" userId="15c1a18861ae33e8" providerId="LiveId" clId="{B4F66AF7-A10F-4D64-B2E7-DA3083221450}" dt="2021-07-22T19:02:43.706" v="2957" actId="20577"/>
           <ac:spMkLst>
             <pc:docMk/>
             <pc:sldMk cId="2638182324" sldId="260"/>
@@ -1650,7 +1650,7 @@
         </pc:picChg>
       </pc:sldChg>
       <pc:sldChg chg="addSp delSp modSp new mod ord modTransition setBg">
-        <pc:chgData name="Tamjid Ahsan" userId="15c1a18861ae33e8" providerId="LiveId" clId="{B4F66AF7-A10F-4D64-B2E7-DA3083221450}" dt="2021-07-21T23:54:54.270" v="2801"/>
+        <pc:chgData name="Tamjid Ahsan" userId="15c1a18861ae33e8" providerId="LiveId" clId="{B4F66AF7-A10F-4D64-B2E7-DA3083221450}" dt="2021-07-22T18:34:21.090" v="2881" actId="20577"/>
         <pc:sldMkLst>
           <pc:docMk/>
           <pc:sldMk cId="3266602803" sldId="283"/>
@@ -1672,7 +1672,7 @@
           </ac:spMkLst>
         </pc:spChg>
         <pc:spChg chg="mod">
-          <ac:chgData name="Tamjid Ahsan" userId="15c1a18861ae33e8" providerId="LiveId" clId="{B4F66AF7-A10F-4D64-B2E7-DA3083221450}" dt="2021-07-21T08:30:01.676" v="2430" actId="1076"/>
+          <ac:chgData name="Tamjid Ahsan" userId="15c1a18861ae33e8" providerId="LiveId" clId="{B4F66AF7-A10F-4D64-B2E7-DA3083221450}" dt="2021-07-22T18:34:21.090" v="2881" actId="20577"/>
           <ac:spMkLst>
             <pc:docMk/>
             <pc:sldMk cId="3266602803" sldId="283"/>
@@ -1823,8 +1823,8 @@
           </ac:picMkLst>
         </pc:picChg>
       </pc:sldChg>
-      <pc:sldChg chg="addSp delSp modSp new mod modTransition">
-        <pc:chgData name="Tamjid Ahsan" userId="15c1a18861ae33e8" providerId="LiveId" clId="{B4F66AF7-A10F-4D64-B2E7-DA3083221450}" dt="2021-07-21T23:57:54.829" v="2827"/>
+      <pc:sldChg chg="addSp delSp modSp new mod modTransition modNotesTx">
+        <pc:chgData name="Tamjid Ahsan" userId="15c1a18861ae33e8" providerId="LiveId" clId="{B4F66AF7-A10F-4D64-B2E7-DA3083221450}" dt="2021-07-22T18:39:00.216" v="2944"/>
         <pc:sldMkLst>
           <pc:docMk/>
           <pc:sldMk cId="2110126101" sldId="285"/>
@@ -9994,6 +9994,141 @@
           <a:bodyPr/>
           <a:lstStyle/>
           <a:p>
+            <a:r>
+              <a:rPr lang="en-US" dirty="0"/>
+              <a:t>Each dot is an observation. Red represents churning. </a:t>
+            </a:r>
+          </a:p>
+          <a:p>
+            <a:pPr algn="l"/>
+            <a:r>
+              <a:rPr lang="en-US" b="0" i="0" dirty="0">
+                <a:solidFill>
+                  <a:srgbClr val="ADBAC7"/>
+                </a:solidFill>
+                <a:effectLst/>
+                <a:latin typeface="-apple-system"/>
+              </a:rPr>
+              <a:t>distribution of the impacts each feature has. The color represents the feature value:</a:t>
+            </a:r>
+          </a:p>
+          <a:p>
+            <a:pPr algn="l">
+              <a:buFont typeface="Arial" panose="020B0604020202020204" pitchFamily="34" charset="0"/>
+              <a:buChar char="•"/>
+            </a:pPr>
+            <a:r>
+              <a:rPr lang="en-US" b="0" i="0" dirty="0">
+                <a:solidFill>
+                  <a:srgbClr val="ADBAC7"/>
+                </a:solidFill>
+                <a:effectLst/>
+                <a:latin typeface="-apple-system"/>
+              </a:rPr>
+              <a:t>red indicating high</a:t>
+            </a:r>
+          </a:p>
+          <a:p>
+            <a:pPr algn="l">
+              <a:buFont typeface="Arial" panose="020B0604020202020204" pitchFamily="34" charset="0"/>
+              <a:buChar char="•"/>
+            </a:pPr>
+            <a:r>
+              <a:rPr lang="en-US" b="0" i="0" dirty="0">
+                <a:solidFill>
+                  <a:srgbClr val="ADBAC7"/>
+                </a:solidFill>
+                <a:effectLst/>
+                <a:latin typeface="-apple-system"/>
+              </a:rPr>
+              <a:t>blue indicating low.</a:t>
+            </a:r>
+          </a:p>
+          <a:p>
+            <a:endParaRPr lang="en-US" dirty="0"/>
+          </a:p>
+        </p:txBody>
+      </p:sp>
+      <p:sp>
+        <p:nvSpPr>
+          <p:cNvPr id="4" name="Slide Number Placeholder 3"/>
+          <p:cNvSpPr>
+            <a:spLocks noGrp="1"/>
+          </p:cNvSpPr>
+          <p:nvPr>
+            <p:ph type="sldNum" sz="quarter" idx="5"/>
+          </p:nvPr>
+        </p:nvSpPr>
+        <p:spPr/>
+        <p:txBody>
+          <a:bodyPr/>
+          <a:lstStyle/>
+          <a:p>
+            <a:fld id="{D20300BE-8409-4817-ABA3-25A9D4BF447F}" type="slidenum">
+              <a:rPr lang="en-US" smtClean="0"/>
+              <a:t>14</a:t>
+            </a:fld>
+            <a:endParaRPr lang="en-US"/>
+          </a:p>
+        </p:txBody>
+      </p:sp>
+    </p:spTree>
+    <p:extLst>
+      <p:ext uri="{BB962C8B-B14F-4D97-AF65-F5344CB8AC3E}">
+        <p14:creationId xmlns:p14="http://schemas.microsoft.com/office/powerpoint/2010/main" val="1746637320"/>
+      </p:ext>
+    </p:extLst>
+  </p:cSld>
+  <p:clrMapOvr>
+    <a:masterClrMapping/>
+  </p:clrMapOvr>
+</p:notes>
+</file>
+
+<file path=ppt/notesSlides/notesSlide5.xml><?xml version="1.0" encoding="utf-8"?>
+<p:notes xmlns:a="http://schemas.openxmlformats.org/drawingml/2006/main" xmlns:r="http://schemas.openxmlformats.org/officeDocument/2006/relationships" xmlns:p="http://schemas.openxmlformats.org/presentationml/2006/main">
+  <p:cSld>
+    <p:spTree>
+      <p:nvGrpSpPr>
+        <p:cNvPr id="1" name=""/>
+        <p:cNvGrpSpPr/>
+        <p:nvPr/>
+      </p:nvGrpSpPr>
+      <p:grpSpPr>
+        <a:xfrm>
+          <a:off x="0" y="0"/>
+          <a:ext cx="0" cy="0"/>
+          <a:chOff x="0" y="0"/>
+          <a:chExt cx="0" cy="0"/>
+        </a:xfrm>
+      </p:grpSpPr>
+      <p:sp>
+        <p:nvSpPr>
+          <p:cNvPr id="2" name="Slide Image Placeholder 1"/>
+          <p:cNvSpPr>
+            <a:spLocks noGrp="1" noRot="1" noChangeAspect="1"/>
+          </p:cNvSpPr>
+          <p:nvPr>
+            <p:ph type="sldImg"/>
+          </p:nvPr>
+        </p:nvSpPr>
+        <p:spPr/>
+      </p:sp>
+      <p:sp>
+        <p:nvSpPr>
+          <p:cNvPr id="3" name="Notes Placeholder 2"/>
+          <p:cNvSpPr>
+            <a:spLocks noGrp="1"/>
+          </p:cNvSpPr>
+          <p:nvPr>
+            <p:ph type="body" idx="1"/>
+          </p:nvPr>
+        </p:nvSpPr>
+        <p:spPr/>
+        <p:txBody>
+          <a:bodyPr/>
+          <a:lstStyle/>
+          <a:p>
             <a:pPr marL="0" indent="0">
               <a:buNone/>
             </a:pPr>
@@ -10092,7 +10227,7 @@
 </p:notes>
 </file>
 
-<file path=ppt/notesSlides/notesSlide5.xml><?xml version="1.0" encoding="utf-8"?>
+<file path=ppt/notesSlides/notesSlide6.xml><?xml version="1.0" encoding="utf-8"?>
 <p:notes xmlns:a="http://schemas.openxmlformats.org/drawingml/2006/main" xmlns:r="http://schemas.openxmlformats.org/officeDocument/2006/relationships" xmlns:p="http://schemas.openxmlformats.org/presentationml/2006/main">
   <p:cSld>
     <p:spTree>
@@ -23206,7 +23341,7 @@
           </p:nvPr>
         </p:nvPicPr>
         <p:blipFill>
-          <a:blip r:embed="rId2">
+          <a:blip r:embed="rId3">
             <a:extLst>
               <a:ext uri="{28A0092B-C50C-407E-A947-70E740481C1C}">
                 <a14:useLocalDpi xmlns:a14="http://schemas.microsoft.com/office/drawing/2010/main" val="0"/>
@@ -24549,7 +24684,7 @@
             </a:pPr>
             <a:r>
               <a:rPr lang="en-US" sz="1600" dirty="0"/>
-              <a:t>Cluster 1 is the most riskiest client segmentation. </a:t>
+              <a:t>Cluster 1 is the riskiest client segmentation. </a:t>
             </a:r>
           </a:p>
           <a:p>
@@ -24644,7 +24779,15 @@
             </a:r>
             <a:r>
               <a:rPr lang="en-US" sz="1600" dirty="0"/>
-              <a:t>can be a signal for cross selling products and it is also a sign of churn.</a:t>
+              <a:t>can be a signal for cross selling </a:t>
+            </a:r>
+            <a:r>
+              <a:rPr lang="en-US" sz="1600" dirty="0" err="1"/>
+              <a:t>oppurtunity</a:t>
+            </a:r>
+            <a:r>
+              <a:rPr lang="en-US" sz="1600" dirty="0"/>
+              <a:t>, and it is also a sign of churn.</a:t>
             </a:r>
           </a:p>
         </p:txBody>
@@ -33503,15 +33646,7 @@
             </a:pPr>
             <a:r>
               <a:rPr lang="en-US" sz="1600" b="0" i="0" kern="1200" dirty="0"/>
-              <a:t>XYZ Bank (read: fictional) is a mature financial institution based </a:t>
-            </a:r>
-            <a:r>
-              <a:rPr lang="en-US" sz="1600" b="0" i="0" kern="1200"/>
-              <a:t>in North </a:t>
-            </a:r>
-            <a:r>
-              <a:rPr lang="en-US" sz="1600" b="0" i="0" kern="1200" dirty="0"/>
-              <a:t>America.</a:t>
+              <a:t>XYZ Bank (read: fictional) is a mature financial institution based in North America.</a:t>
             </a:r>
           </a:p>
           <a:p>
@@ -33570,7 +33705,7 @@
             </a:pPr>
             <a:r>
               <a:rPr lang="en-US" sz="1600" b="0" i="0" kern="1200" dirty="0"/>
-              <a:t>Based on the data available, the bank wants to know whom of them are in risk of churning.</a:t>
+              <a:t>Based on the data available, the bank wants to predict risk of churning.</a:t>
             </a:r>
             <a:endParaRPr lang="en-US" sz="1600" kern="1200" dirty="0"/>
           </a:p>
@@ -34498,12 +34633,6 @@
             <a:r>
               <a:rPr lang="en-US" sz="1600" dirty="0"/>
               <a:t>Cluster 1 is next.</a:t>
-            </a:r>
-          </a:p>
-          <a:p>
-            <a:r>
-              <a:rPr lang="en-US" sz="1600" dirty="0"/>
-              <a:t>Rest are close to 1k.</a:t>
             </a:r>
           </a:p>
         </p:txBody>

--- a/presentation.pptx
+++ b/presentation.pptx
@@ -16,8 +16,8 @@
     <p:sldId id="285" r:id="rId7"/>
     <p:sldId id="279" r:id="rId8"/>
     <p:sldId id="281" r:id="rId9"/>
-    <p:sldId id="291" r:id="rId10"/>
-    <p:sldId id="261" r:id="rId11"/>
+    <p:sldId id="261" r:id="rId10"/>
+    <p:sldId id="291" r:id="rId11"/>
     <p:sldId id="283" r:id="rId12"/>
     <p:sldId id="278" r:id="rId13"/>
     <p:sldId id="288" r:id="rId14"/>
@@ -149,7 +149,7 @@
   <pc:docChgLst>
     <pc:chgData name="Tamjid Ahsan" userId="15c1a18861ae33e8" providerId="LiveId" clId="{B4F66AF7-A10F-4D64-B2E7-DA3083221450}"/>
     <pc:docChg chg="undo custSel addSld delSld modSld sldOrd">
-      <pc:chgData name="Tamjid Ahsan" userId="15c1a18861ae33e8" providerId="LiveId" clId="{B4F66AF7-A10F-4D64-B2E7-DA3083221450}" dt="2021-07-24T19:49:05.246" v="3844" actId="339"/>
+      <pc:chgData name="Tamjid Ahsan" userId="15c1a18861ae33e8" providerId="LiveId" clId="{B4F66AF7-A10F-4D64-B2E7-DA3083221450}" dt="2021-07-24T20:58:32.844" v="3855" actId="120"/>
       <pc:docMkLst>
         <pc:docMk/>
       </pc:docMkLst>
@@ -2458,7 +2458,7 @@
         </pc:graphicFrameChg>
       </pc:sldChg>
       <pc:sldChg chg="addSp delSp modSp new mod ord modTransition setBg">
-        <pc:chgData name="Tamjid Ahsan" userId="15c1a18861ae33e8" providerId="LiveId" clId="{B4F66AF7-A10F-4D64-B2E7-DA3083221450}" dt="2021-07-24T19:48:01.189" v="3842" actId="122"/>
+        <pc:chgData name="Tamjid Ahsan" userId="15c1a18861ae33e8" providerId="LiveId" clId="{B4F66AF7-A10F-4D64-B2E7-DA3083221450}" dt="2021-07-24T20:58:32.844" v="3855" actId="120"/>
         <pc:sldMkLst>
           <pc:docMk/>
           <pc:sldMk cId="1289962194" sldId="290"/>
@@ -2496,7 +2496,7 @@
           </ac:spMkLst>
         </pc:spChg>
         <pc:spChg chg="add mod">
-          <ac:chgData name="Tamjid Ahsan" userId="15c1a18861ae33e8" providerId="LiveId" clId="{B4F66AF7-A10F-4D64-B2E7-DA3083221450}" dt="2021-07-24T19:37:31.787" v="3821" actId="14100"/>
+          <ac:chgData name="Tamjid Ahsan" userId="15c1a18861ae33e8" providerId="LiveId" clId="{B4F66AF7-A10F-4D64-B2E7-DA3083221450}" dt="2021-07-24T20:58:32.844" v="3855" actId="120"/>
           <ac:spMkLst>
             <pc:docMk/>
             <pc:sldMk cId="1289962194" sldId="290"/>
@@ -2544,7 +2544,7 @@
           </ac:spMkLst>
         </pc:spChg>
         <pc:spChg chg="add mod">
-          <ac:chgData name="Tamjid Ahsan" userId="15c1a18861ae33e8" providerId="LiveId" clId="{B4F66AF7-A10F-4D64-B2E7-DA3083221450}" dt="2021-07-24T19:45:36.824" v="3831" actId="207"/>
+          <ac:chgData name="Tamjid Ahsan" userId="15c1a18861ae33e8" providerId="LiveId" clId="{B4F66AF7-A10F-4D64-B2E7-DA3083221450}" dt="2021-07-24T20:57:55.790" v="3849" actId="207"/>
           <ac:spMkLst>
             <pc:docMk/>
             <pc:sldMk cId="1289962194" sldId="290"/>
@@ -2576,13 +2576,13 @@
         </pc:sldMkLst>
       </pc:sldChg>
       <pc:sldChg chg="addSp delSp modSp new mod ord modTransition setBg">
-        <pc:chgData name="Tamjid Ahsan" userId="15c1a18861ae33e8" providerId="LiveId" clId="{B4F66AF7-A10F-4D64-B2E7-DA3083221450}" dt="2021-07-24T19:49:05.246" v="3844" actId="339"/>
+        <pc:chgData name="Tamjid Ahsan" userId="15c1a18861ae33e8" providerId="LiveId" clId="{B4F66AF7-A10F-4D64-B2E7-DA3083221450}" dt="2021-07-24T20:57:22.746" v="3848" actId="207"/>
         <pc:sldMkLst>
           <pc:docMk/>
           <pc:sldMk cId="3487884788" sldId="291"/>
         </pc:sldMkLst>
         <pc:spChg chg="mod">
-          <ac:chgData name="Tamjid Ahsan" userId="15c1a18861ae33e8" providerId="LiveId" clId="{B4F66AF7-A10F-4D64-B2E7-DA3083221450}" dt="2021-07-24T17:30:11.118" v="3443"/>
+          <ac:chgData name="Tamjid Ahsan" userId="15c1a18861ae33e8" providerId="LiveId" clId="{B4F66AF7-A10F-4D64-B2E7-DA3083221450}" dt="2021-07-24T20:57:22.746" v="3848" actId="207"/>
           <ac:spMkLst>
             <pc:docMk/>
             <pc:sldMk cId="3487884788" sldId="291"/>
@@ -16554,10 +16554,10 @@
       </p:grpSpPr>
       <p:sp>
         <p:nvSpPr>
-          <p:cNvPr id="9" name="Freeform: Shape 8">
+          <p:cNvPr id="14" name="Rectangle 13">
             <a:extLst>
               <a:ext uri="{FF2B5EF4-FFF2-40B4-BE49-F238E27FC236}">
-                <a16:creationId xmlns:a16="http://schemas.microsoft.com/office/drawing/2014/main" id="{42285737-90EE-47DC-AC80-8AE156B11969}"/>
+                <a16:creationId xmlns:a16="http://schemas.microsoft.com/office/drawing/2014/main" id="{B775CD93-9DF2-48CB-9F57-1BCA9A46C7FA}"/>
               </a:ext>
               <a:ext uri="{C183D7F6-B498-43B3-948B-1728B52AA6E4}">
                 <adec:decorative xmlns:adec="http://schemas.microsoft.com/office/drawing/2017/decorative" val="1"/>
@@ -16576,107 +16576,28 @@
           </p:nvPr>
         </p:nvSpPr>
         <p:spPr>
-          <a:xfrm flipV="1">
-            <a:off x="-1" y="-1"/>
-            <a:ext cx="4403709" cy="6858001"/>
+          <a:xfrm>
+            <a:off x="466343" y="448055"/>
+            <a:ext cx="7201941" cy="1508760"/>
           </a:xfrm>
-          <a:custGeom>
+          <a:prstGeom prst="rect">
             <a:avLst/>
-            <a:gdLst>
-              <a:gd name="connsiteX0" fmla="*/ 3223890 w 4403709"/>
-              <a:gd name="connsiteY0" fmla="*/ 6858001 h 6858001"/>
-              <a:gd name="connsiteX1" fmla="*/ 4101908 w 4403709"/>
-              <a:gd name="connsiteY1" fmla="*/ 6858001 h 6858001"/>
-              <a:gd name="connsiteX2" fmla="*/ 3254950 w 4403709"/>
-              <a:gd name="connsiteY2" fmla="*/ 1599356 h 6858001"/>
-              <a:gd name="connsiteX3" fmla="*/ 3254950 w 4403709"/>
-              <a:gd name="connsiteY3" fmla="*/ 1594062 h 6858001"/>
-              <a:gd name="connsiteX4" fmla="*/ 4403709 w 4403709"/>
-              <a:gd name="connsiteY4" fmla="*/ 0 h 6858001"/>
-              <a:gd name="connsiteX5" fmla="*/ 3254950 w 4403709"/>
-              <a:gd name="connsiteY5" fmla="*/ 0 h 6858001"/>
-              <a:gd name="connsiteX6" fmla="*/ 2903520 w 4403709"/>
-              <a:gd name="connsiteY6" fmla="*/ 0 h 6858001"/>
-              <a:gd name="connsiteX7" fmla="*/ 0 w 4403709"/>
-              <a:gd name="connsiteY7" fmla="*/ 0 h 6858001"/>
-              <a:gd name="connsiteX8" fmla="*/ 0 w 4403709"/>
-              <a:gd name="connsiteY8" fmla="*/ 6858000 h 6858001"/>
-              <a:gd name="connsiteX9" fmla="*/ 3223890 w 4403709"/>
-              <a:gd name="connsiteY9" fmla="*/ 6858000 h 6858001"/>
-            </a:gdLst>
-            <a:ahLst/>
-            <a:cxnLst>
-              <a:cxn ang="0">
-                <a:pos x="connsiteX0" y="connsiteY0"/>
-              </a:cxn>
-              <a:cxn ang="0">
-                <a:pos x="connsiteX1" y="connsiteY1"/>
-              </a:cxn>
-              <a:cxn ang="0">
-                <a:pos x="connsiteX2" y="connsiteY2"/>
-              </a:cxn>
-              <a:cxn ang="0">
-                <a:pos x="connsiteX3" y="connsiteY3"/>
-              </a:cxn>
-              <a:cxn ang="0">
-                <a:pos x="connsiteX4" y="connsiteY4"/>
-              </a:cxn>
-              <a:cxn ang="0">
-                <a:pos x="connsiteX5" y="connsiteY5"/>
-              </a:cxn>
-              <a:cxn ang="0">
-                <a:pos x="connsiteX6" y="connsiteY6"/>
-              </a:cxn>
-              <a:cxn ang="0">
-                <a:pos x="connsiteX7" y="connsiteY7"/>
-              </a:cxn>
-              <a:cxn ang="0">
-                <a:pos x="connsiteX8" y="connsiteY8"/>
-              </a:cxn>
-              <a:cxn ang="0">
-                <a:pos x="connsiteX9" y="connsiteY9"/>
-              </a:cxn>
-            </a:cxnLst>
-            <a:rect l="l" t="t" r="r" b="b"/>
-            <a:pathLst>
-              <a:path w="4403709" h="6858001">
-                <a:moveTo>
-                  <a:pt x="3223890" y="6858001"/>
-                </a:moveTo>
-                <a:lnTo>
-                  <a:pt x="4101908" y="6858001"/>
-                </a:lnTo>
-                <a:lnTo>
-                  <a:pt x="3254950" y="1599356"/>
-                </a:lnTo>
-                <a:lnTo>
-                  <a:pt x="3254950" y="1594062"/>
-                </a:lnTo>
-                <a:lnTo>
-                  <a:pt x="4403709" y="0"/>
-                </a:lnTo>
-                <a:lnTo>
-                  <a:pt x="3254950" y="0"/>
-                </a:lnTo>
-                <a:lnTo>
-                  <a:pt x="2903520" y="0"/>
-                </a:lnTo>
-                <a:lnTo>
-                  <a:pt x="0" y="0"/>
-                </a:lnTo>
-                <a:lnTo>
-                  <a:pt x="0" y="6858000"/>
-                </a:lnTo>
-                <a:lnTo>
-                  <a:pt x="3223890" y="6858000"/>
-                </a:lnTo>
-                <a:close/>
-              </a:path>
-            </a:pathLst>
-          </a:custGeom>
-          <a:ln>
-            <a:noFill/>
+          </a:prstGeom>
+          <a:solidFill>
+            <a:srgbClr val="595959"/>
+          </a:solidFill>
+          <a:ln w="25400">
+            <a:solidFill>
+              <a:schemeClr val="tx1"/>
+            </a:solidFill>
           </a:ln>
+          <a:scene3d>
+            <a:camera prst="orthographicFront"/>
+            <a:lightRig rig="threePt" dir="t"/>
+          </a:scene3d>
+          <a:sp3d>
+            <a:bevelT/>
+          </a:sp3d>
         </p:spPr>
         <p:style>
           <a:lnRef idx="2">
@@ -16684,8 +16605,8 @@
               <a:shade val="50000"/>
             </a:schemeClr>
           </a:lnRef>
-          <a:fillRef idx="1002">
-            <a:schemeClr val="dk1"/>
+          <a:fillRef idx="1">
+            <a:schemeClr val="accent1"/>
           </a:fillRef>
           <a:effectRef idx="0">
             <a:schemeClr val="accent1"/>
@@ -16698,7 +16619,254 @@
           <a:bodyPr rtlCol="0" anchor="ctr"/>
           <a:lstStyle/>
           <a:p>
-            <a:pPr marL="0" marR="0" lvl="0" indent="0" algn="ctr" defTabSz="457200" rtl="0" eaLnBrk="1" fontAlgn="auto" latinLnBrk="0" hangingPunct="1">
+            <a:pPr algn="ctr"/>
+            <a:endParaRPr lang="en-US">
+              <a:solidFill>
+                <a:srgbClr val="FFFFFF"/>
+              </a:solidFill>
+            </a:endParaRPr>
+          </a:p>
+        </p:txBody>
+      </p:sp>
+      <p:sp>
+        <p:nvSpPr>
+          <p:cNvPr id="2" name="Title 1">
+            <a:extLst>
+              <a:ext uri="{FF2B5EF4-FFF2-40B4-BE49-F238E27FC236}">
+                <a16:creationId xmlns:a16="http://schemas.microsoft.com/office/drawing/2014/main" id="{168FABFD-6FBB-4717-80ED-8FE5BBDB5E04}"/>
+              </a:ext>
+            </a:extLst>
+          </p:cNvPr>
+          <p:cNvSpPr>
+            <a:spLocks noGrp="1"/>
+          </p:cNvSpPr>
+          <p:nvPr>
+            <p:ph type="title"/>
+          </p:nvPr>
+        </p:nvSpPr>
+        <p:spPr>
+          <a:xfrm>
+            <a:off x="777240" y="694944"/>
+            <a:ext cx="6610388" cy="1042416"/>
+          </a:xfrm>
+        </p:spPr>
+        <p:txBody>
+          <a:bodyPr vert="horz" lIns="91440" tIns="45720" rIns="91440" bIns="45720" rtlCol="0" anchor="ctr">
+            <a:normAutofit/>
+          </a:bodyPr>
+          <a:lstStyle/>
+          <a:p>
+            <a:r>
+              <a:rPr lang="en-US" sz="4200" kern="1200" dirty="0">
+                <a:solidFill>
+                  <a:srgbClr val="FFFFFF"/>
+                </a:solidFill>
+                <a:latin typeface="+mj-lt"/>
+                <a:ea typeface="+mj-ea"/>
+                <a:cs typeface="+mj-cs"/>
+              </a:rPr>
+              <a:t>Clusters &amp; Churn</a:t>
+            </a:r>
+          </a:p>
+        </p:txBody>
+      </p:sp>
+      <p:sp>
+        <p:nvSpPr>
+          <p:cNvPr id="16" name="Rectangle 15">
+            <a:extLst>
+              <a:ext uri="{FF2B5EF4-FFF2-40B4-BE49-F238E27FC236}">
+                <a16:creationId xmlns:a16="http://schemas.microsoft.com/office/drawing/2014/main" id="{E186B68C-84BC-4A6E-99D1-EE87483C1349}"/>
+              </a:ext>
+              <a:ext uri="{C183D7F6-B498-43B3-948B-1728B52AA6E4}">
+                <adec:decorative xmlns:adec="http://schemas.microsoft.com/office/drawing/2017/decorative" val="1"/>
+              </a:ext>
+            </a:extLst>
+          </p:cNvPr>
+          <p:cNvSpPr>
+            <a:spLocks noGrp="1" noRot="1" noChangeAspect="1" noMove="1" noResize="1" noEditPoints="1" noAdjustHandles="1" noChangeArrowheads="1" noChangeShapeType="1" noTextEdit="1"/>
+          </p:cNvSpPr>
+          <p:nvPr>
+            <p:extLst>
+              <p:ext uri="{386F3935-93C4-4BCD-93E2-E3B085C9AB24}">
+                <p16:designElem xmlns:p16="http://schemas.microsoft.com/office/powerpoint/2015/main" val="1"/>
+              </p:ext>
+            </p:extLst>
+          </p:nvPr>
+        </p:nvSpPr>
+        <p:spPr>
+          <a:xfrm>
+            <a:off x="7845755" y="450222"/>
+            <a:ext cx="1861718" cy="1506594"/>
+          </a:xfrm>
+          <a:prstGeom prst="rect">
+            <a:avLst/>
+          </a:prstGeom>
+          <a:solidFill>
+            <a:srgbClr val="D190BC">
+              <a:alpha val="95000"/>
+            </a:srgbClr>
+          </a:solidFill>
+          <a:ln w="25400">
+            <a:noFill/>
+          </a:ln>
+        </p:spPr>
+        <p:style>
+          <a:lnRef idx="2">
+            <a:schemeClr val="accent1">
+              <a:shade val="50000"/>
+            </a:schemeClr>
+          </a:lnRef>
+          <a:fillRef idx="1">
+            <a:schemeClr val="accent1"/>
+          </a:fillRef>
+          <a:effectRef idx="0">
+            <a:schemeClr val="accent1"/>
+          </a:effectRef>
+          <a:fontRef idx="minor">
+            <a:schemeClr val="lt1"/>
+          </a:fontRef>
+        </p:style>
+        <p:txBody>
+          <a:bodyPr rtlCol="0" anchor="ctr"/>
+          <a:lstStyle/>
+          <a:p>
+            <a:pPr algn="ctr"/>
+            <a:endParaRPr lang="en-US">
+              <a:solidFill>
+                <a:srgbClr val="FFFFFF"/>
+              </a:solidFill>
+            </a:endParaRPr>
+          </a:p>
+        </p:txBody>
+      </p:sp>
+      <p:sp>
+        <p:nvSpPr>
+          <p:cNvPr id="18" name="Rectangle 17">
+            <a:extLst>
+              <a:ext uri="{FF2B5EF4-FFF2-40B4-BE49-F238E27FC236}">
+                <a16:creationId xmlns:a16="http://schemas.microsoft.com/office/drawing/2014/main" id="{6166C6D1-23AC-49C4-BA07-238E4E9F8CEB}"/>
+              </a:ext>
+              <a:ext uri="{C183D7F6-B498-43B3-948B-1728B52AA6E4}">
+                <adec:decorative xmlns:adec="http://schemas.microsoft.com/office/drawing/2017/decorative" val="1"/>
+              </a:ext>
+            </a:extLst>
+          </p:cNvPr>
+          <p:cNvSpPr>
+            <a:spLocks noGrp="1" noRot="1" noChangeAspect="1" noMove="1" noResize="1" noEditPoints="1" noAdjustHandles="1" noChangeArrowheads="1" noChangeShapeType="1" noTextEdit="1"/>
+          </p:cNvSpPr>
+          <p:nvPr>
+            <p:extLst>
+              <p:ext uri="{386F3935-93C4-4BCD-93E2-E3B085C9AB24}">
+                <p16:designElem xmlns:p16="http://schemas.microsoft.com/office/powerpoint/2015/main" val="1"/>
+              </p:ext>
+            </p:extLst>
+          </p:nvPr>
+        </p:nvSpPr>
+        <p:spPr>
+          <a:xfrm>
+            <a:off x="9870314" y="453269"/>
+            <a:ext cx="1862765" cy="1505231"/>
+          </a:xfrm>
+          <a:prstGeom prst="rect">
+            <a:avLst/>
+          </a:prstGeom>
+          <a:solidFill>
+            <a:srgbClr val="A5A5A5"/>
+          </a:solidFill>
+          <a:ln w="25400">
+            <a:noFill/>
+          </a:ln>
+        </p:spPr>
+        <p:style>
+          <a:lnRef idx="2">
+            <a:schemeClr val="accent1">
+              <a:shade val="50000"/>
+            </a:schemeClr>
+          </a:lnRef>
+          <a:fillRef idx="1">
+            <a:schemeClr val="accent1"/>
+          </a:fillRef>
+          <a:effectRef idx="0">
+            <a:schemeClr val="accent1"/>
+          </a:effectRef>
+          <a:fontRef idx="minor">
+            <a:schemeClr val="lt1"/>
+          </a:fontRef>
+        </p:style>
+        <p:txBody>
+          <a:bodyPr rtlCol="0" anchor="ctr"/>
+          <a:lstStyle/>
+          <a:p>
+            <a:pPr algn="ctr"/>
+            <a:endParaRPr lang="en-US">
+              <a:solidFill>
+                <a:srgbClr val="FFFFFF"/>
+              </a:solidFill>
+            </a:endParaRPr>
+          </a:p>
+        </p:txBody>
+      </p:sp>
+      <p:sp>
+        <p:nvSpPr>
+          <p:cNvPr id="20" name="Rectangle 19">
+            <a:extLst>
+              <a:ext uri="{FF2B5EF4-FFF2-40B4-BE49-F238E27FC236}">
+                <a16:creationId xmlns:a16="http://schemas.microsoft.com/office/drawing/2014/main" id="{33A87B69-D1B1-4DA7-B224-F220FC5235E6}"/>
+              </a:ext>
+              <a:ext uri="{C183D7F6-B498-43B3-948B-1728B52AA6E4}">
+                <adec:decorative xmlns:adec="http://schemas.microsoft.com/office/drawing/2017/decorative" val="1"/>
+              </a:ext>
+            </a:extLst>
+          </p:cNvPr>
+          <p:cNvSpPr>
+            <a:spLocks noGrp="1" noRot="1" noChangeAspect="1" noMove="1" noResize="1" noEditPoints="1" noAdjustHandles="1" noChangeArrowheads="1" noChangeShapeType="1" noTextEdit="1"/>
+          </p:cNvSpPr>
+          <p:nvPr>
+            <p:extLst>
+              <p:ext uri="{386F3935-93C4-4BCD-93E2-E3B085C9AB24}">
+                <p16:designElem xmlns:p16="http://schemas.microsoft.com/office/powerpoint/2015/main" val="1"/>
+              </p:ext>
+            </p:extLst>
+          </p:nvPr>
+        </p:nvSpPr>
+        <p:spPr>
+          <a:xfrm>
+            <a:off x="466344" y="2130552"/>
+            <a:ext cx="7205472" cy="4270248"/>
+          </a:xfrm>
+          <a:prstGeom prst="rect">
+            <a:avLst/>
+          </a:prstGeom>
+          <a:solidFill>
+            <a:srgbClr val="D190BC">
+              <a:alpha val="20000"/>
+            </a:srgbClr>
+          </a:solidFill>
+          <a:ln w="25400">
+            <a:noFill/>
+          </a:ln>
+        </p:spPr>
+        <p:style>
+          <a:lnRef idx="2">
+            <a:schemeClr val="accent1">
+              <a:shade val="50000"/>
+            </a:schemeClr>
+          </a:lnRef>
+          <a:fillRef idx="1">
+            <a:schemeClr val="accent1"/>
+          </a:fillRef>
+          <a:effectRef idx="0">
+            <a:schemeClr val="accent1"/>
+          </a:effectRef>
+          <a:fontRef idx="minor">
+            <a:schemeClr val="lt1"/>
+          </a:fontRef>
+        </p:style>
+        <p:txBody>
+          <a:bodyPr rtlCol="0" anchor="ctr"/>
+          <a:lstStyle/>
+          <a:p>
+            <a:pPr marL="0" marR="0" lvl="0" indent="0" algn="ctr" defTabSz="914400" rtl="0" eaLnBrk="1" fontAlgn="auto" latinLnBrk="0" hangingPunct="1">
               <a:lnSpc>
                 <a:spcPct val="100000"/>
               </a:lnSpc>
@@ -16720,7 +16888,7 @@
                 <a:noFill/>
               </a:ln>
               <a:solidFill>
-                <a:prstClr val="black"/>
+                <a:srgbClr val="FFFFFF"/>
               </a:solidFill>
               <a:effectLst/>
               <a:uLnTx/>
@@ -16732,21 +16900,58 @@
           </a:p>
         </p:txBody>
       </p:sp>
-      <p:grpSp>
-        <p:nvGrpSpPr>
-          <p:cNvPr id="11" name="Group 10">
+      <p:pic>
+        <p:nvPicPr>
+          <p:cNvPr id="9" name="Content Placeholder 8" descr="Chart, bar chart&#10;&#10;Description automatically generated">
             <a:extLst>
               <a:ext uri="{FF2B5EF4-FFF2-40B4-BE49-F238E27FC236}">
-                <a16:creationId xmlns:a16="http://schemas.microsoft.com/office/drawing/2014/main" id="{B57BDC17-F1B3-455F-BBF1-680AA1F25C06}"/>
+                <a16:creationId xmlns:a16="http://schemas.microsoft.com/office/drawing/2014/main" id="{441D0091-A7B0-4F4A-B1BC-2969EF8C0667}"/>
+              </a:ext>
+            </a:extLst>
+          </p:cNvPr>
+          <p:cNvPicPr>
+            <a:picLocks noGrp="1" noChangeAspect="1"/>
+          </p:cNvPicPr>
+          <p:nvPr>
+            <p:ph sz="half" idx="1"/>
+          </p:nvPr>
+        </p:nvPicPr>
+        <p:blipFill rotWithShape="1">
+          <a:blip r:embed="rId2">
+            <a:extLst>
+              <a:ext uri="{28A0092B-C50C-407E-A947-70E740481C1C}">
+                <a14:useLocalDpi xmlns:a14="http://schemas.microsoft.com/office/drawing/2010/main" val="0"/>
+              </a:ext>
+            </a:extLst>
+          </a:blip>
+          <a:srcRect l="1576"/>
+          <a:stretch/>
+        </p:blipFill>
+        <p:spPr>
+          <a:xfrm>
+            <a:off x="524864" y="2393792"/>
+            <a:ext cx="7085740" cy="3599602"/>
+          </a:xfrm>
+          <a:prstGeom prst="rect">
+            <a:avLst/>
+          </a:prstGeom>
+        </p:spPr>
+      </p:pic>
+      <p:sp>
+        <p:nvSpPr>
+          <p:cNvPr id="22" name="Rectangle 21">
+            <a:extLst>
+              <a:ext uri="{FF2B5EF4-FFF2-40B4-BE49-F238E27FC236}">
+                <a16:creationId xmlns:a16="http://schemas.microsoft.com/office/drawing/2014/main" id="{1C091803-41C2-48E0-9228-5148460C7479}"/>
               </a:ext>
               <a:ext uri="{C183D7F6-B498-43B3-948B-1728B52AA6E4}">
                 <adec:decorative xmlns:adec="http://schemas.microsoft.com/office/drawing/2017/decorative" val="1"/>
               </a:ext>
             </a:extLst>
           </p:cNvPr>
-          <p:cNvGrpSpPr>
-            <a:grpSpLocks noGrp="1" noUngrp="1" noRot="1" noChangeAspect="1" noMove="1" noResize="1"/>
-          </p:cNvGrpSpPr>
+          <p:cNvSpPr>
+            <a:spLocks noGrp="1" noRot="1" noChangeAspect="1" noMove="1" noResize="1" noEditPoints="1" noAdjustHandles="1" noChangeArrowheads="1" noChangeShapeType="1" noTextEdit="1"/>
+          </p:cNvSpPr>
           <p:nvPr>
             <p:extLst>
               <p:ext uri="{386F3935-93C4-4BCD-93E2-E3B085C9AB24}">
@@ -16754,404 +16959,57 @@
               </p:ext>
             </p:extLst>
           </p:nvPr>
-        </p:nvGrpSpPr>
-        <p:grpSpPr>
+        </p:nvSpPr>
+        <p:spPr>
           <a:xfrm>
-            <a:off x="3315292" y="0"/>
-            <a:ext cx="2436813" cy="6858001"/>
-            <a:chOff x="1320800" y="0"/>
-            <a:chExt cx="2436813" cy="6858001"/>
+            <a:off x="7845755" y="2127680"/>
+            <a:ext cx="3887324" cy="4273119"/>
           </a:xfrm>
-        </p:grpSpPr>
-        <p:sp>
-          <p:nvSpPr>
-            <p:cNvPr id="12" name="Freeform 6">
-              <a:extLst>
-                <a:ext uri="{FF2B5EF4-FFF2-40B4-BE49-F238E27FC236}">
-                  <a16:creationId xmlns:a16="http://schemas.microsoft.com/office/drawing/2014/main" id="{64E2FA9A-FEF7-4501-B0EB-5E45EDD2177A}"/>
-                </a:ext>
-                <a:ext uri="{C183D7F6-B498-43B3-948B-1728B52AA6E4}">
-                  <adec:decorative xmlns:adec="http://schemas.microsoft.com/office/drawing/2017/decorative" val="1"/>
-                </a:ext>
-              </a:extLst>
-            </p:cNvPr>
-            <p:cNvSpPr/>
-            <p:nvPr>
-              <p:extLst>
-                <p:ext uri="{386F3935-93C4-4BCD-93E2-E3B085C9AB24}">
-                  <p16:designElem xmlns:p16="http://schemas.microsoft.com/office/powerpoint/2015/main" val="1"/>
-                </p:ext>
-              </p:extLst>
-            </p:nvPr>
-          </p:nvSpPr>
-          <p:spPr bwMode="auto">
-            <a:xfrm>
-              <a:off x="1627188" y="0"/>
-              <a:ext cx="1122363" cy="5329238"/>
-            </a:xfrm>
-            <a:custGeom>
-              <a:avLst/>
-              <a:gdLst/>
-              <a:ahLst/>
-              <a:cxnLst/>
-              <a:rect l="0" t="0" r="r" b="b"/>
-              <a:pathLst>
-                <a:path w="707" h="3357">
-                  <a:moveTo>
-                    <a:pt x="0" y="3330"/>
-                  </a:moveTo>
-                  <a:lnTo>
-                    <a:pt x="156" y="3357"/>
-                  </a:lnTo>
-                  <a:lnTo>
-                    <a:pt x="707" y="0"/>
-                  </a:lnTo>
-                  <a:lnTo>
-                    <a:pt x="547" y="0"/>
-                  </a:lnTo>
-                  <a:lnTo>
-                    <a:pt x="0" y="3330"/>
-                  </a:lnTo>
-                  <a:close/>
-                </a:path>
-              </a:pathLst>
-            </a:custGeom>
-            <a:solidFill>
-              <a:schemeClr val="accent1"/>
-            </a:solidFill>
-            <a:ln>
-              <a:noFill/>
-            </a:ln>
-          </p:spPr>
-        </p:sp>
-        <p:sp>
-          <p:nvSpPr>
-            <p:cNvPr id="13" name="Freeform 7">
-              <a:extLst>
-                <a:ext uri="{FF2B5EF4-FFF2-40B4-BE49-F238E27FC236}">
-                  <a16:creationId xmlns:a16="http://schemas.microsoft.com/office/drawing/2014/main" id="{BC38192B-B4CB-47D4-A3B1-10010247F158}"/>
-                </a:ext>
-                <a:ext uri="{C183D7F6-B498-43B3-948B-1728B52AA6E4}">
-                  <adec:decorative xmlns:adec="http://schemas.microsoft.com/office/drawing/2017/decorative" val="1"/>
-                </a:ext>
-              </a:extLst>
-            </p:cNvPr>
-            <p:cNvSpPr/>
-            <p:nvPr>
-              <p:extLst>
-                <p:ext uri="{386F3935-93C4-4BCD-93E2-E3B085C9AB24}">
-                  <p16:designElem xmlns:p16="http://schemas.microsoft.com/office/powerpoint/2015/main" val="1"/>
-                </p:ext>
-              </p:extLst>
-            </p:nvPr>
-          </p:nvSpPr>
-          <p:spPr bwMode="auto">
-            <a:xfrm>
-              <a:off x="1320800" y="0"/>
-              <a:ext cx="1117600" cy="5276850"/>
-            </a:xfrm>
-            <a:custGeom>
-              <a:avLst/>
-              <a:gdLst/>
-              <a:ahLst/>
-              <a:cxnLst/>
-              <a:rect l="0" t="0" r="r" b="b"/>
-              <a:pathLst>
-                <a:path w="704" h="3324">
-                  <a:moveTo>
-                    <a:pt x="704" y="0"/>
-                  </a:moveTo>
-                  <a:lnTo>
-                    <a:pt x="545" y="0"/>
-                  </a:lnTo>
-                  <a:lnTo>
-                    <a:pt x="0" y="3300"/>
-                  </a:lnTo>
-                  <a:lnTo>
-                    <a:pt x="157" y="3324"/>
-                  </a:lnTo>
-                  <a:lnTo>
-                    <a:pt x="704" y="0"/>
-                  </a:lnTo>
-                  <a:close/>
-                </a:path>
-              </a:pathLst>
-            </a:custGeom>
-            <a:solidFill>
-              <a:srgbClr val="595959"/>
-            </a:solidFill>
-            <a:ln>
-              <a:noFill/>
-            </a:ln>
-          </p:spPr>
-        </p:sp>
-        <p:sp>
-          <p:nvSpPr>
-            <p:cNvPr id="14" name="Freeform 8">
-              <a:extLst>
-                <a:ext uri="{FF2B5EF4-FFF2-40B4-BE49-F238E27FC236}">
-                  <a16:creationId xmlns:a16="http://schemas.microsoft.com/office/drawing/2014/main" id="{96330E33-E171-4B0F-82B5-AF7230399B5C}"/>
-                </a:ext>
-                <a:ext uri="{C183D7F6-B498-43B3-948B-1728B52AA6E4}">
-                  <adec:decorative xmlns:adec="http://schemas.microsoft.com/office/drawing/2017/decorative" val="1"/>
-                </a:ext>
-              </a:extLst>
-            </p:cNvPr>
-            <p:cNvSpPr/>
-            <p:nvPr>
-              <p:extLst>
-                <p:ext uri="{386F3935-93C4-4BCD-93E2-E3B085C9AB24}">
-                  <p16:designElem xmlns:p16="http://schemas.microsoft.com/office/powerpoint/2015/main" val="1"/>
-                </p:ext>
-              </p:extLst>
-            </p:nvPr>
-          </p:nvSpPr>
-          <p:spPr bwMode="auto">
-            <a:xfrm>
-              <a:off x="1320800" y="5238750"/>
-              <a:ext cx="1228725" cy="1619250"/>
-            </a:xfrm>
-            <a:custGeom>
-              <a:avLst/>
-              <a:gdLst/>
-              <a:ahLst/>
-              <a:cxnLst/>
-              <a:rect l="0" t="0" r="r" b="b"/>
-              <a:pathLst>
-                <a:path w="774" h="1020">
-                  <a:moveTo>
-                    <a:pt x="0" y="0"/>
-                  </a:moveTo>
-                  <a:lnTo>
-                    <a:pt x="740" y="1020"/>
-                  </a:lnTo>
-                  <a:lnTo>
-                    <a:pt x="774" y="1020"/>
-                  </a:lnTo>
-                  <a:lnTo>
-                    <a:pt x="0" y="0"/>
-                  </a:lnTo>
-                  <a:close/>
-                </a:path>
-              </a:pathLst>
-            </a:custGeom>
-            <a:solidFill>
-              <a:srgbClr val="262626"/>
-            </a:solidFill>
-            <a:ln>
-              <a:noFill/>
-            </a:ln>
-          </p:spPr>
-        </p:sp>
-        <p:sp>
-          <p:nvSpPr>
-            <p:cNvPr id="15" name="Freeform 9">
-              <a:extLst>
-                <a:ext uri="{FF2B5EF4-FFF2-40B4-BE49-F238E27FC236}">
-                  <a16:creationId xmlns:a16="http://schemas.microsoft.com/office/drawing/2014/main" id="{332B1723-69BF-42D7-B757-0FA059E15256}"/>
-                </a:ext>
-                <a:ext uri="{C183D7F6-B498-43B3-948B-1728B52AA6E4}">
-                  <adec:decorative xmlns:adec="http://schemas.microsoft.com/office/drawing/2017/decorative" val="1"/>
-                </a:ext>
-              </a:extLst>
-            </p:cNvPr>
-            <p:cNvSpPr/>
-            <p:nvPr>
-              <p:extLst>
-                <p:ext uri="{386F3935-93C4-4BCD-93E2-E3B085C9AB24}">
-                  <p16:designElem xmlns:p16="http://schemas.microsoft.com/office/powerpoint/2015/main" val="1"/>
-                </p:ext>
-              </p:extLst>
-            </p:nvPr>
-          </p:nvSpPr>
-          <p:spPr bwMode="auto">
-            <a:xfrm>
-              <a:off x="1627188" y="5291138"/>
-              <a:ext cx="1495425" cy="1566863"/>
-            </a:xfrm>
-            <a:custGeom>
-              <a:avLst/>
-              <a:gdLst/>
-              <a:ahLst/>
-              <a:cxnLst/>
-              <a:rect l="0" t="0" r="r" b="b"/>
-              <a:pathLst>
-                <a:path w="942" h="987">
-                  <a:moveTo>
-                    <a:pt x="0" y="0"/>
-                  </a:moveTo>
-                  <a:lnTo>
-                    <a:pt x="909" y="987"/>
-                  </a:lnTo>
-                  <a:lnTo>
-                    <a:pt x="942" y="987"/>
-                  </a:lnTo>
-                  <a:lnTo>
-                    <a:pt x="0" y="0"/>
-                  </a:lnTo>
-                  <a:close/>
-                </a:path>
-              </a:pathLst>
-            </a:custGeom>
-            <a:solidFill>
-              <a:schemeClr val="accent1">
-                <a:lumMod val="50000"/>
-              </a:schemeClr>
-            </a:solidFill>
-            <a:ln>
-              <a:noFill/>
-            </a:ln>
-          </p:spPr>
-        </p:sp>
-        <p:sp>
-          <p:nvSpPr>
-            <p:cNvPr id="16" name="Freeform 10">
-              <a:extLst>
-                <a:ext uri="{FF2B5EF4-FFF2-40B4-BE49-F238E27FC236}">
-                  <a16:creationId xmlns:a16="http://schemas.microsoft.com/office/drawing/2014/main" id="{F115D62D-1E96-48D1-A78D-D370A0BFB9B5}"/>
-                </a:ext>
-                <a:ext uri="{C183D7F6-B498-43B3-948B-1728B52AA6E4}">
-                  <adec:decorative xmlns:adec="http://schemas.microsoft.com/office/drawing/2017/decorative" val="1"/>
-                </a:ext>
-              </a:extLst>
-            </p:cNvPr>
-            <p:cNvSpPr/>
-            <p:nvPr>
-              <p:extLst>
-                <p:ext uri="{386F3935-93C4-4BCD-93E2-E3B085C9AB24}">
-                  <p16:designElem xmlns:p16="http://schemas.microsoft.com/office/powerpoint/2015/main" val="1"/>
-                </p:ext>
-              </p:extLst>
-            </p:nvPr>
-          </p:nvSpPr>
-          <p:spPr bwMode="auto">
-            <a:xfrm>
-              <a:off x="1627188" y="5286375"/>
-              <a:ext cx="2130425" cy="1571625"/>
-            </a:xfrm>
-            <a:custGeom>
-              <a:avLst/>
-              <a:gdLst/>
-              <a:ahLst/>
-              <a:cxnLst/>
-              <a:rect l="0" t="0" r="r" b="b"/>
-              <a:pathLst>
-                <a:path w="1342" h="990">
-                  <a:moveTo>
-                    <a:pt x="0" y="3"/>
-                  </a:moveTo>
-                  <a:lnTo>
-                    <a:pt x="942" y="990"/>
-                  </a:lnTo>
-                  <a:lnTo>
-                    <a:pt x="1342" y="990"/>
-                  </a:lnTo>
-                  <a:lnTo>
-                    <a:pt x="156" y="27"/>
-                  </a:lnTo>
-                  <a:lnTo>
-                    <a:pt x="0" y="0"/>
-                  </a:lnTo>
-                  <a:lnTo>
-                    <a:pt x="0" y="3"/>
-                  </a:lnTo>
-                  <a:close/>
-                </a:path>
-              </a:pathLst>
-            </a:custGeom>
-            <a:solidFill>
-              <a:schemeClr val="accent1">
-                <a:lumMod val="75000"/>
-              </a:schemeClr>
-            </a:solidFill>
-            <a:ln>
-              <a:noFill/>
-            </a:ln>
-          </p:spPr>
-        </p:sp>
-        <p:sp>
-          <p:nvSpPr>
-            <p:cNvPr id="17" name="Freeform 11">
-              <a:extLst>
-                <a:ext uri="{FF2B5EF4-FFF2-40B4-BE49-F238E27FC236}">
-                  <a16:creationId xmlns:a16="http://schemas.microsoft.com/office/drawing/2014/main" id="{91C2876A-169D-4822-A766-C00578C88B4B}"/>
-                </a:ext>
-                <a:ext uri="{C183D7F6-B498-43B3-948B-1728B52AA6E4}">
-                  <adec:decorative xmlns:adec="http://schemas.microsoft.com/office/drawing/2017/decorative" val="1"/>
-                </a:ext>
-              </a:extLst>
-            </p:cNvPr>
-            <p:cNvSpPr/>
-            <p:nvPr>
-              <p:extLst>
-                <p:ext uri="{386F3935-93C4-4BCD-93E2-E3B085C9AB24}">
-                  <p16:designElem xmlns:p16="http://schemas.microsoft.com/office/powerpoint/2015/main" val="1"/>
-                </p:ext>
-              </p:extLst>
-            </p:nvPr>
-          </p:nvSpPr>
-          <p:spPr bwMode="auto">
-            <a:xfrm>
-              <a:off x="1320800" y="5238750"/>
-              <a:ext cx="1695450" cy="1619250"/>
-            </a:xfrm>
-            <a:custGeom>
-              <a:avLst/>
-              <a:gdLst/>
-              <a:ahLst/>
-              <a:cxnLst/>
-              <a:rect l="0" t="0" r="r" b="b"/>
-              <a:pathLst>
-                <a:path w="1068" h="1020">
-                  <a:moveTo>
-                    <a:pt x="1068" y="1020"/>
-                  </a:moveTo>
-                  <a:lnTo>
-                    <a:pt x="184" y="60"/>
-                  </a:lnTo>
-                  <a:lnTo>
-                    <a:pt x="154" y="27"/>
-                  </a:lnTo>
-                  <a:lnTo>
-                    <a:pt x="157" y="27"/>
-                  </a:lnTo>
-                  <a:lnTo>
-                    <a:pt x="157" y="24"/>
-                  </a:lnTo>
-                  <a:lnTo>
-                    <a:pt x="154" y="24"/>
-                  </a:lnTo>
-                  <a:lnTo>
-                    <a:pt x="0" y="0"/>
-                  </a:lnTo>
-                  <a:lnTo>
-                    <a:pt x="0" y="0"/>
-                  </a:lnTo>
-                  <a:lnTo>
-                    <a:pt x="774" y="1020"/>
-                  </a:lnTo>
-                  <a:lnTo>
-                    <a:pt x="1068" y="1020"/>
-                  </a:lnTo>
-                  <a:close/>
-                </a:path>
-              </a:pathLst>
-            </a:custGeom>
-            <a:solidFill>
-              <a:srgbClr val="404040"/>
-            </a:solidFill>
-            <a:ln>
-              <a:noFill/>
-            </a:ln>
-          </p:spPr>
-        </p:sp>
-      </p:grpSp>
+          <a:prstGeom prst="rect">
+            <a:avLst/>
+          </a:prstGeom>
+          <a:solidFill>
+            <a:schemeClr val="tx1">
+              <a:lumMod val="50000"/>
+              <a:lumOff val="50000"/>
+              <a:alpha val="20000"/>
+            </a:schemeClr>
+          </a:solidFill>
+          <a:ln>
+            <a:noFill/>
+          </a:ln>
+        </p:spPr>
+        <p:style>
+          <a:lnRef idx="2">
+            <a:schemeClr val="accent1">
+              <a:shade val="50000"/>
+            </a:schemeClr>
+          </a:lnRef>
+          <a:fillRef idx="1">
+            <a:schemeClr val="accent1"/>
+          </a:fillRef>
+          <a:effectRef idx="0">
+            <a:schemeClr val="accent1"/>
+          </a:effectRef>
+          <a:fontRef idx="minor">
+            <a:schemeClr val="lt1"/>
+          </a:fontRef>
+        </p:style>
+        <p:txBody>
+          <a:bodyPr rtlCol="0" anchor="ctr"/>
+          <a:lstStyle/>
+          <a:p>
+            <a:pPr algn="ctr"/>
+            <a:endParaRPr lang="en-US"/>
+          </a:p>
+        </p:txBody>
+      </p:sp>
       <p:sp>
         <p:nvSpPr>
-          <p:cNvPr id="2" name="Title 1">
+          <p:cNvPr id="4" name="Content Placeholder 3">
             <a:extLst>
               <a:ext uri="{FF2B5EF4-FFF2-40B4-BE49-F238E27FC236}">
-                <a16:creationId xmlns:a16="http://schemas.microsoft.com/office/drawing/2014/main" id="{24CA2AB5-0B80-4D64-9138-9335AE0094ED}"/>
+                <a16:creationId xmlns:a16="http://schemas.microsoft.com/office/drawing/2014/main" id="{044A21C3-5158-4EDC-9AA6-B1E4579B4D00}"/>
               </a:ext>
             </a:extLst>
           </p:cNvPr>
@@ -17159,415 +17017,56 @@
             <a:spLocks noGrp="1"/>
           </p:cNvSpPr>
           <p:nvPr>
-            <p:ph type="title"/>
+            <p:ph sz="half" idx="2"/>
           </p:nvPr>
         </p:nvSpPr>
         <p:spPr>
           <a:xfrm>
-            <a:off x="535020" y="685800"/>
-            <a:ext cx="2780271" cy="5105400"/>
+            <a:off x="8109311" y="2393792"/>
+            <a:ext cx="3360212" cy="3740893"/>
           </a:xfrm>
         </p:spPr>
         <p:txBody>
-          <a:bodyPr>
+          <a:bodyPr vert="horz" lIns="91440" tIns="45720" rIns="91440" bIns="45720" rtlCol="0" anchor="ctr">
             <a:normAutofit/>
           </a:bodyPr>
           <a:lstStyle/>
           <a:p>
+            <a:pPr marL="0" indent="0">
+              <a:buNone/>
+            </a:pPr>
+            <a:endParaRPr lang="en-US" sz="2400" dirty="0"/>
+          </a:p>
+          <a:p>
             <a:r>
-              <a:rPr lang="en-US" sz="4000">
-                <a:solidFill>
-                  <a:srgbClr val="FFFFFF"/>
-                </a:solidFill>
-              </a:rPr>
-              <a:t>Identifying Clusters</a:t>
+              <a:rPr lang="en-US" sz="2200" dirty="0"/>
+              <a:t>Cluster 0 has low churn rate.</a:t>
+            </a:r>
+          </a:p>
+          <a:p>
+            <a:endParaRPr lang="en-US" sz="2200" dirty="0"/>
+          </a:p>
+          <a:p>
+            <a:r>
+              <a:rPr lang="en-US" sz="2200" dirty="0"/>
+              <a:t>Cluster 2, labeled as High Risk, has large number of churned clients.</a:t>
             </a:r>
           </a:p>
         </p:txBody>
       </p:sp>
-      <p:graphicFrame>
-        <p:nvGraphicFramePr>
-          <p:cNvPr id="4" name="Table 4">
-            <a:extLst>
-              <a:ext uri="{FF2B5EF4-FFF2-40B4-BE49-F238E27FC236}">
-                <a16:creationId xmlns:a16="http://schemas.microsoft.com/office/drawing/2014/main" id="{91DB84C5-D42B-40E2-A191-0C4BFE4BEB8A}"/>
-              </a:ext>
-            </a:extLst>
-          </p:cNvPr>
-          <p:cNvGraphicFramePr>
-            <a:graphicFrameLocks noGrp="1"/>
-          </p:cNvGraphicFramePr>
-          <p:nvPr>
-            <p:ph idx="1"/>
-            <p:extLst>
-              <p:ext uri="{D42A27DB-BD31-4B8C-83A1-F6EECF244321}">
-                <p14:modId xmlns:p14="http://schemas.microsoft.com/office/powerpoint/2010/main" val="3508070320"/>
-              </p:ext>
-            </p:extLst>
-          </p:nvPr>
-        </p:nvGraphicFramePr>
-        <p:xfrm>
-          <a:off x="4522374" y="1749012"/>
-          <a:ext cx="7522461" cy="3570282"/>
-        </p:xfrm>
-        <a:graphic>
-          <a:graphicData uri="http://schemas.openxmlformats.org/drawingml/2006/table">
-            <a:tbl>
-              <a:tblPr firstRow="1" bandRow="1">
-                <a:effectLst>
-                  <a:innerShdw blurRad="76200" dist="63500" dir="1200000">
-                    <a:srgbClr val="002060">
-                      <a:alpha val="50000"/>
-                    </a:srgbClr>
-                  </a:innerShdw>
-                </a:effectLst>
-                <a:tableStyleId>{5C22544A-7EE6-4342-B048-85BDC9FD1C3A}</a:tableStyleId>
-              </a:tblPr>
-              <a:tblGrid>
-                <a:gridCol w="2494066">
-                  <a:extLst>
-                    <a:ext uri="{9D8B030D-6E8A-4147-A177-3AD203B41FA5}">
-                      <a16:colId xmlns:a16="http://schemas.microsoft.com/office/drawing/2014/main" val="1310406833"/>
-                    </a:ext>
-                  </a:extLst>
-                </a:gridCol>
-                <a:gridCol w="5028395">
-                  <a:extLst>
-                    <a:ext uri="{9D8B030D-6E8A-4147-A177-3AD203B41FA5}">
-                      <a16:colId xmlns:a16="http://schemas.microsoft.com/office/drawing/2014/main" val="2739832833"/>
-                    </a:ext>
-                  </a:extLst>
-                </a:gridCol>
-              </a:tblGrid>
-              <a:tr h="828335">
-                <a:tc>
-                  <a:txBody>
-                    <a:bodyPr/>
-                    <a:lstStyle/>
-                    <a:p>
-                      <a:pPr algn="ctr"/>
-                      <a:r>
-                        <a:rPr lang="en-US" sz="4500" dirty="0"/>
-                        <a:t>CLUSTER</a:t>
-                      </a:r>
-                    </a:p>
-                  </a:txBody>
-                  <a:tcPr marL="102686" marR="102686" marT="51343" marB="51343" anchor="ctr"/>
-                </a:tc>
-                <a:tc>
-                  <a:txBody>
-                    <a:bodyPr/>
-                    <a:lstStyle/>
-                    <a:p>
-                      <a:pPr algn="ctr"/>
-                      <a:r>
-                        <a:rPr lang="en-US" sz="4500" dirty="0"/>
-                        <a:t>LABEL</a:t>
-                      </a:r>
-                    </a:p>
-                  </a:txBody>
-                  <a:tcPr marL="102686" marR="102686" marT="51343" marB="51343" anchor="ctr"/>
-                </a:tc>
-                <a:extLst>
-                  <a:ext uri="{0D108BD9-81ED-4DB2-BD59-A6C34878D82A}">
-                    <a16:rowId xmlns:a16="http://schemas.microsoft.com/office/drawing/2014/main" val="3858354930"/>
-                  </a:ext>
-                </a:extLst>
-              </a:tr>
-              <a:tr h="527987">
-                <a:tc>
-                  <a:txBody>
-                    <a:bodyPr/>
-                    <a:lstStyle/>
-                    <a:p>
-                      <a:pPr algn="ctr" fontAlgn="b"/>
-                      <a:r>
-                        <a:rPr lang="en-US" sz="2600" b="0" i="0" u="none" strike="noStrike">
-                          <a:solidFill>
-                            <a:srgbClr val="000000"/>
-                          </a:solidFill>
-                          <a:effectLst/>
-                          <a:latin typeface="Calibri" panose="020F0502020204030204" pitchFamily="34" charset="0"/>
-                        </a:rPr>
-                        <a:t> Cluster 0</a:t>
-                      </a:r>
-                    </a:p>
-                  </a:txBody>
-                  <a:tcPr marL="10696" marR="10696" marT="10696" marB="0" anchor="ctr"/>
-                </a:tc>
-                <a:tc>
-                  <a:txBody>
-                    <a:bodyPr/>
-                    <a:lstStyle/>
-                    <a:p>
-                      <a:pPr algn="ctr" fontAlgn="b"/>
-                      <a:r>
-                        <a:rPr lang="en-US" sz="2600" b="0" i="0" u="none" strike="noStrike" dirty="0">
-                          <a:solidFill>
-                            <a:srgbClr val="000000"/>
-                          </a:solidFill>
-                          <a:effectLst/>
-                          <a:latin typeface="Calibri" panose="020F0502020204030204" pitchFamily="34" charset="0"/>
-                        </a:rPr>
-                        <a:t> Low value frequent users of services</a:t>
-                      </a:r>
-                    </a:p>
-                  </a:txBody>
-                  <a:tcPr marL="10696" marR="10696" marT="10696" marB="0" anchor="ctr"/>
-                </a:tc>
-                <a:extLst>
-                  <a:ext uri="{0D108BD9-81ED-4DB2-BD59-A6C34878D82A}">
-                    <a16:rowId xmlns:a16="http://schemas.microsoft.com/office/drawing/2014/main" val="201562301"/>
-                  </a:ext>
-                </a:extLst>
-              </a:tr>
-              <a:tr h="462515">
-                <a:tc>
-                  <a:txBody>
-                    <a:bodyPr/>
-                    <a:lstStyle/>
-                    <a:p>
-                      <a:pPr algn="ctr" fontAlgn="b"/>
-                      <a:r>
-                        <a:rPr lang="en-US" sz="2600" b="0" i="0" u="none" strike="noStrike">
-                          <a:solidFill>
-                            <a:srgbClr val="000000"/>
-                          </a:solidFill>
-                          <a:effectLst/>
-                          <a:latin typeface="Calibri" panose="020F0502020204030204" pitchFamily="34" charset="0"/>
-                        </a:rPr>
-                        <a:t> Cluster 1</a:t>
-                      </a:r>
-                    </a:p>
-                  </a:txBody>
-                  <a:tcPr marL="10696" marR="10696" marT="10696" marB="0" anchor="ctr"/>
-                </a:tc>
-                <a:tc>
-                  <a:txBody>
-                    <a:bodyPr/>
-                    <a:lstStyle/>
-                    <a:p>
-                      <a:pPr algn="ctr" fontAlgn="b"/>
-                      <a:r>
-                        <a:rPr lang="en-US" sz="2600" b="0" i="0" u="none" strike="noStrike" dirty="0">
-                          <a:solidFill>
-                            <a:srgbClr val="000000"/>
-                          </a:solidFill>
-                          <a:effectLst/>
-                          <a:latin typeface="Calibri" panose="020F0502020204030204" pitchFamily="34" charset="0"/>
-                        </a:rPr>
-                        <a:t> </a:t>
-                      </a:r>
-                      <a:r>
-                        <a:rPr lang="en-US" sz="2600" b="0" i="0" u="none" strike="noStrike" dirty="0">
-                          <a:solidFill>
-                            <a:srgbClr val="FF0000"/>
-                          </a:solidFill>
-                          <a:effectLst/>
-                          <a:latin typeface="Calibri" panose="020F0502020204030204" pitchFamily="34" charset="0"/>
-                        </a:rPr>
-                        <a:t>High risk </a:t>
-                      </a:r>
-                      <a:r>
-                        <a:rPr lang="en-US" sz="2600" b="0" i="0" u="none" strike="noStrike" dirty="0">
-                          <a:solidFill>
-                            <a:srgbClr val="000000"/>
-                          </a:solidFill>
-                          <a:effectLst/>
-                          <a:latin typeface="Calibri" panose="020F0502020204030204" pitchFamily="34" charset="0"/>
-                        </a:rPr>
-                        <a:t>clients</a:t>
-                      </a:r>
-                    </a:p>
-                  </a:txBody>
-                  <a:tcPr marL="10696" marR="10696" marT="10696" marB="0" anchor="ctr"/>
-                </a:tc>
-                <a:extLst>
-                  <a:ext uri="{0D108BD9-81ED-4DB2-BD59-A6C34878D82A}">
-                    <a16:rowId xmlns:a16="http://schemas.microsoft.com/office/drawing/2014/main" val="2855061675"/>
-                  </a:ext>
-                </a:extLst>
-              </a:tr>
-              <a:tr h="415671">
-                <a:tc>
-                  <a:txBody>
-                    <a:bodyPr/>
-                    <a:lstStyle/>
-                    <a:p>
-                      <a:pPr algn="ctr" fontAlgn="b"/>
-                      <a:r>
-                        <a:rPr lang="en-US" sz="2600" b="0" i="0" u="none" strike="noStrike">
-                          <a:solidFill>
-                            <a:srgbClr val="000000"/>
-                          </a:solidFill>
-                          <a:effectLst/>
-                          <a:latin typeface="Calibri" panose="020F0502020204030204" pitchFamily="34" charset="0"/>
-                        </a:rPr>
-                        <a:t> Cluster 2</a:t>
-                      </a:r>
-                    </a:p>
-                  </a:txBody>
-                  <a:tcPr marL="10696" marR="10696" marT="10696" marB="0" anchor="ctr"/>
-                </a:tc>
-                <a:tc>
-                  <a:txBody>
-                    <a:bodyPr/>
-                    <a:lstStyle/>
-                    <a:p>
-                      <a:pPr algn="ctr" fontAlgn="b"/>
-                      <a:r>
-                        <a:rPr lang="en-US" sz="2600" b="0" i="0" u="none" strike="noStrike" dirty="0">
-                          <a:solidFill>
-                            <a:srgbClr val="000000"/>
-                          </a:solidFill>
-                          <a:effectLst/>
-                          <a:latin typeface="Calibri" panose="020F0502020204030204" pitchFamily="34" charset="0"/>
-                        </a:rPr>
-                        <a:t> Regular clients</a:t>
-                      </a:r>
-                    </a:p>
-                  </a:txBody>
-                  <a:tcPr marL="10696" marR="10696" marT="10696" marB="0" anchor="ctr"/>
-                </a:tc>
-                <a:extLst>
-                  <a:ext uri="{0D108BD9-81ED-4DB2-BD59-A6C34878D82A}">
-                    <a16:rowId xmlns:a16="http://schemas.microsoft.com/office/drawing/2014/main" val="4288892595"/>
-                  </a:ext>
-                </a:extLst>
-              </a:tr>
-              <a:tr h="873259">
-                <a:tc>
-                  <a:txBody>
-                    <a:bodyPr/>
-                    <a:lstStyle/>
-                    <a:p>
-                      <a:pPr algn="ctr" fontAlgn="b"/>
-                      <a:r>
-                        <a:rPr lang="en-US" sz="2600" b="0" i="0" u="none" strike="noStrike">
-                          <a:solidFill>
-                            <a:srgbClr val="000000"/>
-                          </a:solidFill>
-                          <a:effectLst/>
-                          <a:latin typeface="Calibri" panose="020F0502020204030204" pitchFamily="34" charset="0"/>
-                        </a:rPr>
-                        <a:t> Cluster 3</a:t>
-                      </a:r>
-                    </a:p>
-                  </a:txBody>
-                  <a:tcPr marL="10696" marR="10696" marT="10696" marB="0" anchor="ctr"/>
-                </a:tc>
-                <a:tc>
-                  <a:txBody>
-                    <a:bodyPr/>
-                    <a:lstStyle/>
-                    <a:p>
-                      <a:pPr algn="ctr" fontAlgn="b"/>
-                      <a:r>
-                        <a:rPr lang="en-US" sz="2600" b="0" i="0" u="none" strike="noStrike" dirty="0">
-                          <a:solidFill>
-                            <a:srgbClr val="000000"/>
-                          </a:solidFill>
-                          <a:effectLst/>
-                          <a:latin typeface="Calibri" panose="020F0502020204030204" pitchFamily="34" charset="0"/>
-                        </a:rPr>
-                        <a:t> Most loyal clients. </a:t>
-                      </a:r>
-                    </a:p>
-                    <a:p>
-                      <a:pPr algn="ctr" fontAlgn="b"/>
-                      <a:r>
-                        <a:rPr lang="en-US" sz="2600" b="0" i="0" u="none" strike="noStrike" dirty="0">
-                          <a:solidFill>
-                            <a:srgbClr val="000000"/>
-                          </a:solidFill>
-                          <a:effectLst/>
-                          <a:latin typeface="Calibri" panose="020F0502020204030204" pitchFamily="34" charset="0"/>
-                        </a:rPr>
-                        <a:t>(mostly consists of older clients)</a:t>
-                      </a:r>
-                    </a:p>
-                  </a:txBody>
-                  <a:tcPr marL="10696" marR="10696" marT="10696" marB="0" anchor="ctr"/>
-                </a:tc>
-                <a:extLst>
-                  <a:ext uri="{0D108BD9-81ED-4DB2-BD59-A6C34878D82A}">
-                    <a16:rowId xmlns:a16="http://schemas.microsoft.com/office/drawing/2014/main" val="4025865286"/>
-                  </a:ext>
-                </a:extLst>
-              </a:tr>
-              <a:tr h="462515">
-                <a:tc>
-                  <a:txBody>
-                    <a:bodyPr/>
-                    <a:lstStyle/>
-                    <a:p>
-                      <a:pPr algn="ctr" fontAlgn="b"/>
-                      <a:r>
-                        <a:rPr lang="en-US" sz="2600" b="0" i="0" u="none" strike="noStrike">
-                          <a:solidFill>
-                            <a:srgbClr val="000000"/>
-                          </a:solidFill>
-                          <a:effectLst/>
-                          <a:latin typeface="Calibri" panose="020F0502020204030204" pitchFamily="34" charset="0"/>
-                        </a:rPr>
-                        <a:t> Cluster 4</a:t>
-                      </a:r>
-                    </a:p>
-                  </a:txBody>
-                  <a:tcPr marL="10696" marR="10696" marT="10696" marB="0" anchor="ctr"/>
-                </a:tc>
-                <a:tc>
-                  <a:txBody>
-                    <a:bodyPr/>
-                    <a:lstStyle/>
-                    <a:p>
-                      <a:pPr algn="ctr" fontAlgn="b"/>
-                      <a:r>
-                        <a:rPr lang="en-US" sz="2600" b="0" i="0" u="none" strike="noStrike" dirty="0">
-                          <a:solidFill>
-                            <a:srgbClr val="000000"/>
-                          </a:solidFill>
-                          <a:effectLst/>
-                          <a:latin typeface="Calibri" panose="020F0502020204030204" pitchFamily="34" charset="0"/>
-                        </a:rPr>
-                        <a:t> High value clients</a:t>
-                      </a:r>
-                    </a:p>
-                  </a:txBody>
-                  <a:tcPr marL="10696" marR="10696" marT="10696" marB="0" anchor="ctr"/>
-                </a:tc>
-                <a:extLst>
-                  <a:ext uri="{0D108BD9-81ED-4DB2-BD59-A6C34878D82A}">
-                    <a16:rowId xmlns:a16="http://schemas.microsoft.com/office/drawing/2014/main" val="554840606"/>
-                  </a:ext>
-                </a:extLst>
-              </a:tr>
-            </a:tbl>
-          </a:graphicData>
-        </a:graphic>
-      </p:graphicFrame>
     </p:spTree>
     <p:extLst>
       <p:ext uri="{BB962C8B-B14F-4D97-AF65-F5344CB8AC3E}">
-        <p14:creationId xmlns:p14="http://schemas.microsoft.com/office/powerpoint/2010/main" val="2610522644"/>
+        <p14:creationId xmlns:p14="http://schemas.microsoft.com/office/powerpoint/2010/main" val="3487884788"/>
       </p:ext>
     </p:extLst>
   </p:cSld>
   <p:clrMapOvr>
     <a:masterClrMapping/>
   </p:clrMapOvr>
-  <mc:AlternateContent xmlns:mc="http://schemas.openxmlformats.org/markup-compatibility/2006" xmlns:p14="http://schemas.microsoft.com/office/powerpoint/2010/main">
-    <mc:Choice Requires="p14">
-      <p:transition spd="slow" p14:dur="900">
-        <p14:warp/>
-      </p:transition>
-    </mc:Choice>
-    <mc:Fallback xmlns="">
-      <p:transition spd="slow">
-        <p:fade/>
-      </p:transition>
-    </mc:Fallback>
-  </mc:AlternateContent>
+  <p:transition spd="slow">
+    <p:push dir="u"/>
+  </p:transition>
 </p:sld>
 </file>
 
@@ -21155,7 +20654,7 @@
             <a:avLst/>
           </a:prstGeom>
           <a:solidFill>
-            <a:srgbClr val="AC63FA"/>
+            <a:srgbClr val="D396BF"/>
           </a:solidFill>
           <a:ln>
             <a:noFill/>
@@ -21202,8 +20701,8 @@
         </p:nvSpPr>
         <p:spPr>
           <a:xfrm>
-            <a:off x="8752870" y="801402"/>
-            <a:ext cx="3170189" cy="5237503"/>
+            <a:off x="8752870" y="450222"/>
+            <a:ext cx="3170189" cy="5947222"/>
           </a:xfrm>
           <a:prstGeom prst="rect">
             <a:avLst/>
@@ -38350,10 +37849,10 @@
       </p:grpSpPr>
       <p:sp>
         <p:nvSpPr>
-          <p:cNvPr id="14" name="Rectangle 13">
+          <p:cNvPr id="9" name="Freeform: Shape 8">
             <a:extLst>
               <a:ext uri="{FF2B5EF4-FFF2-40B4-BE49-F238E27FC236}">
-                <a16:creationId xmlns:a16="http://schemas.microsoft.com/office/drawing/2014/main" id="{B775CD93-9DF2-48CB-9F57-1BCA9A46C7FA}"/>
+                <a16:creationId xmlns:a16="http://schemas.microsoft.com/office/drawing/2014/main" id="{42285737-90EE-47DC-AC80-8AE156B11969}"/>
               </a:ext>
               <a:ext uri="{C183D7F6-B498-43B3-948B-1728B52AA6E4}">
                 <adec:decorative xmlns:adec="http://schemas.microsoft.com/office/drawing/2017/decorative" val="1"/>
@@ -38372,28 +37871,107 @@
           </p:nvPr>
         </p:nvSpPr>
         <p:spPr>
-          <a:xfrm>
-            <a:off x="466343" y="448055"/>
-            <a:ext cx="7201941" cy="1508760"/>
+          <a:xfrm flipV="1">
+            <a:off x="-1" y="-1"/>
+            <a:ext cx="4403709" cy="6858001"/>
           </a:xfrm>
-          <a:prstGeom prst="rect">
+          <a:custGeom>
             <a:avLst/>
-          </a:prstGeom>
-          <a:solidFill>
-            <a:srgbClr val="595959"/>
-          </a:solidFill>
-          <a:ln w="25400">
-            <a:solidFill>
-              <a:schemeClr val="tx1"/>
-            </a:solidFill>
+            <a:gdLst>
+              <a:gd name="connsiteX0" fmla="*/ 3223890 w 4403709"/>
+              <a:gd name="connsiteY0" fmla="*/ 6858001 h 6858001"/>
+              <a:gd name="connsiteX1" fmla="*/ 4101908 w 4403709"/>
+              <a:gd name="connsiteY1" fmla="*/ 6858001 h 6858001"/>
+              <a:gd name="connsiteX2" fmla="*/ 3254950 w 4403709"/>
+              <a:gd name="connsiteY2" fmla="*/ 1599356 h 6858001"/>
+              <a:gd name="connsiteX3" fmla="*/ 3254950 w 4403709"/>
+              <a:gd name="connsiteY3" fmla="*/ 1594062 h 6858001"/>
+              <a:gd name="connsiteX4" fmla="*/ 4403709 w 4403709"/>
+              <a:gd name="connsiteY4" fmla="*/ 0 h 6858001"/>
+              <a:gd name="connsiteX5" fmla="*/ 3254950 w 4403709"/>
+              <a:gd name="connsiteY5" fmla="*/ 0 h 6858001"/>
+              <a:gd name="connsiteX6" fmla="*/ 2903520 w 4403709"/>
+              <a:gd name="connsiteY6" fmla="*/ 0 h 6858001"/>
+              <a:gd name="connsiteX7" fmla="*/ 0 w 4403709"/>
+              <a:gd name="connsiteY7" fmla="*/ 0 h 6858001"/>
+              <a:gd name="connsiteX8" fmla="*/ 0 w 4403709"/>
+              <a:gd name="connsiteY8" fmla="*/ 6858000 h 6858001"/>
+              <a:gd name="connsiteX9" fmla="*/ 3223890 w 4403709"/>
+              <a:gd name="connsiteY9" fmla="*/ 6858000 h 6858001"/>
+            </a:gdLst>
+            <a:ahLst/>
+            <a:cxnLst>
+              <a:cxn ang="0">
+                <a:pos x="connsiteX0" y="connsiteY0"/>
+              </a:cxn>
+              <a:cxn ang="0">
+                <a:pos x="connsiteX1" y="connsiteY1"/>
+              </a:cxn>
+              <a:cxn ang="0">
+                <a:pos x="connsiteX2" y="connsiteY2"/>
+              </a:cxn>
+              <a:cxn ang="0">
+                <a:pos x="connsiteX3" y="connsiteY3"/>
+              </a:cxn>
+              <a:cxn ang="0">
+                <a:pos x="connsiteX4" y="connsiteY4"/>
+              </a:cxn>
+              <a:cxn ang="0">
+                <a:pos x="connsiteX5" y="connsiteY5"/>
+              </a:cxn>
+              <a:cxn ang="0">
+                <a:pos x="connsiteX6" y="connsiteY6"/>
+              </a:cxn>
+              <a:cxn ang="0">
+                <a:pos x="connsiteX7" y="connsiteY7"/>
+              </a:cxn>
+              <a:cxn ang="0">
+                <a:pos x="connsiteX8" y="connsiteY8"/>
+              </a:cxn>
+              <a:cxn ang="0">
+                <a:pos x="connsiteX9" y="connsiteY9"/>
+              </a:cxn>
+            </a:cxnLst>
+            <a:rect l="l" t="t" r="r" b="b"/>
+            <a:pathLst>
+              <a:path w="4403709" h="6858001">
+                <a:moveTo>
+                  <a:pt x="3223890" y="6858001"/>
+                </a:moveTo>
+                <a:lnTo>
+                  <a:pt x="4101908" y="6858001"/>
+                </a:lnTo>
+                <a:lnTo>
+                  <a:pt x="3254950" y="1599356"/>
+                </a:lnTo>
+                <a:lnTo>
+                  <a:pt x="3254950" y="1594062"/>
+                </a:lnTo>
+                <a:lnTo>
+                  <a:pt x="4403709" y="0"/>
+                </a:lnTo>
+                <a:lnTo>
+                  <a:pt x="3254950" y="0"/>
+                </a:lnTo>
+                <a:lnTo>
+                  <a:pt x="2903520" y="0"/>
+                </a:lnTo>
+                <a:lnTo>
+                  <a:pt x="0" y="0"/>
+                </a:lnTo>
+                <a:lnTo>
+                  <a:pt x="0" y="6858000"/>
+                </a:lnTo>
+                <a:lnTo>
+                  <a:pt x="3223890" y="6858000"/>
+                </a:lnTo>
+                <a:close/>
+              </a:path>
+            </a:pathLst>
+          </a:custGeom>
+          <a:ln>
+            <a:noFill/>
           </a:ln>
-          <a:scene3d>
-            <a:camera prst="orthographicFront"/>
-            <a:lightRig rig="threePt" dir="t"/>
-          </a:scene3d>
-          <a:sp3d>
-            <a:bevelT/>
-          </a:sp3d>
         </p:spPr>
         <p:style>
           <a:lnRef idx="2">
@@ -38401,8 +37979,8 @@
               <a:shade val="50000"/>
             </a:schemeClr>
           </a:lnRef>
-          <a:fillRef idx="1">
-            <a:schemeClr val="accent1"/>
+          <a:fillRef idx="1002">
+            <a:schemeClr val="dk1"/>
           </a:fillRef>
           <a:effectRef idx="0">
             <a:schemeClr val="accent1"/>
@@ -38415,254 +37993,7 @@
           <a:bodyPr rtlCol="0" anchor="ctr"/>
           <a:lstStyle/>
           <a:p>
-            <a:pPr algn="ctr"/>
-            <a:endParaRPr lang="en-US">
-              <a:solidFill>
-                <a:srgbClr val="FFFFFF"/>
-              </a:solidFill>
-            </a:endParaRPr>
-          </a:p>
-        </p:txBody>
-      </p:sp>
-      <p:sp>
-        <p:nvSpPr>
-          <p:cNvPr id="2" name="Title 1">
-            <a:extLst>
-              <a:ext uri="{FF2B5EF4-FFF2-40B4-BE49-F238E27FC236}">
-                <a16:creationId xmlns:a16="http://schemas.microsoft.com/office/drawing/2014/main" id="{168FABFD-6FBB-4717-80ED-8FE5BBDB5E04}"/>
-              </a:ext>
-            </a:extLst>
-          </p:cNvPr>
-          <p:cNvSpPr>
-            <a:spLocks noGrp="1"/>
-          </p:cNvSpPr>
-          <p:nvPr>
-            <p:ph type="title"/>
-          </p:nvPr>
-        </p:nvSpPr>
-        <p:spPr>
-          <a:xfrm>
-            <a:off x="777240" y="694944"/>
-            <a:ext cx="6610388" cy="1042416"/>
-          </a:xfrm>
-        </p:spPr>
-        <p:txBody>
-          <a:bodyPr vert="horz" lIns="91440" tIns="45720" rIns="91440" bIns="45720" rtlCol="0" anchor="ctr">
-            <a:normAutofit/>
-          </a:bodyPr>
-          <a:lstStyle/>
-          <a:p>
-            <a:r>
-              <a:rPr lang="en-US" sz="4200" kern="1200" dirty="0">
-                <a:solidFill>
-                  <a:srgbClr val="FFFFFF"/>
-                </a:solidFill>
-                <a:latin typeface="+mj-lt"/>
-                <a:ea typeface="+mj-ea"/>
-                <a:cs typeface="+mj-cs"/>
-              </a:rPr>
-              <a:t>Clusters &amp; Churn</a:t>
-            </a:r>
-          </a:p>
-        </p:txBody>
-      </p:sp>
-      <p:sp>
-        <p:nvSpPr>
-          <p:cNvPr id="16" name="Rectangle 15">
-            <a:extLst>
-              <a:ext uri="{FF2B5EF4-FFF2-40B4-BE49-F238E27FC236}">
-                <a16:creationId xmlns:a16="http://schemas.microsoft.com/office/drawing/2014/main" id="{E186B68C-84BC-4A6E-99D1-EE87483C1349}"/>
-              </a:ext>
-              <a:ext uri="{C183D7F6-B498-43B3-948B-1728B52AA6E4}">
-                <adec:decorative xmlns:adec="http://schemas.microsoft.com/office/drawing/2017/decorative" val="1"/>
-              </a:ext>
-            </a:extLst>
-          </p:cNvPr>
-          <p:cNvSpPr>
-            <a:spLocks noGrp="1" noRot="1" noChangeAspect="1" noMove="1" noResize="1" noEditPoints="1" noAdjustHandles="1" noChangeArrowheads="1" noChangeShapeType="1" noTextEdit="1"/>
-          </p:cNvSpPr>
-          <p:nvPr>
-            <p:extLst>
-              <p:ext uri="{386F3935-93C4-4BCD-93E2-E3B085C9AB24}">
-                <p16:designElem xmlns:p16="http://schemas.microsoft.com/office/powerpoint/2015/main" val="1"/>
-              </p:ext>
-            </p:extLst>
-          </p:nvPr>
-        </p:nvSpPr>
-        <p:spPr>
-          <a:xfrm>
-            <a:off x="7845755" y="450222"/>
-            <a:ext cx="1861718" cy="1506594"/>
-          </a:xfrm>
-          <a:prstGeom prst="rect">
-            <a:avLst/>
-          </a:prstGeom>
-          <a:solidFill>
-            <a:srgbClr val="D190BC">
-              <a:alpha val="95000"/>
-            </a:srgbClr>
-          </a:solidFill>
-          <a:ln w="25400">
-            <a:noFill/>
-          </a:ln>
-        </p:spPr>
-        <p:style>
-          <a:lnRef idx="2">
-            <a:schemeClr val="accent1">
-              <a:shade val="50000"/>
-            </a:schemeClr>
-          </a:lnRef>
-          <a:fillRef idx="1">
-            <a:schemeClr val="accent1"/>
-          </a:fillRef>
-          <a:effectRef idx="0">
-            <a:schemeClr val="accent1"/>
-          </a:effectRef>
-          <a:fontRef idx="minor">
-            <a:schemeClr val="lt1"/>
-          </a:fontRef>
-        </p:style>
-        <p:txBody>
-          <a:bodyPr rtlCol="0" anchor="ctr"/>
-          <a:lstStyle/>
-          <a:p>
-            <a:pPr algn="ctr"/>
-            <a:endParaRPr lang="en-US">
-              <a:solidFill>
-                <a:srgbClr val="FFFFFF"/>
-              </a:solidFill>
-            </a:endParaRPr>
-          </a:p>
-        </p:txBody>
-      </p:sp>
-      <p:sp>
-        <p:nvSpPr>
-          <p:cNvPr id="18" name="Rectangle 17">
-            <a:extLst>
-              <a:ext uri="{FF2B5EF4-FFF2-40B4-BE49-F238E27FC236}">
-                <a16:creationId xmlns:a16="http://schemas.microsoft.com/office/drawing/2014/main" id="{6166C6D1-23AC-49C4-BA07-238E4E9F8CEB}"/>
-              </a:ext>
-              <a:ext uri="{C183D7F6-B498-43B3-948B-1728B52AA6E4}">
-                <adec:decorative xmlns:adec="http://schemas.microsoft.com/office/drawing/2017/decorative" val="1"/>
-              </a:ext>
-            </a:extLst>
-          </p:cNvPr>
-          <p:cNvSpPr>
-            <a:spLocks noGrp="1" noRot="1" noChangeAspect="1" noMove="1" noResize="1" noEditPoints="1" noAdjustHandles="1" noChangeArrowheads="1" noChangeShapeType="1" noTextEdit="1"/>
-          </p:cNvSpPr>
-          <p:nvPr>
-            <p:extLst>
-              <p:ext uri="{386F3935-93C4-4BCD-93E2-E3B085C9AB24}">
-                <p16:designElem xmlns:p16="http://schemas.microsoft.com/office/powerpoint/2015/main" val="1"/>
-              </p:ext>
-            </p:extLst>
-          </p:nvPr>
-        </p:nvSpPr>
-        <p:spPr>
-          <a:xfrm>
-            <a:off x="9870314" y="453269"/>
-            <a:ext cx="1862765" cy="1505231"/>
-          </a:xfrm>
-          <a:prstGeom prst="rect">
-            <a:avLst/>
-          </a:prstGeom>
-          <a:solidFill>
-            <a:srgbClr val="A5A5A5"/>
-          </a:solidFill>
-          <a:ln w="25400">
-            <a:noFill/>
-          </a:ln>
-        </p:spPr>
-        <p:style>
-          <a:lnRef idx="2">
-            <a:schemeClr val="accent1">
-              <a:shade val="50000"/>
-            </a:schemeClr>
-          </a:lnRef>
-          <a:fillRef idx="1">
-            <a:schemeClr val="accent1"/>
-          </a:fillRef>
-          <a:effectRef idx="0">
-            <a:schemeClr val="accent1"/>
-          </a:effectRef>
-          <a:fontRef idx="minor">
-            <a:schemeClr val="lt1"/>
-          </a:fontRef>
-        </p:style>
-        <p:txBody>
-          <a:bodyPr rtlCol="0" anchor="ctr"/>
-          <a:lstStyle/>
-          <a:p>
-            <a:pPr algn="ctr"/>
-            <a:endParaRPr lang="en-US">
-              <a:solidFill>
-                <a:srgbClr val="FFFFFF"/>
-              </a:solidFill>
-            </a:endParaRPr>
-          </a:p>
-        </p:txBody>
-      </p:sp>
-      <p:sp>
-        <p:nvSpPr>
-          <p:cNvPr id="20" name="Rectangle 19">
-            <a:extLst>
-              <a:ext uri="{FF2B5EF4-FFF2-40B4-BE49-F238E27FC236}">
-                <a16:creationId xmlns:a16="http://schemas.microsoft.com/office/drawing/2014/main" id="{33A87B69-D1B1-4DA7-B224-F220FC5235E6}"/>
-              </a:ext>
-              <a:ext uri="{C183D7F6-B498-43B3-948B-1728B52AA6E4}">
-                <adec:decorative xmlns:adec="http://schemas.microsoft.com/office/drawing/2017/decorative" val="1"/>
-              </a:ext>
-            </a:extLst>
-          </p:cNvPr>
-          <p:cNvSpPr>
-            <a:spLocks noGrp="1" noRot="1" noChangeAspect="1" noMove="1" noResize="1" noEditPoints="1" noAdjustHandles="1" noChangeArrowheads="1" noChangeShapeType="1" noTextEdit="1"/>
-          </p:cNvSpPr>
-          <p:nvPr>
-            <p:extLst>
-              <p:ext uri="{386F3935-93C4-4BCD-93E2-E3B085C9AB24}">
-                <p16:designElem xmlns:p16="http://schemas.microsoft.com/office/powerpoint/2015/main" val="1"/>
-              </p:ext>
-            </p:extLst>
-          </p:nvPr>
-        </p:nvSpPr>
-        <p:spPr>
-          <a:xfrm>
-            <a:off x="466344" y="2130552"/>
-            <a:ext cx="7205472" cy="4270248"/>
-          </a:xfrm>
-          <a:prstGeom prst="rect">
-            <a:avLst/>
-          </a:prstGeom>
-          <a:solidFill>
-            <a:srgbClr val="D190BC">
-              <a:alpha val="20000"/>
-            </a:srgbClr>
-          </a:solidFill>
-          <a:ln w="25400">
-            <a:noFill/>
-          </a:ln>
-        </p:spPr>
-        <p:style>
-          <a:lnRef idx="2">
-            <a:schemeClr val="accent1">
-              <a:shade val="50000"/>
-            </a:schemeClr>
-          </a:lnRef>
-          <a:fillRef idx="1">
-            <a:schemeClr val="accent1"/>
-          </a:fillRef>
-          <a:effectRef idx="0">
-            <a:schemeClr val="accent1"/>
-          </a:effectRef>
-          <a:fontRef idx="minor">
-            <a:schemeClr val="lt1"/>
-          </a:fontRef>
-        </p:style>
-        <p:txBody>
-          <a:bodyPr rtlCol="0" anchor="ctr"/>
-          <a:lstStyle/>
-          <a:p>
-            <a:pPr marL="0" marR="0" lvl="0" indent="0" algn="ctr" defTabSz="914400" rtl="0" eaLnBrk="1" fontAlgn="auto" latinLnBrk="0" hangingPunct="1">
+            <a:pPr marL="0" marR="0" lvl="0" indent="0" algn="ctr" defTabSz="457200" rtl="0" eaLnBrk="1" fontAlgn="auto" latinLnBrk="0" hangingPunct="1">
               <a:lnSpc>
                 <a:spcPct val="100000"/>
               </a:lnSpc>
@@ -38684,7 +38015,7 @@
                 <a:noFill/>
               </a:ln>
               <a:solidFill>
-                <a:srgbClr val="FFFFFF"/>
+                <a:prstClr val="black"/>
               </a:solidFill>
               <a:effectLst/>
               <a:uLnTx/>
@@ -38696,58 +38027,21 @@
           </a:p>
         </p:txBody>
       </p:sp>
-      <p:pic>
-        <p:nvPicPr>
-          <p:cNvPr id="9" name="Content Placeholder 8" descr="Chart, bar chart&#10;&#10;Description automatically generated">
+      <p:grpSp>
+        <p:nvGrpSpPr>
+          <p:cNvPr id="11" name="Group 10">
             <a:extLst>
               <a:ext uri="{FF2B5EF4-FFF2-40B4-BE49-F238E27FC236}">
-                <a16:creationId xmlns:a16="http://schemas.microsoft.com/office/drawing/2014/main" id="{441D0091-A7B0-4F4A-B1BC-2969EF8C0667}"/>
-              </a:ext>
-            </a:extLst>
-          </p:cNvPr>
-          <p:cNvPicPr>
-            <a:picLocks noGrp="1" noChangeAspect="1"/>
-          </p:cNvPicPr>
-          <p:nvPr>
-            <p:ph sz="half" idx="1"/>
-          </p:nvPr>
-        </p:nvPicPr>
-        <p:blipFill rotWithShape="1">
-          <a:blip r:embed="rId2">
-            <a:extLst>
-              <a:ext uri="{28A0092B-C50C-407E-A947-70E740481C1C}">
-                <a14:useLocalDpi xmlns:a14="http://schemas.microsoft.com/office/drawing/2010/main" val="0"/>
-              </a:ext>
-            </a:extLst>
-          </a:blip>
-          <a:srcRect l="1576"/>
-          <a:stretch/>
-        </p:blipFill>
-        <p:spPr>
-          <a:xfrm>
-            <a:off x="524864" y="2393792"/>
-            <a:ext cx="7085740" cy="3599602"/>
-          </a:xfrm>
-          <a:prstGeom prst="rect">
-            <a:avLst/>
-          </a:prstGeom>
-        </p:spPr>
-      </p:pic>
-      <p:sp>
-        <p:nvSpPr>
-          <p:cNvPr id="22" name="Rectangle 21">
-            <a:extLst>
-              <a:ext uri="{FF2B5EF4-FFF2-40B4-BE49-F238E27FC236}">
-                <a16:creationId xmlns:a16="http://schemas.microsoft.com/office/drawing/2014/main" id="{1C091803-41C2-48E0-9228-5148460C7479}"/>
+                <a16:creationId xmlns:a16="http://schemas.microsoft.com/office/drawing/2014/main" id="{B57BDC17-F1B3-455F-BBF1-680AA1F25C06}"/>
               </a:ext>
               <a:ext uri="{C183D7F6-B498-43B3-948B-1728B52AA6E4}">
                 <adec:decorative xmlns:adec="http://schemas.microsoft.com/office/drawing/2017/decorative" val="1"/>
               </a:ext>
             </a:extLst>
           </p:cNvPr>
-          <p:cNvSpPr>
-            <a:spLocks noGrp="1" noRot="1" noChangeAspect="1" noMove="1" noResize="1" noEditPoints="1" noAdjustHandles="1" noChangeArrowheads="1" noChangeShapeType="1" noTextEdit="1"/>
-          </p:cNvSpPr>
+          <p:cNvGrpSpPr>
+            <a:grpSpLocks noGrp="1" noUngrp="1" noRot="1" noChangeAspect="1" noMove="1" noResize="1"/>
+          </p:cNvGrpSpPr>
           <p:nvPr>
             <p:extLst>
               <p:ext uri="{386F3935-93C4-4BCD-93E2-E3B085C9AB24}">
@@ -38755,57 +38049,404 @@
               </p:ext>
             </p:extLst>
           </p:nvPr>
-        </p:nvSpPr>
-        <p:spPr>
+        </p:nvGrpSpPr>
+        <p:grpSpPr>
           <a:xfrm>
-            <a:off x="7845755" y="2127680"/>
-            <a:ext cx="3887324" cy="4273119"/>
+            <a:off x="3315292" y="0"/>
+            <a:ext cx="2436813" cy="6858001"/>
+            <a:chOff x="1320800" y="0"/>
+            <a:chExt cx="2436813" cy="6858001"/>
           </a:xfrm>
-          <a:prstGeom prst="rect">
-            <a:avLst/>
-          </a:prstGeom>
-          <a:solidFill>
-            <a:schemeClr val="tx1">
-              <a:lumMod val="50000"/>
-              <a:lumOff val="50000"/>
-              <a:alpha val="20000"/>
-            </a:schemeClr>
-          </a:solidFill>
-          <a:ln>
-            <a:noFill/>
-          </a:ln>
-        </p:spPr>
-        <p:style>
-          <a:lnRef idx="2">
-            <a:schemeClr val="accent1">
-              <a:shade val="50000"/>
-            </a:schemeClr>
-          </a:lnRef>
-          <a:fillRef idx="1">
-            <a:schemeClr val="accent1"/>
-          </a:fillRef>
-          <a:effectRef idx="0">
-            <a:schemeClr val="accent1"/>
-          </a:effectRef>
-          <a:fontRef idx="minor">
-            <a:schemeClr val="lt1"/>
-          </a:fontRef>
-        </p:style>
-        <p:txBody>
-          <a:bodyPr rtlCol="0" anchor="ctr"/>
-          <a:lstStyle/>
-          <a:p>
-            <a:pPr algn="ctr"/>
-            <a:endParaRPr lang="en-US"/>
-          </a:p>
-        </p:txBody>
-      </p:sp>
+        </p:grpSpPr>
+        <p:sp>
+          <p:nvSpPr>
+            <p:cNvPr id="12" name="Freeform 6">
+              <a:extLst>
+                <a:ext uri="{FF2B5EF4-FFF2-40B4-BE49-F238E27FC236}">
+                  <a16:creationId xmlns:a16="http://schemas.microsoft.com/office/drawing/2014/main" id="{64E2FA9A-FEF7-4501-B0EB-5E45EDD2177A}"/>
+                </a:ext>
+                <a:ext uri="{C183D7F6-B498-43B3-948B-1728B52AA6E4}">
+                  <adec:decorative xmlns:adec="http://schemas.microsoft.com/office/drawing/2017/decorative" val="1"/>
+                </a:ext>
+              </a:extLst>
+            </p:cNvPr>
+            <p:cNvSpPr/>
+            <p:nvPr>
+              <p:extLst>
+                <p:ext uri="{386F3935-93C4-4BCD-93E2-E3B085C9AB24}">
+                  <p16:designElem xmlns:p16="http://schemas.microsoft.com/office/powerpoint/2015/main" val="1"/>
+                </p:ext>
+              </p:extLst>
+            </p:nvPr>
+          </p:nvSpPr>
+          <p:spPr bwMode="auto">
+            <a:xfrm>
+              <a:off x="1627188" y="0"/>
+              <a:ext cx="1122363" cy="5329238"/>
+            </a:xfrm>
+            <a:custGeom>
+              <a:avLst/>
+              <a:gdLst/>
+              <a:ahLst/>
+              <a:cxnLst/>
+              <a:rect l="0" t="0" r="r" b="b"/>
+              <a:pathLst>
+                <a:path w="707" h="3357">
+                  <a:moveTo>
+                    <a:pt x="0" y="3330"/>
+                  </a:moveTo>
+                  <a:lnTo>
+                    <a:pt x="156" y="3357"/>
+                  </a:lnTo>
+                  <a:lnTo>
+                    <a:pt x="707" y="0"/>
+                  </a:lnTo>
+                  <a:lnTo>
+                    <a:pt x="547" y="0"/>
+                  </a:lnTo>
+                  <a:lnTo>
+                    <a:pt x="0" y="3330"/>
+                  </a:lnTo>
+                  <a:close/>
+                </a:path>
+              </a:pathLst>
+            </a:custGeom>
+            <a:solidFill>
+              <a:schemeClr val="accent1"/>
+            </a:solidFill>
+            <a:ln>
+              <a:noFill/>
+            </a:ln>
+          </p:spPr>
+        </p:sp>
+        <p:sp>
+          <p:nvSpPr>
+            <p:cNvPr id="13" name="Freeform 7">
+              <a:extLst>
+                <a:ext uri="{FF2B5EF4-FFF2-40B4-BE49-F238E27FC236}">
+                  <a16:creationId xmlns:a16="http://schemas.microsoft.com/office/drawing/2014/main" id="{BC38192B-B4CB-47D4-A3B1-10010247F158}"/>
+                </a:ext>
+                <a:ext uri="{C183D7F6-B498-43B3-948B-1728B52AA6E4}">
+                  <adec:decorative xmlns:adec="http://schemas.microsoft.com/office/drawing/2017/decorative" val="1"/>
+                </a:ext>
+              </a:extLst>
+            </p:cNvPr>
+            <p:cNvSpPr/>
+            <p:nvPr>
+              <p:extLst>
+                <p:ext uri="{386F3935-93C4-4BCD-93E2-E3B085C9AB24}">
+                  <p16:designElem xmlns:p16="http://schemas.microsoft.com/office/powerpoint/2015/main" val="1"/>
+                </p:ext>
+              </p:extLst>
+            </p:nvPr>
+          </p:nvSpPr>
+          <p:spPr bwMode="auto">
+            <a:xfrm>
+              <a:off x="1320800" y="0"/>
+              <a:ext cx="1117600" cy="5276850"/>
+            </a:xfrm>
+            <a:custGeom>
+              <a:avLst/>
+              <a:gdLst/>
+              <a:ahLst/>
+              <a:cxnLst/>
+              <a:rect l="0" t="0" r="r" b="b"/>
+              <a:pathLst>
+                <a:path w="704" h="3324">
+                  <a:moveTo>
+                    <a:pt x="704" y="0"/>
+                  </a:moveTo>
+                  <a:lnTo>
+                    <a:pt x="545" y="0"/>
+                  </a:lnTo>
+                  <a:lnTo>
+                    <a:pt x="0" y="3300"/>
+                  </a:lnTo>
+                  <a:lnTo>
+                    <a:pt x="157" y="3324"/>
+                  </a:lnTo>
+                  <a:lnTo>
+                    <a:pt x="704" y="0"/>
+                  </a:lnTo>
+                  <a:close/>
+                </a:path>
+              </a:pathLst>
+            </a:custGeom>
+            <a:solidFill>
+              <a:srgbClr val="595959"/>
+            </a:solidFill>
+            <a:ln>
+              <a:noFill/>
+            </a:ln>
+          </p:spPr>
+        </p:sp>
+        <p:sp>
+          <p:nvSpPr>
+            <p:cNvPr id="14" name="Freeform 8">
+              <a:extLst>
+                <a:ext uri="{FF2B5EF4-FFF2-40B4-BE49-F238E27FC236}">
+                  <a16:creationId xmlns:a16="http://schemas.microsoft.com/office/drawing/2014/main" id="{96330E33-E171-4B0F-82B5-AF7230399B5C}"/>
+                </a:ext>
+                <a:ext uri="{C183D7F6-B498-43B3-948B-1728B52AA6E4}">
+                  <adec:decorative xmlns:adec="http://schemas.microsoft.com/office/drawing/2017/decorative" val="1"/>
+                </a:ext>
+              </a:extLst>
+            </p:cNvPr>
+            <p:cNvSpPr/>
+            <p:nvPr>
+              <p:extLst>
+                <p:ext uri="{386F3935-93C4-4BCD-93E2-E3B085C9AB24}">
+                  <p16:designElem xmlns:p16="http://schemas.microsoft.com/office/powerpoint/2015/main" val="1"/>
+                </p:ext>
+              </p:extLst>
+            </p:nvPr>
+          </p:nvSpPr>
+          <p:spPr bwMode="auto">
+            <a:xfrm>
+              <a:off x="1320800" y="5238750"/>
+              <a:ext cx="1228725" cy="1619250"/>
+            </a:xfrm>
+            <a:custGeom>
+              <a:avLst/>
+              <a:gdLst/>
+              <a:ahLst/>
+              <a:cxnLst/>
+              <a:rect l="0" t="0" r="r" b="b"/>
+              <a:pathLst>
+                <a:path w="774" h="1020">
+                  <a:moveTo>
+                    <a:pt x="0" y="0"/>
+                  </a:moveTo>
+                  <a:lnTo>
+                    <a:pt x="740" y="1020"/>
+                  </a:lnTo>
+                  <a:lnTo>
+                    <a:pt x="774" y="1020"/>
+                  </a:lnTo>
+                  <a:lnTo>
+                    <a:pt x="0" y="0"/>
+                  </a:lnTo>
+                  <a:close/>
+                </a:path>
+              </a:pathLst>
+            </a:custGeom>
+            <a:solidFill>
+              <a:srgbClr val="262626"/>
+            </a:solidFill>
+            <a:ln>
+              <a:noFill/>
+            </a:ln>
+          </p:spPr>
+        </p:sp>
+        <p:sp>
+          <p:nvSpPr>
+            <p:cNvPr id="15" name="Freeform 9">
+              <a:extLst>
+                <a:ext uri="{FF2B5EF4-FFF2-40B4-BE49-F238E27FC236}">
+                  <a16:creationId xmlns:a16="http://schemas.microsoft.com/office/drawing/2014/main" id="{332B1723-69BF-42D7-B757-0FA059E15256}"/>
+                </a:ext>
+                <a:ext uri="{C183D7F6-B498-43B3-948B-1728B52AA6E4}">
+                  <adec:decorative xmlns:adec="http://schemas.microsoft.com/office/drawing/2017/decorative" val="1"/>
+                </a:ext>
+              </a:extLst>
+            </p:cNvPr>
+            <p:cNvSpPr/>
+            <p:nvPr>
+              <p:extLst>
+                <p:ext uri="{386F3935-93C4-4BCD-93E2-E3B085C9AB24}">
+                  <p16:designElem xmlns:p16="http://schemas.microsoft.com/office/powerpoint/2015/main" val="1"/>
+                </p:ext>
+              </p:extLst>
+            </p:nvPr>
+          </p:nvSpPr>
+          <p:spPr bwMode="auto">
+            <a:xfrm>
+              <a:off x="1627188" y="5291138"/>
+              <a:ext cx="1495425" cy="1566863"/>
+            </a:xfrm>
+            <a:custGeom>
+              <a:avLst/>
+              <a:gdLst/>
+              <a:ahLst/>
+              <a:cxnLst/>
+              <a:rect l="0" t="0" r="r" b="b"/>
+              <a:pathLst>
+                <a:path w="942" h="987">
+                  <a:moveTo>
+                    <a:pt x="0" y="0"/>
+                  </a:moveTo>
+                  <a:lnTo>
+                    <a:pt x="909" y="987"/>
+                  </a:lnTo>
+                  <a:lnTo>
+                    <a:pt x="942" y="987"/>
+                  </a:lnTo>
+                  <a:lnTo>
+                    <a:pt x="0" y="0"/>
+                  </a:lnTo>
+                  <a:close/>
+                </a:path>
+              </a:pathLst>
+            </a:custGeom>
+            <a:solidFill>
+              <a:schemeClr val="accent1">
+                <a:lumMod val="50000"/>
+              </a:schemeClr>
+            </a:solidFill>
+            <a:ln>
+              <a:noFill/>
+            </a:ln>
+          </p:spPr>
+        </p:sp>
+        <p:sp>
+          <p:nvSpPr>
+            <p:cNvPr id="16" name="Freeform 10">
+              <a:extLst>
+                <a:ext uri="{FF2B5EF4-FFF2-40B4-BE49-F238E27FC236}">
+                  <a16:creationId xmlns:a16="http://schemas.microsoft.com/office/drawing/2014/main" id="{F115D62D-1E96-48D1-A78D-D370A0BFB9B5}"/>
+                </a:ext>
+                <a:ext uri="{C183D7F6-B498-43B3-948B-1728B52AA6E4}">
+                  <adec:decorative xmlns:adec="http://schemas.microsoft.com/office/drawing/2017/decorative" val="1"/>
+                </a:ext>
+              </a:extLst>
+            </p:cNvPr>
+            <p:cNvSpPr/>
+            <p:nvPr>
+              <p:extLst>
+                <p:ext uri="{386F3935-93C4-4BCD-93E2-E3B085C9AB24}">
+                  <p16:designElem xmlns:p16="http://schemas.microsoft.com/office/powerpoint/2015/main" val="1"/>
+                </p:ext>
+              </p:extLst>
+            </p:nvPr>
+          </p:nvSpPr>
+          <p:spPr bwMode="auto">
+            <a:xfrm>
+              <a:off x="1627188" y="5286375"/>
+              <a:ext cx="2130425" cy="1571625"/>
+            </a:xfrm>
+            <a:custGeom>
+              <a:avLst/>
+              <a:gdLst/>
+              <a:ahLst/>
+              <a:cxnLst/>
+              <a:rect l="0" t="0" r="r" b="b"/>
+              <a:pathLst>
+                <a:path w="1342" h="990">
+                  <a:moveTo>
+                    <a:pt x="0" y="3"/>
+                  </a:moveTo>
+                  <a:lnTo>
+                    <a:pt x="942" y="990"/>
+                  </a:lnTo>
+                  <a:lnTo>
+                    <a:pt x="1342" y="990"/>
+                  </a:lnTo>
+                  <a:lnTo>
+                    <a:pt x="156" y="27"/>
+                  </a:lnTo>
+                  <a:lnTo>
+                    <a:pt x="0" y="0"/>
+                  </a:lnTo>
+                  <a:lnTo>
+                    <a:pt x="0" y="3"/>
+                  </a:lnTo>
+                  <a:close/>
+                </a:path>
+              </a:pathLst>
+            </a:custGeom>
+            <a:solidFill>
+              <a:schemeClr val="accent1">
+                <a:lumMod val="75000"/>
+              </a:schemeClr>
+            </a:solidFill>
+            <a:ln>
+              <a:noFill/>
+            </a:ln>
+          </p:spPr>
+        </p:sp>
+        <p:sp>
+          <p:nvSpPr>
+            <p:cNvPr id="17" name="Freeform 11">
+              <a:extLst>
+                <a:ext uri="{FF2B5EF4-FFF2-40B4-BE49-F238E27FC236}">
+                  <a16:creationId xmlns:a16="http://schemas.microsoft.com/office/drawing/2014/main" id="{91C2876A-169D-4822-A766-C00578C88B4B}"/>
+                </a:ext>
+                <a:ext uri="{C183D7F6-B498-43B3-948B-1728B52AA6E4}">
+                  <adec:decorative xmlns:adec="http://schemas.microsoft.com/office/drawing/2017/decorative" val="1"/>
+                </a:ext>
+              </a:extLst>
+            </p:cNvPr>
+            <p:cNvSpPr/>
+            <p:nvPr>
+              <p:extLst>
+                <p:ext uri="{386F3935-93C4-4BCD-93E2-E3B085C9AB24}">
+                  <p16:designElem xmlns:p16="http://schemas.microsoft.com/office/powerpoint/2015/main" val="1"/>
+                </p:ext>
+              </p:extLst>
+            </p:nvPr>
+          </p:nvSpPr>
+          <p:spPr bwMode="auto">
+            <a:xfrm>
+              <a:off x="1320800" y="5238750"/>
+              <a:ext cx="1695450" cy="1619250"/>
+            </a:xfrm>
+            <a:custGeom>
+              <a:avLst/>
+              <a:gdLst/>
+              <a:ahLst/>
+              <a:cxnLst/>
+              <a:rect l="0" t="0" r="r" b="b"/>
+              <a:pathLst>
+                <a:path w="1068" h="1020">
+                  <a:moveTo>
+                    <a:pt x="1068" y="1020"/>
+                  </a:moveTo>
+                  <a:lnTo>
+                    <a:pt x="184" y="60"/>
+                  </a:lnTo>
+                  <a:lnTo>
+                    <a:pt x="154" y="27"/>
+                  </a:lnTo>
+                  <a:lnTo>
+                    <a:pt x="157" y="27"/>
+                  </a:lnTo>
+                  <a:lnTo>
+                    <a:pt x="157" y="24"/>
+                  </a:lnTo>
+                  <a:lnTo>
+                    <a:pt x="154" y="24"/>
+                  </a:lnTo>
+                  <a:lnTo>
+                    <a:pt x="0" y="0"/>
+                  </a:lnTo>
+                  <a:lnTo>
+                    <a:pt x="0" y="0"/>
+                  </a:lnTo>
+                  <a:lnTo>
+                    <a:pt x="774" y="1020"/>
+                  </a:lnTo>
+                  <a:lnTo>
+                    <a:pt x="1068" y="1020"/>
+                  </a:lnTo>
+                  <a:close/>
+                </a:path>
+              </a:pathLst>
+            </a:custGeom>
+            <a:solidFill>
+              <a:srgbClr val="404040"/>
+            </a:solidFill>
+            <a:ln>
+              <a:noFill/>
+            </a:ln>
+          </p:spPr>
+        </p:sp>
+      </p:grpSp>
       <p:sp>
         <p:nvSpPr>
-          <p:cNvPr id="4" name="Content Placeholder 3">
+          <p:cNvPr id="2" name="Title 1">
             <a:extLst>
               <a:ext uri="{FF2B5EF4-FFF2-40B4-BE49-F238E27FC236}">
-                <a16:creationId xmlns:a16="http://schemas.microsoft.com/office/drawing/2014/main" id="{044A21C3-5158-4EDC-9AA6-B1E4579B4D00}"/>
+                <a16:creationId xmlns:a16="http://schemas.microsoft.com/office/drawing/2014/main" id="{24CA2AB5-0B80-4D64-9138-9335AE0094ED}"/>
               </a:ext>
             </a:extLst>
           </p:cNvPr>
@@ -38813,56 +38454,415 @@
             <a:spLocks noGrp="1"/>
           </p:cNvSpPr>
           <p:nvPr>
-            <p:ph sz="half" idx="2"/>
+            <p:ph type="title"/>
           </p:nvPr>
         </p:nvSpPr>
         <p:spPr>
           <a:xfrm>
-            <a:off x="8109311" y="2393792"/>
-            <a:ext cx="3360212" cy="3740893"/>
+            <a:off x="535020" y="685800"/>
+            <a:ext cx="2780271" cy="5105400"/>
           </a:xfrm>
         </p:spPr>
         <p:txBody>
-          <a:bodyPr vert="horz" lIns="91440" tIns="45720" rIns="91440" bIns="45720" rtlCol="0" anchor="ctr">
+          <a:bodyPr>
             <a:normAutofit/>
           </a:bodyPr>
           <a:lstStyle/>
           <a:p>
-            <a:pPr marL="0" indent="0">
-              <a:buNone/>
-            </a:pPr>
-            <a:endParaRPr lang="en-US" sz="2400" dirty="0"/>
-          </a:p>
-          <a:p>
             <a:r>
-              <a:rPr lang="en-US" sz="2200" dirty="0"/>
-              <a:t>Cluster 0 has low churn rate.</a:t>
-            </a:r>
-          </a:p>
-          <a:p>
-            <a:endParaRPr lang="en-US" sz="2200" dirty="0"/>
-          </a:p>
-          <a:p>
-            <a:r>
-              <a:rPr lang="en-US" sz="2200" dirty="0"/>
-              <a:t>Cluster 2, labeled as High Risk, has large number of churned clients.</a:t>
+              <a:rPr lang="en-US" sz="4000">
+                <a:solidFill>
+                  <a:srgbClr val="FFFFFF"/>
+                </a:solidFill>
+              </a:rPr>
+              <a:t>Identifying Clusters</a:t>
             </a:r>
           </a:p>
         </p:txBody>
       </p:sp>
+      <p:graphicFrame>
+        <p:nvGraphicFramePr>
+          <p:cNvPr id="4" name="Table 4">
+            <a:extLst>
+              <a:ext uri="{FF2B5EF4-FFF2-40B4-BE49-F238E27FC236}">
+                <a16:creationId xmlns:a16="http://schemas.microsoft.com/office/drawing/2014/main" id="{91DB84C5-D42B-40E2-A191-0C4BFE4BEB8A}"/>
+              </a:ext>
+            </a:extLst>
+          </p:cNvPr>
+          <p:cNvGraphicFramePr>
+            <a:graphicFrameLocks noGrp="1"/>
+          </p:cNvGraphicFramePr>
+          <p:nvPr>
+            <p:ph idx="1"/>
+            <p:extLst>
+              <p:ext uri="{D42A27DB-BD31-4B8C-83A1-F6EECF244321}">
+                <p14:modId xmlns:p14="http://schemas.microsoft.com/office/powerpoint/2010/main" val="3508070320"/>
+              </p:ext>
+            </p:extLst>
+          </p:nvPr>
+        </p:nvGraphicFramePr>
+        <p:xfrm>
+          <a:off x="4522374" y="1749012"/>
+          <a:ext cx="7522461" cy="3570282"/>
+        </p:xfrm>
+        <a:graphic>
+          <a:graphicData uri="http://schemas.openxmlformats.org/drawingml/2006/table">
+            <a:tbl>
+              <a:tblPr firstRow="1" bandRow="1">
+                <a:effectLst>
+                  <a:innerShdw blurRad="76200" dist="63500" dir="1200000">
+                    <a:srgbClr val="002060">
+                      <a:alpha val="50000"/>
+                    </a:srgbClr>
+                  </a:innerShdw>
+                </a:effectLst>
+                <a:tableStyleId>{5C22544A-7EE6-4342-B048-85BDC9FD1C3A}</a:tableStyleId>
+              </a:tblPr>
+              <a:tblGrid>
+                <a:gridCol w="2494066">
+                  <a:extLst>
+                    <a:ext uri="{9D8B030D-6E8A-4147-A177-3AD203B41FA5}">
+                      <a16:colId xmlns:a16="http://schemas.microsoft.com/office/drawing/2014/main" val="1310406833"/>
+                    </a:ext>
+                  </a:extLst>
+                </a:gridCol>
+                <a:gridCol w="5028395">
+                  <a:extLst>
+                    <a:ext uri="{9D8B030D-6E8A-4147-A177-3AD203B41FA5}">
+                      <a16:colId xmlns:a16="http://schemas.microsoft.com/office/drawing/2014/main" val="2739832833"/>
+                    </a:ext>
+                  </a:extLst>
+                </a:gridCol>
+              </a:tblGrid>
+              <a:tr h="828335">
+                <a:tc>
+                  <a:txBody>
+                    <a:bodyPr/>
+                    <a:lstStyle/>
+                    <a:p>
+                      <a:pPr algn="ctr"/>
+                      <a:r>
+                        <a:rPr lang="en-US" sz="4500" dirty="0"/>
+                        <a:t>CLUSTER</a:t>
+                      </a:r>
+                    </a:p>
+                  </a:txBody>
+                  <a:tcPr marL="102686" marR="102686" marT="51343" marB="51343" anchor="ctr"/>
+                </a:tc>
+                <a:tc>
+                  <a:txBody>
+                    <a:bodyPr/>
+                    <a:lstStyle/>
+                    <a:p>
+                      <a:pPr algn="ctr"/>
+                      <a:r>
+                        <a:rPr lang="en-US" sz="4500" dirty="0"/>
+                        <a:t>LABEL</a:t>
+                      </a:r>
+                    </a:p>
+                  </a:txBody>
+                  <a:tcPr marL="102686" marR="102686" marT="51343" marB="51343" anchor="ctr"/>
+                </a:tc>
+                <a:extLst>
+                  <a:ext uri="{0D108BD9-81ED-4DB2-BD59-A6C34878D82A}">
+                    <a16:rowId xmlns:a16="http://schemas.microsoft.com/office/drawing/2014/main" val="3858354930"/>
+                  </a:ext>
+                </a:extLst>
+              </a:tr>
+              <a:tr h="527987">
+                <a:tc>
+                  <a:txBody>
+                    <a:bodyPr/>
+                    <a:lstStyle/>
+                    <a:p>
+                      <a:pPr algn="ctr" fontAlgn="b"/>
+                      <a:r>
+                        <a:rPr lang="en-US" sz="2600" b="0" i="0" u="none" strike="noStrike">
+                          <a:solidFill>
+                            <a:srgbClr val="000000"/>
+                          </a:solidFill>
+                          <a:effectLst/>
+                          <a:latin typeface="Calibri" panose="020F0502020204030204" pitchFamily="34" charset="0"/>
+                        </a:rPr>
+                        <a:t> Cluster 0</a:t>
+                      </a:r>
+                    </a:p>
+                  </a:txBody>
+                  <a:tcPr marL="10696" marR="10696" marT="10696" marB="0" anchor="ctr"/>
+                </a:tc>
+                <a:tc>
+                  <a:txBody>
+                    <a:bodyPr/>
+                    <a:lstStyle/>
+                    <a:p>
+                      <a:pPr algn="ctr" fontAlgn="b"/>
+                      <a:r>
+                        <a:rPr lang="en-US" sz="2600" b="0" i="0" u="none" strike="noStrike" dirty="0">
+                          <a:solidFill>
+                            <a:srgbClr val="000000"/>
+                          </a:solidFill>
+                          <a:effectLst/>
+                          <a:latin typeface="Calibri" panose="020F0502020204030204" pitchFamily="34" charset="0"/>
+                        </a:rPr>
+                        <a:t> Low value frequent users of services</a:t>
+                      </a:r>
+                    </a:p>
+                  </a:txBody>
+                  <a:tcPr marL="10696" marR="10696" marT="10696" marB="0" anchor="ctr"/>
+                </a:tc>
+                <a:extLst>
+                  <a:ext uri="{0D108BD9-81ED-4DB2-BD59-A6C34878D82A}">
+                    <a16:rowId xmlns:a16="http://schemas.microsoft.com/office/drawing/2014/main" val="201562301"/>
+                  </a:ext>
+                </a:extLst>
+              </a:tr>
+              <a:tr h="462515">
+                <a:tc>
+                  <a:txBody>
+                    <a:bodyPr/>
+                    <a:lstStyle/>
+                    <a:p>
+                      <a:pPr algn="ctr" fontAlgn="b"/>
+                      <a:r>
+                        <a:rPr lang="en-US" sz="2600" b="0" i="0" u="none" strike="noStrike">
+                          <a:solidFill>
+                            <a:srgbClr val="000000"/>
+                          </a:solidFill>
+                          <a:effectLst/>
+                          <a:latin typeface="Calibri" panose="020F0502020204030204" pitchFamily="34" charset="0"/>
+                        </a:rPr>
+                        <a:t> Cluster 1</a:t>
+                      </a:r>
+                    </a:p>
+                  </a:txBody>
+                  <a:tcPr marL="10696" marR="10696" marT="10696" marB="0" anchor="ctr"/>
+                </a:tc>
+                <a:tc>
+                  <a:txBody>
+                    <a:bodyPr/>
+                    <a:lstStyle/>
+                    <a:p>
+                      <a:pPr algn="ctr" fontAlgn="b"/>
+                      <a:r>
+                        <a:rPr lang="en-US" sz="2600" b="0" i="0" u="none" strike="noStrike" dirty="0">
+                          <a:solidFill>
+                            <a:srgbClr val="000000"/>
+                          </a:solidFill>
+                          <a:effectLst/>
+                          <a:latin typeface="Calibri" panose="020F0502020204030204" pitchFamily="34" charset="0"/>
+                        </a:rPr>
+                        <a:t> </a:t>
+                      </a:r>
+                      <a:r>
+                        <a:rPr lang="en-US" sz="2600" b="0" i="0" u="none" strike="noStrike" dirty="0">
+                          <a:solidFill>
+                            <a:srgbClr val="FF0000"/>
+                          </a:solidFill>
+                          <a:effectLst/>
+                          <a:latin typeface="Calibri" panose="020F0502020204030204" pitchFamily="34" charset="0"/>
+                        </a:rPr>
+                        <a:t>High risk </a:t>
+                      </a:r>
+                      <a:r>
+                        <a:rPr lang="en-US" sz="2600" b="0" i="0" u="none" strike="noStrike" dirty="0">
+                          <a:solidFill>
+                            <a:srgbClr val="000000"/>
+                          </a:solidFill>
+                          <a:effectLst/>
+                          <a:latin typeface="Calibri" panose="020F0502020204030204" pitchFamily="34" charset="0"/>
+                        </a:rPr>
+                        <a:t>clients</a:t>
+                      </a:r>
+                    </a:p>
+                  </a:txBody>
+                  <a:tcPr marL="10696" marR="10696" marT="10696" marB="0" anchor="ctr"/>
+                </a:tc>
+                <a:extLst>
+                  <a:ext uri="{0D108BD9-81ED-4DB2-BD59-A6C34878D82A}">
+                    <a16:rowId xmlns:a16="http://schemas.microsoft.com/office/drawing/2014/main" val="2855061675"/>
+                  </a:ext>
+                </a:extLst>
+              </a:tr>
+              <a:tr h="415671">
+                <a:tc>
+                  <a:txBody>
+                    <a:bodyPr/>
+                    <a:lstStyle/>
+                    <a:p>
+                      <a:pPr algn="ctr" fontAlgn="b"/>
+                      <a:r>
+                        <a:rPr lang="en-US" sz="2600" b="0" i="0" u="none" strike="noStrike">
+                          <a:solidFill>
+                            <a:srgbClr val="000000"/>
+                          </a:solidFill>
+                          <a:effectLst/>
+                          <a:latin typeface="Calibri" panose="020F0502020204030204" pitchFamily="34" charset="0"/>
+                        </a:rPr>
+                        <a:t> Cluster 2</a:t>
+                      </a:r>
+                    </a:p>
+                  </a:txBody>
+                  <a:tcPr marL="10696" marR="10696" marT="10696" marB="0" anchor="ctr"/>
+                </a:tc>
+                <a:tc>
+                  <a:txBody>
+                    <a:bodyPr/>
+                    <a:lstStyle/>
+                    <a:p>
+                      <a:pPr algn="ctr" fontAlgn="b"/>
+                      <a:r>
+                        <a:rPr lang="en-US" sz="2600" b="0" i="0" u="none" strike="noStrike" dirty="0">
+                          <a:solidFill>
+                            <a:srgbClr val="000000"/>
+                          </a:solidFill>
+                          <a:effectLst/>
+                          <a:latin typeface="Calibri" panose="020F0502020204030204" pitchFamily="34" charset="0"/>
+                        </a:rPr>
+                        <a:t> Regular clients</a:t>
+                      </a:r>
+                    </a:p>
+                  </a:txBody>
+                  <a:tcPr marL="10696" marR="10696" marT="10696" marB="0" anchor="ctr"/>
+                </a:tc>
+                <a:extLst>
+                  <a:ext uri="{0D108BD9-81ED-4DB2-BD59-A6C34878D82A}">
+                    <a16:rowId xmlns:a16="http://schemas.microsoft.com/office/drawing/2014/main" val="4288892595"/>
+                  </a:ext>
+                </a:extLst>
+              </a:tr>
+              <a:tr h="873259">
+                <a:tc>
+                  <a:txBody>
+                    <a:bodyPr/>
+                    <a:lstStyle/>
+                    <a:p>
+                      <a:pPr algn="ctr" fontAlgn="b"/>
+                      <a:r>
+                        <a:rPr lang="en-US" sz="2600" b="0" i="0" u="none" strike="noStrike">
+                          <a:solidFill>
+                            <a:srgbClr val="000000"/>
+                          </a:solidFill>
+                          <a:effectLst/>
+                          <a:latin typeface="Calibri" panose="020F0502020204030204" pitchFamily="34" charset="0"/>
+                        </a:rPr>
+                        <a:t> Cluster 3</a:t>
+                      </a:r>
+                    </a:p>
+                  </a:txBody>
+                  <a:tcPr marL="10696" marR="10696" marT="10696" marB="0" anchor="ctr"/>
+                </a:tc>
+                <a:tc>
+                  <a:txBody>
+                    <a:bodyPr/>
+                    <a:lstStyle/>
+                    <a:p>
+                      <a:pPr algn="ctr" fontAlgn="b"/>
+                      <a:r>
+                        <a:rPr lang="en-US" sz="2600" b="0" i="0" u="none" strike="noStrike" dirty="0">
+                          <a:solidFill>
+                            <a:srgbClr val="000000"/>
+                          </a:solidFill>
+                          <a:effectLst/>
+                          <a:latin typeface="Calibri" panose="020F0502020204030204" pitchFamily="34" charset="0"/>
+                        </a:rPr>
+                        <a:t> Most loyal clients. </a:t>
+                      </a:r>
+                    </a:p>
+                    <a:p>
+                      <a:pPr algn="ctr" fontAlgn="b"/>
+                      <a:r>
+                        <a:rPr lang="en-US" sz="2600" b="0" i="0" u="none" strike="noStrike" dirty="0">
+                          <a:solidFill>
+                            <a:srgbClr val="000000"/>
+                          </a:solidFill>
+                          <a:effectLst/>
+                          <a:latin typeface="Calibri" panose="020F0502020204030204" pitchFamily="34" charset="0"/>
+                        </a:rPr>
+                        <a:t>(mostly consists of older clients)</a:t>
+                      </a:r>
+                    </a:p>
+                  </a:txBody>
+                  <a:tcPr marL="10696" marR="10696" marT="10696" marB="0" anchor="ctr"/>
+                </a:tc>
+                <a:extLst>
+                  <a:ext uri="{0D108BD9-81ED-4DB2-BD59-A6C34878D82A}">
+                    <a16:rowId xmlns:a16="http://schemas.microsoft.com/office/drawing/2014/main" val="4025865286"/>
+                  </a:ext>
+                </a:extLst>
+              </a:tr>
+              <a:tr h="462515">
+                <a:tc>
+                  <a:txBody>
+                    <a:bodyPr/>
+                    <a:lstStyle/>
+                    <a:p>
+                      <a:pPr algn="ctr" fontAlgn="b"/>
+                      <a:r>
+                        <a:rPr lang="en-US" sz="2600" b="0" i="0" u="none" strike="noStrike">
+                          <a:solidFill>
+                            <a:srgbClr val="000000"/>
+                          </a:solidFill>
+                          <a:effectLst/>
+                          <a:latin typeface="Calibri" panose="020F0502020204030204" pitchFamily="34" charset="0"/>
+                        </a:rPr>
+                        <a:t> Cluster 4</a:t>
+                      </a:r>
+                    </a:p>
+                  </a:txBody>
+                  <a:tcPr marL="10696" marR="10696" marT="10696" marB="0" anchor="ctr"/>
+                </a:tc>
+                <a:tc>
+                  <a:txBody>
+                    <a:bodyPr/>
+                    <a:lstStyle/>
+                    <a:p>
+                      <a:pPr algn="ctr" fontAlgn="b"/>
+                      <a:r>
+                        <a:rPr lang="en-US" sz="2600" b="0" i="0" u="none" strike="noStrike" dirty="0">
+                          <a:solidFill>
+                            <a:srgbClr val="000000"/>
+                          </a:solidFill>
+                          <a:effectLst/>
+                          <a:latin typeface="Calibri" panose="020F0502020204030204" pitchFamily="34" charset="0"/>
+                        </a:rPr>
+                        <a:t> High value clients</a:t>
+                      </a:r>
+                    </a:p>
+                  </a:txBody>
+                  <a:tcPr marL="10696" marR="10696" marT="10696" marB="0" anchor="ctr"/>
+                </a:tc>
+                <a:extLst>
+                  <a:ext uri="{0D108BD9-81ED-4DB2-BD59-A6C34878D82A}">
+                    <a16:rowId xmlns:a16="http://schemas.microsoft.com/office/drawing/2014/main" val="554840606"/>
+                  </a:ext>
+                </a:extLst>
+              </a:tr>
+            </a:tbl>
+          </a:graphicData>
+        </a:graphic>
+      </p:graphicFrame>
     </p:spTree>
     <p:extLst>
       <p:ext uri="{BB962C8B-B14F-4D97-AF65-F5344CB8AC3E}">
-        <p14:creationId xmlns:p14="http://schemas.microsoft.com/office/powerpoint/2010/main" val="3487884788"/>
+        <p14:creationId xmlns:p14="http://schemas.microsoft.com/office/powerpoint/2010/main" val="2610522644"/>
       </p:ext>
     </p:extLst>
   </p:cSld>
   <p:clrMapOvr>
     <a:masterClrMapping/>
   </p:clrMapOvr>
-  <p:transition spd="slow">
-    <p:push dir="u"/>
-  </p:transition>
+  <mc:AlternateContent xmlns:mc="http://schemas.openxmlformats.org/markup-compatibility/2006" xmlns:p14="http://schemas.microsoft.com/office/powerpoint/2010/main">
+    <mc:Choice Requires="p14">
+      <p:transition spd="slow" p14:dur="900">
+        <p14:warp/>
+      </p:transition>
+    </mc:Choice>
+    <mc:Fallback xmlns="">
+      <p:transition spd="slow">
+        <p:fade/>
+      </p:transition>
+    </mc:Fallback>
+  </mc:AlternateContent>
 </p:sld>
 </file>
 

--- a/presentation.pptx
+++ b/presentation.pptx
@@ -149,7 +149,7 @@
   <pc:docChgLst>
     <pc:chgData name="Tamjid Ahsan" userId="15c1a18861ae33e8" providerId="LiveId" clId="{B4F66AF7-A10F-4D64-B2E7-DA3083221450}"/>
     <pc:docChg chg="undo custSel addSld delSld modSld sldOrd">
-      <pc:chgData name="Tamjid Ahsan" userId="15c1a18861ae33e8" providerId="LiveId" clId="{B4F66AF7-A10F-4D64-B2E7-DA3083221450}" dt="2021-07-24T20:58:32.844" v="3855" actId="120"/>
+      <pc:chgData name="Tamjid Ahsan" userId="15c1a18861ae33e8" providerId="LiveId" clId="{B4F66AF7-A10F-4D64-B2E7-DA3083221450}" dt="2021-07-26T09:55:24.041" v="3882"/>
       <pc:docMkLst>
         <pc:docMk/>
       </pc:docMkLst>
@@ -1651,13 +1651,13 @@
         </pc:picChg>
       </pc:sldChg>
       <pc:sldChg chg="addSp delSp modSp new mod ord modTransition setBg">
-        <pc:chgData name="Tamjid Ahsan" userId="15c1a18861ae33e8" providerId="LiveId" clId="{B4F66AF7-A10F-4D64-B2E7-DA3083221450}" dt="2021-07-24T19:43:39.345" v="3826" actId="1076"/>
+        <pc:chgData name="Tamjid Ahsan" userId="15c1a18861ae33e8" providerId="LiveId" clId="{B4F66AF7-A10F-4D64-B2E7-DA3083221450}" dt="2021-07-26T09:55:24.041" v="3882"/>
         <pc:sldMkLst>
           <pc:docMk/>
           <pc:sldMk cId="3266602803" sldId="283"/>
         </pc:sldMkLst>
         <pc:spChg chg="mod">
-          <ac:chgData name="Tamjid Ahsan" userId="15c1a18861ae33e8" providerId="LiveId" clId="{B4F66AF7-A10F-4D64-B2E7-DA3083221450}" dt="2021-07-22T20:30:24.621" v="2978"/>
+          <ac:chgData name="Tamjid Ahsan" userId="15c1a18861ae33e8" providerId="LiveId" clId="{B4F66AF7-A10F-4D64-B2E7-DA3083221450}" dt="2021-07-26T09:55:08.531" v="3879" actId="20577"/>
           <ac:spMkLst>
             <pc:docMk/>
             <pc:sldMk cId="3266602803" sldId="283"/>
@@ -1769,7 +1769,7 @@
           </ac:picMkLst>
         </pc:picChg>
         <pc:cxnChg chg="add mod">
-          <ac:chgData name="Tamjid Ahsan" userId="15c1a18861ae33e8" providerId="LiveId" clId="{B4F66AF7-A10F-4D64-B2E7-DA3083221450}" dt="2021-07-22T20:30:15.966" v="2973"/>
+          <ac:chgData name="Tamjid Ahsan" userId="15c1a18861ae33e8" providerId="LiveId" clId="{B4F66AF7-A10F-4D64-B2E7-DA3083221450}" dt="2021-07-26T09:55:24.041" v="3882"/>
           <ac:cxnSpMkLst>
             <pc:docMk/>
             <pc:sldMk cId="3266602803" sldId="283"/>
@@ -1778,13 +1778,13 @@
         </pc:cxnChg>
       </pc:sldChg>
       <pc:sldChg chg="addSp delSp modSp new mod ord modTransition setBg">
-        <pc:chgData name="Tamjid Ahsan" userId="15c1a18861ae33e8" providerId="LiveId" clId="{B4F66AF7-A10F-4D64-B2E7-DA3083221450}" dt="2021-07-24T17:20:10.651" v="3246" actId="1076"/>
+        <pc:chgData name="Tamjid Ahsan" userId="15c1a18861ae33e8" providerId="LiveId" clId="{B4F66AF7-A10F-4D64-B2E7-DA3083221450}" dt="2021-07-26T09:32:11.801" v="3860" actId="1076"/>
         <pc:sldMkLst>
           <pc:docMk/>
           <pc:sldMk cId="746939195" sldId="284"/>
         </pc:sldMkLst>
         <pc:spChg chg="mod">
-          <ac:chgData name="Tamjid Ahsan" userId="15c1a18861ae33e8" providerId="LiveId" clId="{B4F66AF7-A10F-4D64-B2E7-DA3083221450}" dt="2021-07-19T02:50:11.163" v="1924" actId="1076"/>
+          <ac:chgData name="Tamjid Ahsan" userId="15c1a18861ae33e8" providerId="LiveId" clId="{B4F66AF7-A10F-4D64-B2E7-DA3083221450}" dt="2021-07-26T09:32:11.801" v="3860" actId="1076"/>
           <ac:spMkLst>
             <pc:docMk/>
             <pc:sldMk cId="746939195" sldId="284"/>
@@ -2576,7 +2576,7 @@
         </pc:sldMkLst>
       </pc:sldChg>
       <pc:sldChg chg="addSp delSp modSp new mod ord modTransition setBg">
-        <pc:chgData name="Tamjid Ahsan" userId="15c1a18861ae33e8" providerId="LiveId" clId="{B4F66AF7-A10F-4D64-B2E7-DA3083221450}" dt="2021-07-24T20:57:22.746" v="3848" actId="207"/>
+        <pc:chgData name="Tamjid Ahsan" userId="15c1a18861ae33e8" providerId="LiveId" clId="{B4F66AF7-A10F-4D64-B2E7-DA3083221450}" dt="2021-07-26T09:31:01.530" v="3859" actId="20577"/>
         <pc:sldMkLst>
           <pc:docMk/>
           <pc:sldMk cId="3487884788" sldId="291"/>
@@ -2598,7 +2598,7 @@
           </ac:spMkLst>
         </pc:spChg>
         <pc:spChg chg="add mod">
-          <ac:chgData name="Tamjid Ahsan" userId="15c1a18861ae33e8" providerId="LiveId" clId="{B4F66AF7-A10F-4D64-B2E7-DA3083221450}" dt="2021-07-24T17:39:22.382" v="3462" actId="20577"/>
+          <ac:chgData name="Tamjid Ahsan" userId="15c1a18861ae33e8" providerId="LiveId" clId="{B4F66AF7-A10F-4D64-B2E7-DA3083221450}" dt="2021-07-26T09:31:01.530" v="3859" actId="20577"/>
           <ac:spMkLst>
             <pc:docMk/>
             <pc:sldMk cId="3487884788" sldId="291"/>
@@ -11252,7 +11252,7 @@
           <a:p>
             <a:fld id="{E448EBDB-9E27-42DB-A71C-A97646BC799A}" type="datetimeFigureOut">
               <a:rPr lang="en-US" smtClean="0"/>
-              <a:t>7/24/2021</a:t>
+              <a:t>7/26/2021</a:t>
             </a:fld>
             <a:endParaRPr lang="en-US"/>
           </a:p>
@@ -12707,7 +12707,7 @@
           <a:p>
             <a:fld id="{8CEEB9FD-F6D3-4CE3-ACAA-239E79ABE561}" type="datetimeFigureOut">
               <a:rPr lang="en-US" smtClean="0"/>
-              <a:t>7/24/2021</a:t>
+              <a:t>7/26/2021</a:t>
             </a:fld>
             <a:endParaRPr lang="en-US"/>
           </a:p>
@@ -12905,7 +12905,7 @@
           <a:p>
             <a:fld id="{8CEEB9FD-F6D3-4CE3-ACAA-239E79ABE561}" type="datetimeFigureOut">
               <a:rPr lang="en-US" smtClean="0"/>
-              <a:t>7/24/2021</a:t>
+              <a:t>7/26/2021</a:t>
             </a:fld>
             <a:endParaRPr lang="en-US"/>
           </a:p>
@@ -13113,7 +13113,7 @@
           <a:p>
             <a:fld id="{8CEEB9FD-F6D3-4CE3-ACAA-239E79ABE561}" type="datetimeFigureOut">
               <a:rPr lang="en-US" smtClean="0"/>
-              <a:t>7/24/2021</a:t>
+              <a:t>7/26/2021</a:t>
             </a:fld>
             <a:endParaRPr lang="en-US"/>
           </a:p>
@@ -13311,7 +13311,7 @@
           <a:p>
             <a:fld id="{8CEEB9FD-F6D3-4CE3-ACAA-239E79ABE561}" type="datetimeFigureOut">
               <a:rPr lang="en-US" smtClean="0"/>
-              <a:t>7/24/2021</a:t>
+              <a:t>7/26/2021</a:t>
             </a:fld>
             <a:endParaRPr lang="en-US"/>
           </a:p>
@@ -13586,7 +13586,7 @@
           <a:p>
             <a:fld id="{8CEEB9FD-F6D3-4CE3-ACAA-239E79ABE561}" type="datetimeFigureOut">
               <a:rPr lang="en-US" smtClean="0"/>
-              <a:t>7/24/2021</a:t>
+              <a:t>7/26/2021</a:t>
             </a:fld>
             <a:endParaRPr lang="en-US"/>
           </a:p>
@@ -13851,7 +13851,7 @@
           <a:p>
             <a:fld id="{8CEEB9FD-F6D3-4CE3-ACAA-239E79ABE561}" type="datetimeFigureOut">
               <a:rPr lang="en-US" smtClean="0"/>
-              <a:t>7/24/2021</a:t>
+              <a:t>7/26/2021</a:t>
             </a:fld>
             <a:endParaRPr lang="en-US"/>
           </a:p>
@@ -14263,7 +14263,7 @@
           <a:p>
             <a:fld id="{8CEEB9FD-F6D3-4CE3-ACAA-239E79ABE561}" type="datetimeFigureOut">
               <a:rPr lang="en-US" smtClean="0"/>
-              <a:t>7/24/2021</a:t>
+              <a:t>7/26/2021</a:t>
             </a:fld>
             <a:endParaRPr lang="en-US"/>
           </a:p>
@@ -14404,7 +14404,7 @@
           <a:p>
             <a:fld id="{8CEEB9FD-F6D3-4CE3-ACAA-239E79ABE561}" type="datetimeFigureOut">
               <a:rPr lang="en-US" smtClean="0"/>
-              <a:t>7/24/2021</a:t>
+              <a:t>7/26/2021</a:t>
             </a:fld>
             <a:endParaRPr lang="en-US"/>
           </a:p>
@@ -14517,7 +14517,7 @@
           <a:p>
             <a:fld id="{8CEEB9FD-F6D3-4CE3-ACAA-239E79ABE561}" type="datetimeFigureOut">
               <a:rPr lang="en-US" smtClean="0"/>
-              <a:t>7/24/2021</a:t>
+              <a:t>7/26/2021</a:t>
             </a:fld>
             <a:endParaRPr lang="en-US"/>
           </a:p>
@@ -14828,7 +14828,7 @@
           <a:p>
             <a:fld id="{8CEEB9FD-F6D3-4CE3-ACAA-239E79ABE561}" type="datetimeFigureOut">
               <a:rPr lang="en-US" smtClean="0"/>
-              <a:t>7/24/2021</a:t>
+              <a:t>7/26/2021</a:t>
             </a:fld>
             <a:endParaRPr lang="en-US"/>
           </a:p>
@@ -15116,7 +15116,7 @@
           <a:p>
             <a:fld id="{8CEEB9FD-F6D3-4CE3-ACAA-239E79ABE561}" type="datetimeFigureOut">
               <a:rPr lang="en-US" smtClean="0"/>
-              <a:t>7/24/2021</a:t>
+              <a:t>7/26/2021</a:t>
             </a:fld>
             <a:endParaRPr lang="en-US"/>
           </a:p>
@@ -15357,7 +15357,7 @@
           <a:p>
             <a:fld id="{8CEEB9FD-F6D3-4CE3-ACAA-239E79ABE561}" type="datetimeFigureOut">
               <a:rPr lang="en-US" smtClean="0"/>
-              <a:t>7/24/2021</a:t>
+              <a:t>7/26/2021</a:t>
             </a:fld>
             <a:endParaRPr lang="en-US"/>
           </a:p>
@@ -17049,7 +17049,7 @@
           <a:p>
             <a:r>
               <a:rPr lang="en-US" sz="2200" dirty="0"/>
-              <a:t>Cluster 2, labeled as High Risk, has large number of churned clients.</a:t>
+              <a:t>Cluster 1, labeled as High Risk, has large number of churned clients.</a:t>
             </a:r>
           </a:p>
         </p:txBody>
@@ -17118,7 +17118,7 @@
           <a:p>
             <a:r>
               <a:rPr lang="en-US" dirty="0"/>
-              <a:t>Cluster size</a:t>
+              <a:t>Churn Measurements</a:t>
             </a:r>
           </a:p>
         </p:txBody>
@@ -17745,7 +17745,7 @@
         <p:spPr>
           <a:xfrm>
             <a:off x="838200" y="1412203"/>
-            <a:ext cx="4336943" cy="0"/>
+            <a:ext cx="5680295" cy="0"/>
           </a:xfrm>
           <a:prstGeom prst="line">
             <a:avLst/>
@@ -27768,7 +27768,7 @@
         </p:nvSpPr>
         <p:spPr>
           <a:xfrm>
-            <a:off x="314828" y="218542"/>
+            <a:off x="314827" y="109271"/>
             <a:ext cx="4820064" cy="1104857"/>
           </a:xfrm>
           <a:ln w="19050">
